--- a/Unit 3-4 Definitions.pptx
+++ b/Unit 3-4 Definitions.pptx
@@ -21,6 +21,16 @@
     <p:sldId id="268" r:id="rId18"/>
     <p:sldId id="269" r:id="rId19"/>
     <p:sldId id="270" r:id="rId20"/>
+    <p:sldId id="282" r:id="rId21"/>
+    <p:sldId id="273" r:id="rId22"/>
+    <p:sldId id="274" r:id="rId23"/>
+    <p:sldId id="275" r:id="rId24"/>
+    <p:sldId id="276" r:id="rId25"/>
+    <p:sldId id="277" r:id="rId26"/>
+    <p:sldId id="278" r:id="rId27"/>
+    <p:sldId id="279" r:id="rId28"/>
+    <p:sldId id="280" r:id="rId29"/>
+    <p:sldId id="281" r:id="rId30"/>
   </p:sldIdLst>
   <p:sldSz cx="12192000" cy="6858000"/>
   <p:notesSz cx="6858000" cy="9144000"/>
@@ -119,6 +129,11 @@
       </a:defRPr>
     </a:lvl9pPr>
   </p:defaultTextStyle>
+  <p:extLst>
+    <p:ext uri="{EFAFB233-063F-42B5-8137-9DF3F51BA10A}">
+      <p15:sldGuideLst xmlns:p15="http://schemas.microsoft.com/office/powerpoint/2012/main"/>
+    </p:ext>
+  </p:extLst>
 </p:presentation>
 </file>
 
@@ -134,15 +149,447 @@
 </p:cmAuthorLst>
 </file>
 
+<file path=ppt/revisionInfo.xml><?xml version="1.0" encoding="utf-8"?>
+<p1510:revInfo xmlns:a="http://schemas.openxmlformats.org/drawingml/2006/main" xmlns:r="http://schemas.openxmlformats.org/officeDocument/2006/relationships" xmlns:p1510="http://schemas.microsoft.com/office/powerpoint/2015/10/main">
+  <p1510:revLst>
+    <p1510:client id="{36668F78-20BC-4003-801C-8ACC5A4B6E0B}" v="2" dt="2021-03-09T18:15:11.660"/>
+  </p1510:revLst>
+</p1510:revInfo>
+</file>
+
 <file path=ppt/changesInfos/changesInfo1.xml><?xml version="1.0" encoding="utf-8"?>
 <pc:chgInfo xmlns:a="http://schemas.openxmlformats.org/drawingml/2006/main" xmlns:r="http://schemas.openxmlformats.org/officeDocument/2006/relationships" xmlns:ac="http://schemas.microsoft.com/office/drawing/2013/main/command" xmlns:pc="http://schemas.microsoft.com/office/powerpoint/2013/main/command">
   <pc:docChgLst>
     <pc:chgData name="Chen, Jeff" userId="9a3224f5-9893-4468-acd0-6d03119f890b" providerId="ADAL" clId="{36668F78-20BC-4003-801C-8ACC5A4B6E0B}"/>
-    <pc:docChg chg="modSld">
-      <pc:chgData name="Chen, Jeff" userId="9a3224f5-9893-4468-acd0-6d03119f890b" providerId="ADAL" clId="{36668F78-20BC-4003-801C-8ACC5A4B6E0B}" dt="2021-03-08T22:44:02.183" v="0" actId="1076"/>
+    <pc:docChg chg="undo custSel addSld delSld modSld">
+      <pc:chgData name="Chen, Jeff" userId="9a3224f5-9893-4468-acd0-6d03119f890b" providerId="ADAL" clId="{36668F78-20BC-4003-801C-8ACC5A4B6E0B}" dt="2021-03-09T18:23:02.644" v="308" actId="1076"/>
       <pc:docMkLst>
         <pc:docMk/>
       </pc:docMkLst>
+      <pc:sldChg chg="modSp mod">
+        <pc:chgData name="Chen, Jeff" userId="9a3224f5-9893-4468-acd0-6d03119f890b" providerId="ADAL" clId="{36668F78-20BC-4003-801C-8ACC5A4B6E0B}" dt="2021-03-09T18:05:14.999" v="7" actId="20577"/>
+        <pc:sldMkLst>
+          <pc:docMk/>
+          <pc:sldMk cId="3582154020" sldId="256"/>
+        </pc:sldMkLst>
+        <pc:spChg chg="mod">
+          <ac:chgData name="Chen, Jeff" userId="9a3224f5-9893-4468-acd0-6d03119f890b" providerId="ADAL" clId="{36668F78-20BC-4003-801C-8ACC5A4B6E0B}" dt="2021-03-09T18:05:14.999" v="7" actId="20577"/>
+          <ac:spMkLst>
+            <pc:docMk/>
+            <pc:sldMk cId="3582154020" sldId="256"/>
+            <ac:spMk id="8" creationId="{CFF6D26F-3F02-4CE1-A5F9-89654CD8BC16}"/>
+          </ac:spMkLst>
+        </pc:spChg>
+      </pc:sldChg>
+      <pc:sldChg chg="addSp delSp modSp mod">
+        <pc:chgData name="Chen, Jeff" userId="9a3224f5-9893-4468-acd0-6d03119f890b" providerId="ADAL" clId="{36668F78-20BC-4003-801C-8ACC5A4B6E0B}" dt="2021-03-08T23:55:11.402" v="2"/>
+        <pc:sldMkLst>
+          <pc:docMk/>
+          <pc:sldMk cId="1520410668" sldId="259"/>
+        </pc:sldMkLst>
+        <pc:picChg chg="del">
+          <ac:chgData name="Chen, Jeff" userId="9a3224f5-9893-4468-acd0-6d03119f890b" providerId="ADAL" clId="{36668F78-20BC-4003-801C-8ACC5A4B6E0B}" dt="2021-03-08T23:55:10.365" v="1" actId="478"/>
+          <ac:picMkLst>
+            <pc:docMk/>
+            <pc:sldMk cId="1520410668" sldId="259"/>
+            <ac:picMk id="4" creationId="{3AFBC013-3259-41C9-A211-F345186E263B}"/>
+          </ac:picMkLst>
+        </pc:picChg>
+        <pc:picChg chg="add mod">
+          <ac:chgData name="Chen, Jeff" userId="9a3224f5-9893-4468-acd0-6d03119f890b" providerId="ADAL" clId="{36668F78-20BC-4003-801C-8ACC5A4B6E0B}" dt="2021-03-08T23:55:11.402" v="2"/>
+          <ac:picMkLst>
+            <pc:docMk/>
+            <pc:sldMk cId="1520410668" sldId="259"/>
+            <ac:picMk id="7" creationId="{C0E0D2A9-3F32-4873-8978-76ACAAE59B60}"/>
+          </ac:picMkLst>
+        </pc:picChg>
+      </pc:sldChg>
+      <pc:sldChg chg="addSp modSp mod setBg">
+        <pc:chgData name="Chen, Jeff" userId="9a3224f5-9893-4468-acd0-6d03119f890b" providerId="ADAL" clId="{36668F78-20BC-4003-801C-8ACC5A4B6E0B}" dt="2021-03-09T18:07:53.918" v="24" actId="26606"/>
+        <pc:sldMkLst>
+          <pc:docMk/>
+          <pc:sldMk cId="779141601" sldId="265"/>
+        </pc:sldMkLst>
+        <pc:spChg chg="mod">
+          <ac:chgData name="Chen, Jeff" userId="9a3224f5-9893-4468-acd0-6d03119f890b" providerId="ADAL" clId="{36668F78-20BC-4003-801C-8ACC5A4B6E0B}" dt="2021-03-09T18:07:53.918" v="24" actId="26606"/>
+          <ac:spMkLst>
+            <pc:docMk/>
+            <pc:sldMk cId="779141601" sldId="265"/>
+            <ac:spMk id="2" creationId="{BA2E30F8-C1EB-477B-BF22-44E6FE1B1B12}"/>
+          </ac:spMkLst>
+        </pc:spChg>
+        <pc:spChg chg="add">
+          <ac:chgData name="Chen, Jeff" userId="9a3224f5-9893-4468-acd0-6d03119f890b" providerId="ADAL" clId="{36668F78-20BC-4003-801C-8ACC5A4B6E0B}" dt="2021-03-09T18:07:53.918" v="24" actId="26606"/>
+          <ac:spMkLst>
+            <pc:docMk/>
+            <pc:sldMk cId="779141601" sldId="265"/>
+            <ac:spMk id="9" creationId="{D0461F72-A27E-48C5-A99A-B5EEDA7456F9}"/>
+          </ac:spMkLst>
+        </pc:spChg>
+        <pc:spChg chg="add">
+          <ac:chgData name="Chen, Jeff" userId="9a3224f5-9893-4468-acd0-6d03119f890b" providerId="ADAL" clId="{36668F78-20BC-4003-801C-8ACC5A4B6E0B}" dt="2021-03-09T18:07:53.918" v="24" actId="26606"/>
+          <ac:spMkLst>
+            <pc:docMk/>
+            <pc:sldMk cId="779141601" sldId="265"/>
+            <ac:spMk id="11" creationId="{DF382E8D-312B-4792-A211-0BDE37F6F5F7}"/>
+          </ac:spMkLst>
+        </pc:spChg>
+        <pc:spChg chg="add">
+          <ac:chgData name="Chen, Jeff" userId="9a3224f5-9893-4468-acd0-6d03119f890b" providerId="ADAL" clId="{36668F78-20BC-4003-801C-8ACC5A4B6E0B}" dt="2021-03-09T18:07:53.918" v="24" actId="26606"/>
+          <ac:spMkLst>
+            <pc:docMk/>
+            <pc:sldMk cId="779141601" sldId="265"/>
+            <ac:spMk id="13" creationId="{036F9B07-02BE-4BD5-BA9D-E91B8A456BEA}"/>
+          </ac:spMkLst>
+        </pc:spChg>
+        <pc:picChg chg="add mod">
+          <ac:chgData name="Chen, Jeff" userId="9a3224f5-9893-4468-acd0-6d03119f890b" providerId="ADAL" clId="{36668F78-20BC-4003-801C-8ACC5A4B6E0B}" dt="2021-03-09T18:07:53.918" v="24" actId="26606"/>
+          <ac:picMkLst>
+            <pc:docMk/>
+            <pc:sldMk cId="779141601" sldId="265"/>
+            <ac:picMk id="4" creationId="{FD104DDD-D937-48A3-AA31-D5520D47C347}"/>
+          </ac:picMkLst>
+        </pc:picChg>
+      </pc:sldChg>
+      <pc:sldChg chg="addSp modSp mod setBg">
+        <pc:chgData name="Chen, Jeff" userId="9a3224f5-9893-4468-acd0-6d03119f890b" providerId="ADAL" clId="{36668F78-20BC-4003-801C-8ACC5A4B6E0B}" dt="2021-03-09T18:09:02.380" v="60" actId="14100"/>
+        <pc:sldMkLst>
+          <pc:docMk/>
+          <pc:sldMk cId="2883338454" sldId="266"/>
+        </pc:sldMkLst>
+        <pc:spChg chg="mod">
+          <ac:chgData name="Chen, Jeff" userId="9a3224f5-9893-4468-acd0-6d03119f890b" providerId="ADAL" clId="{36668F78-20BC-4003-801C-8ACC5A4B6E0B}" dt="2021-03-09T18:09:02.380" v="60" actId="14100"/>
+          <ac:spMkLst>
+            <pc:docMk/>
+            <pc:sldMk cId="2883338454" sldId="266"/>
+            <ac:spMk id="2" creationId="{4F54A8D6-67CC-4057-9734-2C26962787CE}"/>
+          </ac:spMkLst>
+        </pc:spChg>
+        <pc:spChg chg="add">
+          <ac:chgData name="Chen, Jeff" userId="9a3224f5-9893-4468-acd0-6d03119f890b" providerId="ADAL" clId="{36668F78-20BC-4003-801C-8ACC5A4B6E0B}" dt="2021-03-09T18:08:54.274" v="59" actId="26606"/>
+          <ac:spMkLst>
+            <pc:docMk/>
+            <pc:sldMk cId="2883338454" sldId="266"/>
+            <ac:spMk id="9" creationId="{407C9FC5-0C1E-42A8-97E6-F940775A0575}"/>
+          </ac:spMkLst>
+        </pc:spChg>
+        <pc:spChg chg="add">
+          <ac:chgData name="Chen, Jeff" userId="9a3224f5-9893-4468-acd0-6d03119f890b" providerId="ADAL" clId="{36668F78-20BC-4003-801C-8ACC5A4B6E0B}" dt="2021-03-09T18:08:54.274" v="59" actId="26606"/>
+          <ac:spMkLst>
+            <pc:docMk/>
+            <pc:sldMk cId="2883338454" sldId="266"/>
+            <ac:spMk id="11" creationId="{9EE371B4-A1D9-4EFE-8FE1-000495831EFA}"/>
+          </ac:spMkLst>
+        </pc:spChg>
+        <pc:spChg chg="add">
+          <ac:chgData name="Chen, Jeff" userId="9a3224f5-9893-4468-acd0-6d03119f890b" providerId="ADAL" clId="{36668F78-20BC-4003-801C-8ACC5A4B6E0B}" dt="2021-03-09T18:08:54.274" v="59" actId="26606"/>
+          <ac:spMkLst>
+            <pc:docMk/>
+            <pc:sldMk cId="2883338454" sldId="266"/>
+            <ac:spMk id="13" creationId="{2E19C174-9C7C-461E-970B-432019901562}"/>
+          </ac:spMkLst>
+        </pc:spChg>
+        <pc:picChg chg="add mod">
+          <ac:chgData name="Chen, Jeff" userId="9a3224f5-9893-4468-acd0-6d03119f890b" providerId="ADAL" clId="{36668F78-20BC-4003-801C-8ACC5A4B6E0B}" dt="2021-03-09T18:08:54.274" v="59" actId="26606"/>
+          <ac:picMkLst>
+            <pc:docMk/>
+            <pc:sldMk cId="2883338454" sldId="266"/>
+            <ac:picMk id="4" creationId="{CB940BB4-2CC3-4D18-AD2F-2CAB95476EEA}"/>
+          </ac:picMkLst>
+        </pc:picChg>
+      </pc:sldChg>
+      <pc:sldChg chg="addSp delSp modSp mod setBg">
+        <pc:chgData name="Chen, Jeff" userId="9a3224f5-9893-4468-acd0-6d03119f890b" providerId="ADAL" clId="{36668F78-20BC-4003-801C-8ACC5A4B6E0B}" dt="2021-03-09T18:10:38.855" v="108" actId="14100"/>
+        <pc:sldMkLst>
+          <pc:docMk/>
+          <pc:sldMk cId="1852667525" sldId="267"/>
+        </pc:sldMkLst>
+        <pc:spChg chg="mod">
+          <ac:chgData name="Chen, Jeff" userId="9a3224f5-9893-4468-acd0-6d03119f890b" providerId="ADAL" clId="{36668F78-20BC-4003-801C-8ACC5A4B6E0B}" dt="2021-03-09T18:10:38.855" v="108" actId="14100"/>
+          <ac:spMkLst>
+            <pc:docMk/>
+            <pc:sldMk cId="1852667525" sldId="267"/>
+            <ac:spMk id="2" creationId="{965B9CDB-C02D-4747-9828-F5194A341223}"/>
+          </ac:spMkLst>
+        </pc:spChg>
+        <pc:spChg chg="add">
+          <ac:chgData name="Chen, Jeff" userId="9a3224f5-9893-4468-acd0-6d03119f890b" providerId="ADAL" clId="{36668F78-20BC-4003-801C-8ACC5A4B6E0B}" dt="2021-03-09T18:10:26.483" v="105" actId="26606"/>
+          <ac:spMkLst>
+            <pc:docMk/>
+            <pc:sldMk cId="1852667525" sldId="267"/>
+            <ac:spMk id="6" creationId="{407C9FC5-0C1E-42A8-97E6-F940775A0575}"/>
+          </ac:spMkLst>
+        </pc:spChg>
+        <pc:spChg chg="add">
+          <ac:chgData name="Chen, Jeff" userId="9a3224f5-9893-4468-acd0-6d03119f890b" providerId="ADAL" clId="{36668F78-20BC-4003-801C-8ACC5A4B6E0B}" dt="2021-03-09T18:10:26.483" v="105" actId="26606"/>
+          <ac:spMkLst>
+            <pc:docMk/>
+            <pc:sldMk cId="1852667525" sldId="267"/>
+            <ac:spMk id="7" creationId="{9EE371B4-A1D9-4EFE-8FE1-000495831EFA}"/>
+          </ac:spMkLst>
+        </pc:spChg>
+        <pc:spChg chg="add">
+          <ac:chgData name="Chen, Jeff" userId="9a3224f5-9893-4468-acd0-6d03119f890b" providerId="ADAL" clId="{36668F78-20BC-4003-801C-8ACC5A4B6E0B}" dt="2021-03-09T18:10:26.483" v="105" actId="26606"/>
+          <ac:spMkLst>
+            <pc:docMk/>
+            <pc:sldMk cId="1852667525" sldId="267"/>
+            <ac:spMk id="8" creationId="{2E19C174-9C7C-461E-970B-432019901562}"/>
+          </ac:spMkLst>
+        </pc:spChg>
+        <pc:spChg chg="add del">
+          <ac:chgData name="Chen, Jeff" userId="9a3224f5-9893-4468-acd0-6d03119f890b" providerId="ADAL" clId="{36668F78-20BC-4003-801C-8ACC5A4B6E0B}" dt="2021-03-09T18:10:16.208" v="104" actId="26606"/>
+          <ac:spMkLst>
+            <pc:docMk/>
+            <pc:sldMk cId="1852667525" sldId="267"/>
+            <ac:spMk id="9" creationId="{D0461F72-A27E-48C5-A99A-B5EEDA7456F9}"/>
+          </ac:spMkLst>
+        </pc:spChg>
+        <pc:spChg chg="add del">
+          <ac:chgData name="Chen, Jeff" userId="9a3224f5-9893-4468-acd0-6d03119f890b" providerId="ADAL" clId="{36668F78-20BC-4003-801C-8ACC5A4B6E0B}" dt="2021-03-09T18:10:16.208" v="104" actId="26606"/>
+          <ac:spMkLst>
+            <pc:docMk/>
+            <pc:sldMk cId="1852667525" sldId="267"/>
+            <ac:spMk id="11" creationId="{DF382E8D-312B-4792-A211-0BDE37F6F5F7}"/>
+          </ac:spMkLst>
+        </pc:spChg>
+        <pc:spChg chg="add del">
+          <ac:chgData name="Chen, Jeff" userId="9a3224f5-9893-4468-acd0-6d03119f890b" providerId="ADAL" clId="{36668F78-20BC-4003-801C-8ACC5A4B6E0B}" dt="2021-03-09T18:10:16.208" v="104" actId="26606"/>
+          <ac:spMkLst>
+            <pc:docMk/>
+            <pc:sldMk cId="1852667525" sldId="267"/>
+            <ac:spMk id="13" creationId="{036F9B07-02BE-4BD5-BA9D-E91B8A456BEA}"/>
+          </ac:spMkLst>
+        </pc:spChg>
+        <pc:picChg chg="add mod">
+          <ac:chgData name="Chen, Jeff" userId="9a3224f5-9893-4468-acd0-6d03119f890b" providerId="ADAL" clId="{36668F78-20BC-4003-801C-8ACC5A4B6E0B}" dt="2021-03-09T18:10:26.483" v="105" actId="26606"/>
+          <ac:picMkLst>
+            <pc:docMk/>
+            <pc:sldMk cId="1852667525" sldId="267"/>
+            <ac:picMk id="4" creationId="{BB3939CB-B379-42F6-99BE-66EC16A1E107}"/>
+          </ac:picMkLst>
+        </pc:picChg>
+      </pc:sldChg>
+      <pc:sldChg chg="addSp delSp modSp mod setBg">
+        <pc:chgData name="Chen, Jeff" userId="9a3224f5-9893-4468-acd0-6d03119f890b" providerId="ADAL" clId="{36668F78-20BC-4003-801C-8ACC5A4B6E0B}" dt="2021-03-09T18:12:22.244" v="166" actId="26606"/>
+        <pc:sldMkLst>
+          <pc:docMk/>
+          <pc:sldMk cId="2037761125" sldId="268"/>
+        </pc:sldMkLst>
+        <pc:spChg chg="mod">
+          <ac:chgData name="Chen, Jeff" userId="9a3224f5-9893-4468-acd0-6d03119f890b" providerId="ADAL" clId="{36668F78-20BC-4003-801C-8ACC5A4B6E0B}" dt="2021-03-09T18:12:22.239" v="165" actId="26606"/>
+          <ac:spMkLst>
+            <pc:docMk/>
+            <pc:sldMk cId="2037761125" sldId="268"/>
+            <ac:spMk id="2" creationId="{60E1B151-C356-41EB-9450-BDE667DA7DCC}"/>
+          </ac:spMkLst>
+        </pc:spChg>
+        <pc:spChg chg="add del">
+          <ac:chgData name="Chen, Jeff" userId="9a3224f5-9893-4468-acd0-6d03119f890b" providerId="ADAL" clId="{36668F78-20BC-4003-801C-8ACC5A4B6E0B}" dt="2021-03-09T18:11:01.793" v="121" actId="26606"/>
+          <ac:spMkLst>
+            <pc:docMk/>
+            <pc:sldMk cId="2037761125" sldId="268"/>
+            <ac:spMk id="9" creationId="{D0461F72-A27E-48C5-A99A-B5EEDA7456F9}"/>
+          </ac:spMkLst>
+        </pc:spChg>
+        <pc:spChg chg="add del">
+          <ac:chgData name="Chen, Jeff" userId="9a3224f5-9893-4468-acd0-6d03119f890b" providerId="ADAL" clId="{36668F78-20BC-4003-801C-8ACC5A4B6E0B}" dt="2021-03-09T18:11:01.793" v="121" actId="26606"/>
+          <ac:spMkLst>
+            <pc:docMk/>
+            <pc:sldMk cId="2037761125" sldId="268"/>
+            <ac:spMk id="11" creationId="{DF382E8D-312B-4792-A211-0BDE37F6F5F7}"/>
+          </ac:spMkLst>
+        </pc:spChg>
+        <pc:spChg chg="add del">
+          <ac:chgData name="Chen, Jeff" userId="9a3224f5-9893-4468-acd0-6d03119f890b" providerId="ADAL" clId="{36668F78-20BC-4003-801C-8ACC5A4B6E0B}" dt="2021-03-09T18:11:01.793" v="121" actId="26606"/>
+          <ac:spMkLst>
+            <pc:docMk/>
+            <pc:sldMk cId="2037761125" sldId="268"/>
+            <ac:spMk id="13" creationId="{036F9B07-02BE-4BD5-BA9D-E91B8A456BEA}"/>
+          </ac:spMkLst>
+        </pc:spChg>
+        <pc:spChg chg="add del">
+          <ac:chgData name="Chen, Jeff" userId="9a3224f5-9893-4468-acd0-6d03119f890b" providerId="ADAL" clId="{36668F78-20BC-4003-801C-8ACC5A4B6E0B}" dt="2021-03-09T18:12:22.244" v="166" actId="26606"/>
+          <ac:spMkLst>
+            <pc:docMk/>
+            <pc:sldMk cId="2037761125" sldId="268"/>
+            <ac:spMk id="15" creationId="{407C9FC5-0C1E-42A8-97E6-F940775A0575}"/>
+          </ac:spMkLst>
+        </pc:spChg>
+        <pc:spChg chg="add del">
+          <ac:chgData name="Chen, Jeff" userId="9a3224f5-9893-4468-acd0-6d03119f890b" providerId="ADAL" clId="{36668F78-20BC-4003-801C-8ACC5A4B6E0B}" dt="2021-03-09T18:12:22.244" v="166" actId="26606"/>
+          <ac:spMkLst>
+            <pc:docMk/>
+            <pc:sldMk cId="2037761125" sldId="268"/>
+            <ac:spMk id="16" creationId="{9EE371B4-A1D9-4EFE-8FE1-000495831EFA}"/>
+          </ac:spMkLst>
+        </pc:spChg>
+        <pc:spChg chg="add del">
+          <ac:chgData name="Chen, Jeff" userId="9a3224f5-9893-4468-acd0-6d03119f890b" providerId="ADAL" clId="{36668F78-20BC-4003-801C-8ACC5A4B6E0B}" dt="2021-03-09T18:12:22.244" v="166" actId="26606"/>
+          <ac:spMkLst>
+            <pc:docMk/>
+            <pc:sldMk cId="2037761125" sldId="268"/>
+            <ac:spMk id="17" creationId="{2E19C174-9C7C-461E-970B-432019901562}"/>
+          </ac:spMkLst>
+        </pc:spChg>
+        <pc:spChg chg="add del">
+          <ac:chgData name="Chen, Jeff" userId="9a3224f5-9893-4468-acd0-6d03119f890b" providerId="ADAL" clId="{36668F78-20BC-4003-801C-8ACC5A4B6E0B}" dt="2021-03-09T18:12:22.239" v="165" actId="26606"/>
+          <ac:spMkLst>
+            <pc:docMk/>
+            <pc:sldMk cId="2037761125" sldId="268"/>
+            <ac:spMk id="22" creationId="{D0461F72-A27E-48C5-A99A-B5EEDA7456F9}"/>
+          </ac:spMkLst>
+        </pc:spChg>
+        <pc:spChg chg="add del">
+          <ac:chgData name="Chen, Jeff" userId="9a3224f5-9893-4468-acd0-6d03119f890b" providerId="ADAL" clId="{36668F78-20BC-4003-801C-8ACC5A4B6E0B}" dt="2021-03-09T18:12:22.239" v="165" actId="26606"/>
+          <ac:spMkLst>
+            <pc:docMk/>
+            <pc:sldMk cId="2037761125" sldId="268"/>
+            <ac:spMk id="24" creationId="{DF382E8D-312B-4792-A211-0BDE37F6F5F7}"/>
+          </ac:spMkLst>
+        </pc:spChg>
+        <pc:spChg chg="add del">
+          <ac:chgData name="Chen, Jeff" userId="9a3224f5-9893-4468-acd0-6d03119f890b" providerId="ADAL" clId="{36668F78-20BC-4003-801C-8ACC5A4B6E0B}" dt="2021-03-09T18:12:22.239" v="165" actId="26606"/>
+          <ac:spMkLst>
+            <pc:docMk/>
+            <pc:sldMk cId="2037761125" sldId="268"/>
+            <ac:spMk id="26" creationId="{036F9B07-02BE-4BD5-BA9D-E91B8A456BEA}"/>
+          </ac:spMkLst>
+        </pc:spChg>
+        <pc:spChg chg="add">
+          <ac:chgData name="Chen, Jeff" userId="9a3224f5-9893-4468-acd0-6d03119f890b" providerId="ADAL" clId="{36668F78-20BC-4003-801C-8ACC5A4B6E0B}" dt="2021-03-09T18:12:22.244" v="166" actId="26606"/>
+          <ac:spMkLst>
+            <pc:docMk/>
+            <pc:sldMk cId="2037761125" sldId="268"/>
+            <ac:spMk id="28" creationId="{407C9FC5-0C1E-42A8-97E6-F940775A0575}"/>
+          </ac:spMkLst>
+        </pc:spChg>
+        <pc:spChg chg="add">
+          <ac:chgData name="Chen, Jeff" userId="9a3224f5-9893-4468-acd0-6d03119f890b" providerId="ADAL" clId="{36668F78-20BC-4003-801C-8ACC5A4B6E0B}" dt="2021-03-09T18:12:22.244" v="166" actId="26606"/>
+          <ac:spMkLst>
+            <pc:docMk/>
+            <pc:sldMk cId="2037761125" sldId="268"/>
+            <ac:spMk id="29" creationId="{9EE371B4-A1D9-4EFE-8FE1-000495831EFA}"/>
+          </ac:spMkLst>
+        </pc:spChg>
+        <pc:spChg chg="add">
+          <ac:chgData name="Chen, Jeff" userId="9a3224f5-9893-4468-acd0-6d03119f890b" providerId="ADAL" clId="{36668F78-20BC-4003-801C-8ACC5A4B6E0B}" dt="2021-03-09T18:12:22.244" v="166" actId="26606"/>
+          <ac:spMkLst>
+            <pc:docMk/>
+            <pc:sldMk cId="2037761125" sldId="268"/>
+            <ac:spMk id="30" creationId="{2E19C174-9C7C-461E-970B-432019901562}"/>
+          </ac:spMkLst>
+        </pc:spChg>
+        <pc:picChg chg="add mod">
+          <ac:chgData name="Chen, Jeff" userId="9a3224f5-9893-4468-acd0-6d03119f890b" providerId="ADAL" clId="{36668F78-20BC-4003-801C-8ACC5A4B6E0B}" dt="2021-03-09T18:12:22.239" v="165" actId="26606"/>
+          <ac:picMkLst>
+            <pc:docMk/>
+            <pc:sldMk cId="2037761125" sldId="268"/>
+            <ac:picMk id="4" creationId="{19051F0F-9A03-4AF1-A7C5-DE261E8ABD0E}"/>
+          </ac:picMkLst>
+        </pc:picChg>
+      </pc:sldChg>
+      <pc:sldChg chg="addSp modSp mod setBg">
+        <pc:chgData name="Chen, Jeff" userId="9a3224f5-9893-4468-acd0-6d03119f890b" providerId="ADAL" clId="{36668F78-20BC-4003-801C-8ACC5A4B6E0B}" dt="2021-03-09T18:11:37.776" v="130" actId="26606"/>
+        <pc:sldMkLst>
+          <pc:docMk/>
+          <pc:sldMk cId="3562270786" sldId="269"/>
+        </pc:sldMkLst>
+        <pc:spChg chg="mod">
+          <ac:chgData name="Chen, Jeff" userId="9a3224f5-9893-4468-acd0-6d03119f890b" providerId="ADAL" clId="{36668F78-20BC-4003-801C-8ACC5A4B6E0B}" dt="2021-03-09T18:11:37.776" v="130" actId="26606"/>
+          <ac:spMkLst>
+            <pc:docMk/>
+            <pc:sldMk cId="3562270786" sldId="269"/>
+            <ac:spMk id="2" creationId="{7813E099-8E68-40A6-A3E1-0BA56E12A223}"/>
+          </ac:spMkLst>
+        </pc:spChg>
+        <pc:spChg chg="add">
+          <ac:chgData name="Chen, Jeff" userId="9a3224f5-9893-4468-acd0-6d03119f890b" providerId="ADAL" clId="{36668F78-20BC-4003-801C-8ACC5A4B6E0B}" dt="2021-03-09T18:11:37.776" v="130" actId="26606"/>
+          <ac:spMkLst>
+            <pc:docMk/>
+            <pc:sldMk cId="3562270786" sldId="269"/>
+            <ac:spMk id="9" creationId="{D0461F72-A27E-48C5-A99A-B5EEDA7456F9}"/>
+          </ac:spMkLst>
+        </pc:spChg>
+        <pc:spChg chg="add">
+          <ac:chgData name="Chen, Jeff" userId="9a3224f5-9893-4468-acd0-6d03119f890b" providerId="ADAL" clId="{36668F78-20BC-4003-801C-8ACC5A4B6E0B}" dt="2021-03-09T18:11:37.776" v="130" actId="26606"/>
+          <ac:spMkLst>
+            <pc:docMk/>
+            <pc:sldMk cId="3562270786" sldId="269"/>
+            <ac:spMk id="11" creationId="{DF382E8D-312B-4792-A211-0BDE37F6F5F7}"/>
+          </ac:spMkLst>
+        </pc:spChg>
+        <pc:spChg chg="add">
+          <ac:chgData name="Chen, Jeff" userId="9a3224f5-9893-4468-acd0-6d03119f890b" providerId="ADAL" clId="{36668F78-20BC-4003-801C-8ACC5A4B6E0B}" dt="2021-03-09T18:11:37.776" v="130" actId="26606"/>
+          <ac:spMkLst>
+            <pc:docMk/>
+            <pc:sldMk cId="3562270786" sldId="269"/>
+            <ac:spMk id="13" creationId="{036F9B07-02BE-4BD5-BA9D-E91B8A456BEA}"/>
+          </ac:spMkLst>
+        </pc:spChg>
+        <pc:picChg chg="add mod">
+          <ac:chgData name="Chen, Jeff" userId="9a3224f5-9893-4468-acd0-6d03119f890b" providerId="ADAL" clId="{36668F78-20BC-4003-801C-8ACC5A4B6E0B}" dt="2021-03-09T18:11:37.776" v="130" actId="26606"/>
+          <ac:picMkLst>
+            <pc:docMk/>
+            <pc:sldMk cId="3562270786" sldId="269"/>
+            <ac:picMk id="4" creationId="{79240F98-BD09-449D-9FDA-E7E58E19EB2D}"/>
+          </ac:picMkLst>
+        </pc:picChg>
+      </pc:sldChg>
+      <pc:sldChg chg="addSp modSp mod setBg">
+        <pc:chgData name="Chen, Jeff" userId="9a3224f5-9893-4468-acd0-6d03119f890b" providerId="ADAL" clId="{36668F78-20BC-4003-801C-8ACC5A4B6E0B}" dt="2021-03-09T18:13:20.577" v="180" actId="1076"/>
+        <pc:sldMkLst>
+          <pc:docMk/>
+          <pc:sldMk cId="1180326809" sldId="270"/>
+        </pc:sldMkLst>
+        <pc:spChg chg="mod">
+          <ac:chgData name="Chen, Jeff" userId="9a3224f5-9893-4468-acd0-6d03119f890b" providerId="ADAL" clId="{36668F78-20BC-4003-801C-8ACC5A4B6E0B}" dt="2021-03-09T18:13:16.790" v="179" actId="1076"/>
+          <ac:spMkLst>
+            <pc:docMk/>
+            <pc:sldMk cId="1180326809" sldId="270"/>
+            <ac:spMk id="2" creationId="{DDB5B769-C03B-4E54-A188-BE9994B667F5}"/>
+          </ac:spMkLst>
+        </pc:spChg>
+        <pc:spChg chg="add">
+          <ac:chgData name="Chen, Jeff" userId="9a3224f5-9893-4468-acd0-6d03119f890b" providerId="ADAL" clId="{36668F78-20BC-4003-801C-8ACC5A4B6E0B}" dt="2021-03-09T18:12:14.574" v="163" actId="26606"/>
+          <ac:spMkLst>
+            <pc:docMk/>
+            <pc:sldMk cId="1180326809" sldId="270"/>
+            <ac:spMk id="9" creationId="{D0461F72-A27E-48C5-A99A-B5EEDA7456F9}"/>
+          </ac:spMkLst>
+        </pc:spChg>
+        <pc:spChg chg="add">
+          <ac:chgData name="Chen, Jeff" userId="9a3224f5-9893-4468-acd0-6d03119f890b" providerId="ADAL" clId="{36668F78-20BC-4003-801C-8ACC5A4B6E0B}" dt="2021-03-09T18:12:14.574" v="163" actId="26606"/>
+          <ac:spMkLst>
+            <pc:docMk/>
+            <pc:sldMk cId="1180326809" sldId="270"/>
+            <ac:spMk id="11" creationId="{DF382E8D-312B-4792-A211-0BDE37F6F5F7}"/>
+          </ac:spMkLst>
+        </pc:spChg>
+        <pc:spChg chg="add">
+          <ac:chgData name="Chen, Jeff" userId="9a3224f5-9893-4468-acd0-6d03119f890b" providerId="ADAL" clId="{36668F78-20BC-4003-801C-8ACC5A4B6E0B}" dt="2021-03-09T18:12:14.574" v="163" actId="26606"/>
+          <ac:spMkLst>
+            <pc:docMk/>
+            <pc:sldMk cId="1180326809" sldId="270"/>
+            <ac:spMk id="13" creationId="{036F9B07-02BE-4BD5-BA9D-E91B8A456BEA}"/>
+          </ac:spMkLst>
+        </pc:spChg>
+        <pc:picChg chg="add mod">
+          <ac:chgData name="Chen, Jeff" userId="9a3224f5-9893-4468-acd0-6d03119f890b" providerId="ADAL" clId="{36668F78-20BC-4003-801C-8ACC5A4B6E0B}" dt="2021-03-09T18:12:14.574" v="163" actId="26606"/>
+          <ac:picMkLst>
+            <pc:docMk/>
+            <pc:sldMk cId="1180326809" sldId="270"/>
+            <ac:picMk id="4" creationId="{9AAC5AA2-C8B7-4452-ADDC-07C0645AC6BE}"/>
+          </ac:picMkLst>
+        </pc:picChg>
+        <pc:picChg chg="add mod">
+          <ac:chgData name="Chen, Jeff" userId="9a3224f5-9893-4468-acd0-6d03119f890b" providerId="ADAL" clId="{36668F78-20BC-4003-801C-8ACC5A4B6E0B}" dt="2021-03-09T18:13:20.577" v="180" actId="1076"/>
+          <ac:picMkLst>
+            <pc:docMk/>
+            <pc:sldMk cId="1180326809" sldId="270"/>
+            <ac:picMk id="6" creationId="{FF076D06-6678-4A4C-85C5-A23D6D0D97D6}"/>
+          </ac:picMkLst>
+        </pc:picChg>
+      </pc:sldChg>
       <pc:sldChg chg="modSp mod">
         <pc:chgData name="Chen, Jeff" userId="9a3224f5-9893-4468-acd0-6d03119f890b" providerId="ADAL" clId="{36668F78-20BC-4003-801C-8ACC5A4B6E0B}" dt="2021-03-08T22:44:02.183" v="0" actId="1076"/>
         <pc:sldMkLst>
@@ -155,6 +602,267 @@
             <pc:docMk/>
             <pc:sldMk cId="1214769918" sldId="271"/>
             <ac:picMk id="4" creationId="{DFF2A787-1681-4E44-8FA0-DFC0AEBEA75F}"/>
+          </ac:picMkLst>
+        </pc:picChg>
+      </pc:sldChg>
+      <pc:sldChg chg="addSp modSp new del mod setBg">
+        <pc:chgData name="Chen, Jeff" userId="9a3224f5-9893-4468-acd0-6d03119f890b" providerId="ADAL" clId="{36668F78-20BC-4003-801C-8ACC5A4B6E0B}" dt="2021-03-09T18:15:24.705" v="233" actId="2696"/>
+        <pc:sldMkLst>
+          <pc:docMk/>
+          <pc:sldMk cId="125556231" sldId="272"/>
+        </pc:sldMkLst>
+        <pc:spChg chg="mod ord">
+          <ac:chgData name="Chen, Jeff" userId="9a3224f5-9893-4468-acd0-6d03119f890b" providerId="ADAL" clId="{36668F78-20BC-4003-801C-8ACC5A4B6E0B}" dt="2021-03-09T18:14:35.220" v="223" actId="26606"/>
+          <ac:spMkLst>
+            <pc:docMk/>
+            <pc:sldMk cId="125556231" sldId="272"/>
+            <ac:spMk id="2" creationId="{92B6D79A-456C-4E98-BBE3-5605AFC433DB}"/>
+          </ac:spMkLst>
+        </pc:spChg>
+        <pc:spChg chg="add">
+          <ac:chgData name="Chen, Jeff" userId="9a3224f5-9893-4468-acd0-6d03119f890b" providerId="ADAL" clId="{36668F78-20BC-4003-801C-8ACC5A4B6E0B}" dt="2021-03-09T18:14:35.220" v="223" actId="26606"/>
+          <ac:spMkLst>
+            <pc:docMk/>
+            <pc:sldMk cId="125556231" sldId="272"/>
+            <ac:spMk id="9" creationId="{19D32F93-50AC-4C46-A5DB-291C60DDB7BD}"/>
+          </ac:spMkLst>
+        </pc:spChg>
+        <pc:spChg chg="add">
+          <ac:chgData name="Chen, Jeff" userId="9a3224f5-9893-4468-acd0-6d03119f890b" providerId="ADAL" clId="{36668F78-20BC-4003-801C-8ACC5A4B6E0B}" dt="2021-03-09T18:14:35.220" v="223" actId="26606"/>
+          <ac:spMkLst>
+            <pc:docMk/>
+            <pc:sldMk cId="125556231" sldId="272"/>
+            <ac:spMk id="11" creationId="{827DC2C4-B485-428A-BF4A-472D2967F47F}"/>
+          </ac:spMkLst>
+        </pc:spChg>
+        <pc:spChg chg="add">
+          <ac:chgData name="Chen, Jeff" userId="9a3224f5-9893-4468-acd0-6d03119f890b" providerId="ADAL" clId="{36668F78-20BC-4003-801C-8ACC5A4B6E0B}" dt="2021-03-09T18:14:35.220" v="223" actId="26606"/>
+          <ac:spMkLst>
+            <pc:docMk/>
+            <pc:sldMk cId="125556231" sldId="272"/>
+            <ac:spMk id="13" creationId="{EE04B5EB-F158-4507-90DD-BD23620C7CC9}"/>
+          </ac:spMkLst>
+        </pc:spChg>
+        <pc:picChg chg="add mod">
+          <ac:chgData name="Chen, Jeff" userId="9a3224f5-9893-4468-acd0-6d03119f890b" providerId="ADAL" clId="{36668F78-20BC-4003-801C-8ACC5A4B6E0B}" dt="2021-03-09T18:14:35.220" v="223" actId="26606"/>
+          <ac:picMkLst>
+            <pc:docMk/>
+            <pc:sldMk cId="125556231" sldId="272"/>
+            <ac:picMk id="4" creationId="{08C14D55-6601-44DB-B1C8-41C6E9E20AEC}"/>
+          </ac:picMkLst>
+        </pc:picChg>
+      </pc:sldChg>
+      <pc:sldChg chg="addSp modSp new mod setBg">
+        <pc:chgData name="Chen, Jeff" userId="9a3224f5-9893-4468-acd0-6d03119f890b" providerId="ADAL" clId="{36668F78-20BC-4003-801C-8ACC5A4B6E0B}" dt="2021-03-09T18:16:48.154" v="283" actId="20577"/>
+        <pc:sldMkLst>
+          <pc:docMk/>
+          <pc:sldMk cId="3756020951" sldId="273"/>
+        </pc:sldMkLst>
+        <pc:spChg chg="mod">
+          <ac:chgData name="Chen, Jeff" userId="9a3224f5-9893-4468-acd0-6d03119f890b" providerId="ADAL" clId="{36668F78-20BC-4003-801C-8ACC5A4B6E0B}" dt="2021-03-09T18:16:48.154" v="283" actId="20577"/>
+          <ac:spMkLst>
+            <pc:docMk/>
+            <pc:sldMk cId="3756020951" sldId="273"/>
+            <ac:spMk id="2" creationId="{0DF662EC-D708-4A33-8611-2BF7115FC984}"/>
+          </ac:spMkLst>
+        </pc:spChg>
+        <pc:spChg chg="add">
+          <ac:chgData name="Chen, Jeff" userId="9a3224f5-9893-4468-acd0-6d03119f890b" providerId="ADAL" clId="{36668F78-20BC-4003-801C-8ACC5A4B6E0B}" dt="2021-03-09T18:16:30.128" v="273" actId="26606"/>
+          <ac:spMkLst>
+            <pc:docMk/>
+            <pc:sldMk cId="3756020951" sldId="273"/>
+            <ac:spMk id="9" creationId="{D0461F72-A27E-48C5-A99A-B5EEDA7456F9}"/>
+          </ac:spMkLst>
+        </pc:spChg>
+        <pc:spChg chg="add">
+          <ac:chgData name="Chen, Jeff" userId="9a3224f5-9893-4468-acd0-6d03119f890b" providerId="ADAL" clId="{36668F78-20BC-4003-801C-8ACC5A4B6E0B}" dt="2021-03-09T18:16:30.128" v="273" actId="26606"/>
+          <ac:spMkLst>
+            <pc:docMk/>
+            <pc:sldMk cId="3756020951" sldId="273"/>
+            <ac:spMk id="11" creationId="{DF382E8D-312B-4792-A211-0BDE37F6F5F7}"/>
+          </ac:spMkLst>
+        </pc:spChg>
+        <pc:spChg chg="add">
+          <ac:chgData name="Chen, Jeff" userId="9a3224f5-9893-4468-acd0-6d03119f890b" providerId="ADAL" clId="{36668F78-20BC-4003-801C-8ACC5A4B6E0B}" dt="2021-03-09T18:16:30.128" v="273" actId="26606"/>
+          <ac:spMkLst>
+            <pc:docMk/>
+            <pc:sldMk cId="3756020951" sldId="273"/>
+            <ac:spMk id="13" creationId="{036F9B07-02BE-4BD5-BA9D-E91B8A456BEA}"/>
+          </ac:spMkLst>
+        </pc:spChg>
+        <pc:picChg chg="add mod">
+          <ac:chgData name="Chen, Jeff" userId="9a3224f5-9893-4468-acd0-6d03119f890b" providerId="ADAL" clId="{36668F78-20BC-4003-801C-8ACC5A4B6E0B}" dt="2021-03-09T18:16:44.429" v="278" actId="1076"/>
+          <ac:picMkLst>
+            <pc:docMk/>
+            <pc:sldMk cId="3756020951" sldId="273"/>
+            <ac:picMk id="4" creationId="{76CABEF1-4954-4893-8EAB-C79AF12E7E74}"/>
+          </ac:picMkLst>
+        </pc:picChg>
+      </pc:sldChg>
+      <pc:sldChg chg="addSp modSp new mod setBg">
+        <pc:chgData name="Chen, Jeff" userId="9a3224f5-9893-4468-acd0-6d03119f890b" providerId="ADAL" clId="{36668F78-20BC-4003-801C-8ACC5A4B6E0B}" dt="2021-03-09T18:23:02.644" v="308" actId="1076"/>
+        <pc:sldMkLst>
+          <pc:docMk/>
+          <pc:sldMk cId="470766224" sldId="274"/>
+        </pc:sldMkLst>
+        <pc:spChg chg="mod">
+          <ac:chgData name="Chen, Jeff" userId="9a3224f5-9893-4468-acd0-6d03119f890b" providerId="ADAL" clId="{36668F78-20BC-4003-801C-8ACC5A4B6E0B}" dt="2021-03-09T18:21:36.332" v="306" actId="26606"/>
+          <ac:spMkLst>
+            <pc:docMk/>
+            <pc:sldMk cId="470766224" sldId="274"/>
+            <ac:spMk id="2" creationId="{059E70FD-73D3-433F-A2B6-DFDAC2FD67B2}"/>
+          </ac:spMkLst>
+        </pc:spChg>
+        <pc:spChg chg="add">
+          <ac:chgData name="Chen, Jeff" userId="9a3224f5-9893-4468-acd0-6d03119f890b" providerId="ADAL" clId="{36668F78-20BC-4003-801C-8ACC5A4B6E0B}" dt="2021-03-09T18:21:36.332" v="306" actId="26606"/>
+          <ac:spMkLst>
+            <pc:docMk/>
+            <pc:sldMk cId="470766224" sldId="274"/>
+            <ac:spMk id="9" creationId="{D0461F72-A27E-48C5-A99A-B5EEDA7456F9}"/>
+          </ac:spMkLst>
+        </pc:spChg>
+        <pc:spChg chg="add">
+          <ac:chgData name="Chen, Jeff" userId="9a3224f5-9893-4468-acd0-6d03119f890b" providerId="ADAL" clId="{36668F78-20BC-4003-801C-8ACC5A4B6E0B}" dt="2021-03-09T18:21:36.332" v="306" actId="26606"/>
+          <ac:spMkLst>
+            <pc:docMk/>
+            <pc:sldMk cId="470766224" sldId="274"/>
+            <ac:spMk id="11" creationId="{DF382E8D-312B-4792-A211-0BDE37F6F5F7}"/>
+          </ac:spMkLst>
+        </pc:spChg>
+        <pc:spChg chg="add">
+          <ac:chgData name="Chen, Jeff" userId="9a3224f5-9893-4468-acd0-6d03119f890b" providerId="ADAL" clId="{36668F78-20BC-4003-801C-8ACC5A4B6E0B}" dt="2021-03-09T18:21:36.332" v="306" actId="26606"/>
+          <ac:spMkLst>
+            <pc:docMk/>
+            <pc:sldMk cId="470766224" sldId="274"/>
+            <ac:spMk id="13" creationId="{036F9B07-02BE-4BD5-BA9D-E91B8A456BEA}"/>
+          </ac:spMkLst>
+        </pc:spChg>
+        <pc:picChg chg="add mod">
+          <ac:chgData name="Chen, Jeff" userId="9a3224f5-9893-4468-acd0-6d03119f890b" providerId="ADAL" clId="{36668F78-20BC-4003-801C-8ACC5A4B6E0B}" dt="2021-03-09T18:21:36.332" v="306" actId="26606"/>
+          <ac:picMkLst>
+            <pc:docMk/>
+            <pc:sldMk cId="470766224" sldId="274"/>
+            <ac:picMk id="4" creationId="{A5889218-17A8-4654-90AF-D177DE477818}"/>
+          </ac:picMkLst>
+        </pc:picChg>
+        <pc:picChg chg="add mod">
+          <ac:chgData name="Chen, Jeff" userId="9a3224f5-9893-4468-acd0-6d03119f890b" providerId="ADAL" clId="{36668F78-20BC-4003-801C-8ACC5A4B6E0B}" dt="2021-03-09T18:23:02.644" v="308" actId="1076"/>
+          <ac:picMkLst>
+            <pc:docMk/>
+            <pc:sldMk cId="470766224" sldId="274"/>
+            <ac:picMk id="6" creationId="{AE90FBDE-69AE-4316-8FA1-18F6D0B99E7F}"/>
+          </ac:picMkLst>
+        </pc:picChg>
+      </pc:sldChg>
+      <pc:sldChg chg="new">
+        <pc:chgData name="Chen, Jeff" userId="9a3224f5-9893-4468-acd0-6d03119f890b" providerId="ADAL" clId="{36668F78-20BC-4003-801C-8ACC5A4B6E0B}" dt="2021-03-09T18:12:29.052" v="170" actId="680"/>
+        <pc:sldMkLst>
+          <pc:docMk/>
+          <pc:sldMk cId="3273601112" sldId="275"/>
+        </pc:sldMkLst>
+      </pc:sldChg>
+      <pc:sldChg chg="new">
+        <pc:chgData name="Chen, Jeff" userId="9a3224f5-9893-4468-acd0-6d03119f890b" providerId="ADAL" clId="{36668F78-20BC-4003-801C-8ACC5A4B6E0B}" dt="2021-03-09T18:12:29.451" v="171" actId="680"/>
+        <pc:sldMkLst>
+          <pc:docMk/>
+          <pc:sldMk cId="3788360458" sldId="276"/>
+        </pc:sldMkLst>
+      </pc:sldChg>
+      <pc:sldChg chg="new">
+        <pc:chgData name="Chen, Jeff" userId="9a3224f5-9893-4468-acd0-6d03119f890b" providerId="ADAL" clId="{36668F78-20BC-4003-801C-8ACC5A4B6E0B}" dt="2021-03-09T18:12:29.486" v="172" actId="680"/>
+        <pc:sldMkLst>
+          <pc:docMk/>
+          <pc:sldMk cId="4290828679" sldId="277"/>
+        </pc:sldMkLst>
+      </pc:sldChg>
+      <pc:sldChg chg="new">
+        <pc:chgData name="Chen, Jeff" userId="9a3224f5-9893-4468-acd0-6d03119f890b" providerId="ADAL" clId="{36668F78-20BC-4003-801C-8ACC5A4B6E0B}" dt="2021-03-09T18:12:29.520" v="173" actId="680"/>
+        <pc:sldMkLst>
+          <pc:docMk/>
+          <pc:sldMk cId="3513092709" sldId="278"/>
+        </pc:sldMkLst>
+      </pc:sldChg>
+      <pc:sldChg chg="new">
+        <pc:chgData name="Chen, Jeff" userId="9a3224f5-9893-4468-acd0-6d03119f890b" providerId="ADAL" clId="{36668F78-20BC-4003-801C-8ACC5A4B6E0B}" dt="2021-03-09T18:12:29.569" v="174" actId="680"/>
+        <pc:sldMkLst>
+          <pc:docMk/>
+          <pc:sldMk cId="2163507875" sldId="279"/>
+        </pc:sldMkLst>
+      </pc:sldChg>
+      <pc:sldChg chg="new">
+        <pc:chgData name="Chen, Jeff" userId="9a3224f5-9893-4468-acd0-6d03119f890b" providerId="ADAL" clId="{36668F78-20BC-4003-801C-8ACC5A4B6E0B}" dt="2021-03-09T18:12:30.118" v="175" actId="680"/>
+        <pc:sldMkLst>
+          <pc:docMk/>
+          <pc:sldMk cId="1326462314" sldId="280"/>
+        </pc:sldMkLst>
+      </pc:sldChg>
+      <pc:sldChg chg="new">
+        <pc:chgData name="Chen, Jeff" userId="9a3224f5-9893-4468-acd0-6d03119f890b" providerId="ADAL" clId="{36668F78-20BC-4003-801C-8ACC5A4B6E0B}" dt="2021-03-09T18:12:30.153" v="176" actId="680"/>
+        <pc:sldMkLst>
+          <pc:docMk/>
+          <pc:sldMk cId="1278481759" sldId="281"/>
+        </pc:sldMkLst>
+      </pc:sldChg>
+      <pc:sldChg chg="addSp delSp modSp add mod">
+        <pc:chgData name="Chen, Jeff" userId="9a3224f5-9893-4468-acd0-6d03119f890b" providerId="ADAL" clId="{36668F78-20BC-4003-801C-8ACC5A4B6E0B}" dt="2021-03-09T18:15:39.565" v="235" actId="1076"/>
+        <pc:sldMkLst>
+          <pc:docMk/>
+          <pc:sldMk cId="581602665" sldId="282"/>
+        </pc:sldMkLst>
+        <pc:spChg chg="del">
+          <ac:chgData name="Chen, Jeff" userId="9a3224f5-9893-4468-acd0-6d03119f890b" providerId="ADAL" clId="{36668F78-20BC-4003-801C-8ACC5A4B6E0B}" dt="2021-03-09T18:15:11.331" v="229" actId="478"/>
+          <ac:spMkLst>
+            <pc:docMk/>
+            <pc:sldMk cId="581602665" sldId="282"/>
+            <ac:spMk id="2" creationId="{DDB5B769-C03B-4E54-A188-BE9994B667F5}"/>
+          </ac:spMkLst>
+        </pc:spChg>
+        <pc:spChg chg="add del mod">
+          <ac:chgData name="Chen, Jeff" userId="9a3224f5-9893-4468-acd0-6d03119f890b" providerId="ADAL" clId="{36668F78-20BC-4003-801C-8ACC5A4B6E0B}" dt="2021-03-09T18:15:13.679" v="231" actId="478"/>
+          <ac:spMkLst>
+            <pc:docMk/>
+            <pc:sldMk cId="581602665" sldId="282"/>
+            <ac:spMk id="8" creationId="{AE1C04BA-B1A6-4AE0-9758-E4DFECC8E37F}"/>
+          </ac:spMkLst>
+        </pc:spChg>
+        <pc:spChg chg="add mod">
+          <ac:chgData name="Chen, Jeff" userId="9a3224f5-9893-4468-acd0-6d03119f890b" providerId="ADAL" clId="{36668F78-20BC-4003-801C-8ACC5A4B6E0B}" dt="2021-03-09T18:15:19.018" v="232" actId="1076"/>
+          <ac:spMkLst>
+            <pc:docMk/>
+            <pc:sldMk cId="581602665" sldId="282"/>
+            <ac:spMk id="12" creationId="{635238AA-7A68-4E77-9D7F-1D418EDAA544}"/>
+          </ac:spMkLst>
+        </pc:spChg>
+        <pc:picChg chg="del">
+          <ac:chgData name="Chen, Jeff" userId="9a3224f5-9893-4468-acd0-6d03119f890b" providerId="ADAL" clId="{36668F78-20BC-4003-801C-8ACC5A4B6E0B}" dt="2021-03-09T18:15:01.459" v="225" actId="478"/>
+          <ac:picMkLst>
+            <pc:docMk/>
+            <pc:sldMk cId="581602665" sldId="282"/>
+            <ac:picMk id="4" creationId="{9AAC5AA2-C8B7-4452-ADDC-07C0645AC6BE}"/>
+          </ac:picMkLst>
+        </pc:picChg>
+        <pc:picChg chg="add mod">
+          <ac:chgData name="Chen, Jeff" userId="9a3224f5-9893-4468-acd0-6d03119f890b" providerId="ADAL" clId="{36668F78-20BC-4003-801C-8ACC5A4B6E0B}" dt="2021-03-09T18:15:05.748" v="228" actId="1076"/>
+          <ac:picMkLst>
+            <pc:docMk/>
+            <pc:sldMk cId="581602665" sldId="282"/>
+            <ac:picMk id="5" creationId="{DECACDA3-367A-458C-8F31-98C5F546BA73}"/>
+          </ac:picMkLst>
+        </pc:picChg>
+        <pc:picChg chg="del">
+          <ac:chgData name="Chen, Jeff" userId="9a3224f5-9893-4468-acd0-6d03119f890b" providerId="ADAL" clId="{36668F78-20BC-4003-801C-8ACC5A4B6E0B}" dt="2021-03-09T18:15:02.124" v="226" actId="478"/>
+          <ac:picMkLst>
+            <pc:docMk/>
+            <pc:sldMk cId="581602665" sldId="282"/>
+            <ac:picMk id="6" creationId="{FF076D06-6678-4A4C-85C5-A23D6D0D97D6}"/>
+          </ac:picMkLst>
+        </pc:picChg>
+        <pc:picChg chg="add mod">
+          <ac:chgData name="Chen, Jeff" userId="9a3224f5-9893-4468-acd0-6d03119f890b" providerId="ADAL" clId="{36668F78-20BC-4003-801C-8ACC5A4B6E0B}" dt="2021-03-09T18:15:39.565" v="235" actId="1076"/>
+          <ac:picMkLst>
+            <pc:docMk/>
+            <pc:sldMk cId="581602665" sldId="282"/>
+            <ac:picMk id="14" creationId="{8689B28F-4B71-48BF-89F0-ADADB444C6D7}"/>
           </ac:picMkLst>
         </pc:picChg>
       </pc:sldChg>
@@ -3875,8 +4583,8 @@
         </p:nvSpPr>
         <p:spPr>
           <a:xfrm>
-            <a:off x="908179" y="2932158"/>
-            <a:ext cx="10420738" cy="923330"/>
+            <a:off x="899387" y="2932158"/>
+            <a:ext cx="10576229" cy="923330"/>
           </a:xfrm>
           <a:prstGeom prst="rect">
             <a:avLst/>
@@ -3897,7 +4605,7 @@
                 <a:effectLst/>
                 <a:latin typeface="Segoe UI" panose="020B0502040204020203" pitchFamily="34" charset="0"/>
               </a:rPr>
-              <a:t>By symmetry, if the matrix A is invertible with inverse B, then matrix B is also invertible with inverse A.</a:t>
+              <a:t>- By symmetry, if the matrix A is invertible with inverse B, then matrix B is also invertible with inverse A.</a:t>
             </a:r>
           </a:p>
           <a:p>
@@ -3908,7 +4616,7 @@
                 </a:solidFill>
                 <a:latin typeface="Segoe UI" panose="020B0502040204020203" pitchFamily="34" charset="0"/>
               </a:rPr>
-              <a:t>((A^-1)^-1) = A.</a:t>
+              <a:t>- ((A^-1)^-1) = A.</a:t>
             </a:r>
             <a:endParaRPr lang="en-US" sz="1800" dirty="0">
               <a:solidFill>
@@ -4483,6 +5191,14 @@
 <file path=ppt/slides/slide11.xml><?xml version="1.0" encoding="utf-8"?>
 <p:sld xmlns:a="http://schemas.openxmlformats.org/drawingml/2006/main" xmlns:r="http://schemas.openxmlformats.org/officeDocument/2006/relationships" xmlns:p="http://schemas.openxmlformats.org/presentationml/2006/main">
   <p:cSld>
+    <p:bg>
+      <p:bgPr>
+        <a:solidFill>
+          <a:schemeClr val="bg1"/>
+        </a:solidFill>
+        <a:effectLst/>
+      </p:bgPr>
+    </p:bg>
     <p:spTree>
       <p:nvGrpSpPr>
         <p:cNvPr id="1" name=""/>
@@ -4497,6 +5213,160 @@
           <a:chExt cx="0" cy="0"/>
         </a:xfrm>
       </p:grpSpPr>
+      <p:sp useBgFill="1">
+        <p:nvSpPr>
+          <p:cNvPr id="9" name="Rectangle 8">
+            <a:extLst>
+              <a:ext uri="{FF2B5EF4-FFF2-40B4-BE49-F238E27FC236}">
+                <a16:creationId xmlns:a16="http://schemas.microsoft.com/office/drawing/2014/main" id="{D0461F72-A27E-48C5-A99A-B5EEDA7456F9}"/>
+              </a:ext>
+              <a:ext uri="{C183D7F6-B498-43B3-948B-1728B52AA6E4}">
+                <adec:decorative xmlns:adec="http://schemas.microsoft.com/office/drawing/2017/decorative" val="1"/>
+              </a:ext>
+            </a:extLst>
+          </p:cNvPr>
+          <p:cNvSpPr>
+            <a:spLocks noGrp="1" noRot="1" noChangeAspect="1" noMove="1" noResize="1" noEditPoints="1" noAdjustHandles="1" noChangeArrowheads="1" noChangeShapeType="1" noTextEdit="1"/>
+          </p:cNvSpPr>
+          <p:nvPr>
+            <p:extLst>
+              <p:ext uri="{386F3935-93C4-4BCD-93E2-E3B085C9AB24}">
+                <p16:designElem xmlns:p16="http://schemas.microsoft.com/office/powerpoint/2015/main" val="1"/>
+              </p:ext>
+            </p:extLst>
+          </p:nvPr>
+        </p:nvSpPr>
+        <p:spPr bwMode="white">
+          <a:xfrm>
+            <a:off x="0" y="0"/>
+            <a:ext cx="12192000" cy="6858000"/>
+          </a:xfrm>
+          <a:prstGeom prst="rect">
+            <a:avLst/>
+          </a:prstGeom>
+          <a:ln>
+            <a:noFill/>
+          </a:ln>
+        </p:spPr>
+        <p:style>
+          <a:lnRef idx="2">
+            <a:schemeClr val="accent1">
+              <a:shade val="50000"/>
+            </a:schemeClr>
+          </a:lnRef>
+          <a:fillRef idx="1">
+            <a:schemeClr val="accent1"/>
+          </a:fillRef>
+          <a:effectRef idx="0">
+            <a:schemeClr val="accent1"/>
+          </a:effectRef>
+          <a:fontRef idx="minor">
+            <a:schemeClr val="lt1"/>
+          </a:fontRef>
+        </p:style>
+        <p:txBody>
+          <a:bodyPr rtlCol="0" anchor="ctr"/>
+          <a:lstStyle>
+            <a:defPPr>
+              <a:defRPr lang="en-US"/>
+            </a:defPPr>
+            <a:lvl1pPr marL="0" algn="l" defTabSz="914400" rtl="0" eaLnBrk="1" latinLnBrk="0" hangingPunct="1">
+              <a:defRPr sz="1800" kern="1200">
+                <a:solidFill>
+                  <a:schemeClr val="lt1"/>
+                </a:solidFill>
+                <a:latin typeface="+mn-lt"/>
+                <a:ea typeface="+mn-ea"/>
+                <a:cs typeface="+mn-cs"/>
+              </a:defRPr>
+            </a:lvl1pPr>
+            <a:lvl2pPr marL="457200" algn="l" defTabSz="914400" rtl="0" eaLnBrk="1" latinLnBrk="0" hangingPunct="1">
+              <a:defRPr sz="1800" kern="1200">
+                <a:solidFill>
+                  <a:schemeClr val="lt1"/>
+                </a:solidFill>
+                <a:latin typeface="+mn-lt"/>
+                <a:ea typeface="+mn-ea"/>
+                <a:cs typeface="+mn-cs"/>
+              </a:defRPr>
+            </a:lvl2pPr>
+            <a:lvl3pPr marL="914400" algn="l" defTabSz="914400" rtl="0" eaLnBrk="1" latinLnBrk="0" hangingPunct="1">
+              <a:defRPr sz="1800" kern="1200">
+                <a:solidFill>
+                  <a:schemeClr val="lt1"/>
+                </a:solidFill>
+                <a:latin typeface="+mn-lt"/>
+                <a:ea typeface="+mn-ea"/>
+                <a:cs typeface="+mn-cs"/>
+              </a:defRPr>
+            </a:lvl3pPr>
+            <a:lvl4pPr marL="1371600" algn="l" defTabSz="914400" rtl="0" eaLnBrk="1" latinLnBrk="0" hangingPunct="1">
+              <a:defRPr sz="1800" kern="1200">
+                <a:solidFill>
+                  <a:schemeClr val="lt1"/>
+                </a:solidFill>
+                <a:latin typeface="+mn-lt"/>
+                <a:ea typeface="+mn-ea"/>
+                <a:cs typeface="+mn-cs"/>
+              </a:defRPr>
+            </a:lvl4pPr>
+            <a:lvl5pPr marL="1828800" algn="l" defTabSz="914400" rtl="0" eaLnBrk="1" latinLnBrk="0" hangingPunct="1">
+              <a:defRPr sz="1800" kern="1200">
+                <a:solidFill>
+                  <a:schemeClr val="lt1"/>
+                </a:solidFill>
+                <a:latin typeface="+mn-lt"/>
+                <a:ea typeface="+mn-ea"/>
+                <a:cs typeface="+mn-cs"/>
+              </a:defRPr>
+            </a:lvl5pPr>
+            <a:lvl6pPr marL="2286000" algn="l" defTabSz="914400" rtl="0" eaLnBrk="1" latinLnBrk="0" hangingPunct="1">
+              <a:defRPr sz="1800" kern="1200">
+                <a:solidFill>
+                  <a:schemeClr val="lt1"/>
+                </a:solidFill>
+                <a:latin typeface="+mn-lt"/>
+                <a:ea typeface="+mn-ea"/>
+                <a:cs typeface="+mn-cs"/>
+              </a:defRPr>
+            </a:lvl6pPr>
+            <a:lvl7pPr marL="2743200" algn="l" defTabSz="914400" rtl="0" eaLnBrk="1" latinLnBrk="0" hangingPunct="1">
+              <a:defRPr sz="1800" kern="1200">
+                <a:solidFill>
+                  <a:schemeClr val="lt1"/>
+                </a:solidFill>
+                <a:latin typeface="+mn-lt"/>
+                <a:ea typeface="+mn-ea"/>
+                <a:cs typeface="+mn-cs"/>
+              </a:defRPr>
+            </a:lvl7pPr>
+            <a:lvl8pPr marL="3200400" algn="l" defTabSz="914400" rtl="0" eaLnBrk="1" latinLnBrk="0" hangingPunct="1">
+              <a:defRPr sz="1800" kern="1200">
+                <a:solidFill>
+                  <a:schemeClr val="lt1"/>
+                </a:solidFill>
+                <a:latin typeface="+mn-lt"/>
+                <a:ea typeface="+mn-ea"/>
+                <a:cs typeface="+mn-cs"/>
+              </a:defRPr>
+            </a:lvl8pPr>
+            <a:lvl9pPr marL="3657600" algn="l" defTabSz="914400" rtl="0" eaLnBrk="1" latinLnBrk="0" hangingPunct="1">
+              <a:defRPr sz="1800" kern="1200">
+                <a:solidFill>
+                  <a:schemeClr val="lt1"/>
+                </a:solidFill>
+                <a:latin typeface="+mn-lt"/>
+                <a:ea typeface="+mn-ea"/>
+                <a:cs typeface="+mn-cs"/>
+              </a:defRPr>
+            </a:lvl9pPr>
+          </a:lstStyle>
+          <a:p>
+            <a:pPr algn="ctr"/>
+            <a:endParaRPr lang="en-US"/>
+          </a:p>
+        </p:txBody>
+      </p:sp>
       <p:sp>
         <p:nvSpPr>
           <p:cNvPr id="2" name="Title 1">
@@ -4513,12 +5383,293 @@
             <p:ph type="title"/>
           </p:nvPr>
         </p:nvSpPr>
-        <p:spPr/>
+        <p:spPr>
+          <a:xfrm>
+            <a:off x="1524000" y="3349167"/>
+            <a:ext cx="9144000" cy="1748373"/>
+          </a:xfrm>
+        </p:spPr>
         <p:txBody>
-          <a:bodyPr/>
+          <a:bodyPr vert="horz" lIns="91440" tIns="45720" rIns="91440" bIns="45720" rtlCol="0" anchor="b">
+            <a:normAutofit/>
+          </a:bodyPr>
           <a:lstStyle/>
           <a:p>
-            <a:endParaRPr lang="en-US"/>
+            <a:pPr algn="ctr"/>
+            <a:r>
+              <a:rPr lang="en-US" sz="6000" kern="1200">
+                <a:solidFill>
+                  <a:schemeClr val="tx1"/>
+                </a:solidFill>
+                <a:latin typeface="+mj-lt"/>
+                <a:ea typeface="+mj-ea"/>
+                <a:cs typeface="+mj-cs"/>
+              </a:rPr>
+              <a:t>Tranformation</a:t>
+            </a:r>
+          </a:p>
+        </p:txBody>
+      </p:sp>
+      <p:pic>
+        <p:nvPicPr>
+          <p:cNvPr id="4" name="Picture 3">
+            <a:extLst>
+              <a:ext uri="{FF2B5EF4-FFF2-40B4-BE49-F238E27FC236}">
+                <a16:creationId xmlns:a16="http://schemas.microsoft.com/office/drawing/2014/main" id="{FD104DDD-D937-48A3-AA31-D5520D47C347}"/>
+              </a:ext>
+            </a:extLst>
+          </p:cNvPr>
+          <p:cNvPicPr>
+            <a:picLocks noChangeAspect="1"/>
+          </p:cNvPicPr>
+          <p:nvPr/>
+        </p:nvPicPr>
+        <p:blipFill>
+          <a:blip r:embed="rId2"/>
+          <a:stretch>
+            <a:fillRect/>
+          </a:stretch>
+        </p:blipFill>
+        <p:spPr>
+          <a:xfrm>
+            <a:off x="643466" y="1283735"/>
+            <a:ext cx="10905067" cy="1172294"/>
+          </a:xfrm>
+          <a:custGeom>
+            <a:avLst/>
+            <a:gdLst/>
+            <a:ahLst/>
+            <a:cxnLst/>
+            <a:rect l="l" t="t" r="r" b="b"/>
+            <a:pathLst>
+              <a:path w="9143998" h="2473607">
+                <a:moveTo>
+                  <a:pt x="64634" y="0"/>
+                </a:moveTo>
+                <a:lnTo>
+                  <a:pt x="9079363" y="0"/>
+                </a:lnTo>
+                <a:cubicBezTo>
+                  <a:pt x="9115060" y="0"/>
+                  <a:pt x="9143998" y="28938"/>
+                  <a:pt x="9143998" y="64635"/>
+                </a:cubicBezTo>
+                <a:lnTo>
+                  <a:pt x="9143998" y="2408972"/>
+                </a:lnTo>
+                <a:cubicBezTo>
+                  <a:pt x="9143998" y="2444669"/>
+                  <a:pt x="9115060" y="2473607"/>
+                  <a:pt x="9079363" y="2473607"/>
+                </a:cubicBezTo>
+                <a:lnTo>
+                  <a:pt x="64634" y="2473607"/>
+                </a:lnTo>
+                <a:cubicBezTo>
+                  <a:pt x="46786" y="2473607"/>
+                  <a:pt x="30627" y="2466373"/>
+                  <a:pt x="18930" y="2454676"/>
+                </a:cubicBezTo>
+                <a:lnTo>
+                  <a:pt x="0" y="2408974"/>
+                </a:lnTo>
+                <a:lnTo>
+                  <a:pt x="0" y="64633"/>
+                </a:lnTo>
+                <a:lnTo>
+                  <a:pt x="18930" y="18931"/>
+                </a:lnTo>
+                <a:cubicBezTo>
+                  <a:pt x="30627" y="7235"/>
+                  <a:pt x="46786" y="0"/>
+                  <a:pt x="64634" y="0"/>
+                </a:cubicBezTo>
+                <a:close/>
+              </a:path>
+            </a:pathLst>
+          </a:custGeom>
+        </p:spPr>
+      </p:pic>
+      <p:sp>
+        <p:nvSpPr>
+          <p:cNvPr id="11" name="Oval 10">
+            <a:extLst>
+              <a:ext uri="{FF2B5EF4-FFF2-40B4-BE49-F238E27FC236}">
+                <a16:creationId xmlns:a16="http://schemas.microsoft.com/office/drawing/2014/main" id="{DF382E8D-312B-4792-A211-0BDE37F6F5F7}"/>
+              </a:ext>
+              <a:ext uri="{C183D7F6-B498-43B3-948B-1728B52AA6E4}">
+                <adec:decorative xmlns:adec="http://schemas.microsoft.com/office/drawing/2017/decorative" val="1"/>
+              </a:ext>
+            </a:extLst>
+          </p:cNvPr>
+          <p:cNvSpPr>
+            <a:spLocks noGrp="1" noRot="1" noChangeAspect="1" noMove="1" noResize="1" noEditPoints="1" noAdjustHandles="1" noChangeArrowheads="1" noChangeShapeType="1" noTextEdit="1"/>
+          </p:cNvSpPr>
+          <p:nvPr>
+            <p:extLst>
+              <p:ext uri="{386F3935-93C4-4BCD-93E2-E3B085C9AB24}">
+                <p16:designElem xmlns:p16="http://schemas.microsoft.com/office/powerpoint/2015/main" val="1"/>
+              </p:ext>
+            </p:extLst>
+          </p:nvPr>
+        </p:nvSpPr>
+        <p:spPr>
+          <a:xfrm>
+            <a:off x="1165562" y="2623216"/>
+            <a:ext cx="546100" cy="546100"/>
+          </a:xfrm>
+          <a:prstGeom prst="ellipse">
+            <a:avLst/>
+          </a:prstGeom>
+          <a:solidFill>
+            <a:schemeClr val="accent5"/>
+          </a:solidFill>
+          <a:ln>
+            <a:noFill/>
+          </a:ln>
+        </p:spPr>
+        <p:style>
+          <a:lnRef idx="2">
+            <a:schemeClr val="accent1">
+              <a:shade val="50000"/>
+            </a:schemeClr>
+          </a:lnRef>
+          <a:fillRef idx="1">
+            <a:schemeClr val="accent1"/>
+          </a:fillRef>
+          <a:effectRef idx="0">
+            <a:schemeClr val="accent1"/>
+          </a:effectRef>
+          <a:fontRef idx="minor">
+            <a:schemeClr val="lt1"/>
+          </a:fontRef>
+        </p:style>
+        <p:txBody>
+          <a:bodyPr rtlCol="0" anchor="ctr"/>
+          <a:lstStyle/>
+          <a:p>
+            <a:pPr marL="0" marR="0" lvl="0" indent="0" algn="ctr" defTabSz="914400" rtl="0" eaLnBrk="1" fontAlgn="auto" latinLnBrk="0" hangingPunct="1">
+              <a:lnSpc>
+                <a:spcPct val="100000"/>
+              </a:lnSpc>
+              <a:spcBef>
+                <a:spcPts val="0"/>
+              </a:spcBef>
+              <a:spcAft>
+                <a:spcPts val="0"/>
+              </a:spcAft>
+              <a:buClrTx/>
+              <a:buSzTx/>
+              <a:buFontTx/>
+              <a:buNone/>
+              <a:tabLst/>
+              <a:defRPr/>
+            </a:pPr>
+            <a:endParaRPr kumimoji="0" lang="en-US" sz="1800" b="0" i="0" u="none" strike="noStrike" kern="1200" cap="none" spc="0" normalizeH="0" baseline="0" noProof="0">
+              <a:solidFill>
+                <a:schemeClr val="accent5"/>
+              </a:solidFill>
+              <a:effectLst/>
+              <a:uLnTx/>
+              <a:uFillTx/>
+              <a:latin typeface="Calibri" panose="020F0502020204030204"/>
+              <a:ea typeface="+mn-ea"/>
+              <a:cs typeface="+mn-cs"/>
+            </a:endParaRPr>
+          </a:p>
+        </p:txBody>
+      </p:sp>
+      <p:sp>
+        <p:nvSpPr>
+          <p:cNvPr id="13" name="Arc 12">
+            <a:extLst>
+              <a:ext uri="{FF2B5EF4-FFF2-40B4-BE49-F238E27FC236}">
+                <a16:creationId xmlns:a16="http://schemas.microsoft.com/office/drawing/2014/main" id="{036F9B07-02BE-4BD5-BA9D-E91B8A456BEA}"/>
+              </a:ext>
+              <a:ext uri="{C183D7F6-B498-43B3-948B-1728B52AA6E4}">
+                <adec:decorative xmlns:adec="http://schemas.microsoft.com/office/drawing/2017/decorative" val="1"/>
+              </a:ext>
+            </a:extLst>
+          </p:cNvPr>
+          <p:cNvSpPr>
+            <a:spLocks noGrp="1" noRot="1" noChangeAspect="1" noMove="1" noResize="1" noEditPoints="1" noAdjustHandles="1" noChangeArrowheads="1" noChangeShapeType="1" noTextEdit="1"/>
+          </p:cNvSpPr>
+          <p:nvPr>
+            <p:extLst>
+              <p:ext uri="{386F3935-93C4-4BCD-93E2-E3B085C9AB24}">
+                <p16:designElem xmlns:p16="http://schemas.microsoft.com/office/powerpoint/2015/main" val="1"/>
+              </p:ext>
+            </p:extLst>
+          </p:nvPr>
+        </p:nvSpPr>
+        <p:spPr>
+          <a:xfrm>
+            <a:off x="8038539" y="361268"/>
+            <a:ext cx="2987899" cy="2987899"/>
+          </a:xfrm>
+          <a:prstGeom prst="arc">
+            <a:avLst>
+              <a:gd name="adj1" fmla="val 14441841"/>
+              <a:gd name="adj2" fmla="val 0"/>
+            </a:avLst>
+          </a:prstGeom>
+          <a:ln w="127000" cap="rnd">
+            <a:solidFill>
+              <a:schemeClr val="accent4"/>
+            </a:solidFill>
+            <a:prstDash val="dash"/>
+            <a:miter lim="800000"/>
+          </a:ln>
+        </p:spPr>
+        <p:style>
+          <a:lnRef idx="1">
+            <a:schemeClr val="accent1"/>
+          </a:lnRef>
+          <a:fillRef idx="0">
+            <a:schemeClr val="accent1"/>
+          </a:fillRef>
+          <a:effectRef idx="0">
+            <a:schemeClr val="accent1"/>
+          </a:effectRef>
+          <a:fontRef idx="minor">
+            <a:schemeClr val="tx1"/>
+          </a:fontRef>
+        </p:style>
+        <p:txBody>
+          <a:bodyPr rtlCol="0" anchor="ctr"/>
+          <a:lstStyle/>
+          <a:p>
+            <a:pPr marL="0" marR="0" lvl="0" indent="0" algn="ctr" defTabSz="914400" rtl="0" eaLnBrk="1" fontAlgn="auto" latinLnBrk="0" hangingPunct="1">
+              <a:lnSpc>
+                <a:spcPct val="100000"/>
+              </a:lnSpc>
+              <a:spcBef>
+                <a:spcPts val="0"/>
+              </a:spcBef>
+              <a:spcAft>
+                <a:spcPts val="0"/>
+              </a:spcAft>
+              <a:buClrTx/>
+              <a:buSzTx/>
+              <a:buFontTx/>
+              <a:buNone/>
+              <a:tabLst/>
+              <a:defRPr/>
+            </a:pPr>
+            <a:endParaRPr kumimoji="0" lang="en-US" sz="1800" b="0" i="0" u="none" strike="noStrike" kern="1200" cap="none" spc="0" normalizeH="0" baseline="0" noProof="0">
+              <a:ln>
+                <a:noFill/>
+              </a:ln>
+              <a:solidFill>
+                <a:srgbClr val="000000"/>
+              </a:solidFill>
+              <a:effectLst/>
+              <a:uLnTx/>
+              <a:uFillTx/>
+              <a:latin typeface="Calibri" panose="020F0502020204030204"/>
+              <a:ea typeface="+mn-ea"/>
+              <a:cs typeface="+mn-cs"/>
+            </a:endParaRPr>
           </a:p>
         </p:txBody>
       </p:sp>
@@ -4538,6 +5689,14 @@
 <file path=ppt/slides/slide12.xml><?xml version="1.0" encoding="utf-8"?>
 <p:sld xmlns:a="http://schemas.openxmlformats.org/drawingml/2006/main" xmlns:r="http://schemas.openxmlformats.org/officeDocument/2006/relationships" xmlns:p="http://schemas.openxmlformats.org/presentationml/2006/main">
   <p:cSld>
+    <p:bg>
+      <p:bgPr>
+        <a:solidFill>
+          <a:schemeClr val="bg1"/>
+        </a:solidFill>
+        <a:effectLst/>
+      </p:bgPr>
+    </p:bg>
     <p:spTree>
       <p:nvGrpSpPr>
         <p:cNvPr id="1" name=""/>
@@ -4552,6 +5711,160 @@
           <a:chExt cx="0" cy="0"/>
         </a:xfrm>
       </p:grpSpPr>
+      <p:sp useBgFill="1">
+        <p:nvSpPr>
+          <p:cNvPr id="9" name="Rectangle 8">
+            <a:extLst>
+              <a:ext uri="{FF2B5EF4-FFF2-40B4-BE49-F238E27FC236}">
+                <a16:creationId xmlns:a16="http://schemas.microsoft.com/office/drawing/2014/main" id="{407C9FC5-0C1E-42A8-97E6-F940775A0575}"/>
+              </a:ext>
+              <a:ext uri="{C183D7F6-B498-43B3-948B-1728B52AA6E4}">
+                <adec:decorative xmlns:adec="http://schemas.microsoft.com/office/drawing/2017/decorative" val="1"/>
+              </a:ext>
+            </a:extLst>
+          </p:cNvPr>
+          <p:cNvSpPr>
+            <a:spLocks noGrp="1" noRot="1" noChangeAspect="1" noMove="1" noResize="1" noEditPoints="1" noAdjustHandles="1" noChangeArrowheads="1" noChangeShapeType="1" noTextEdit="1"/>
+          </p:cNvSpPr>
+          <p:nvPr>
+            <p:extLst>
+              <p:ext uri="{386F3935-93C4-4BCD-93E2-E3B085C9AB24}">
+                <p16:designElem xmlns:p16="http://schemas.microsoft.com/office/powerpoint/2015/main" val="1"/>
+              </p:ext>
+            </p:extLst>
+          </p:nvPr>
+        </p:nvSpPr>
+        <p:spPr bwMode="white">
+          <a:xfrm>
+            <a:off x="0" y="0"/>
+            <a:ext cx="12192000" cy="6858000"/>
+          </a:xfrm>
+          <a:prstGeom prst="rect">
+            <a:avLst/>
+          </a:prstGeom>
+          <a:ln>
+            <a:noFill/>
+          </a:ln>
+        </p:spPr>
+        <p:style>
+          <a:lnRef idx="2">
+            <a:schemeClr val="accent1">
+              <a:shade val="50000"/>
+            </a:schemeClr>
+          </a:lnRef>
+          <a:fillRef idx="1">
+            <a:schemeClr val="accent1"/>
+          </a:fillRef>
+          <a:effectRef idx="0">
+            <a:schemeClr val="accent1"/>
+          </a:effectRef>
+          <a:fontRef idx="minor">
+            <a:schemeClr val="lt1"/>
+          </a:fontRef>
+        </p:style>
+        <p:txBody>
+          <a:bodyPr rtlCol="0" anchor="ctr"/>
+          <a:lstStyle>
+            <a:defPPr>
+              <a:defRPr lang="en-US"/>
+            </a:defPPr>
+            <a:lvl1pPr marL="0" algn="l" defTabSz="914400" rtl="0" eaLnBrk="1" latinLnBrk="0" hangingPunct="1">
+              <a:defRPr sz="1800" kern="1200">
+                <a:solidFill>
+                  <a:schemeClr val="lt1"/>
+                </a:solidFill>
+                <a:latin typeface="+mn-lt"/>
+                <a:ea typeface="+mn-ea"/>
+                <a:cs typeface="+mn-cs"/>
+              </a:defRPr>
+            </a:lvl1pPr>
+            <a:lvl2pPr marL="457200" algn="l" defTabSz="914400" rtl="0" eaLnBrk="1" latinLnBrk="0" hangingPunct="1">
+              <a:defRPr sz="1800" kern="1200">
+                <a:solidFill>
+                  <a:schemeClr val="lt1"/>
+                </a:solidFill>
+                <a:latin typeface="+mn-lt"/>
+                <a:ea typeface="+mn-ea"/>
+                <a:cs typeface="+mn-cs"/>
+              </a:defRPr>
+            </a:lvl2pPr>
+            <a:lvl3pPr marL="914400" algn="l" defTabSz="914400" rtl="0" eaLnBrk="1" latinLnBrk="0" hangingPunct="1">
+              <a:defRPr sz="1800" kern="1200">
+                <a:solidFill>
+                  <a:schemeClr val="lt1"/>
+                </a:solidFill>
+                <a:latin typeface="+mn-lt"/>
+                <a:ea typeface="+mn-ea"/>
+                <a:cs typeface="+mn-cs"/>
+              </a:defRPr>
+            </a:lvl3pPr>
+            <a:lvl4pPr marL="1371600" algn="l" defTabSz="914400" rtl="0" eaLnBrk="1" latinLnBrk="0" hangingPunct="1">
+              <a:defRPr sz="1800" kern="1200">
+                <a:solidFill>
+                  <a:schemeClr val="lt1"/>
+                </a:solidFill>
+                <a:latin typeface="+mn-lt"/>
+                <a:ea typeface="+mn-ea"/>
+                <a:cs typeface="+mn-cs"/>
+              </a:defRPr>
+            </a:lvl4pPr>
+            <a:lvl5pPr marL="1828800" algn="l" defTabSz="914400" rtl="0" eaLnBrk="1" latinLnBrk="0" hangingPunct="1">
+              <a:defRPr sz="1800" kern="1200">
+                <a:solidFill>
+                  <a:schemeClr val="lt1"/>
+                </a:solidFill>
+                <a:latin typeface="+mn-lt"/>
+                <a:ea typeface="+mn-ea"/>
+                <a:cs typeface="+mn-cs"/>
+              </a:defRPr>
+            </a:lvl5pPr>
+            <a:lvl6pPr marL="2286000" algn="l" defTabSz="914400" rtl="0" eaLnBrk="1" latinLnBrk="0" hangingPunct="1">
+              <a:defRPr sz="1800" kern="1200">
+                <a:solidFill>
+                  <a:schemeClr val="lt1"/>
+                </a:solidFill>
+                <a:latin typeface="+mn-lt"/>
+                <a:ea typeface="+mn-ea"/>
+                <a:cs typeface="+mn-cs"/>
+              </a:defRPr>
+            </a:lvl6pPr>
+            <a:lvl7pPr marL="2743200" algn="l" defTabSz="914400" rtl="0" eaLnBrk="1" latinLnBrk="0" hangingPunct="1">
+              <a:defRPr sz="1800" kern="1200">
+                <a:solidFill>
+                  <a:schemeClr val="lt1"/>
+                </a:solidFill>
+                <a:latin typeface="+mn-lt"/>
+                <a:ea typeface="+mn-ea"/>
+                <a:cs typeface="+mn-cs"/>
+              </a:defRPr>
+            </a:lvl7pPr>
+            <a:lvl8pPr marL="3200400" algn="l" defTabSz="914400" rtl="0" eaLnBrk="1" latinLnBrk="0" hangingPunct="1">
+              <a:defRPr sz="1800" kern="1200">
+                <a:solidFill>
+                  <a:schemeClr val="lt1"/>
+                </a:solidFill>
+                <a:latin typeface="+mn-lt"/>
+                <a:ea typeface="+mn-ea"/>
+                <a:cs typeface="+mn-cs"/>
+              </a:defRPr>
+            </a:lvl8pPr>
+            <a:lvl9pPr marL="3657600" algn="l" defTabSz="914400" rtl="0" eaLnBrk="1" latinLnBrk="0" hangingPunct="1">
+              <a:defRPr sz="1800" kern="1200">
+                <a:solidFill>
+                  <a:schemeClr val="lt1"/>
+                </a:solidFill>
+                <a:latin typeface="+mn-lt"/>
+                <a:ea typeface="+mn-ea"/>
+                <a:cs typeface="+mn-cs"/>
+              </a:defRPr>
+            </a:lvl9pPr>
+          </a:lstStyle>
+          <a:p>
+            <a:pPr algn="ctr"/>
+            <a:endParaRPr lang="en-US"/>
+          </a:p>
+        </p:txBody>
+      </p:sp>
       <p:sp>
         <p:nvSpPr>
           <p:cNvPr id="2" name="Title 1">
@@ -4568,12 +5881,286 @@
             <p:ph type="title"/>
           </p:nvPr>
         </p:nvSpPr>
-        <p:spPr/>
+        <p:spPr>
+          <a:xfrm>
+            <a:off x="1524000" y="4218281"/>
+            <a:ext cx="8564880" cy="1885199"/>
+          </a:xfrm>
+        </p:spPr>
         <p:txBody>
-          <a:bodyPr/>
+          <a:bodyPr vert="horz" lIns="91440" tIns="45720" rIns="91440" bIns="45720" rtlCol="0" anchor="ctr">
+            <a:normAutofit/>
+          </a:bodyPr>
           <a:lstStyle/>
           <a:p>
-            <a:endParaRPr lang="en-US"/>
+            <a:r>
+              <a:rPr lang="en-US" sz="5100" kern="1200" dirty="0">
+                <a:solidFill>
+                  <a:schemeClr val="tx1"/>
+                </a:solidFill>
+                <a:latin typeface="+mj-lt"/>
+                <a:ea typeface="+mj-ea"/>
+                <a:cs typeface="+mj-cs"/>
+              </a:rPr>
+              <a:t>Transformation Type (TBA)</a:t>
+            </a:r>
+          </a:p>
+        </p:txBody>
+      </p:sp>
+      <p:pic>
+        <p:nvPicPr>
+          <p:cNvPr id="4" name="Picture 3">
+            <a:extLst>
+              <a:ext uri="{FF2B5EF4-FFF2-40B4-BE49-F238E27FC236}">
+                <a16:creationId xmlns:a16="http://schemas.microsoft.com/office/drawing/2014/main" id="{CB940BB4-2CC3-4D18-AD2F-2CAB95476EEA}"/>
+              </a:ext>
+            </a:extLst>
+          </p:cNvPr>
+          <p:cNvPicPr>
+            <a:picLocks noChangeAspect="1"/>
+          </p:cNvPicPr>
+          <p:nvPr/>
+        </p:nvPicPr>
+        <p:blipFill>
+          <a:blip r:embed="rId2"/>
+          <a:stretch>
+            <a:fillRect/>
+          </a:stretch>
+        </p:blipFill>
+        <p:spPr>
+          <a:xfrm>
+            <a:off x="678393" y="1645292"/>
+            <a:ext cx="10823796" cy="1352973"/>
+          </a:xfrm>
+          <a:custGeom>
+            <a:avLst/>
+            <a:gdLst/>
+            <a:ahLst/>
+            <a:cxnLst/>
+            <a:rect l="l" t="t" r="r" b="b"/>
+            <a:pathLst>
+              <a:path w="10823796" h="3287267">
+                <a:moveTo>
+                  <a:pt x="98881" y="0"/>
+                </a:moveTo>
+                <a:lnTo>
+                  <a:pt x="10724915" y="0"/>
+                </a:lnTo>
+                <a:cubicBezTo>
+                  <a:pt x="10779525" y="0"/>
+                  <a:pt x="10823796" y="44271"/>
+                  <a:pt x="10823796" y="98881"/>
+                </a:cubicBezTo>
+                <a:lnTo>
+                  <a:pt x="10823796" y="3188386"/>
+                </a:lnTo>
+                <a:cubicBezTo>
+                  <a:pt x="10823796" y="3242996"/>
+                  <a:pt x="10779525" y="3287267"/>
+                  <a:pt x="10724915" y="3287267"/>
+                </a:cubicBezTo>
+                <a:lnTo>
+                  <a:pt x="98881" y="3287267"/>
+                </a:lnTo>
+                <a:cubicBezTo>
+                  <a:pt x="44271" y="3287267"/>
+                  <a:pt x="0" y="3242996"/>
+                  <a:pt x="0" y="3188386"/>
+                </a:cubicBezTo>
+                <a:lnTo>
+                  <a:pt x="0" y="98881"/>
+                </a:lnTo>
+                <a:cubicBezTo>
+                  <a:pt x="0" y="44271"/>
+                  <a:pt x="44271" y="0"/>
+                  <a:pt x="98881" y="0"/>
+                </a:cubicBezTo>
+                <a:close/>
+              </a:path>
+            </a:pathLst>
+          </a:custGeom>
+        </p:spPr>
+      </p:pic>
+      <p:sp>
+        <p:nvSpPr>
+          <p:cNvPr id="11" name="Oval 10">
+            <a:extLst>
+              <a:ext uri="{FF2B5EF4-FFF2-40B4-BE49-F238E27FC236}">
+                <a16:creationId xmlns:a16="http://schemas.microsoft.com/office/drawing/2014/main" id="{9EE371B4-A1D9-4EFE-8FE1-000495831EFA}"/>
+              </a:ext>
+              <a:ext uri="{C183D7F6-B498-43B3-948B-1728B52AA6E4}">
+                <adec:decorative xmlns:adec="http://schemas.microsoft.com/office/drawing/2017/decorative" val="1"/>
+              </a:ext>
+            </a:extLst>
+          </p:cNvPr>
+          <p:cNvSpPr>
+            <a:spLocks noGrp="1" noRot="1" noChangeAspect="1" noMove="1" noResize="1" noEditPoints="1" noAdjustHandles="1" noChangeArrowheads="1" noChangeShapeType="1" noTextEdit="1"/>
+          </p:cNvSpPr>
+          <p:nvPr>
+            <p:extLst>
+              <p:ext uri="{386F3935-93C4-4BCD-93E2-E3B085C9AB24}">
+                <p16:designElem xmlns:p16="http://schemas.microsoft.com/office/powerpoint/2015/main" val="1"/>
+              </p:ext>
+            </p:extLst>
+          </p:nvPr>
+        </p:nvSpPr>
+        <p:spPr>
+          <a:xfrm>
+            <a:off x="813617" y="4218281"/>
+            <a:ext cx="546100" cy="546100"/>
+          </a:xfrm>
+          <a:prstGeom prst="ellipse">
+            <a:avLst/>
+          </a:prstGeom>
+          <a:solidFill>
+            <a:schemeClr val="accent5"/>
+          </a:solidFill>
+          <a:ln>
+            <a:noFill/>
+          </a:ln>
+        </p:spPr>
+        <p:style>
+          <a:lnRef idx="2">
+            <a:schemeClr val="accent1">
+              <a:shade val="50000"/>
+            </a:schemeClr>
+          </a:lnRef>
+          <a:fillRef idx="1">
+            <a:schemeClr val="accent1"/>
+          </a:fillRef>
+          <a:effectRef idx="0">
+            <a:schemeClr val="accent1"/>
+          </a:effectRef>
+          <a:fontRef idx="minor">
+            <a:schemeClr val="lt1"/>
+          </a:fontRef>
+        </p:style>
+        <p:txBody>
+          <a:bodyPr rtlCol="0" anchor="ctr"/>
+          <a:lstStyle/>
+          <a:p>
+            <a:pPr marL="0" marR="0" lvl="0" indent="0" algn="ctr" defTabSz="914400" rtl="0" eaLnBrk="1" fontAlgn="auto" latinLnBrk="0" hangingPunct="1">
+              <a:lnSpc>
+                <a:spcPct val="100000"/>
+              </a:lnSpc>
+              <a:spcBef>
+                <a:spcPts val="0"/>
+              </a:spcBef>
+              <a:spcAft>
+                <a:spcPts val="0"/>
+              </a:spcAft>
+              <a:buClrTx/>
+              <a:buSzTx/>
+              <a:buFontTx/>
+              <a:buNone/>
+              <a:tabLst/>
+              <a:defRPr/>
+            </a:pPr>
+            <a:endParaRPr kumimoji="0" lang="en-US" sz="1800" b="0" i="0" u="none" strike="noStrike" kern="1200" cap="none" spc="0" normalizeH="0" baseline="0" noProof="0">
+              <a:solidFill>
+                <a:schemeClr val="accent5"/>
+              </a:solidFill>
+              <a:effectLst/>
+              <a:uLnTx/>
+              <a:uFillTx/>
+              <a:latin typeface="Calibri" panose="020F0502020204030204"/>
+              <a:ea typeface="+mn-ea"/>
+              <a:cs typeface="+mn-cs"/>
+            </a:endParaRPr>
+          </a:p>
+        </p:txBody>
+      </p:sp>
+      <p:sp>
+        <p:nvSpPr>
+          <p:cNvPr id="13" name="Arc 12">
+            <a:extLst>
+              <a:ext uri="{FF2B5EF4-FFF2-40B4-BE49-F238E27FC236}">
+                <a16:creationId xmlns:a16="http://schemas.microsoft.com/office/drawing/2014/main" id="{2E19C174-9C7C-461E-970B-432019901562}"/>
+              </a:ext>
+              <a:ext uri="{C183D7F6-B498-43B3-948B-1728B52AA6E4}">
+                <adec:decorative xmlns:adec="http://schemas.microsoft.com/office/drawing/2017/decorative" val="1"/>
+              </a:ext>
+            </a:extLst>
+          </p:cNvPr>
+          <p:cNvSpPr>
+            <a:spLocks noGrp="1" noRot="1" noChangeAspect="1" noMove="1" noResize="1" noEditPoints="1" noAdjustHandles="1" noChangeArrowheads="1" noChangeShapeType="1" noTextEdit="1"/>
+          </p:cNvSpPr>
+          <p:nvPr>
+            <p:extLst>
+              <p:ext uri="{386F3935-93C4-4BCD-93E2-E3B085C9AB24}">
+                <p16:designElem xmlns:p16="http://schemas.microsoft.com/office/powerpoint/2015/main" val="1"/>
+              </p:ext>
+            </p:extLst>
+          </p:nvPr>
+        </p:nvSpPr>
+        <p:spPr>
+          <a:xfrm>
+            <a:off x="8038539" y="3295432"/>
+            <a:ext cx="2987899" cy="2987899"/>
+          </a:xfrm>
+          <a:prstGeom prst="arc">
+            <a:avLst>
+              <a:gd name="adj1" fmla="val 14441841"/>
+              <a:gd name="adj2" fmla="val 0"/>
+            </a:avLst>
+          </a:prstGeom>
+          <a:ln w="127000" cap="rnd">
+            <a:solidFill>
+              <a:schemeClr val="accent4"/>
+            </a:solidFill>
+            <a:prstDash val="dash"/>
+            <a:miter lim="800000"/>
+          </a:ln>
+        </p:spPr>
+        <p:style>
+          <a:lnRef idx="1">
+            <a:schemeClr val="accent1"/>
+          </a:lnRef>
+          <a:fillRef idx="0">
+            <a:schemeClr val="accent1"/>
+          </a:fillRef>
+          <a:effectRef idx="0">
+            <a:schemeClr val="accent1"/>
+          </a:effectRef>
+          <a:fontRef idx="minor">
+            <a:schemeClr val="tx1"/>
+          </a:fontRef>
+        </p:style>
+        <p:txBody>
+          <a:bodyPr rtlCol="0" anchor="ctr"/>
+          <a:lstStyle/>
+          <a:p>
+            <a:pPr marL="0" marR="0" lvl="0" indent="0" algn="ctr" defTabSz="914400" rtl="0" eaLnBrk="1" fontAlgn="auto" latinLnBrk="0" hangingPunct="1">
+              <a:lnSpc>
+                <a:spcPct val="100000"/>
+              </a:lnSpc>
+              <a:spcBef>
+                <a:spcPts val="0"/>
+              </a:spcBef>
+              <a:spcAft>
+                <a:spcPts val="0"/>
+              </a:spcAft>
+              <a:buClrTx/>
+              <a:buSzTx/>
+              <a:buFontTx/>
+              <a:buNone/>
+              <a:tabLst/>
+              <a:defRPr/>
+            </a:pPr>
+            <a:endParaRPr kumimoji="0" lang="en-US" sz="1800" b="0" i="0" u="none" strike="noStrike" kern="1200" cap="none" spc="0" normalizeH="0" baseline="0" noProof="0">
+              <a:ln>
+                <a:noFill/>
+              </a:ln>
+              <a:solidFill>
+                <a:srgbClr val="000000"/>
+              </a:solidFill>
+              <a:effectLst/>
+              <a:uLnTx/>
+              <a:uFillTx/>
+              <a:latin typeface="Calibri" panose="020F0502020204030204"/>
+              <a:ea typeface="+mn-ea"/>
+              <a:cs typeface="+mn-cs"/>
+            </a:endParaRPr>
           </a:p>
         </p:txBody>
       </p:sp>
@@ -4593,6 +6180,14 @@
 <file path=ppt/slides/slide13.xml><?xml version="1.0" encoding="utf-8"?>
 <p:sld xmlns:a="http://schemas.openxmlformats.org/drawingml/2006/main" xmlns:r="http://schemas.openxmlformats.org/officeDocument/2006/relationships" xmlns:p="http://schemas.openxmlformats.org/presentationml/2006/main">
   <p:cSld>
+    <p:bg>
+      <p:bgPr>
+        <a:solidFill>
+          <a:schemeClr val="bg1"/>
+        </a:solidFill>
+        <a:effectLst/>
+      </p:bgPr>
+    </p:bg>
     <p:spTree>
       <p:nvGrpSpPr>
         <p:cNvPr id="1" name=""/>
@@ -4607,6 +6202,160 @@
           <a:chExt cx="0" cy="0"/>
         </a:xfrm>
       </p:grpSpPr>
+      <p:sp useBgFill="1">
+        <p:nvSpPr>
+          <p:cNvPr id="6" name="Rectangle 8">
+            <a:extLst>
+              <a:ext uri="{FF2B5EF4-FFF2-40B4-BE49-F238E27FC236}">
+                <a16:creationId xmlns:a16="http://schemas.microsoft.com/office/drawing/2014/main" id="{407C9FC5-0C1E-42A8-97E6-F940775A0575}"/>
+              </a:ext>
+              <a:ext uri="{C183D7F6-B498-43B3-948B-1728B52AA6E4}">
+                <adec:decorative xmlns:adec="http://schemas.microsoft.com/office/drawing/2017/decorative" val="1"/>
+              </a:ext>
+            </a:extLst>
+          </p:cNvPr>
+          <p:cNvSpPr>
+            <a:spLocks noGrp="1" noRot="1" noChangeAspect="1" noMove="1" noResize="1" noEditPoints="1" noAdjustHandles="1" noChangeArrowheads="1" noChangeShapeType="1" noTextEdit="1"/>
+          </p:cNvSpPr>
+          <p:nvPr>
+            <p:extLst>
+              <p:ext uri="{386F3935-93C4-4BCD-93E2-E3B085C9AB24}">
+                <p16:designElem xmlns:p16="http://schemas.microsoft.com/office/powerpoint/2015/main" val="1"/>
+              </p:ext>
+            </p:extLst>
+          </p:nvPr>
+        </p:nvSpPr>
+        <p:spPr bwMode="white">
+          <a:xfrm>
+            <a:off x="0" y="0"/>
+            <a:ext cx="12192000" cy="6858000"/>
+          </a:xfrm>
+          <a:prstGeom prst="rect">
+            <a:avLst/>
+          </a:prstGeom>
+          <a:ln>
+            <a:noFill/>
+          </a:ln>
+        </p:spPr>
+        <p:style>
+          <a:lnRef idx="2">
+            <a:schemeClr val="accent1">
+              <a:shade val="50000"/>
+            </a:schemeClr>
+          </a:lnRef>
+          <a:fillRef idx="1">
+            <a:schemeClr val="accent1"/>
+          </a:fillRef>
+          <a:effectRef idx="0">
+            <a:schemeClr val="accent1"/>
+          </a:effectRef>
+          <a:fontRef idx="minor">
+            <a:schemeClr val="lt1"/>
+          </a:fontRef>
+        </p:style>
+        <p:txBody>
+          <a:bodyPr rtlCol="0" anchor="ctr"/>
+          <a:lstStyle>
+            <a:defPPr>
+              <a:defRPr lang="en-US"/>
+            </a:defPPr>
+            <a:lvl1pPr marL="0" algn="l" defTabSz="914400" rtl="0" eaLnBrk="1" latinLnBrk="0" hangingPunct="1">
+              <a:defRPr sz="1800" kern="1200">
+                <a:solidFill>
+                  <a:schemeClr val="lt1"/>
+                </a:solidFill>
+                <a:latin typeface="+mn-lt"/>
+                <a:ea typeface="+mn-ea"/>
+                <a:cs typeface="+mn-cs"/>
+              </a:defRPr>
+            </a:lvl1pPr>
+            <a:lvl2pPr marL="457200" algn="l" defTabSz="914400" rtl="0" eaLnBrk="1" latinLnBrk="0" hangingPunct="1">
+              <a:defRPr sz="1800" kern="1200">
+                <a:solidFill>
+                  <a:schemeClr val="lt1"/>
+                </a:solidFill>
+                <a:latin typeface="+mn-lt"/>
+                <a:ea typeface="+mn-ea"/>
+                <a:cs typeface="+mn-cs"/>
+              </a:defRPr>
+            </a:lvl2pPr>
+            <a:lvl3pPr marL="914400" algn="l" defTabSz="914400" rtl="0" eaLnBrk="1" latinLnBrk="0" hangingPunct="1">
+              <a:defRPr sz="1800" kern="1200">
+                <a:solidFill>
+                  <a:schemeClr val="lt1"/>
+                </a:solidFill>
+                <a:latin typeface="+mn-lt"/>
+                <a:ea typeface="+mn-ea"/>
+                <a:cs typeface="+mn-cs"/>
+              </a:defRPr>
+            </a:lvl3pPr>
+            <a:lvl4pPr marL="1371600" algn="l" defTabSz="914400" rtl="0" eaLnBrk="1" latinLnBrk="0" hangingPunct="1">
+              <a:defRPr sz="1800" kern="1200">
+                <a:solidFill>
+                  <a:schemeClr val="lt1"/>
+                </a:solidFill>
+                <a:latin typeface="+mn-lt"/>
+                <a:ea typeface="+mn-ea"/>
+                <a:cs typeface="+mn-cs"/>
+              </a:defRPr>
+            </a:lvl4pPr>
+            <a:lvl5pPr marL="1828800" algn="l" defTabSz="914400" rtl="0" eaLnBrk="1" latinLnBrk="0" hangingPunct="1">
+              <a:defRPr sz="1800" kern="1200">
+                <a:solidFill>
+                  <a:schemeClr val="lt1"/>
+                </a:solidFill>
+                <a:latin typeface="+mn-lt"/>
+                <a:ea typeface="+mn-ea"/>
+                <a:cs typeface="+mn-cs"/>
+              </a:defRPr>
+            </a:lvl5pPr>
+            <a:lvl6pPr marL="2286000" algn="l" defTabSz="914400" rtl="0" eaLnBrk="1" latinLnBrk="0" hangingPunct="1">
+              <a:defRPr sz="1800" kern="1200">
+                <a:solidFill>
+                  <a:schemeClr val="lt1"/>
+                </a:solidFill>
+                <a:latin typeface="+mn-lt"/>
+                <a:ea typeface="+mn-ea"/>
+                <a:cs typeface="+mn-cs"/>
+              </a:defRPr>
+            </a:lvl6pPr>
+            <a:lvl7pPr marL="2743200" algn="l" defTabSz="914400" rtl="0" eaLnBrk="1" latinLnBrk="0" hangingPunct="1">
+              <a:defRPr sz="1800" kern="1200">
+                <a:solidFill>
+                  <a:schemeClr val="lt1"/>
+                </a:solidFill>
+                <a:latin typeface="+mn-lt"/>
+                <a:ea typeface="+mn-ea"/>
+                <a:cs typeface="+mn-cs"/>
+              </a:defRPr>
+            </a:lvl7pPr>
+            <a:lvl8pPr marL="3200400" algn="l" defTabSz="914400" rtl="0" eaLnBrk="1" latinLnBrk="0" hangingPunct="1">
+              <a:defRPr sz="1800" kern="1200">
+                <a:solidFill>
+                  <a:schemeClr val="lt1"/>
+                </a:solidFill>
+                <a:latin typeface="+mn-lt"/>
+                <a:ea typeface="+mn-ea"/>
+                <a:cs typeface="+mn-cs"/>
+              </a:defRPr>
+            </a:lvl8pPr>
+            <a:lvl9pPr marL="3657600" algn="l" defTabSz="914400" rtl="0" eaLnBrk="1" latinLnBrk="0" hangingPunct="1">
+              <a:defRPr sz="1800" kern="1200">
+                <a:solidFill>
+                  <a:schemeClr val="lt1"/>
+                </a:solidFill>
+                <a:latin typeface="+mn-lt"/>
+                <a:ea typeface="+mn-ea"/>
+                <a:cs typeface="+mn-cs"/>
+              </a:defRPr>
+            </a:lvl9pPr>
+          </a:lstStyle>
+          <a:p>
+            <a:pPr algn="ctr"/>
+            <a:endParaRPr lang="en-US"/>
+          </a:p>
+        </p:txBody>
+      </p:sp>
       <p:sp>
         <p:nvSpPr>
           <p:cNvPr id="2" name="Title 1">
@@ -4623,12 +6372,286 @@
             <p:ph type="title"/>
           </p:nvPr>
         </p:nvSpPr>
-        <p:spPr/>
+        <p:spPr>
+          <a:xfrm>
+            <a:off x="1524000" y="4218281"/>
+            <a:ext cx="8453120" cy="1885199"/>
+          </a:xfrm>
+        </p:spPr>
         <p:txBody>
-          <a:bodyPr/>
+          <a:bodyPr vert="horz" lIns="91440" tIns="45720" rIns="91440" bIns="45720" rtlCol="0" anchor="ctr">
+            <a:normAutofit/>
+          </a:bodyPr>
           <a:lstStyle/>
           <a:p>
-            <a:endParaRPr lang="en-US"/>
+            <a:r>
+              <a:rPr lang="en-US" sz="4200" kern="1200" dirty="0">
+                <a:solidFill>
+                  <a:schemeClr val="tx1"/>
+                </a:solidFill>
+                <a:latin typeface="+mj-lt"/>
+                <a:ea typeface="+mj-ea"/>
+                <a:cs typeface="+mj-cs"/>
+              </a:rPr>
+              <a:t>Range and Vector set of T (TBA)</a:t>
+            </a:r>
+          </a:p>
+        </p:txBody>
+      </p:sp>
+      <p:pic>
+        <p:nvPicPr>
+          <p:cNvPr id="4" name="Picture 3">
+            <a:extLst>
+              <a:ext uri="{FF2B5EF4-FFF2-40B4-BE49-F238E27FC236}">
+                <a16:creationId xmlns:a16="http://schemas.microsoft.com/office/drawing/2014/main" id="{BB3939CB-B379-42F6-99BE-66EC16A1E107}"/>
+              </a:ext>
+            </a:extLst>
+          </p:cNvPr>
+          <p:cNvPicPr>
+            <a:picLocks noChangeAspect="1"/>
+          </p:cNvPicPr>
+          <p:nvPr/>
+        </p:nvPicPr>
+        <p:blipFill>
+          <a:blip r:embed="rId2"/>
+          <a:stretch>
+            <a:fillRect/>
+          </a:stretch>
+        </p:blipFill>
+        <p:spPr>
+          <a:xfrm>
+            <a:off x="678393" y="1117632"/>
+            <a:ext cx="10823796" cy="2408293"/>
+          </a:xfrm>
+          <a:custGeom>
+            <a:avLst/>
+            <a:gdLst/>
+            <a:ahLst/>
+            <a:cxnLst/>
+            <a:rect l="l" t="t" r="r" b="b"/>
+            <a:pathLst>
+              <a:path w="10823796" h="3287267">
+                <a:moveTo>
+                  <a:pt x="98881" y="0"/>
+                </a:moveTo>
+                <a:lnTo>
+                  <a:pt x="10724915" y="0"/>
+                </a:lnTo>
+                <a:cubicBezTo>
+                  <a:pt x="10779525" y="0"/>
+                  <a:pt x="10823796" y="44271"/>
+                  <a:pt x="10823796" y="98881"/>
+                </a:cubicBezTo>
+                <a:lnTo>
+                  <a:pt x="10823796" y="3188386"/>
+                </a:lnTo>
+                <a:cubicBezTo>
+                  <a:pt x="10823796" y="3242996"/>
+                  <a:pt x="10779525" y="3287267"/>
+                  <a:pt x="10724915" y="3287267"/>
+                </a:cubicBezTo>
+                <a:lnTo>
+                  <a:pt x="98881" y="3287267"/>
+                </a:lnTo>
+                <a:cubicBezTo>
+                  <a:pt x="44271" y="3287267"/>
+                  <a:pt x="0" y="3242996"/>
+                  <a:pt x="0" y="3188386"/>
+                </a:cubicBezTo>
+                <a:lnTo>
+                  <a:pt x="0" y="98881"/>
+                </a:lnTo>
+                <a:cubicBezTo>
+                  <a:pt x="0" y="44271"/>
+                  <a:pt x="44271" y="0"/>
+                  <a:pt x="98881" y="0"/>
+                </a:cubicBezTo>
+                <a:close/>
+              </a:path>
+            </a:pathLst>
+          </a:custGeom>
+        </p:spPr>
+      </p:pic>
+      <p:sp>
+        <p:nvSpPr>
+          <p:cNvPr id="7" name="Oval 10">
+            <a:extLst>
+              <a:ext uri="{FF2B5EF4-FFF2-40B4-BE49-F238E27FC236}">
+                <a16:creationId xmlns:a16="http://schemas.microsoft.com/office/drawing/2014/main" id="{9EE371B4-A1D9-4EFE-8FE1-000495831EFA}"/>
+              </a:ext>
+              <a:ext uri="{C183D7F6-B498-43B3-948B-1728B52AA6E4}">
+                <adec:decorative xmlns:adec="http://schemas.microsoft.com/office/drawing/2017/decorative" val="1"/>
+              </a:ext>
+            </a:extLst>
+          </p:cNvPr>
+          <p:cNvSpPr>
+            <a:spLocks noGrp="1" noRot="1" noChangeAspect="1" noMove="1" noResize="1" noEditPoints="1" noAdjustHandles="1" noChangeArrowheads="1" noChangeShapeType="1" noTextEdit="1"/>
+          </p:cNvSpPr>
+          <p:nvPr>
+            <p:extLst>
+              <p:ext uri="{386F3935-93C4-4BCD-93E2-E3B085C9AB24}">
+                <p16:designElem xmlns:p16="http://schemas.microsoft.com/office/powerpoint/2015/main" val="1"/>
+              </p:ext>
+            </p:extLst>
+          </p:nvPr>
+        </p:nvSpPr>
+        <p:spPr>
+          <a:xfrm>
+            <a:off x="813617" y="4218281"/>
+            <a:ext cx="546100" cy="546100"/>
+          </a:xfrm>
+          <a:prstGeom prst="ellipse">
+            <a:avLst/>
+          </a:prstGeom>
+          <a:solidFill>
+            <a:schemeClr val="accent5"/>
+          </a:solidFill>
+          <a:ln>
+            <a:noFill/>
+          </a:ln>
+        </p:spPr>
+        <p:style>
+          <a:lnRef idx="2">
+            <a:schemeClr val="accent1">
+              <a:shade val="50000"/>
+            </a:schemeClr>
+          </a:lnRef>
+          <a:fillRef idx="1">
+            <a:schemeClr val="accent1"/>
+          </a:fillRef>
+          <a:effectRef idx="0">
+            <a:schemeClr val="accent1"/>
+          </a:effectRef>
+          <a:fontRef idx="minor">
+            <a:schemeClr val="lt1"/>
+          </a:fontRef>
+        </p:style>
+        <p:txBody>
+          <a:bodyPr rtlCol="0" anchor="ctr"/>
+          <a:lstStyle/>
+          <a:p>
+            <a:pPr marL="0" marR="0" lvl="0" indent="0" algn="ctr" defTabSz="914400" rtl="0" eaLnBrk="1" fontAlgn="auto" latinLnBrk="0" hangingPunct="1">
+              <a:lnSpc>
+                <a:spcPct val="100000"/>
+              </a:lnSpc>
+              <a:spcBef>
+                <a:spcPts val="0"/>
+              </a:spcBef>
+              <a:spcAft>
+                <a:spcPts val="0"/>
+              </a:spcAft>
+              <a:buClrTx/>
+              <a:buSzTx/>
+              <a:buFontTx/>
+              <a:buNone/>
+              <a:tabLst/>
+              <a:defRPr/>
+            </a:pPr>
+            <a:endParaRPr kumimoji="0" lang="en-US" sz="1800" b="0" i="0" u="none" strike="noStrike" kern="1200" cap="none" spc="0" normalizeH="0" baseline="0" noProof="0">
+              <a:solidFill>
+                <a:schemeClr val="accent5"/>
+              </a:solidFill>
+              <a:effectLst/>
+              <a:uLnTx/>
+              <a:uFillTx/>
+              <a:latin typeface="Calibri" panose="020F0502020204030204"/>
+              <a:ea typeface="+mn-ea"/>
+              <a:cs typeface="+mn-cs"/>
+            </a:endParaRPr>
+          </a:p>
+        </p:txBody>
+      </p:sp>
+      <p:sp>
+        <p:nvSpPr>
+          <p:cNvPr id="8" name="Arc 12">
+            <a:extLst>
+              <a:ext uri="{FF2B5EF4-FFF2-40B4-BE49-F238E27FC236}">
+                <a16:creationId xmlns:a16="http://schemas.microsoft.com/office/drawing/2014/main" id="{2E19C174-9C7C-461E-970B-432019901562}"/>
+              </a:ext>
+              <a:ext uri="{C183D7F6-B498-43B3-948B-1728B52AA6E4}">
+                <adec:decorative xmlns:adec="http://schemas.microsoft.com/office/drawing/2017/decorative" val="1"/>
+              </a:ext>
+            </a:extLst>
+          </p:cNvPr>
+          <p:cNvSpPr>
+            <a:spLocks noGrp="1" noRot="1" noChangeAspect="1" noMove="1" noResize="1" noEditPoints="1" noAdjustHandles="1" noChangeArrowheads="1" noChangeShapeType="1" noTextEdit="1"/>
+          </p:cNvSpPr>
+          <p:nvPr>
+            <p:extLst>
+              <p:ext uri="{386F3935-93C4-4BCD-93E2-E3B085C9AB24}">
+                <p16:designElem xmlns:p16="http://schemas.microsoft.com/office/powerpoint/2015/main" val="1"/>
+              </p:ext>
+            </p:extLst>
+          </p:nvPr>
+        </p:nvSpPr>
+        <p:spPr>
+          <a:xfrm>
+            <a:off x="8038539" y="3295432"/>
+            <a:ext cx="2987899" cy="2987899"/>
+          </a:xfrm>
+          <a:prstGeom prst="arc">
+            <a:avLst>
+              <a:gd name="adj1" fmla="val 14441841"/>
+              <a:gd name="adj2" fmla="val 0"/>
+            </a:avLst>
+          </a:prstGeom>
+          <a:ln w="127000" cap="rnd">
+            <a:solidFill>
+              <a:schemeClr val="accent4"/>
+            </a:solidFill>
+            <a:prstDash val="dash"/>
+            <a:miter lim="800000"/>
+          </a:ln>
+        </p:spPr>
+        <p:style>
+          <a:lnRef idx="1">
+            <a:schemeClr val="accent1"/>
+          </a:lnRef>
+          <a:fillRef idx="0">
+            <a:schemeClr val="accent1"/>
+          </a:fillRef>
+          <a:effectRef idx="0">
+            <a:schemeClr val="accent1"/>
+          </a:effectRef>
+          <a:fontRef idx="minor">
+            <a:schemeClr val="tx1"/>
+          </a:fontRef>
+        </p:style>
+        <p:txBody>
+          <a:bodyPr rtlCol="0" anchor="ctr"/>
+          <a:lstStyle/>
+          <a:p>
+            <a:pPr marL="0" marR="0" lvl="0" indent="0" algn="ctr" defTabSz="914400" rtl="0" eaLnBrk="1" fontAlgn="auto" latinLnBrk="0" hangingPunct="1">
+              <a:lnSpc>
+                <a:spcPct val="100000"/>
+              </a:lnSpc>
+              <a:spcBef>
+                <a:spcPts val="0"/>
+              </a:spcBef>
+              <a:spcAft>
+                <a:spcPts val="0"/>
+              </a:spcAft>
+              <a:buClrTx/>
+              <a:buSzTx/>
+              <a:buFontTx/>
+              <a:buNone/>
+              <a:tabLst/>
+              <a:defRPr/>
+            </a:pPr>
+            <a:endParaRPr kumimoji="0" lang="en-US" sz="1800" b="0" i="0" u="none" strike="noStrike" kern="1200" cap="none" spc="0" normalizeH="0" baseline="0" noProof="0">
+              <a:ln>
+                <a:noFill/>
+              </a:ln>
+              <a:solidFill>
+                <a:srgbClr val="000000"/>
+              </a:solidFill>
+              <a:effectLst/>
+              <a:uLnTx/>
+              <a:uFillTx/>
+              <a:latin typeface="Calibri" panose="020F0502020204030204"/>
+              <a:ea typeface="+mn-ea"/>
+              <a:cs typeface="+mn-cs"/>
+            </a:endParaRPr>
           </a:p>
         </p:txBody>
       </p:sp>
@@ -4648,6 +6671,14 @@
 <file path=ppt/slides/slide14.xml><?xml version="1.0" encoding="utf-8"?>
 <p:sld xmlns:a="http://schemas.openxmlformats.org/drawingml/2006/main" xmlns:r="http://schemas.openxmlformats.org/officeDocument/2006/relationships" xmlns:p="http://schemas.openxmlformats.org/presentationml/2006/main">
   <p:cSld>
+    <p:bg>
+      <p:bgPr>
+        <a:solidFill>
+          <a:schemeClr val="bg1"/>
+        </a:solidFill>
+        <a:effectLst/>
+      </p:bgPr>
+    </p:bg>
     <p:spTree>
       <p:nvGrpSpPr>
         <p:cNvPr id="1" name=""/>
@@ -4662,6 +6693,160 @@
           <a:chExt cx="0" cy="0"/>
         </a:xfrm>
       </p:grpSpPr>
+      <p:sp useBgFill="1">
+        <p:nvSpPr>
+          <p:cNvPr id="28" name="Rectangle 21">
+            <a:extLst>
+              <a:ext uri="{FF2B5EF4-FFF2-40B4-BE49-F238E27FC236}">
+                <a16:creationId xmlns:a16="http://schemas.microsoft.com/office/drawing/2014/main" id="{407C9FC5-0C1E-42A8-97E6-F940775A0575}"/>
+              </a:ext>
+              <a:ext uri="{C183D7F6-B498-43B3-948B-1728B52AA6E4}">
+                <adec:decorative xmlns:adec="http://schemas.microsoft.com/office/drawing/2017/decorative" val="1"/>
+              </a:ext>
+            </a:extLst>
+          </p:cNvPr>
+          <p:cNvSpPr>
+            <a:spLocks noGrp="1" noRot="1" noChangeAspect="1" noMove="1" noResize="1" noEditPoints="1" noAdjustHandles="1" noChangeArrowheads="1" noChangeShapeType="1" noTextEdit="1"/>
+          </p:cNvSpPr>
+          <p:nvPr>
+            <p:extLst>
+              <p:ext uri="{386F3935-93C4-4BCD-93E2-E3B085C9AB24}">
+                <p16:designElem xmlns:p16="http://schemas.microsoft.com/office/powerpoint/2015/main" val="1"/>
+              </p:ext>
+            </p:extLst>
+          </p:nvPr>
+        </p:nvSpPr>
+        <p:spPr bwMode="white">
+          <a:xfrm>
+            <a:off x="0" y="0"/>
+            <a:ext cx="12192000" cy="6858000"/>
+          </a:xfrm>
+          <a:prstGeom prst="rect">
+            <a:avLst/>
+          </a:prstGeom>
+          <a:ln>
+            <a:noFill/>
+          </a:ln>
+        </p:spPr>
+        <p:style>
+          <a:lnRef idx="2">
+            <a:schemeClr val="accent1">
+              <a:shade val="50000"/>
+            </a:schemeClr>
+          </a:lnRef>
+          <a:fillRef idx="1">
+            <a:schemeClr val="accent1"/>
+          </a:fillRef>
+          <a:effectRef idx="0">
+            <a:schemeClr val="accent1"/>
+          </a:effectRef>
+          <a:fontRef idx="minor">
+            <a:schemeClr val="lt1"/>
+          </a:fontRef>
+        </p:style>
+        <p:txBody>
+          <a:bodyPr rtlCol="0" anchor="ctr"/>
+          <a:lstStyle>
+            <a:defPPr>
+              <a:defRPr lang="en-US"/>
+            </a:defPPr>
+            <a:lvl1pPr marL="0" algn="l" defTabSz="914400" rtl="0" eaLnBrk="1" latinLnBrk="0" hangingPunct="1">
+              <a:defRPr sz="1800" kern="1200">
+                <a:solidFill>
+                  <a:schemeClr val="lt1"/>
+                </a:solidFill>
+                <a:latin typeface="+mn-lt"/>
+                <a:ea typeface="+mn-ea"/>
+                <a:cs typeface="+mn-cs"/>
+              </a:defRPr>
+            </a:lvl1pPr>
+            <a:lvl2pPr marL="457200" algn="l" defTabSz="914400" rtl="0" eaLnBrk="1" latinLnBrk="0" hangingPunct="1">
+              <a:defRPr sz="1800" kern="1200">
+                <a:solidFill>
+                  <a:schemeClr val="lt1"/>
+                </a:solidFill>
+                <a:latin typeface="+mn-lt"/>
+                <a:ea typeface="+mn-ea"/>
+                <a:cs typeface="+mn-cs"/>
+              </a:defRPr>
+            </a:lvl2pPr>
+            <a:lvl3pPr marL="914400" algn="l" defTabSz="914400" rtl="0" eaLnBrk="1" latinLnBrk="0" hangingPunct="1">
+              <a:defRPr sz="1800" kern="1200">
+                <a:solidFill>
+                  <a:schemeClr val="lt1"/>
+                </a:solidFill>
+                <a:latin typeface="+mn-lt"/>
+                <a:ea typeface="+mn-ea"/>
+                <a:cs typeface="+mn-cs"/>
+              </a:defRPr>
+            </a:lvl3pPr>
+            <a:lvl4pPr marL="1371600" algn="l" defTabSz="914400" rtl="0" eaLnBrk="1" latinLnBrk="0" hangingPunct="1">
+              <a:defRPr sz="1800" kern="1200">
+                <a:solidFill>
+                  <a:schemeClr val="lt1"/>
+                </a:solidFill>
+                <a:latin typeface="+mn-lt"/>
+                <a:ea typeface="+mn-ea"/>
+                <a:cs typeface="+mn-cs"/>
+              </a:defRPr>
+            </a:lvl4pPr>
+            <a:lvl5pPr marL="1828800" algn="l" defTabSz="914400" rtl="0" eaLnBrk="1" latinLnBrk="0" hangingPunct="1">
+              <a:defRPr sz="1800" kern="1200">
+                <a:solidFill>
+                  <a:schemeClr val="lt1"/>
+                </a:solidFill>
+                <a:latin typeface="+mn-lt"/>
+                <a:ea typeface="+mn-ea"/>
+                <a:cs typeface="+mn-cs"/>
+              </a:defRPr>
+            </a:lvl5pPr>
+            <a:lvl6pPr marL="2286000" algn="l" defTabSz="914400" rtl="0" eaLnBrk="1" latinLnBrk="0" hangingPunct="1">
+              <a:defRPr sz="1800" kern="1200">
+                <a:solidFill>
+                  <a:schemeClr val="lt1"/>
+                </a:solidFill>
+                <a:latin typeface="+mn-lt"/>
+                <a:ea typeface="+mn-ea"/>
+                <a:cs typeface="+mn-cs"/>
+              </a:defRPr>
+            </a:lvl6pPr>
+            <a:lvl7pPr marL="2743200" algn="l" defTabSz="914400" rtl="0" eaLnBrk="1" latinLnBrk="0" hangingPunct="1">
+              <a:defRPr sz="1800" kern="1200">
+                <a:solidFill>
+                  <a:schemeClr val="lt1"/>
+                </a:solidFill>
+                <a:latin typeface="+mn-lt"/>
+                <a:ea typeface="+mn-ea"/>
+                <a:cs typeface="+mn-cs"/>
+              </a:defRPr>
+            </a:lvl7pPr>
+            <a:lvl8pPr marL="3200400" algn="l" defTabSz="914400" rtl="0" eaLnBrk="1" latinLnBrk="0" hangingPunct="1">
+              <a:defRPr sz="1800" kern="1200">
+                <a:solidFill>
+                  <a:schemeClr val="lt1"/>
+                </a:solidFill>
+                <a:latin typeface="+mn-lt"/>
+                <a:ea typeface="+mn-ea"/>
+                <a:cs typeface="+mn-cs"/>
+              </a:defRPr>
+            </a:lvl8pPr>
+            <a:lvl9pPr marL="3657600" algn="l" defTabSz="914400" rtl="0" eaLnBrk="1" latinLnBrk="0" hangingPunct="1">
+              <a:defRPr sz="1800" kern="1200">
+                <a:solidFill>
+                  <a:schemeClr val="lt1"/>
+                </a:solidFill>
+                <a:latin typeface="+mn-lt"/>
+                <a:ea typeface="+mn-ea"/>
+                <a:cs typeface="+mn-cs"/>
+              </a:defRPr>
+            </a:lvl9pPr>
+          </a:lstStyle>
+          <a:p>
+            <a:pPr algn="ctr"/>
+            <a:endParaRPr lang="en-US"/>
+          </a:p>
+        </p:txBody>
+      </p:sp>
       <p:sp>
         <p:nvSpPr>
           <p:cNvPr id="2" name="Title 1">
@@ -4678,12 +6863,286 @@
             <p:ph type="title"/>
           </p:nvPr>
         </p:nvSpPr>
-        <p:spPr/>
+        <p:spPr>
+          <a:xfrm>
+            <a:off x="1524000" y="4218281"/>
+            <a:ext cx="4265007" cy="1885199"/>
+          </a:xfrm>
+        </p:spPr>
         <p:txBody>
-          <a:bodyPr/>
+          <a:bodyPr vert="horz" lIns="91440" tIns="45720" rIns="91440" bIns="45720" rtlCol="0" anchor="ctr">
+            <a:normAutofit/>
+          </a:bodyPr>
           <a:lstStyle/>
           <a:p>
-            <a:endParaRPr lang="en-US"/>
+            <a:r>
+              <a:rPr lang="en-US" sz="6000" kern="1200">
+                <a:solidFill>
+                  <a:schemeClr val="tx1"/>
+                </a:solidFill>
+                <a:latin typeface="+mj-lt"/>
+                <a:ea typeface="+mj-ea"/>
+                <a:cs typeface="+mj-cs"/>
+              </a:rPr>
+              <a:t>One To One</a:t>
+            </a:r>
+          </a:p>
+        </p:txBody>
+      </p:sp>
+      <p:pic>
+        <p:nvPicPr>
+          <p:cNvPr id="4" name="Picture 3">
+            <a:extLst>
+              <a:ext uri="{FF2B5EF4-FFF2-40B4-BE49-F238E27FC236}">
+                <a16:creationId xmlns:a16="http://schemas.microsoft.com/office/drawing/2014/main" id="{19051F0F-9A03-4AF1-A7C5-DE261E8ABD0E}"/>
+              </a:ext>
+            </a:extLst>
+          </p:cNvPr>
+          <p:cNvPicPr>
+            <a:picLocks noChangeAspect="1"/>
+          </p:cNvPicPr>
+          <p:nvPr/>
+        </p:nvPicPr>
+        <p:blipFill>
+          <a:blip r:embed="rId2"/>
+          <a:stretch>
+            <a:fillRect/>
+          </a:stretch>
+        </p:blipFill>
+        <p:spPr>
+          <a:xfrm>
+            <a:off x="678393" y="1564113"/>
+            <a:ext cx="10823796" cy="1515330"/>
+          </a:xfrm>
+          <a:custGeom>
+            <a:avLst/>
+            <a:gdLst/>
+            <a:ahLst/>
+            <a:cxnLst/>
+            <a:rect l="l" t="t" r="r" b="b"/>
+            <a:pathLst>
+              <a:path w="10823796" h="3287267">
+                <a:moveTo>
+                  <a:pt x="98881" y="0"/>
+                </a:moveTo>
+                <a:lnTo>
+                  <a:pt x="10724915" y="0"/>
+                </a:lnTo>
+                <a:cubicBezTo>
+                  <a:pt x="10779525" y="0"/>
+                  <a:pt x="10823796" y="44271"/>
+                  <a:pt x="10823796" y="98881"/>
+                </a:cubicBezTo>
+                <a:lnTo>
+                  <a:pt x="10823796" y="3188386"/>
+                </a:lnTo>
+                <a:cubicBezTo>
+                  <a:pt x="10823796" y="3242996"/>
+                  <a:pt x="10779525" y="3287267"/>
+                  <a:pt x="10724915" y="3287267"/>
+                </a:cubicBezTo>
+                <a:lnTo>
+                  <a:pt x="98881" y="3287267"/>
+                </a:lnTo>
+                <a:cubicBezTo>
+                  <a:pt x="44271" y="3287267"/>
+                  <a:pt x="0" y="3242996"/>
+                  <a:pt x="0" y="3188386"/>
+                </a:cubicBezTo>
+                <a:lnTo>
+                  <a:pt x="0" y="98881"/>
+                </a:lnTo>
+                <a:cubicBezTo>
+                  <a:pt x="0" y="44271"/>
+                  <a:pt x="44271" y="0"/>
+                  <a:pt x="98881" y="0"/>
+                </a:cubicBezTo>
+                <a:close/>
+              </a:path>
+            </a:pathLst>
+          </a:custGeom>
+        </p:spPr>
+      </p:pic>
+      <p:sp>
+        <p:nvSpPr>
+          <p:cNvPr id="29" name="Oval 23">
+            <a:extLst>
+              <a:ext uri="{FF2B5EF4-FFF2-40B4-BE49-F238E27FC236}">
+                <a16:creationId xmlns:a16="http://schemas.microsoft.com/office/drawing/2014/main" id="{9EE371B4-A1D9-4EFE-8FE1-000495831EFA}"/>
+              </a:ext>
+              <a:ext uri="{C183D7F6-B498-43B3-948B-1728B52AA6E4}">
+                <adec:decorative xmlns:adec="http://schemas.microsoft.com/office/drawing/2017/decorative" val="1"/>
+              </a:ext>
+            </a:extLst>
+          </p:cNvPr>
+          <p:cNvSpPr>
+            <a:spLocks noGrp="1" noRot="1" noChangeAspect="1" noMove="1" noResize="1" noEditPoints="1" noAdjustHandles="1" noChangeArrowheads="1" noChangeShapeType="1" noTextEdit="1"/>
+          </p:cNvSpPr>
+          <p:nvPr>
+            <p:extLst>
+              <p:ext uri="{386F3935-93C4-4BCD-93E2-E3B085C9AB24}">
+                <p16:designElem xmlns:p16="http://schemas.microsoft.com/office/powerpoint/2015/main" val="1"/>
+              </p:ext>
+            </p:extLst>
+          </p:nvPr>
+        </p:nvSpPr>
+        <p:spPr>
+          <a:xfrm>
+            <a:off x="813617" y="4218281"/>
+            <a:ext cx="546100" cy="546100"/>
+          </a:xfrm>
+          <a:prstGeom prst="ellipse">
+            <a:avLst/>
+          </a:prstGeom>
+          <a:solidFill>
+            <a:schemeClr val="accent5"/>
+          </a:solidFill>
+          <a:ln>
+            <a:noFill/>
+          </a:ln>
+        </p:spPr>
+        <p:style>
+          <a:lnRef idx="2">
+            <a:schemeClr val="accent1">
+              <a:shade val="50000"/>
+            </a:schemeClr>
+          </a:lnRef>
+          <a:fillRef idx="1">
+            <a:schemeClr val="accent1"/>
+          </a:fillRef>
+          <a:effectRef idx="0">
+            <a:schemeClr val="accent1"/>
+          </a:effectRef>
+          <a:fontRef idx="minor">
+            <a:schemeClr val="lt1"/>
+          </a:fontRef>
+        </p:style>
+        <p:txBody>
+          <a:bodyPr rtlCol="0" anchor="ctr"/>
+          <a:lstStyle/>
+          <a:p>
+            <a:pPr marL="0" marR="0" lvl="0" indent="0" algn="ctr" defTabSz="914400" rtl="0" eaLnBrk="1" fontAlgn="auto" latinLnBrk="0" hangingPunct="1">
+              <a:lnSpc>
+                <a:spcPct val="100000"/>
+              </a:lnSpc>
+              <a:spcBef>
+                <a:spcPts val="0"/>
+              </a:spcBef>
+              <a:spcAft>
+                <a:spcPts val="0"/>
+              </a:spcAft>
+              <a:buClrTx/>
+              <a:buSzTx/>
+              <a:buFontTx/>
+              <a:buNone/>
+              <a:tabLst/>
+              <a:defRPr/>
+            </a:pPr>
+            <a:endParaRPr kumimoji="0" lang="en-US" sz="1800" b="0" i="0" u="none" strike="noStrike" kern="1200" cap="none" spc="0" normalizeH="0" baseline="0" noProof="0">
+              <a:solidFill>
+                <a:schemeClr val="accent5"/>
+              </a:solidFill>
+              <a:effectLst/>
+              <a:uLnTx/>
+              <a:uFillTx/>
+              <a:latin typeface="Calibri" panose="020F0502020204030204"/>
+              <a:ea typeface="+mn-ea"/>
+              <a:cs typeface="+mn-cs"/>
+            </a:endParaRPr>
+          </a:p>
+        </p:txBody>
+      </p:sp>
+      <p:sp>
+        <p:nvSpPr>
+          <p:cNvPr id="30" name="Arc 25">
+            <a:extLst>
+              <a:ext uri="{FF2B5EF4-FFF2-40B4-BE49-F238E27FC236}">
+                <a16:creationId xmlns:a16="http://schemas.microsoft.com/office/drawing/2014/main" id="{2E19C174-9C7C-461E-970B-432019901562}"/>
+              </a:ext>
+              <a:ext uri="{C183D7F6-B498-43B3-948B-1728B52AA6E4}">
+                <adec:decorative xmlns:adec="http://schemas.microsoft.com/office/drawing/2017/decorative" val="1"/>
+              </a:ext>
+            </a:extLst>
+          </p:cNvPr>
+          <p:cNvSpPr>
+            <a:spLocks noGrp="1" noRot="1" noChangeAspect="1" noMove="1" noResize="1" noEditPoints="1" noAdjustHandles="1" noChangeArrowheads="1" noChangeShapeType="1" noTextEdit="1"/>
+          </p:cNvSpPr>
+          <p:nvPr>
+            <p:extLst>
+              <p:ext uri="{386F3935-93C4-4BCD-93E2-E3B085C9AB24}">
+                <p16:designElem xmlns:p16="http://schemas.microsoft.com/office/powerpoint/2015/main" val="1"/>
+              </p:ext>
+            </p:extLst>
+          </p:nvPr>
+        </p:nvSpPr>
+        <p:spPr>
+          <a:xfrm>
+            <a:off x="8038539" y="3295432"/>
+            <a:ext cx="2987899" cy="2987899"/>
+          </a:xfrm>
+          <a:prstGeom prst="arc">
+            <a:avLst>
+              <a:gd name="adj1" fmla="val 14441841"/>
+              <a:gd name="adj2" fmla="val 0"/>
+            </a:avLst>
+          </a:prstGeom>
+          <a:ln w="127000" cap="rnd">
+            <a:solidFill>
+              <a:schemeClr val="accent4"/>
+            </a:solidFill>
+            <a:prstDash val="dash"/>
+            <a:miter lim="800000"/>
+          </a:ln>
+        </p:spPr>
+        <p:style>
+          <a:lnRef idx="1">
+            <a:schemeClr val="accent1"/>
+          </a:lnRef>
+          <a:fillRef idx="0">
+            <a:schemeClr val="accent1"/>
+          </a:fillRef>
+          <a:effectRef idx="0">
+            <a:schemeClr val="accent1"/>
+          </a:effectRef>
+          <a:fontRef idx="minor">
+            <a:schemeClr val="tx1"/>
+          </a:fontRef>
+        </p:style>
+        <p:txBody>
+          <a:bodyPr rtlCol="0" anchor="ctr"/>
+          <a:lstStyle/>
+          <a:p>
+            <a:pPr marL="0" marR="0" lvl="0" indent="0" algn="ctr" defTabSz="914400" rtl="0" eaLnBrk="1" fontAlgn="auto" latinLnBrk="0" hangingPunct="1">
+              <a:lnSpc>
+                <a:spcPct val="100000"/>
+              </a:lnSpc>
+              <a:spcBef>
+                <a:spcPts val="0"/>
+              </a:spcBef>
+              <a:spcAft>
+                <a:spcPts val="0"/>
+              </a:spcAft>
+              <a:buClrTx/>
+              <a:buSzTx/>
+              <a:buFontTx/>
+              <a:buNone/>
+              <a:tabLst/>
+              <a:defRPr/>
+            </a:pPr>
+            <a:endParaRPr kumimoji="0" lang="en-US" sz="1800" b="0" i="0" u="none" strike="noStrike" kern="1200" cap="none" spc="0" normalizeH="0" baseline="0" noProof="0">
+              <a:ln>
+                <a:noFill/>
+              </a:ln>
+              <a:solidFill>
+                <a:srgbClr val="000000"/>
+              </a:solidFill>
+              <a:effectLst/>
+              <a:uLnTx/>
+              <a:uFillTx/>
+              <a:latin typeface="Calibri" panose="020F0502020204030204"/>
+              <a:ea typeface="+mn-ea"/>
+              <a:cs typeface="+mn-cs"/>
+            </a:endParaRPr>
           </a:p>
         </p:txBody>
       </p:sp>
@@ -4703,6 +7162,14 @@
 <file path=ppt/slides/slide15.xml><?xml version="1.0" encoding="utf-8"?>
 <p:sld xmlns:a="http://schemas.openxmlformats.org/drawingml/2006/main" xmlns:r="http://schemas.openxmlformats.org/officeDocument/2006/relationships" xmlns:p="http://schemas.openxmlformats.org/presentationml/2006/main">
   <p:cSld>
+    <p:bg>
+      <p:bgPr>
+        <a:solidFill>
+          <a:schemeClr val="bg1"/>
+        </a:solidFill>
+        <a:effectLst/>
+      </p:bgPr>
+    </p:bg>
     <p:spTree>
       <p:nvGrpSpPr>
         <p:cNvPr id="1" name=""/>
@@ -4717,6 +7184,160 @@
           <a:chExt cx="0" cy="0"/>
         </a:xfrm>
       </p:grpSpPr>
+      <p:sp useBgFill="1">
+        <p:nvSpPr>
+          <p:cNvPr id="9" name="Rectangle 8">
+            <a:extLst>
+              <a:ext uri="{FF2B5EF4-FFF2-40B4-BE49-F238E27FC236}">
+                <a16:creationId xmlns:a16="http://schemas.microsoft.com/office/drawing/2014/main" id="{D0461F72-A27E-48C5-A99A-B5EEDA7456F9}"/>
+              </a:ext>
+              <a:ext uri="{C183D7F6-B498-43B3-948B-1728B52AA6E4}">
+                <adec:decorative xmlns:adec="http://schemas.microsoft.com/office/drawing/2017/decorative" val="1"/>
+              </a:ext>
+            </a:extLst>
+          </p:cNvPr>
+          <p:cNvSpPr>
+            <a:spLocks noGrp="1" noRot="1" noChangeAspect="1" noMove="1" noResize="1" noEditPoints="1" noAdjustHandles="1" noChangeArrowheads="1" noChangeShapeType="1" noTextEdit="1"/>
+          </p:cNvSpPr>
+          <p:nvPr>
+            <p:extLst>
+              <p:ext uri="{386F3935-93C4-4BCD-93E2-E3B085C9AB24}">
+                <p16:designElem xmlns:p16="http://schemas.microsoft.com/office/powerpoint/2015/main" val="1"/>
+              </p:ext>
+            </p:extLst>
+          </p:nvPr>
+        </p:nvSpPr>
+        <p:spPr bwMode="white">
+          <a:xfrm>
+            <a:off x="0" y="0"/>
+            <a:ext cx="12192000" cy="6858000"/>
+          </a:xfrm>
+          <a:prstGeom prst="rect">
+            <a:avLst/>
+          </a:prstGeom>
+          <a:ln>
+            <a:noFill/>
+          </a:ln>
+        </p:spPr>
+        <p:style>
+          <a:lnRef idx="2">
+            <a:schemeClr val="accent1">
+              <a:shade val="50000"/>
+            </a:schemeClr>
+          </a:lnRef>
+          <a:fillRef idx="1">
+            <a:schemeClr val="accent1"/>
+          </a:fillRef>
+          <a:effectRef idx="0">
+            <a:schemeClr val="accent1"/>
+          </a:effectRef>
+          <a:fontRef idx="minor">
+            <a:schemeClr val="lt1"/>
+          </a:fontRef>
+        </p:style>
+        <p:txBody>
+          <a:bodyPr rtlCol="0" anchor="ctr"/>
+          <a:lstStyle>
+            <a:defPPr>
+              <a:defRPr lang="en-US"/>
+            </a:defPPr>
+            <a:lvl1pPr marL="0" algn="l" defTabSz="914400" rtl="0" eaLnBrk="1" latinLnBrk="0" hangingPunct="1">
+              <a:defRPr sz="1800" kern="1200">
+                <a:solidFill>
+                  <a:schemeClr val="lt1"/>
+                </a:solidFill>
+                <a:latin typeface="+mn-lt"/>
+                <a:ea typeface="+mn-ea"/>
+                <a:cs typeface="+mn-cs"/>
+              </a:defRPr>
+            </a:lvl1pPr>
+            <a:lvl2pPr marL="457200" algn="l" defTabSz="914400" rtl="0" eaLnBrk="1" latinLnBrk="0" hangingPunct="1">
+              <a:defRPr sz="1800" kern="1200">
+                <a:solidFill>
+                  <a:schemeClr val="lt1"/>
+                </a:solidFill>
+                <a:latin typeface="+mn-lt"/>
+                <a:ea typeface="+mn-ea"/>
+                <a:cs typeface="+mn-cs"/>
+              </a:defRPr>
+            </a:lvl2pPr>
+            <a:lvl3pPr marL="914400" algn="l" defTabSz="914400" rtl="0" eaLnBrk="1" latinLnBrk="0" hangingPunct="1">
+              <a:defRPr sz="1800" kern="1200">
+                <a:solidFill>
+                  <a:schemeClr val="lt1"/>
+                </a:solidFill>
+                <a:latin typeface="+mn-lt"/>
+                <a:ea typeface="+mn-ea"/>
+                <a:cs typeface="+mn-cs"/>
+              </a:defRPr>
+            </a:lvl3pPr>
+            <a:lvl4pPr marL="1371600" algn="l" defTabSz="914400" rtl="0" eaLnBrk="1" latinLnBrk="0" hangingPunct="1">
+              <a:defRPr sz="1800" kern="1200">
+                <a:solidFill>
+                  <a:schemeClr val="lt1"/>
+                </a:solidFill>
+                <a:latin typeface="+mn-lt"/>
+                <a:ea typeface="+mn-ea"/>
+                <a:cs typeface="+mn-cs"/>
+              </a:defRPr>
+            </a:lvl4pPr>
+            <a:lvl5pPr marL="1828800" algn="l" defTabSz="914400" rtl="0" eaLnBrk="1" latinLnBrk="0" hangingPunct="1">
+              <a:defRPr sz="1800" kern="1200">
+                <a:solidFill>
+                  <a:schemeClr val="lt1"/>
+                </a:solidFill>
+                <a:latin typeface="+mn-lt"/>
+                <a:ea typeface="+mn-ea"/>
+                <a:cs typeface="+mn-cs"/>
+              </a:defRPr>
+            </a:lvl5pPr>
+            <a:lvl6pPr marL="2286000" algn="l" defTabSz="914400" rtl="0" eaLnBrk="1" latinLnBrk="0" hangingPunct="1">
+              <a:defRPr sz="1800" kern="1200">
+                <a:solidFill>
+                  <a:schemeClr val="lt1"/>
+                </a:solidFill>
+                <a:latin typeface="+mn-lt"/>
+                <a:ea typeface="+mn-ea"/>
+                <a:cs typeface="+mn-cs"/>
+              </a:defRPr>
+            </a:lvl6pPr>
+            <a:lvl7pPr marL="2743200" algn="l" defTabSz="914400" rtl="0" eaLnBrk="1" latinLnBrk="0" hangingPunct="1">
+              <a:defRPr sz="1800" kern="1200">
+                <a:solidFill>
+                  <a:schemeClr val="lt1"/>
+                </a:solidFill>
+                <a:latin typeface="+mn-lt"/>
+                <a:ea typeface="+mn-ea"/>
+                <a:cs typeface="+mn-cs"/>
+              </a:defRPr>
+            </a:lvl7pPr>
+            <a:lvl8pPr marL="3200400" algn="l" defTabSz="914400" rtl="0" eaLnBrk="1" latinLnBrk="0" hangingPunct="1">
+              <a:defRPr sz="1800" kern="1200">
+                <a:solidFill>
+                  <a:schemeClr val="lt1"/>
+                </a:solidFill>
+                <a:latin typeface="+mn-lt"/>
+                <a:ea typeface="+mn-ea"/>
+                <a:cs typeface="+mn-cs"/>
+              </a:defRPr>
+            </a:lvl8pPr>
+            <a:lvl9pPr marL="3657600" algn="l" defTabSz="914400" rtl="0" eaLnBrk="1" latinLnBrk="0" hangingPunct="1">
+              <a:defRPr sz="1800" kern="1200">
+                <a:solidFill>
+                  <a:schemeClr val="lt1"/>
+                </a:solidFill>
+                <a:latin typeface="+mn-lt"/>
+                <a:ea typeface="+mn-ea"/>
+                <a:cs typeface="+mn-cs"/>
+              </a:defRPr>
+            </a:lvl9pPr>
+          </a:lstStyle>
+          <a:p>
+            <a:pPr algn="ctr"/>
+            <a:endParaRPr lang="en-US"/>
+          </a:p>
+        </p:txBody>
+      </p:sp>
       <p:sp>
         <p:nvSpPr>
           <p:cNvPr id="2" name="Title 1">
@@ -4733,12 +7354,293 @@
             <p:ph type="title"/>
           </p:nvPr>
         </p:nvSpPr>
-        <p:spPr/>
+        <p:spPr>
+          <a:xfrm>
+            <a:off x="1524000" y="3349167"/>
+            <a:ext cx="9144000" cy="1748373"/>
+          </a:xfrm>
+        </p:spPr>
         <p:txBody>
-          <a:bodyPr/>
+          <a:bodyPr vert="horz" lIns="91440" tIns="45720" rIns="91440" bIns="45720" rtlCol="0" anchor="b">
+            <a:normAutofit/>
+          </a:bodyPr>
           <a:lstStyle/>
           <a:p>
-            <a:endParaRPr lang="en-US"/>
+            <a:pPr algn="ctr"/>
+            <a:r>
+              <a:rPr lang="en-US" sz="6000" kern="1200">
+                <a:solidFill>
+                  <a:schemeClr val="tx1"/>
+                </a:solidFill>
+                <a:latin typeface="+mj-lt"/>
+                <a:ea typeface="+mj-ea"/>
+                <a:cs typeface="+mj-cs"/>
+              </a:rPr>
+              <a:t>Onto</a:t>
+            </a:r>
+          </a:p>
+        </p:txBody>
+      </p:sp>
+      <p:pic>
+        <p:nvPicPr>
+          <p:cNvPr id="4" name="Picture 3">
+            <a:extLst>
+              <a:ext uri="{FF2B5EF4-FFF2-40B4-BE49-F238E27FC236}">
+                <a16:creationId xmlns:a16="http://schemas.microsoft.com/office/drawing/2014/main" id="{79240F98-BD09-449D-9FDA-E7E58E19EB2D}"/>
+              </a:ext>
+            </a:extLst>
+          </p:cNvPr>
+          <p:cNvPicPr>
+            <a:picLocks noChangeAspect="1"/>
+          </p:cNvPicPr>
+          <p:nvPr/>
+        </p:nvPicPr>
+        <p:blipFill>
+          <a:blip r:embed="rId2"/>
+          <a:stretch>
+            <a:fillRect/>
+          </a:stretch>
+        </p:blipFill>
+        <p:spPr>
+          <a:xfrm>
+            <a:off x="643466" y="1256472"/>
+            <a:ext cx="10905067" cy="1226820"/>
+          </a:xfrm>
+          <a:custGeom>
+            <a:avLst/>
+            <a:gdLst/>
+            <a:ahLst/>
+            <a:cxnLst/>
+            <a:rect l="l" t="t" r="r" b="b"/>
+            <a:pathLst>
+              <a:path w="9143998" h="2473607">
+                <a:moveTo>
+                  <a:pt x="64634" y="0"/>
+                </a:moveTo>
+                <a:lnTo>
+                  <a:pt x="9079363" y="0"/>
+                </a:lnTo>
+                <a:cubicBezTo>
+                  <a:pt x="9115060" y="0"/>
+                  <a:pt x="9143998" y="28938"/>
+                  <a:pt x="9143998" y="64635"/>
+                </a:cubicBezTo>
+                <a:lnTo>
+                  <a:pt x="9143998" y="2408972"/>
+                </a:lnTo>
+                <a:cubicBezTo>
+                  <a:pt x="9143998" y="2444669"/>
+                  <a:pt x="9115060" y="2473607"/>
+                  <a:pt x="9079363" y="2473607"/>
+                </a:cubicBezTo>
+                <a:lnTo>
+                  <a:pt x="64634" y="2473607"/>
+                </a:lnTo>
+                <a:cubicBezTo>
+                  <a:pt x="46786" y="2473607"/>
+                  <a:pt x="30627" y="2466373"/>
+                  <a:pt x="18930" y="2454676"/>
+                </a:cubicBezTo>
+                <a:lnTo>
+                  <a:pt x="0" y="2408974"/>
+                </a:lnTo>
+                <a:lnTo>
+                  <a:pt x="0" y="64633"/>
+                </a:lnTo>
+                <a:lnTo>
+                  <a:pt x="18930" y="18931"/>
+                </a:lnTo>
+                <a:cubicBezTo>
+                  <a:pt x="30627" y="7235"/>
+                  <a:pt x="46786" y="0"/>
+                  <a:pt x="64634" y="0"/>
+                </a:cubicBezTo>
+                <a:close/>
+              </a:path>
+            </a:pathLst>
+          </a:custGeom>
+        </p:spPr>
+      </p:pic>
+      <p:sp>
+        <p:nvSpPr>
+          <p:cNvPr id="11" name="Oval 10">
+            <a:extLst>
+              <a:ext uri="{FF2B5EF4-FFF2-40B4-BE49-F238E27FC236}">
+                <a16:creationId xmlns:a16="http://schemas.microsoft.com/office/drawing/2014/main" id="{DF382E8D-312B-4792-A211-0BDE37F6F5F7}"/>
+              </a:ext>
+              <a:ext uri="{C183D7F6-B498-43B3-948B-1728B52AA6E4}">
+                <adec:decorative xmlns:adec="http://schemas.microsoft.com/office/drawing/2017/decorative" val="1"/>
+              </a:ext>
+            </a:extLst>
+          </p:cNvPr>
+          <p:cNvSpPr>
+            <a:spLocks noGrp="1" noRot="1" noChangeAspect="1" noMove="1" noResize="1" noEditPoints="1" noAdjustHandles="1" noChangeArrowheads="1" noChangeShapeType="1" noTextEdit="1"/>
+          </p:cNvSpPr>
+          <p:nvPr>
+            <p:extLst>
+              <p:ext uri="{386F3935-93C4-4BCD-93E2-E3B085C9AB24}">
+                <p16:designElem xmlns:p16="http://schemas.microsoft.com/office/powerpoint/2015/main" val="1"/>
+              </p:ext>
+            </p:extLst>
+          </p:nvPr>
+        </p:nvSpPr>
+        <p:spPr>
+          <a:xfrm>
+            <a:off x="1165562" y="2623216"/>
+            <a:ext cx="546100" cy="546100"/>
+          </a:xfrm>
+          <a:prstGeom prst="ellipse">
+            <a:avLst/>
+          </a:prstGeom>
+          <a:solidFill>
+            <a:schemeClr val="accent5"/>
+          </a:solidFill>
+          <a:ln>
+            <a:noFill/>
+          </a:ln>
+        </p:spPr>
+        <p:style>
+          <a:lnRef idx="2">
+            <a:schemeClr val="accent1">
+              <a:shade val="50000"/>
+            </a:schemeClr>
+          </a:lnRef>
+          <a:fillRef idx="1">
+            <a:schemeClr val="accent1"/>
+          </a:fillRef>
+          <a:effectRef idx="0">
+            <a:schemeClr val="accent1"/>
+          </a:effectRef>
+          <a:fontRef idx="minor">
+            <a:schemeClr val="lt1"/>
+          </a:fontRef>
+        </p:style>
+        <p:txBody>
+          <a:bodyPr rtlCol="0" anchor="ctr"/>
+          <a:lstStyle/>
+          <a:p>
+            <a:pPr marL="0" marR="0" lvl="0" indent="0" algn="ctr" defTabSz="914400" rtl="0" eaLnBrk="1" fontAlgn="auto" latinLnBrk="0" hangingPunct="1">
+              <a:lnSpc>
+                <a:spcPct val="100000"/>
+              </a:lnSpc>
+              <a:spcBef>
+                <a:spcPts val="0"/>
+              </a:spcBef>
+              <a:spcAft>
+                <a:spcPts val="0"/>
+              </a:spcAft>
+              <a:buClrTx/>
+              <a:buSzTx/>
+              <a:buFontTx/>
+              <a:buNone/>
+              <a:tabLst/>
+              <a:defRPr/>
+            </a:pPr>
+            <a:endParaRPr kumimoji="0" lang="en-US" sz="1800" b="0" i="0" u="none" strike="noStrike" kern="1200" cap="none" spc="0" normalizeH="0" baseline="0" noProof="0">
+              <a:solidFill>
+                <a:schemeClr val="accent5"/>
+              </a:solidFill>
+              <a:effectLst/>
+              <a:uLnTx/>
+              <a:uFillTx/>
+              <a:latin typeface="Calibri" panose="020F0502020204030204"/>
+              <a:ea typeface="+mn-ea"/>
+              <a:cs typeface="+mn-cs"/>
+            </a:endParaRPr>
+          </a:p>
+        </p:txBody>
+      </p:sp>
+      <p:sp>
+        <p:nvSpPr>
+          <p:cNvPr id="13" name="Arc 12">
+            <a:extLst>
+              <a:ext uri="{FF2B5EF4-FFF2-40B4-BE49-F238E27FC236}">
+                <a16:creationId xmlns:a16="http://schemas.microsoft.com/office/drawing/2014/main" id="{036F9B07-02BE-4BD5-BA9D-E91B8A456BEA}"/>
+              </a:ext>
+              <a:ext uri="{C183D7F6-B498-43B3-948B-1728B52AA6E4}">
+                <adec:decorative xmlns:adec="http://schemas.microsoft.com/office/drawing/2017/decorative" val="1"/>
+              </a:ext>
+            </a:extLst>
+          </p:cNvPr>
+          <p:cNvSpPr>
+            <a:spLocks noGrp="1" noRot="1" noChangeAspect="1" noMove="1" noResize="1" noEditPoints="1" noAdjustHandles="1" noChangeArrowheads="1" noChangeShapeType="1" noTextEdit="1"/>
+          </p:cNvSpPr>
+          <p:nvPr>
+            <p:extLst>
+              <p:ext uri="{386F3935-93C4-4BCD-93E2-E3B085C9AB24}">
+                <p16:designElem xmlns:p16="http://schemas.microsoft.com/office/powerpoint/2015/main" val="1"/>
+              </p:ext>
+            </p:extLst>
+          </p:nvPr>
+        </p:nvSpPr>
+        <p:spPr>
+          <a:xfrm>
+            <a:off x="8038539" y="361268"/>
+            <a:ext cx="2987899" cy="2987899"/>
+          </a:xfrm>
+          <a:prstGeom prst="arc">
+            <a:avLst>
+              <a:gd name="adj1" fmla="val 14441841"/>
+              <a:gd name="adj2" fmla="val 0"/>
+            </a:avLst>
+          </a:prstGeom>
+          <a:ln w="127000" cap="rnd">
+            <a:solidFill>
+              <a:schemeClr val="accent4"/>
+            </a:solidFill>
+            <a:prstDash val="dash"/>
+            <a:miter lim="800000"/>
+          </a:ln>
+        </p:spPr>
+        <p:style>
+          <a:lnRef idx="1">
+            <a:schemeClr val="accent1"/>
+          </a:lnRef>
+          <a:fillRef idx="0">
+            <a:schemeClr val="accent1"/>
+          </a:fillRef>
+          <a:effectRef idx="0">
+            <a:schemeClr val="accent1"/>
+          </a:effectRef>
+          <a:fontRef idx="minor">
+            <a:schemeClr val="tx1"/>
+          </a:fontRef>
+        </p:style>
+        <p:txBody>
+          <a:bodyPr rtlCol="0" anchor="ctr"/>
+          <a:lstStyle/>
+          <a:p>
+            <a:pPr marL="0" marR="0" lvl="0" indent="0" algn="ctr" defTabSz="914400" rtl="0" eaLnBrk="1" fontAlgn="auto" latinLnBrk="0" hangingPunct="1">
+              <a:lnSpc>
+                <a:spcPct val="100000"/>
+              </a:lnSpc>
+              <a:spcBef>
+                <a:spcPts val="0"/>
+              </a:spcBef>
+              <a:spcAft>
+                <a:spcPts val="0"/>
+              </a:spcAft>
+              <a:buClrTx/>
+              <a:buSzTx/>
+              <a:buFontTx/>
+              <a:buNone/>
+              <a:tabLst/>
+              <a:defRPr/>
+            </a:pPr>
+            <a:endParaRPr kumimoji="0" lang="en-US" sz="1800" b="0" i="0" u="none" strike="noStrike" kern="1200" cap="none" spc="0" normalizeH="0" baseline="0" noProof="0">
+              <a:ln>
+                <a:noFill/>
+              </a:ln>
+              <a:solidFill>
+                <a:srgbClr val="000000"/>
+              </a:solidFill>
+              <a:effectLst/>
+              <a:uLnTx/>
+              <a:uFillTx/>
+              <a:latin typeface="Calibri" panose="020F0502020204030204"/>
+              <a:ea typeface="+mn-ea"/>
+              <a:cs typeface="+mn-cs"/>
+            </a:endParaRPr>
           </a:p>
         </p:txBody>
       </p:sp>
@@ -4758,6 +7660,14 @@
 <file path=ppt/slides/slide16.xml><?xml version="1.0" encoding="utf-8"?>
 <p:sld xmlns:a="http://schemas.openxmlformats.org/drawingml/2006/main" xmlns:r="http://schemas.openxmlformats.org/officeDocument/2006/relationships" xmlns:p="http://schemas.openxmlformats.org/presentationml/2006/main">
   <p:cSld>
+    <p:bg>
+      <p:bgPr>
+        <a:solidFill>
+          <a:schemeClr val="bg1"/>
+        </a:solidFill>
+        <a:effectLst/>
+      </p:bgPr>
+    </p:bg>
     <p:spTree>
       <p:nvGrpSpPr>
         <p:cNvPr id="1" name=""/>
@@ -4772,6 +7682,160 @@
           <a:chExt cx="0" cy="0"/>
         </a:xfrm>
       </p:grpSpPr>
+      <p:sp useBgFill="1">
+        <p:nvSpPr>
+          <p:cNvPr id="9" name="Rectangle 8">
+            <a:extLst>
+              <a:ext uri="{FF2B5EF4-FFF2-40B4-BE49-F238E27FC236}">
+                <a16:creationId xmlns:a16="http://schemas.microsoft.com/office/drawing/2014/main" id="{D0461F72-A27E-48C5-A99A-B5EEDA7456F9}"/>
+              </a:ext>
+              <a:ext uri="{C183D7F6-B498-43B3-948B-1728B52AA6E4}">
+                <adec:decorative xmlns:adec="http://schemas.microsoft.com/office/drawing/2017/decorative" val="1"/>
+              </a:ext>
+            </a:extLst>
+          </p:cNvPr>
+          <p:cNvSpPr>
+            <a:spLocks noGrp="1" noRot="1" noChangeAspect="1" noMove="1" noResize="1" noEditPoints="1" noAdjustHandles="1" noChangeArrowheads="1" noChangeShapeType="1" noTextEdit="1"/>
+          </p:cNvSpPr>
+          <p:nvPr>
+            <p:extLst>
+              <p:ext uri="{386F3935-93C4-4BCD-93E2-E3B085C9AB24}">
+                <p16:designElem xmlns:p16="http://schemas.microsoft.com/office/powerpoint/2015/main" val="1"/>
+              </p:ext>
+            </p:extLst>
+          </p:nvPr>
+        </p:nvSpPr>
+        <p:spPr bwMode="white">
+          <a:xfrm>
+            <a:off x="0" y="0"/>
+            <a:ext cx="12192000" cy="6858000"/>
+          </a:xfrm>
+          <a:prstGeom prst="rect">
+            <a:avLst/>
+          </a:prstGeom>
+          <a:ln>
+            <a:noFill/>
+          </a:ln>
+        </p:spPr>
+        <p:style>
+          <a:lnRef idx="2">
+            <a:schemeClr val="accent1">
+              <a:shade val="50000"/>
+            </a:schemeClr>
+          </a:lnRef>
+          <a:fillRef idx="1">
+            <a:schemeClr val="accent1"/>
+          </a:fillRef>
+          <a:effectRef idx="0">
+            <a:schemeClr val="accent1"/>
+          </a:effectRef>
+          <a:fontRef idx="minor">
+            <a:schemeClr val="lt1"/>
+          </a:fontRef>
+        </p:style>
+        <p:txBody>
+          <a:bodyPr rtlCol="0" anchor="ctr"/>
+          <a:lstStyle>
+            <a:defPPr>
+              <a:defRPr lang="en-US"/>
+            </a:defPPr>
+            <a:lvl1pPr marL="0" algn="l" defTabSz="914400" rtl="0" eaLnBrk="1" latinLnBrk="0" hangingPunct="1">
+              <a:defRPr sz="1800" kern="1200">
+                <a:solidFill>
+                  <a:schemeClr val="lt1"/>
+                </a:solidFill>
+                <a:latin typeface="+mn-lt"/>
+                <a:ea typeface="+mn-ea"/>
+                <a:cs typeface="+mn-cs"/>
+              </a:defRPr>
+            </a:lvl1pPr>
+            <a:lvl2pPr marL="457200" algn="l" defTabSz="914400" rtl="0" eaLnBrk="1" latinLnBrk="0" hangingPunct="1">
+              <a:defRPr sz="1800" kern="1200">
+                <a:solidFill>
+                  <a:schemeClr val="lt1"/>
+                </a:solidFill>
+                <a:latin typeface="+mn-lt"/>
+                <a:ea typeface="+mn-ea"/>
+                <a:cs typeface="+mn-cs"/>
+              </a:defRPr>
+            </a:lvl2pPr>
+            <a:lvl3pPr marL="914400" algn="l" defTabSz="914400" rtl="0" eaLnBrk="1" latinLnBrk="0" hangingPunct="1">
+              <a:defRPr sz="1800" kern="1200">
+                <a:solidFill>
+                  <a:schemeClr val="lt1"/>
+                </a:solidFill>
+                <a:latin typeface="+mn-lt"/>
+                <a:ea typeface="+mn-ea"/>
+                <a:cs typeface="+mn-cs"/>
+              </a:defRPr>
+            </a:lvl3pPr>
+            <a:lvl4pPr marL="1371600" algn="l" defTabSz="914400" rtl="0" eaLnBrk="1" latinLnBrk="0" hangingPunct="1">
+              <a:defRPr sz="1800" kern="1200">
+                <a:solidFill>
+                  <a:schemeClr val="lt1"/>
+                </a:solidFill>
+                <a:latin typeface="+mn-lt"/>
+                <a:ea typeface="+mn-ea"/>
+                <a:cs typeface="+mn-cs"/>
+              </a:defRPr>
+            </a:lvl4pPr>
+            <a:lvl5pPr marL="1828800" algn="l" defTabSz="914400" rtl="0" eaLnBrk="1" latinLnBrk="0" hangingPunct="1">
+              <a:defRPr sz="1800" kern="1200">
+                <a:solidFill>
+                  <a:schemeClr val="lt1"/>
+                </a:solidFill>
+                <a:latin typeface="+mn-lt"/>
+                <a:ea typeface="+mn-ea"/>
+                <a:cs typeface="+mn-cs"/>
+              </a:defRPr>
+            </a:lvl5pPr>
+            <a:lvl6pPr marL="2286000" algn="l" defTabSz="914400" rtl="0" eaLnBrk="1" latinLnBrk="0" hangingPunct="1">
+              <a:defRPr sz="1800" kern="1200">
+                <a:solidFill>
+                  <a:schemeClr val="lt1"/>
+                </a:solidFill>
+                <a:latin typeface="+mn-lt"/>
+                <a:ea typeface="+mn-ea"/>
+                <a:cs typeface="+mn-cs"/>
+              </a:defRPr>
+            </a:lvl6pPr>
+            <a:lvl7pPr marL="2743200" algn="l" defTabSz="914400" rtl="0" eaLnBrk="1" latinLnBrk="0" hangingPunct="1">
+              <a:defRPr sz="1800" kern="1200">
+                <a:solidFill>
+                  <a:schemeClr val="lt1"/>
+                </a:solidFill>
+                <a:latin typeface="+mn-lt"/>
+                <a:ea typeface="+mn-ea"/>
+                <a:cs typeface="+mn-cs"/>
+              </a:defRPr>
+            </a:lvl7pPr>
+            <a:lvl8pPr marL="3200400" algn="l" defTabSz="914400" rtl="0" eaLnBrk="1" latinLnBrk="0" hangingPunct="1">
+              <a:defRPr sz="1800" kern="1200">
+                <a:solidFill>
+                  <a:schemeClr val="lt1"/>
+                </a:solidFill>
+                <a:latin typeface="+mn-lt"/>
+                <a:ea typeface="+mn-ea"/>
+                <a:cs typeface="+mn-cs"/>
+              </a:defRPr>
+            </a:lvl8pPr>
+            <a:lvl9pPr marL="3657600" algn="l" defTabSz="914400" rtl="0" eaLnBrk="1" latinLnBrk="0" hangingPunct="1">
+              <a:defRPr sz="1800" kern="1200">
+                <a:solidFill>
+                  <a:schemeClr val="lt1"/>
+                </a:solidFill>
+                <a:latin typeface="+mn-lt"/>
+                <a:ea typeface="+mn-ea"/>
+                <a:cs typeface="+mn-cs"/>
+              </a:defRPr>
+            </a:lvl9pPr>
+          </a:lstStyle>
+          <a:p>
+            <a:pPr algn="ctr"/>
+            <a:endParaRPr lang="en-US"/>
+          </a:p>
+        </p:txBody>
+      </p:sp>
       <p:sp>
         <p:nvSpPr>
           <p:cNvPr id="2" name="Title 1">
@@ -4788,19 +7852,1845 @@
             <p:ph type="title"/>
           </p:nvPr>
         </p:nvSpPr>
-        <p:spPr/>
+        <p:spPr>
+          <a:xfrm>
+            <a:off x="1438612" y="4549389"/>
+            <a:ext cx="9144000" cy="1748373"/>
+          </a:xfrm>
+        </p:spPr>
         <p:txBody>
-          <a:bodyPr/>
+          <a:bodyPr vert="horz" lIns="91440" tIns="45720" rIns="91440" bIns="45720" rtlCol="0" anchor="b">
+            <a:normAutofit/>
+          </a:bodyPr>
           <a:lstStyle/>
           <a:p>
+            <a:pPr algn="ctr"/>
+            <a:r>
+              <a:rPr lang="en-US" sz="6000" kern="1200" dirty="0">
+                <a:solidFill>
+                  <a:schemeClr val="tx1"/>
+                </a:solidFill>
+                <a:latin typeface="+mj-lt"/>
+                <a:ea typeface="+mj-ea"/>
+                <a:cs typeface="+mj-cs"/>
+              </a:rPr>
+              <a:t>Linear Transformation</a:t>
+            </a:r>
+          </a:p>
+        </p:txBody>
+      </p:sp>
+      <p:pic>
+        <p:nvPicPr>
+          <p:cNvPr id="4" name="Picture 3">
+            <a:extLst>
+              <a:ext uri="{FF2B5EF4-FFF2-40B4-BE49-F238E27FC236}">
+                <a16:creationId xmlns:a16="http://schemas.microsoft.com/office/drawing/2014/main" id="{9AAC5AA2-C8B7-4452-ADDC-07C0645AC6BE}"/>
+              </a:ext>
+            </a:extLst>
+          </p:cNvPr>
+          <p:cNvPicPr>
+            <a:picLocks noChangeAspect="1"/>
+          </p:cNvPicPr>
+          <p:nvPr/>
+        </p:nvPicPr>
+        <p:blipFill>
+          <a:blip r:embed="rId2"/>
+          <a:stretch>
+            <a:fillRect/>
+          </a:stretch>
+        </p:blipFill>
+        <p:spPr>
+          <a:xfrm>
+            <a:off x="932145" y="643467"/>
+            <a:ext cx="10327709" cy="2452830"/>
+          </a:xfrm>
+          <a:custGeom>
+            <a:avLst/>
+            <a:gdLst/>
+            <a:ahLst/>
+            <a:cxnLst/>
+            <a:rect l="l" t="t" r="r" b="b"/>
+            <a:pathLst>
+              <a:path w="9143998" h="2473607">
+                <a:moveTo>
+                  <a:pt x="64634" y="0"/>
+                </a:moveTo>
+                <a:lnTo>
+                  <a:pt x="9079363" y="0"/>
+                </a:lnTo>
+                <a:cubicBezTo>
+                  <a:pt x="9115060" y="0"/>
+                  <a:pt x="9143998" y="28938"/>
+                  <a:pt x="9143998" y="64635"/>
+                </a:cubicBezTo>
+                <a:lnTo>
+                  <a:pt x="9143998" y="2408972"/>
+                </a:lnTo>
+                <a:cubicBezTo>
+                  <a:pt x="9143998" y="2444669"/>
+                  <a:pt x="9115060" y="2473607"/>
+                  <a:pt x="9079363" y="2473607"/>
+                </a:cubicBezTo>
+                <a:lnTo>
+                  <a:pt x="64634" y="2473607"/>
+                </a:lnTo>
+                <a:cubicBezTo>
+                  <a:pt x="46786" y="2473607"/>
+                  <a:pt x="30627" y="2466373"/>
+                  <a:pt x="18930" y="2454676"/>
+                </a:cubicBezTo>
+                <a:lnTo>
+                  <a:pt x="0" y="2408974"/>
+                </a:lnTo>
+                <a:lnTo>
+                  <a:pt x="0" y="64633"/>
+                </a:lnTo>
+                <a:lnTo>
+                  <a:pt x="18930" y="18931"/>
+                </a:lnTo>
+                <a:cubicBezTo>
+                  <a:pt x="30627" y="7235"/>
+                  <a:pt x="46786" y="0"/>
+                  <a:pt x="64634" y="0"/>
+                </a:cubicBezTo>
+                <a:close/>
+              </a:path>
+            </a:pathLst>
+          </a:custGeom>
+        </p:spPr>
+      </p:pic>
+      <p:sp>
+        <p:nvSpPr>
+          <p:cNvPr id="11" name="Oval 10">
+            <a:extLst>
+              <a:ext uri="{FF2B5EF4-FFF2-40B4-BE49-F238E27FC236}">
+                <a16:creationId xmlns:a16="http://schemas.microsoft.com/office/drawing/2014/main" id="{DF382E8D-312B-4792-A211-0BDE37F6F5F7}"/>
+              </a:ext>
+              <a:ext uri="{C183D7F6-B498-43B3-948B-1728B52AA6E4}">
+                <adec:decorative xmlns:adec="http://schemas.microsoft.com/office/drawing/2017/decorative" val="1"/>
+              </a:ext>
+            </a:extLst>
+          </p:cNvPr>
+          <p:cNvSpPr>
+            <a:spLocks noGrp="1" noRot="1" noChangeAspect="1" noMove="1" noResize="1" noEditPoints="1" noAdjustHandles="1" noChangeArrowheads="1" noChangeShapeType="1" noTextEdit="1"/>
+          </p:cNvSpPr>
+          <p:nvPr>
+            <p:extLst>
+              <p:ext uri="{386F3935-93C4-4BCD-93E2-E3B085C9AB24}">
+                <p16:designElem xmlns:p16="http://schemas.microsoft.com/office/powerpoint/2015/main" val="1"/>
+              </p:ext>
+            </p:extLst>
+          </p:nvPr>
+        </p:nvSpPr>
+        <p:spPr>
+          <a:xfrm>
+            <a:off x="1165562" y="2623216"/>
+            <a:ext cx="546100" cy="546100"/>
+          </a:xfrm>
+          <a:prstGeom prst="ellipse">
+            <a:avLst/>
+          </a:prstGeom>
+          <a:solidFill>
+            <a:schemeClr val="accent5"/>
+          </a:solidFill>
+          <a:ln>
+            <a:noFill/>
+          </a:ln>
+        </p:spPr>
+        <p:style>
+          <a:lnRef idx="2">
+            <a:schemeClr val="accent1">
+              <a:shade val="50000"/>
+            </a:schemeClr>
+          </a:lnRef>
+          <a:fillRef idx="1">
+            <a:schemeClr val="accent1"/>
+          </a:fillRef>
+          <a:effectRef idx="0">
+            <a:schemeClr val="accent1"/>
+          </a:effectRef>
+          <a:fontRef idx="minor">
+            <a:schemeClr val="lt1"/>
+          </a:fontRef>
+        </p:style>
+        <p:txBody>
+          <a:bodyPr rtlCol="0" anchor="ctr"/>
+          <a:lstStyle/>
+          <a:p>
+            <a:pPr marL="0" marR="0" lvl="0" indent="0" algn="ctr" defTabSz="914400" rtl="0" eaLnBrk="1" fontAlgn="auto" latinLnBrk="0" hangingPunct="1">
+              <a:lnSpc>
+                <a:spcPct val="100000"/>
+              </a:lnSpc>
+              <a:spcBef>
+                <a:spcPts val="0"/>
+              </a:spcBef>
+              <a:spcAft>
+                <a:spcPts val="0"/>
+              </a:spcAft>
+              <a:buClrTx/>
+              <a:buSzTx/>
+              <a:buFontTx/>
+              <a:buNone/>
+              <a:tabLst/>
+              <a:defRPr/>
+            </a:pPr>
+            <a:endParaRPr kumimoji="0" lang="en-US" sz="1800" b="0" i="0" u="none" strike="noStrike" kern="1200" cap="none" spc="0" normalizeH="0" baseline="0" noProof="0">
+              <a:solidFill>
+                <a:schemeClr val="accent5"/>
+              </a:solidFill>
+              <a:effectLst/>
+              <a:uLnTx/>
+              <a:uFillTx/>
+              <a:latin typeface="Calibri" panose="020F0502020204030204"/>
+              <a:ea typeface="+mn-ea"/>
+              <a:cs typeface="+mn-cs"/>
+            </a:endParaRPr>
+          </a:p>
+        </p:txBody>
+      </p:sp>
+      <p:sp>
+        <p:nvSpPr>
+          <p:cNvPr id="13" name="Arc 12">
+            <a:extLst>
+              <a:ext uri="{FF2B5EF4-FFF2-40B4-BE49-F238E27FC236}">
+                <a16:creationId xmlns:a16="http://schemas.microsoft.com/office/drawing/2014/main" id="{036F9B07-02BE-4BD5-BA9D-E91B8A456BEA}"/>
+              </a:ext>
+              <a:ext uri="{C183D7F6-B498-43B3-948B-1728B52AA6E4}">
+                <adec:decorative xmlns:adec="http://schemas.microsoft.com/office/drawing/2017/decorative" val="1"/>
+              </a:ext>
+            </a:extLst>
+          </p:cNvPr>
+          <p:cNvSpPr>
+            <a:spLocks noGrp="1" noRot="1" noChangeAspect="1" noMove="1" noResize="1" noEditPoints="1" noAdjustHandles="1" noChangeArrowheads="1" noChangeShapeType="1" noTextEdit="1"/>
+          </p:cNvSpPr>
+          <p:nvPr>
+            <p:extLst>
+              <p:ext uri="{386F3935-93C4-4BCD-93E2-E3B085C9AB24}">
+                <p16:designElem xmlns:p16="http://schemas.microsoft.com/office/powerpoint/2015/main" val="1"/>
+              </p:ext>
+            </p:extLst>
+          </p:nvPr>
+        </p:nvSpPr>
+        <p:spPr>
+          <a:xfrm>
+            <a:off x="8038539" y="361268"/>
+            <a:ext cx="2987899" cy="2987899"/>
+          </a:xfrm>
+          <a:prstGeom prst="arc">
+            <a:avLst>
+              <a:gd name="adj1" fmla="val 14441841"/>
+              <a:gd name="adj2" fmla="val 0"/>
+            </a:avLst>
+          </a:prstGeom>
+          <a:ln w="127000" cap="rnd">
+            <a:solidFill>
+              <a:schemeClr val="accent4"/>
+            </a:solidFill>
+            <a:prstDash val="dash"/>
+            <a:miter lim="800000"/>
+          </a:ln>
+        </p:spPr>
+        <p:style>
+          <a:lnRef idx="1">
+            <a:schemeClr val="accent1"/>
+          </a:lnRef>
+          <a:fillRef idx="0">
+            <a:schemeClr val="accent1"/>
+          </a:fillRef>
+          <a:effectRef idx="0">
+            <a:schemeClr val="accent1"/>
+          </a:effectRef>
+          <a:fontRef idx="minor">
+            <a:schemeClr val="tx1"/>
+          </a:fontRef>
+        </p:style>
+        <p:txBody>
+          <a:bodyPr rtlCol="0" anchor="ctr"/>
+          <a:lstStyle/>
+          <a:p>
+            <a:pPr marL="0" marR="0" lvl="0" indent="0" algn="ctr" defTabSz="914400" rtl="0" eaLnBrk="1" fontAlgn="auto" latinLnBrk="0" hangingPunct="1">
+              <a:lnSpc>
+                <a:spcPct val="100000"/>
+              </a:lnSpc>
+              <a:spcBef>
+                <a:spcPts val="0"/>
+              </a:spcBef>
+              <a:spcAft>
+                <a:spcPts val="0"/>
+              </a:spcAft>
+              <a:buClrTx/>
+              <a:buSzTx/>
+              <a:buFontTx/>
+              <a:buNone/>
+              <a:tabLst/>
+              <a:defRPr/>
+            </a:pPr>
+            <a:endParaRPr kumimoji="0" lang="en-US" sz="1800" b="0" i="0" u="none" strike="noStrike" kern="1200" cap="none" spc="0" normalizeH="0" baseline="0" noProof="0">
+              <a:ln>
+                <a:noFill/>
+              </a:ln>
+              <a:solidFill>
+                <a:srgbClr val="000000"/>
+              </a:solidFill>
+              <a:effectLst/>
+              <a:uLnTx/>
+              <a:uFillTx/>
+              <a:latin typeface="Calibri" panose="020F0502020204030204"/>
+              <a:ea typeface="+mn-ea"/>
+              <a:cs typeface="+mn-cs"/>
+            </a:endParaRPr>
+          </a:p>
+        </p:txBody>
+      </p:sp>
+      <p:pic>
+        <p:nvPicPr>
+          <p:cNvPr id="6" name="Picture 5">
+            <a:extLst>
+              <a:ext uri="{FF2B5EF4-FFF2-40B4-BE49-F238E27FC236}">
+                <a16:creationId xmlns:a16="http://schemas.microsoft.com/office/drawing/2014/main" id="{FF076D06-6678-4A4C-85C5-A23D6D0D97D6}"/>
+              </a:ext>
+            </a:extLst>
+          </p:cNvPr>
+          <p:cNvPicPr>
+            <a:picLocks noChangeAspect="1"/>
+          </p:cNvPicPr>
+          <p:nvPr/>
+        </p:nvPicPr>
+        <p:blipFill>
+          <a:blip r:embed="rId3"/>
+          <a:stretch>
+            <a:fillRect/>
+          </a:stretch>
+        </p:blipFill>
+        <p:spPr>
+          <a:xfrm>
+            <a:off x="1711662" y="3321389"/>
+            <a:ext cx="8743950" cy="1619250"/>
+          </a:xfrm>
+          <a:prstGeom prst="rect">
+            <a:avLst/>
+          </a:prstGeom>
+        </p:spPr>
+      </p:pic>
+    </p:spTree>
+    <p:extLst>
+      <p:ext uri="{BB962C8B-B14F-4D97-AF65-F5344CB8AC3E}">
+        <p14:creationId xmlns:p14="http://schemas.microsoft.com/office/powerpoint/2010/main" val="1180326809"/>
+      </p:ext>
+    </p:extLst>
+  </p:cSld>
+  <p:clrMapOvr>
+    <a:masterClrMapping/>
+  </p:clrMapOvr>
+</p:sld>
+</file>
+
+<file path=ppt/slides/slide17.xml><?xml version="1.0" encoding="utf-8"?>
+<p:sld xmlns:a="http://schemas.openxmlformats.org/drawingml/2006/main" xmlns:r="http://schemas.openxmlformats.org/officeDocument/2006/relationships" xmlns:p="http://schemas.openxmlformats.org/presentationml/2006/main">
+  <p:cSld>
+    <p:bg>
+      <p:bgPr>
+        <a:solidFill>
+          <a:schemeClr val="bg1"/>
+        </a:solidFill>
+        <a:effectLst/>
+      </p:bgPr>
+    </p:bg>
+    <p:spTree>
+      <p:nvGrpSpPr>
+        <p:cNvPr id="1" name=""/>
+        <p:cNvGrpSpPr/>
+        <p:nvPr/>
+      </p:nvGrpSpPr>
+      <p:grpSpPr>
+        <a:xfrm>
+          <a:off x="0" y="0"/>
+          <a:ext cx="0" cy="0"/>
+          <a:chOff x="0" y="0"/>
+          <a:chExt cx="0" cy="0"/>
+        </a:xfrm>
+      </p:grpSpPr>
+      <p:sp useBgFill="1">
+        <p:nvSpPr>
+          <p:cNvPr id="9" name="Rectangle 8">
+            <a:extLst>
+              <a:ext uri="{FF2B5EF4-FFF2-40B4-BE49-F238E27FC236}">
+                <a16:creationId xmlns:a16="http://schemas.microsoft.com/office/drawing/2014/main" id="{D0461F72-A27E-48C5-A99A-B5EEDA7456F9}"/>
+              </a:ext>
+              <a:ext uri="{C183D7F6-B498-43B3-948B-1728B52AA6E4}">
+                <adec:decorative xmlns:adec="http://schemas.microsoft.com/office/drawing/2017/decorative" val="1"/>
+              </a:ext>
+            </a:extLst>
+          </p:cNvPr>
+          <p:cNvSpPr>
+            <a:spLocks noGrp="1" noRot="1" noChangeAspect="1" noMove="1" noResize="1" noEditPoints="1" noAdjustHandles="1" noChangeArrowheads="1" noChangeShapeType="1" noTextEdit="1"/>
+          </p:cNvSpPr>
+          <p:nvPr>
+            <p:extLst>
+              <p:ext uri="{386F3935-93C4-4BCD-93E2-E3B085C9AB24}">
+                <p16:designElem xmlns:p16="http://schemas.microsoft.com/office/powerpoint/2015/main" val="1"/>
+              </p:ext>
+            </p:extLst>
+          </p:nvPr>
+        </p:nvSpPr>
+        <p:spPr bwMode="white">
+          <a:xfrm>
+            <a:off x="0" y="0"/>
+            <a:ext cx="12192000" cy="6858000"/>
+          </a:xfrm>
+          <a:prstGeom prst="rect">
+            <a:avLst/>
+          </a:prstGeom>
+          <a:ln>
+            <a:noFill/>
+          </a:ln>
+        </p:spPr>
+        <p:style>
+          <a:lnRef idx="2">
+            <a:schemeClr val="accent1">
+              <a:shade val="50000"/>
+            </a:schemeClr>
+          </a:lnRef>
+          <a:fillRef idx="1">
+            <a:schemeClr val="accent1"/>
+          </a:fillRef>
+          <a:effectRef idx="0">
+            <a:schemeClr val="accent1"/>
+          </a:effectRef>
+          <a:fontRef idx="minor">
+            <a:schemeClr val="lt1"/>
+          </a:fontRef>
+        </p:style>
+        <p:txBody>
+          <a:bodyPr rtlCol="0" anchor="ctr"/>
+          <a:lstStyle>
+            <a:defPPr>
+              <a:defRPr lang="en-US"/>
+            </a:defPPr>
+            <a:lvl1pPr marL="0" algn="l" defTabSz="914400" rtl="0" eaLnBrk="1" latinLnBrk="0" hangingPunct="1">
+              <a:defRPr sz="1800" kern="1200">
+                <a:solidFill>
+                  <a:schemeClr val="lt1"/>
+                </a:solidFill>
+                <a:latin typeface="+mn-lt"/>
+                <a:ea typeface="+mn-ea"/>
+                <a:cs typeface="+mn-cs"/>
+              </a:defRPr>
+            </a:lvl1pPr>
+            <a:lvl2pPr marL="457200" algn="l" defTabSz="914400" rtl="0" eaLnBrk="1" latinLnBrk="0" hangingPunct="1">
+              <a:defRPr sz="1800" kern="1200">
+                <a:solidFill>
+                  <a:schemeClr val="lt1"/>
+                </a:solidFill>
+                <a:latin typeface="+mn-lt"/>
+                <a:ea typeface="+mn-ea"/>
+                <a:cs typeface="+mn-cs"/>
+              </a:defRPr>
+            </a:lvl2pPr>
+            <a:lvl3pPr marL="914400" algn="l" defTabSz="914400" rtl="0" eaLnBrk="1" latinLnBrk="0" hangingPunct="1">
+              <a:defRPr sz="1800" kern="1200">
+                <a:solidFill>
+                  <a:schemeClr val="lt1"/>
+                </a:solidFill>
+                <a:latin typeface="+mn-lt"/>
+                <a:ea typeface="+mn-ea"/>
+                <a:cs typeface="+mn-cs"/>
+              </a:defRPr>
+            </a:lvl3pPr>
+            <a:lvl4pPr marL="1371600" algn="l" defTabSz="914400" rtl="0" eaLnBrk="1" latinLnBrk="0" hangingPunct="1">
+              <a:defRPr sz="1800" kern="1200">
+                <a:solidFill>
+                  <a:schemeClr val="lt1"/>
+                </a:solidFill>
+                <a:latin typeface="+mn-lt"/>
+                <a:ea typeface="+mn-ea"/>
+                <a:cs typeface="+mn-cs"/>
+              </a:defRPr>
+            </a:lvl4pPr>
+            <a:lvl5pPr marL="1828800" algn="l" defTabSz="914400" rtl="0" eaLnBrk="1" latinLnBrk="0" hangingPunct="1">
+              <a:defRPr sz="1800" kern="1200">
+                <a:solidFill>
+                  <a:schemeClr val="lt1"/>
+                </a:solidFill>
+                <a:latin typeface="+mn-lt"/>
+                <a:ea typeface="+mn-ea"/>
+                <a:cs typeface="+mn-cs"/>
+              </a:defRPr>
+            </a:lvl5pPr>
+            <a:lvl6pPr marL="2286000" algn="l" defTabSz="914400" rtl="0" eaLnBrk="1" latinLnBrk="0" hangingPunct="1">
+              <a:defRPr sz="1800" kern="1200">
+                <a:solidFill>
+                  <a:schemeClr val="lt1"/>
+                </a:solidFill>
+                <a:latin typeface="+mn-lt"/>
+                <a:ea typeface="+mn-ea"/>
+                <a:cs typeface="+mn-cs"/>
+              </a:defRPr>
+            </a:lvl6pPr>
+            <a:lvl7pPr marL="2743200" algn="l" defTabSz="914400" rtl="0" eaLnBrk="1" latinLnBrk="0" hangingPunct="1">
+              <a:defRPr sz="1800" kern="1200">
+                <a:solidFill>
+                  <a:schemeClr val="lt1"/>
+                </a:solidFill>
+                <a:latin typeface="+mn-lt"/>
+                <a:ea typeface="+mn-ea"/>
+                <a:cs typeface="+mn-cs"/>
+              </a:defRPr>
+            </a:lvl7pPr>
+            <a:lvl8pPr marL="3200400" algn="l" defTabSz="914400" rtl="0" eaLnBrk="1" latinLnBrk="0" hangingPunct="1">
+              <a:defRPr sz="1800" kern="1200">
+                <a:solidFill>
+                  <a:schemeClr val="lt1"/>
+                </a:solidFill>
+                <a:latin typeface="+mn-lt"/>
+                <a:ea typeface="+mn-ea"/>
+                <a:cs typeface="+mn-cs"/>
+              </a:defRPr>
+            </a:lvl8pPr>
+            <a:lvl9pPr marL="3657600" algn="l" defTabSz="914400" rtl="0" eaLnBrk="1" latinLnBrk="0" hangingPunct="1">
+              <a:defRPr sz="1800" kern="1200">
+                <a:solidFill>
+                  <a:schemeClr val="lt1"/>
+                </a:solidFill>
+                <a:latin typeface="+mn-lt"/>
+                <a:ea typeface="+mn-ea"/>
+                <a:cs typeface="+mn-cs"/>
+              </a:defRPr>
+            </a:lvl9pPr>
+          </a:lstStyle>
+          <a:p>
+            <a:pPr algn="ctr"/>
             <a:endParaRPr lang="en-US"/>
+          </a:p>
+        </p:txBody>
+      </p:sp>
+      <p:sp>
+        <p:nvSpPr>
+          <p:cNvPr id="11" name="Oval 10">
+            <a:extLst>
+              <a:ext uri="{FF2B5EF4-FFF2-40B4-BE49-F238E27FC236}">
+                <a16:creationId xmlns:a16="http://schemas.microsoft.com/office/drawing/2014/main" id="{DF382E8D-312B-4792-A211-0BDE37F6F5F7}"/>
+              </a:ext>
+              <a:ext uri="{C183D7F6-B498-43B3-948B-1728B52AA6E4}">
+                <adec:decorative xmlns:adec="http://schemas.microsoft.com/office/drawing/2017/decorative" val="1"/>
+              </a:ext>
+            </a:extLst>
+          </p:cNvPr>
+          <p:cNvSpPr>
+            <a:spLocks noGrp="1" noRot="1" noChangeAspect="1" noMove="1" noResize="1" noEditPoints="1" noAdjustHandles="1" noChangeArrowheads="1" noChangeShapeType="1" noTextEdit="1"/>
+          </p:cNvSpPr>
+          <p:nvPr>
+            <p:extLst>
+              <p:ext uri="{386F3935-93C4-4BCD-93E2-E3B085C9AB24}">
+                <p16:designElem xmlns:p16="http://schemas.microsoft.com/office/powerpoint/2015/main" val="1"/>
+              </p:ext>
+            </p:extLst>
+          </p:nvPr>
+        </p:nvSpPr>
+        <p:spPr>
+          <a:xfrm>
+            <a:off x="1165562" y="2623216"/>
+            <a:ext cx="546100" cy="546100"/>
+          </a:xfrm>
+          <a:prstGeom prst="ellipse">
+            <a:avLst/>
+          </a:prstGeom>
+          <a:solidFill>
+            <a:schemeClr val="accent5"/>
+          </a:solidFill>
+          <a:ln>
+            <a:noFill/>
+          </a:ln>
+        </p:spPr>
+        <p:style>
+          <a:lnRef idx="2">
+            <a:schemeClr val="accent1">
+              <a:shade val="50000"/>
+            </a:schemeClr>
+          </a:lnRef>
+          <a:fillRef idx="1">
+            <a:schemeClr val="accent1"/>
+          </a:fillRef>
+          <a:effectRef idx="0">
+            <a:schemeClr val="accent1"/>
+          </a:effectRef>
+          <a:fontRef idx="minor">
+            <a:schemeClr val="lt1"/>
+          </a:fontRef>
+        </p:style>
+        <p:txBody>
+          <a:bodyPr rtlCol="0" anchor="ctr"/>
+          <a:lstStyle/>
+          <a:p>
+            <a:pPr marL="0" marR="0" lvl="0" indent="0" algn="ctr" defTabSz="914400" rtl="0" eaLnBrk="1" fontAlgn="auto" latinLnBrk="0" hangingPunct="1">
+              <a:lnSpc>
+                <a:spcPct val="100000"/>
+              </a:lnSpc>
+              <a:spcBef>
+                <a:spcPts val="0"/>
+              </a:spcBef>
+              <a:spcAft>
+                <a:spcPts val="0"/>
+              </a:spcAft>
+              <a:buClrTx/>
+              <a:buSzTx/>
+              <a:buFontTx/>
+              <a:buNone/>
+              <a:tabLst/>
+              <a:defRPr/>
+            </a:pPr>
+            <a:endParaRPr kumimoji="0" lang="en-US" sz="1800" b="0" i="0" u="none" strike="noStrike" kern="1200" cap="none" spc="0" normalizeH="0" baseline="0" noProof="0">
+              <a:solidFill>
+                <a:schemeClr val="accent5"/>
+              </a:solidFill>
+              <a:effectLst/>
+              <a:uLnTx/>
+              <a:uFillTx/>
+              <a:latin typeface="Calibri" panose="020F0502020204030204"/>
+              <a:ea typeface="+mn-ea"/>
+              <a:cs typeface="+mn-cs"/>
+            </a:endParaRPr>
+          </a:p>
+        </p:txBody>
+      </p:sp>
+      <p:sp>
+        <p:nvSpPr>
+          <p:cNvPr id="13" name="Arc 12">
+            <a:extLst>
+              <a:ext uri="{FF2B5EF4-FFF2-40B4-BE49-F238E27FC236}">
+                <a16:creationId xmlns:a16="http://schemas.microsoft.com/office/drawing/2014/main" id="{036F9B07-02BE-4BD5-BA9D-E91B8A456BEA}"/>
+              </a:ext>
+              <a:ext uri="{C183D7F6-B498-43B3-948B-1728B52AA6E4}">
+                <adec:decorative xmlns:adec="http://schemas.microsoft.com/office/drawing/2017/decorative" val="1"/>
+              </a:ext>
+            </a:extLst>
+          </p:cNvPr>
+          <p:cNvSpPr>
+            <a:spLocks noGrp="1" noRot="1" noChangeAspect="1" noMove="1" noResize="1" noEditPoints="1" noAdjustHandles="1" noChangeArrowheads="1" noChangeShapeType="1" noTextEdit="1"/>
+          </p:cNvSpPr>
+          <p:nvPr>
+            <p:extLst>
+              <p:ext uri="{386F3935-93C4-4BCD-93E2-E3B085C9AB24}">
+                <p16:designElem xmlns:p16="http://schemas.microsoft.com/office/powerpoint/2015/main" val="1"/>
+              </p:ext>
+            </p:extLst>
+          </p:nvPr>
+        </p:nvSpPr>
+        <p:spPr>
+          <a:xfrm>
+            <a:off x="8038539" y="361268"/>
+            <a:ext cx="2987899" cy="2987899"/>
+          </a:xfrm>
+          <a:prstGeom prst="arc">
+            <a:avLst>
+              <a:gd name="adj1" fmla="val 14441841"/>
+              <a:gd name="adj2" fmla="val 0"/>
+            </a:avLst>
+          </a:prstGeom>
+          <a:ln w="127000" cap="rnd">
+            <a:solidFill>
+              <a:schemeClr val="accent4"/>
+            </a:solidFill>
+            <a:prstDash val="dash"/>
+            <a:miter lim="800000"/>
+          </a:ln>
+        </p:spPr>
+        <p:style>
+          <a:lnRef idx="1">
+            <a:schemeClr val="accent1"/>
+          </a:lnRef>
+          <a:fillRef idx="0">
+            <a:schemeClr val="accent1"/>
+          </a:fillRef>
+          <a:effectRef idx="0">
+            <a:schemeClr val="accent1"/>
+          </a:effectRef>
+          <a:fontRef idx="minor">
+            <a:schemeClr val="tx1"/>
+          </a:fontRef>
+        </p:style>
+        <p:txBody>
+          <a:bodyPr rtlCol="0" anchor="ctr"/>
+          <a:lstStyle/>
+          <a:p>
+            <a:pPr marL="0" marR="0" lvl="0" indent="0" algn="ctr" defTabSz="914400" rtl="0" eaLnBrk="1" fontAlgn="auto" latinLnBrk="0" hangingPunct="1">
+              <a:lnSpc>
+                <a:spcPct val="100000"/>
+              </a:lnSpc>
+              <a:spcBef>
+                <a:spcPts val="0"/>
+              </a:spcBef>
+              <a:spcAft>
+                <a:spcPts val="0"/>
+              </a:spcAft>
+              <a:buClrTx/>
+              <a:buSzTx/>
+              <a:buFontTx/>
+              <a:buNone/>
+              <a:tabLst/>
+              <a:defRPr/>
+            </a:pPr>
+            <a:endParaRPr kumimoji="0" lang="en-US" sz="1800" b="0" i="0" u="none" strike="noStrike" kern="1200" cap="none" spc="0" normalizeH="0" baseline="0" noProof="0">
+              <a:ln>
+                <a:noFill/>
+              </a:ln>
+              <a:solidFill>
+                <a:srgbClr val="000000"/>
+              </a:solidFill>
+              <a:effectLst/>
+              <a:uLnTx/>
+              <a:uFillTx/>
+              <a:latin typeface="Calibri" panose="020F0502020204030204"/>
+              <a:ea typeface="+mn-ea"/>
+              <a:cs typeface="+mn-cs"/>
+            </a:endParaRPr>
+          </a:p>
+        </p:txBody>
+      </p:sp>
+      <p:pic>
+        <p:nvPicPr>
+          <p:cNvPr id="5" name="Picture 4">
+            <a:extLst>
+              <a:ext uri="{FF2B5EF4-FFF2-40B4-BE49-F238E27FC236}">
+                <a16:creationId xmlns:a16="http://schemas.microsoft.com/office/drawing/2014/main" id="{DECACDA3-367A-458C-8F31-98C5F546BA73}"/>
+              </a:ext>
+            </a:extLst>
+          </p:cNvPr>
+          <p:cNvPicPr>
+            <a:picLocks noChangeAspect="1"/>
+          </p:cNvPicPr>
+          <p:nvPr/>
+        </p:nvPicPr>
+        <p:blipFill>
+          <a:blip r:embed="rId2"/>
+          <a:stretch>
+            <a:fillRect/>
+          </a:stretch>
+        </p:blipFill>
+        <p:spPr>
+          <a:xfrm>
+            <a:off x="1438612" y="1300802"/>
+            <a:ext cx="8801100" cy="704850"/>
+          </a:xfrm>
+          <a:prstGeom prst="rect">
+            <a:avLst/>
+          </a:prstGeom>
+        </p:spPr>
+      </p:pic>
+      <p:sp>
+        <p:nvSpPr>
+          <p:cNvPr id="12" name="Title 1">
+            <a:extLst>
+              <a:ext uri="{FF2B5EF4-FFF2-40B4-BE49-F238E27FC236}">
+                <a16:creationId xmlns:a16="http://schemas.microsoft.com/office/drawing/2014/main" id="{635238AA-7A68-4E77-9D7F-1D418EDAA544}"/>
+              </a:ext>
+            </a:extLst>
+          </p:cNvPr>
+          <p:cNvSpPr txBox="1">
+            <a:spLocks/>
+          </p:cNvSpPr>
+          <p:nvPr/>
+        </p:nvSpPr>
+        <p:spPr>
+          <a:xfrm>
+            <a:off x="1635164" y="4475480"/>
+            <a:ext cx="8921672" cy="1713305"/>
+          </a:xfrm>
+          <a:prstGeom prst="rect">
+            <a:avLst/>
+          </a:prstGeom>
+        </p:spPr>
+        <p:txBody>
+          <a:bodyPr vert="horz" lIns="91440" tIns="45720" rIns="91440" bIns="45720" rtlCol="0" anchor="b">
+            <a:normAutofit/>
+          </a:bodyPr>
+          <a:lstStyle>
+            <a:lvl1pPr algn="l" defTabSz="914400" rtl="0" eaLnBrk="1" latinLnBrk="0" hangingPunct="1">
+              <a:lnSpc>
+                <a:spcPct val="90000"/>
+              </a:lnSpc>
+              <a:spcBef>
+                <a:spcPct val="0"/>
+              </a:spcBef>
+              <a:buNone/>
+              <a:defRPr sz="4400" kern="1200">
+                <a:solidFill>
+                  <a:schemeClr val="tx1"/>
+                </a:solidFill>
+                <a:latin typeface="+mj-lt"/>
+                <a:ea typeface="+mj-ea"/>
+                <a:cs typeface="+mj-cs"/>
+              </a:defRPr>
+            </a:lvl1pPr>
+          </a:lstStyle>
+          <a:p>
+            <a:r>
+              <a:rPr lang="en-US" sz="5600" dirty="0"/>
+              <a:t>Linear/Nonlinear Transformation (TBA)</a:t>
+            </a:r>
+          </a:p>
+        </p:txBody>
+      </p:sp>
+      <p:pic>
+        <p:nvPicPr>
+          <p:cNvPr id="14" name="Picture 13">
+            <a:extLst>
+              <a:ext uri="{FF2B5EF4-FFF2-40B4-BE49-F238E27FC236}">
+                <a16:creationId xmlns:a16="http://schemas.microsoft.com/office/drawing/2014/main" id="{8689B28F-4B71-48BF-89F0-ADADB444C6D7}"/>
+              </a:ext>
+            </a:extLst>
+          </p:cNvPr>
+          <p:cNvPicPr>
+            <a:picLocks noChangeAspect="1"/>
+          </p:cNvPicPr>
+          <p:nvPr/>
+        </p:nvPicPr>
+        <p:blipFill>
+          <a:blip r:embed="rId3"/>
+          <a:stretch>
+            <a:fillRect/>
+          </a:stretch>
+        </p:blipFill>
+        <p:spPr>
+          <a:xfrm>
+            <a:off x="1985010" y="2017572"/>
+            <a:ext cx="6515100" cy="2505075"/>
+          </a:xfrm>
+          <a:prstGeom prst="rect">
+            <a:avLst/>
+          </a:prstGeom>
+        </p:spPr>
+      </p:pic>
+    </p:spTree>
+    <p:extLst>
+      <p:ext uri="{BB962C8B-B14F-4D97-AF65-F5344CB8AC3E}">
+        <p14:creationId xmlns:p14="http://schemas.microsoft.com/office/powerpoint/2010/main" val="581602665"/>
+      </p:ext>
+    </p:extLst>
+  </p:cSld>
+  <p:clrMapOvr>
+    <a:masterClrMapping/>
+  </p:clrMapOvr>
+</p:sld>
+</file>
+
+<file path=ppt/slides/slide18.xml><?xml version="1.0" encoding="utf-8"?>
+<p:sld xmlns:a="http://schemas.openxmlformats.org/drawingml/2006/main" xmlns:r="http://schemas.openxmlformats.org/officeDocument/2006/relationships" xmlns:p="http://schemas.openxmlformats.org/presentationml/2006/main">
+  <p:cSld>
+    <p:bg>
+      <p:bgPr>
+        <a:solidFill>
+          <a:schemeClr val="bg1"/>
+        </a:solidFill>
+        <a:effectLst/>
+      </p:bgPr>
+    </p:bg>
+    <p:spTree>
+      <p:nvGrpSpPr>
+        <p:cNvPr id="1" name=""/>
+        <p:cNvGrpSpPr/>
+        <p:nvPr/>
+      </p:nvGrpSpPr>
+      <p:grpSpPr>
+        <a:xfrm>
+          <a:off x="0" y="0"/>
+          <a:ext cx="0" cy="0"/>
+          <a:chOff x="0" y="0"/>
+          <a:chExt cx="0" cy="0"/>
+        </a:xfrm>
+      </p:grpSpPr>
+      <p:sp useBgFill="1">
+        <p:nvSpPr>
+          <p:cNvPr id="9" name="Rectangle 8">
+            <a:extLst>
+              <a:ext uri="{FF2B5EF4-FFF2-40B4-BE49-F238E27FC236}">
+                <a16:creationId xmlns:a16="http://schemas.microsoft.com/office/drawing/2014/main" id="{D0461F72-A27E-48C5-A99A-B5EEDA7456F9}"/>
+              </a:ext>
+              <a:ext uri="{C183D7F6-B498-43B3-948B-1728B52AA6E4}">
+                <adec:decorative xmlns:adec="http://schemas.microsoft.com/office/drawing/2017/decorative" val="1"/>
+              </a:ext>
+            </a:extLst>
+          </p:cNvPr>
+          <p:cNvSpPr>
+            <a:spLocks noGrp="1" noRot="1" noChangeAspect="1" noMove="1" noResize="1" noEditPoints="1" noAdjustHandles="1" noChangeArrowheads="1" noChangeShapeType="1" noTextEdit="1"/>
+          </p:cNvSpPr>
+          <p:nvPr>
+            <p:extLst>
+              <p:ext uri="{386F3935-93C4-4BCD-93E2-E3B085C9AB24}">
+                <p16:designElem xmlns:p16="http://schemas.microsoft.com/office/powerpoint/2015/main" val="1"/>
+              </p:ext>
+            </p:extLst>
+          </p:nvPr>
+        </p:nvSpPr>
+        <p:spPr bwMode="white">
+          <a:xfrm>
+            <a:off x="0" y="0"/>
+            <a:ext cx="12192000" cy="6858000"/>
+          </a:xfrm>
+          <a:prstGeom prst="rect">
+            <a:avLst/>
+          </a:prstGeom>
+          <a:ln>
+            <a:noFill/>
+          </a:ln>
+        </p:spPr>
+        <p:style>
+          <a:lnRef idx="2">
+            <a:schemeClr val="accent1">
+              <a:shade val="50000"/>
+            </a:schemeClr>
+          </a:lnRef>
+          <a:fillRef idx="1">
+            <a:schemeClr val="accent1"/>
+          </a:fillRef>
+          <a:effectRef idx="0">
+            <a:schemeClr val="accent1"/>
+          </a:effectRef>
+          <a:fontRef idx="minor">
+            <a:schemeClr val="lt1"/>
+          </a:fontRef>
+        </p:style>
+        <p:txBody>
+          <a:bodyPr rtlCol="0" anchor="ctr"/>
+          <a:lstStyle>
+            <a:defPPr>
+              <a:defRPr lang="en-US"/>
+            </a:defPPr>
+            <a:lvl1pPr marL="0" algn="l" defTabSz="914400" rtl="0" eaLnBrk="1" latinLnBrk="0" hangingPunct="1">
+              <a:defRPr sz="1800" kern="1200">
+                <a:solidFill>
+                  <a:schemeClr val="lt1"/>
+                </a:solidFill>
+                <a:latin typeface="+mn-lt"/>
+                <a:ea typeface="+mn-ea"/>
+                <a:cs typeface="+mn-cs"/>
+              </a:defRPr>
+            </a:lvl1pPr>
+            <a:lvl2pPr marL="457200" algn="l" defTabSz="914400" rtl="0" eaLnBrk="1" latinLnBrk="0" hangingPunct="1">
+              <a:defRPr sz="1800" kern="1200">
+                <a:solidFill>
+                  <a:schemeClr val="lt1"/>
+                </a:solidFill>
+                <a:latin typeface="+mn-lt"/>
+                <a:ea typeface="+mn-ea"/>
+                <a:cs typeface="+mn-cs"/>
+              </a:defRPr>
+            </a:lvl2pPr>
+            <a:lvl3pPr marL="914400" algn="l" defTabSz="914400" rtl="0" eaLnBrk="1" latinLnBrk="0" hangingPunct="1">
+              <a:defRPr sz="1800" kern="1200">
+                <a:solidFill>
+                  <a:schemeClr val="lt1"/>
+                </a:solidFill>
+                <a:latin typeface="+mn-lt"/>
+                <a:ea typeface="+mn-ea"/>
+                <a:cs typeface="+mn-cs"/>
+              </a:defRPr>
+            </a:lvl3pPr>
+            <a:lvl4pPr marL="1371600" algn="l" defTabSz="914400" rtl="0" eaLnBrk="1" latinLnBrk="0" hangingPunct="1">
+              <a:defRPr sz="1800" kern="1200">
+                <a:solidFill>
+                  <a:schemeClr val="lt1"/>
+                </a:solidFill>
+                <a:latin typeface="+mn-lt"/>
+                <a:ea typeface="+mn-ea"/>
+                <a:cs typeface="+mn-cs"/>
+              </a:defRPr>
+            </a:lvl4pPr>
+            <a:lvl5pPr marL="1828800" algn="l" defTabSz="914400" rtl="0" eaLnBrk="1" latinLnBrk="0" hangingPunct="1">
+              <a:defRPr sz="1800" kern="1200">
+                <a:solidFill>
+                  <a:schemeClr val="lt1"/>
+                </a:solidFill>
+                <a:latin typeface="+mn-lt"/>
+                <a:ea typeface="+mn-ea"/>
+                <a:cs typeface="+mn-cs"/>
+              </a:defRPr>
+            </a:lvl5pPr>
+            <a:lvl6pPr marL="2286000" algn="l" defTabSz="914400" rtl="0" eaLnBrk="1" latinLnBrk="0" hangingPunct="1">
+              <a:defRPr sz="1800" kern="1200">
+                <a:solidFill>
+                  <a:schemeClr val="lt1"/>
+                </a:solidFill>
+                <a:latin typeface="+mn-lt"/>
+                <a:ea typeface="+mn-ea"/>
+                <a:cs typeface="+mn-cs"/>
+              </a:defRPr>
+            </a:lvl6pPr>
+            <a:lvl7pPr marL="2743200" algn="l" defTabSz="914400" rtl="0" eaLnBrk="1" latinLnBrk="0" hangingPunct="1">
+              <a:defRPr sz="1800" kern="1200">
+                <a:solidFill>
+                  <a:schemeClr val="lt1"/>
+                </a:solidFill>
+                <a:latin typeface="+mn-lt"/>
+                <a:ea typeface="+mn-ea"/>
+                <a:cs typeface="+mn-cs"/>
+              </a:defRPr>
+            </a:lvl7pPr>
+            <a:lvl8pPr marL="3200400" algn="l" defTabSz="914400" rtl="0" eaLnBrk="1" latinLnBrk="0" hangingPunct="1">
+              <a:defRPr sz="1800" kern="1200">
+                <a:solidFill>
+                  <a:schemeClr val="lt1"/>
+                </a:solidFill>
+                <a:latin typeface="+mn-lt"/>
+                <a:ea typeface="+mn-ea"/>
+                <a:cs typeface="+mn-cs"/>
+              </a:defRPr>
+            </a:lvl8pPr>
+            <a:lvl9pPr marL="3657600" algn="l" defTabSz="914400" rtl="0" eaLnBrk="1" latinLnBrk="0" hangingPunct="1">
+              <a:defRPr sz="1800" kern="1200">
+                <a:solidFill>
+                  <a:schemeClr val="lt1"/>
+                </a:solidFill>
+                <a:latin typeface="+mn-lt"/>
+                <a:ea typeface="+mn-ea"/>
+                <a:cs typeface="+mn-cs"/>
+              </a:defRPr>
+            </a:lvl9pPr>
+          </a:lstStyle>
+          <a:p>
+            <a:pPr algn="ctr"/>
+            <a:endParaRPr lang="en-US"/>
+          </a:p>
+        </p:txBody>
+      </p:sp>
+      <p:sp>
+        <p:nvSpPr>
+          <p:cNvPr id="2" name="Title 1">
+            <a:extLst>
+              <a:ext uri="{FF2B5EF4-FFF2-40B4-BE49-F238E27FC236}">
+                <a16:creationId xmlns:a16="http://schemas.microsoft.com/office/drawing/2014/main" id="{0DF662EC-D708-4A33-8611-2BF7115FC984}"/>
+              </a:ext>
+            </a:extLst>
+          </p:cNvPr>
+          <p:cNvSpPr>
+            <a:spLocks noGrp="1"/>
+          </p:cNvSpPr>
+          <p:nvPr>
+            <p:ph type="title"/>
+          </p:nvPr>
+        </p:nvSpPr>
+        <p:spPr>
+          <a:xfrm>
+            <a:off x="81280" y="5025567"/>
+            <a:ext cx="11917680" cy="1748373"/>
+          </a:xfrm>
+        </p:spPr>
+        <p:txBody>
+          <a:bodyPr vert="horz" lIns="91440" tIns="45720" rIns="91440" bIns="45720" rtlCol="0" anchor="b">
+            <a:normAutofit/>
+          </a:bodyPr>
+          <a:lstStyle/>
+          <a:p>
+            <a:pPr algn="ctr"/>
+            <a:r>
+              <a:rPr lang="en-US" sz="6000" kern="1200" dirty="0">
+                <a:solidFill>
+                  <a:schemeClr val="tx1"/>
+                </a:solidFill>
+                <a:latin typeface="+mj-lt"/>
+                <a:ea typeface="+mj-ea"/>
+                <a:cs typeface="+mj-cs"/>
+              </a:rPr>
+              <a:t>Linear To Matrix Transformation(TBA)</a:t>
+            </a:r>
+          </a:p>
+        </p:txBody>
+      </p:sp>
+      <p:pic>
+        <p:nvPicPr>
+          <p:cNvPr id="4" name="Picture 3">
+            <a:extLst>
+              <a:ext uri="{FF2B5EF4-FFF2-40B4-BE49-F238E27FC236}">
+                <a16:creationId xmlns:a16="http://schemas.microsoft.com/office/drawing/2014/main" id="{76CABEF1-4954-4893-8EAB-C79AF12E7E74}"/>
+              </a:ext>
+            </a:extLst>
+          </p:cNvPr>
+          <p:cNvPicPr>
+            <a:picLocks noChangeAspect="1"/>
+          </p:cNvPicPr>
+          <p:nvPr/>
+        </p:nvPicPr>
+        <p:blipFill>
+          <a:blip r:embed="rId2"/>
+          <a:stretch>
+            <a:fillRect/>
+          </a:stretch>
+        </p:blipFill>
+        <p:spPr>
+          <a:xfrm>
+            <a:off x="1622201" y="642098"/>
+            <a:ext cx="9657303" cy="4249214"/>
+          </a:xfrm>
+          <a:custGeom>
+            <a:avLst/>
+            <a:gdLst/>
+            <a:ahLst/>
+            <a:cxnLst/>
+            <a:rect l="l" t="t" r="r" b="b"/>
+            <a:pathLst>
+              <a:path w="9143998" h="2473607">
+                <a:moveTo>
+                  <a:pt x="64634" y="0"/>
+                </a:moveTo>
+                <a:lnTo>
+                  <a:pt x="9079363" y="0"/>
+                </a:lnTo>
+                <a:cubicBezTo>
+                  <a:pt x="9115060" y="0"/>
+                  <a:pt x="9143998" y="28938"/>
+                  <a:pt x="9143998" y="64635"/>
+                </a:cubicBezTo>
+                <a:lnTo>
+                  <a:pt x="9143998" y="2408972"/>
+                </a:lnTo>
+                <a:cubicBezTo>
+                  <a:pt x="9143998" y="2444669"/>
+                  <a:pt x="9115060" y="2473607"/>
+                  <a:pt x="9079363" y="2473607"/>
+                </a:cubicBezTo>
+                <a:lnTo>
+                  <a:pt x="64634" y="2473607"/>
+                </a:lnTo>
+                <a:cubicBezTo>
+                  <a:pt x="46786" y="2473607"/>
+                  <a:pt x="30627" y="2466373"/>
+                  <a:pt x="18930" y="2454676"/>
+                </a:cubicBezTo>
+                <a:lnTo>
+                  <a:pt x="0" y="2408974"/>
+                </a:lnTo>
+                <a:lnTo>
+                  <a:pt x="0" y="64633"/>
+                </a:lnTo>
+                <a:lnTo>
+                  <a:pt x="18930" y="18931"/>
+                </a:lnTo>
+                <a:cubicBezTo>
+                  <a:pt x="30627" y="7235"/>
+                  <a:pt x="46786" y="0"/>
+                  <a:pt x="64634" y="0"/>
+                </a:cubicBezTo>
+                <a:close/>
+              </a:path>
+            </a:pathLst>
+          </a:custGeom>
+        </p:spPr>
+      </p:pic>
+      <p:sp>
+        <p:nvSpPr>
+          <p:cNvPr id="11" name="Oval 10">
+            <a:extLst>
+              <a:ext uri="{FF2B5EF4-FFF2-40B4-BE49-F238E27FC236}">
+                <a16:creationId xmlns:a16="http://schemas.microsoft.com/office/drawing/2014/main" id="{DF382E8D-312B-4792-A211-0BDE37F6F5F7}"/>
+              </a:ext>
+              <a:ext uri="{C183D7F6-B498-43B3-948B-1728B52AA6E4}">
+                <adec:decorative xmlns:adec="http://schemas.microsoft.com/office/drawing/2017/decorative" val="1"/>
+              </a:ext>
+            </a:extLst>
+          </p:cNvPr>
+          <p:cNvSpPr>
+            <a:spLocks noGrp="1" noRot="1" noChangeAspect="1" noMove="1" noResize="1" noEditPoints="1" noAdjustHandles="1" noChangeArrowheads="1" noChangeShapeType="1" noTextEdit="1"/>
+          </p:cNvSpPr>
+          <p:nvPr>
+            <p:extLst>
+              <p:ext uri="{386F3935-93C4-4BCD-93E2-E3B085C9AB24}">
+                <p16:designElem xmlns:p16="http://schemas.microsoft.com/office/powerpoint/2015/main" val="1"/>
+              </p:ext>
+            </p:extLst>
+          </p:nvPr>
+        </p:nvSpPr>
+        <p:spPr>
+          <a:xfrm>
+            <a:off x="1165562" y="2623216"/>
+            <a:ext cx="546100" cy="546100"/>
+          </a:xfrm>
+          <a:prstGeom prst="ellipse">
+            <a:avLst/>
+          </a:prstGeom>
+          <a:solidFill>
+            <a:schemeClr val="accent5"/>
+          </a:solidFill>
+          <a:ln>
+            <a:noFill/>
+          </a:ln>
+        </p:spPr>
+        <p:style>
+          <a:lnRef idx="2">
+            <a:schemeClr val="accent1">
+              <a:shade val="50000"/>
+            </a:schemeClr>
+          </a:lnRef>
+          <a:fillRef idx="1">
+            <a:schemeClr val="accent1"/>
+          </a:fillRef>
+          <a:effectRef idx="0">
+            <a:schemeClr val="accent1"/>
+          </a:effectRef>
+          <a:fontRef idx="minor">
+            <a:schemeClr val="lt1"/>
+          </a:fontRef>
+        </p:style>
+        <p:txBody>
+          <a:bodyPr rtlCol="0" anchor="ctr"/>
+          <a:lstStyle/>
+          <a:p>
+            <a:pPr marL="0" marR="0" lvl="0" indent="0" algn="ctr" defTabSz="914400" rtl="0" eaLnBrk="1" fontAlgn="auto" latinLnBrk="0" hangingPunct="1">
+              <a:lnSpc>
+                <a:spcPct val="100000"/>
+              </a:lnSpc>
+              <a:spcBef>
+                <a:spcPts val="0"/>
+              </a:spcBef>
+              <a:spcAft>
+                <a:spcPts val="0"/>
+              </a:spcAft>
+              <a:buClrTx/>
+              <a:buSzTx/>
+              <a:buFontTx/>
+              <a:buNone/>
+              <a:tabLst/>
+              <a:defRPr/>
+            </a:pPr>
+            <a:endParaRPr kumimoji="0" lang="en-US" sz="1800" b="0" i="0" u="none" strike="noStrike" kern="1200" cap="none" spc="0" normalizeH="0" baseline="0" noProof="0">
+              <a:solidFill>
+                <a:schemeClr val="accent5"/>
+              </a:solidFill>
+              <a:effectLst/>
+              <a:uLnTx/>
+              <a:uFillTx/>
+              <a:latin typeface="Calibri" panose="020F0502020204030204"/>
+              <a:ea typeface="+mn-ea"/>
+              <a:cs typeface="+mn-cs"/>
+            </a:endParaRPr>
+          </a:p>
+        </p:txBody>
+      </p:sp>
+      <p:sp>
+        <p:nvSpPr>
+          <p:cNvPr id="13" name="Arc 12">
+            <a:extLst>
+              <a:ext uri="{FF2B5EF4-FFF2-40B4-BE49-F238E27FC236}">
+                <a16:creationId xmlns:a16="http://schemas.microsoft.com/office/drawing/2014/main" id="{036F9B07-02BE-4BD5-BA9D-E91B8A456BEA}"/>
+              </a:ext>
+              <a:ext uri="{C183D7F6-B498-43B3-948B-1728B52AA6E4}">
+                <adec:decorative xmlns:adec="http://schemas.microsoft.com/office/drawing/2017/decorative" val="1"/>
+              </a:ext>
+            </a:extLst>
+          </p:cNvPr>
+          <p:cNvSpPr>
+            <a:spLocks noGrp="1" noRot="1" noChangeAspect="1" noMove="1" noResize="1" noEditPoints="1" noAdjustHandles="1" noChangeArrowheads="1" noChangeShapeType="1" noTextEdit="1"/>
+          </p:cNvSpPr>
+          <p:nvPr>
+            <p:extLst>
+              <p:ext uri="{386F3935-93C4-4BCD-93E2-E3B085C9AB24}">
+                <p16:designElem xmlns:p16="http://schemas.microsoft.com/office/powerpoint/2015/main" val="1"/>
+              </p:ext>
+            </p:extLst>
+          </p:nvPr>
+        </p:nvSpPr>
+        <p:spPr>
+          <a:xfrm>
+            <a:off x="8038539" y="361268"/>
+            <a:ext cx="2987899" cy="2987899"/>
+          </a:xfrm>
+          <a:prstGeom prst="arc">
+            <a:avLst>
+              <a:gd name="adj1" fmla="val 14441841"/>
+              <a:gd name="adj2" fmla="val 0"/>
+            </a:avLst>
+          </a:prstGeom>
+          <a:ln w="127000" cap="rnd">
+            <a:solidFill>
+              <a:schemeClr val="accent4"/>
+            </a:solidFill>
+            <a:prstDash val="dash"/>
+            <a:miter lim="800000"/>
+          </a:ln>
+        </p:spPr>
+        <p:style>
+          <a:lnRef idx="1">
+            <a:schemeClr val="accent1"/>
+          </a:lnRef>
+          <a:fillRef idx="0">
+            <a:schemeClr val="accent1"/>
+          </a:fillRef>
+          <a:effectRef idx="0">
+            <a:schemeClr val="accent1"/>
+          </a:effectRef>
+          <a:fontRef idx="minor">
+            <a:schemeClr val="tx1"/>
+          </a:fontRef>
+        </p:style>
+        <p:txBody>
+          <a:bodyPr rtlCol="0" anchor="ctr"/>
+          <a:lstStyle/>
+          <a:p>
+            <a:pPr marL="0" marR="0" lvl="0" indent="0" algn="ctr" defTabSz="914400" rtl="0" eaLnBrk="1" fontAlgn="auto" latinLnBrk="0" hangingPunct="1">
+              <a:lnSpc>
+                <a:spcPct val="100000"/>
+              </a:lnSpc>
+              <a:spcBef>
+                <a:spcPts val="0"/>
+              </a:spcBef>
+              <a:spcAft>
+                <a:spcPts val="0"/>
+              </a:spcAft>
+              <a:buClrTx/>
+              <a:buSzTx/>
+              <a:buFontTx/>
+              <a:buNone/>
+              <a:tabLst/>
+              <a:defRPr/>
+            </a:pPr>
+            <a:endParaRPr kumimoji="0" lang="en-US" sz="1800" b="0" i="0" u="none" strike="noStrike" kern="1200" cap="none" spc="0" normalizeH="0" baseline="0" noProof="0">
+              <a:ln>
+                <a:noFill/>
+              </a:ln>
+              <a:solidFill>
+                <a:srgbClr val="000000"/>
+              </a:solidFill>
+              <a:effectLst/>
+              <a:uLnTx/>
+              <a:uFillTx/>
+              <a:latin typeface="Calibri" panose="020F0502020204030204"/>
+              <a:ea typeface="+mn-ea"/>
+              <a:cs typeface="+mn-cs"/>
+            </a:endParaRPr>
           </a:p>
         </p:txBody>
       </p:sp>
     </p:spTree>
     <p:extLst>
       <p:ext uri="{BB962C8B-B14F-4D97-AF65-F5344CB8AC3E}">
-        <p14:creationId xmlns:p14="http://schemas.microsoft.com/office/powerpoint/2010/main" val="1180326809"/>
+        <p14:creationId xmlns:p14="http://schemas.microsoft.com/office/powerpoint/2010/main" val="3756020951"/>
+      </p:ext>
+    </p:extLst>
+  </p:cSld>
+  <p:clrMapOvr>
+    <a:masterClrMapping/>
+  </p:clrMapOvr>
+</p:sld>
+</file>
+
+<file path=ppt/slides/slide19.xml><?xml version="1.0" encoding="utf-8"?>
+<p:sld xmlns:a="http://schemas.openxmlformats.org/drawingml/2006/main" xmlns:r="http://schemas.openxmlformats.org/officeDocument/2006/relationships" xmlns:p="http://schemas.openxmlformats.org/presentationml/2006/main">
+  <p:cSld>
+    <p:bg>
+      <p:bgPr>
+        <a:solidFill>
+          <a:schemeClr val="bg1"/>
+        </a:solidFill>
+        <a:effectLst/>
+      </p:bgPr>
+    </p:bg>
+    <p:spTree>
+      <p:nvGrpSpPr>
+        <p:cNvPr id="1" name=""/>
+        <p:cNvGrpSpPr/>
+        <p:nvPr/>
+      </p:nvGrpSpPr>
+      <p:grpSpPr>
+        <a:xfrm>
+          <a:off x="0" y="0"/>
+          <a:ext cx="0" cy="0"/>
+          <a:chOff x="0" y="0"/>
+          <a:chExt cx="0" cy="0"/>
+        </a:xfrm>
+      </p:grpSpPr>
+      <p:sp useBgFill="1">
+        <p:nvSpPr>
+          <p:cNvPr id="9" name="Rectangle 8">
+            <a:extLst>
+              <a:ext uri="{FF2B5EF4-FFF2-40B4-BE49-F238E27FC236}">
+                <a16:creationId xmlns:a16="http://schemas.microsoft.com/office/drawing/2014/main" id="{D0461F72-A27E-48C5-A99A-B5EEDA7456F9}"/>
+              </a:ext>
+              <a:ext uri="{C183D7F6-B498-43B3-948B-1728B52AA6E4}">
+                <adec:decorative xmlns:adec="http://schemas.microsoft.com/office/drawing/2017/decorative" val="1"/>
+              </a:ext>
+            </a:extLst>
+          </p:cNvPr>
+          <p:cNvSpPr>
+            <a:spLocks noGrp="1" noRot="1" noChangeAspect="1" noMove="1" noResize="1" noEditPoints="1" noAdjustHandles="1" noChangeArrowheads="1" noChangeShapeType="1" noTextEdit="1"/>
+          </p:cNvSpPr>
+          <p:nvPr>
+            <p:extLst>
+              <p:ext uri="{386F3935-93C4-4BCD-93E2-E3B085C9AB24}">
+                <p16:designElem xmlns:p16="http://schemas.microsoft.com/office/powerpoint/2015/main" val="1"/>
+              </p:ext>
+            </p:extLst>
+          </p:nvPr>
+        </p:nvSpPr>
+        <p:spPr bwMode="white">
+          <a:xfrm>
+            <a:off x="0" y="0"/>
+            <a:ext cx="12192000" cy="6858000"/>
+          </a:xfrm>
+          <a:prstGeom prst="rect">
+            <a:avLst/>
+          </a:prstGeom>
+          <a:ln>
+            <a:noFill/>
+          </a:ln>
+        </p:spPr>
+        <p:style>
+          <a:lnRef idx="2">
+            <a:schemeClr val="accent1">
+              <a:shade val="50000"/>
+            </a:schemeClr>
+          </a:lnRef>
+          <a:fillRef idx="1">
+            <a:schemeClr val="accent1"/>
+          </a:fillRef>
+          <a:effectRef idx="0">
+            <a:schemeClr val="accent1"/>
+          </a:effectRef>
+          <a:fontRef idx="minor">
+            <a:schemeClr val="lt1"/>
+          </a:fontRef>
+        </p:style>
+        <p:txBody>
+          <a:bodyPr rtlCol="0" anchor="ctr"/>
+          <a:lstStyle>
+            <a:defPPr>
+              <a:defRPr lang="en-US"/>
+            </a:defPPr>
+            <a:lvl1pPr marL="0" algn="l" defTabSz="914400" rtl="0" eaLnBrk="1" latinLnBrk="0" hangingPunct="1">
+              <a:defRPr sz="1800" kern="1200">
+                <a:solidFill>
+                  <a:schemeClr val="lt1"/>
+                </a:solidFill>
+                <a:latin typeface="+mn-lt"/>
+                <a:ea typeface="+mn-ea"/>
+                <a:cs typeface="+mn-cs"/>
+              </a:defRPr>
+            </a:lvl1pPr>
+            <a:lvl2pPr marL="457200" algn="l" defTabSz="914400" rtl="0" eaLnBrk="1" latinLnBrk="0" hangingPunct="1">
+              <a:defRPr sz="1800" kern="1200">
+                <a:solidFill>
+                  <a:schemeClr val="lt1"/>
+                </a:solidFill>
+                <a:latin typeface="+mn-lt"/>
+                <a:ea typeface="+mn-ea"/>
+                <a:cs typeface="+mn-cs"/>
+              </a:defRPr>
+            </a:lvl2pPr>
+            <a:lvl3pPr marL="914400" algn="l" defTabSz="914400" rtl="0" eaLnBrk="1" latinLnBrk="0" hangingPunct="1">
+              <a:defRPr sz="1800" kern="1200">
+                <a:solidFill>
+                  <a:schemeClr val="lt1"/>
+                </a:solidFill>
+                <a:latin typeface="+mn-lt"/>
+                <a:ea typeface="+mn-ea"/>
+                <a:cs typeface="+mn-cs"/>
+              </a:defRPr>
+            </a:lvl3pPr>
+            <a:lvl4pPr marL="1371600" algn="l" defTabSz="914400" rtl="0" eaLnBrk="1" latinLnBrk="0" hangingPunct="1">
+              <a:defRPr sz="1800" kern="1200">
+                <a:solidFill>
+                  <a:schemeClr val="lt1"/>
+                </a:solidFill>
+                <a:latin typeface="+mn-lt"/>
+                <a:ea typeface="+mn-ea"/>
+                <a:cs typeface="+mn-cs"/>
+              </a:defRPr>
+            </a:lvl4pPr>
+            <a:lvl5pPr marL="1828800" algn="l" defTabSz="914400" rtl="0" eaLnBrk="1" latinLnBrk="0" hangingPunct="1">
+              <a:defRPr sz="1800" kern="1200">
+                <a:solidFill>
+                  <a:schemeClr val="lt1"/>
+                </a:solidFill>
+                <a:latin typeface="+mn-lt"/>
+                <a:ea typeface="+mn-ea"/>
+                <a:cs typeface="+mn-cs"/>
+              </a:defRPr>
+            </a:lvl5pPr>
+            <a:lvl6pPr marL="2286000" algn="l" defTabSz="914400" rtl="0" eaLnBrk="1" latinLnBrk="0" hangingPunct="1">
+              <a:defRPr sz="1800" kern="1200">
+                <a:solidFill>
+                  <a:schemeClr val="lt1"/>
+                </a:solidFill>
+                <a:latin typeface="+mn-lt"/>
+                <a:ea typeface="+mn-ea"/>
+                <a:cs typeface="+mn-cs"/>
+              </a:defRPr>
+            </a:lvl6pPr>
+            <a:lvl7pPr marL="2743200" algn="l" defTabSz="914400" rtl="0" eaLnBrk="1" latinLnBrk="0" hangingPunct="1">
+              <a:defRPr sz="1800" kern="1200">
+                <a:solidFill>
+                  <a:schemeClr val="lt1"/>
+                </a:solidFill>
+                <a:latin typeface="+mn-lt"/>
+                <a:ea typeface="+mn-ea"/>
+                <a:cs typeface="+mn-cs"/>
+              </a:defRPr>
+            </a:lvl7pPr>
+            <a:lvl8pPr marL="3200400" algn="l" defTabSz="914400" rtl="0" eaLnBrk="1" latinLnBrk="0" hangingPunct="1">
+              <a:defRPr sz="1800" kern="1200">
+                <a:solidFill>
+                  <a:schemeClr val="lt1"/>
+                </a:solidFill>
+                <a:latin typeface="+mn-lt"/>
+                <a:ea typeface="+mn-ea"/>
+                <a:cs typeface="+mn-cs"/>
+              </a:defRPr>
+            </a:lvl8pPr>
+            <a:lvl9pPr marL="3657600" algn="l" defTabSz="914400" rtl="0" eaLnBrk="1" latinLnBrk="0" hangingPunct="1">
+              <a:defRPr sz="1800" kern="1200">
+                <a:solidFill>
+                  <a:schemeClr val="lt1"/>
+                </a:solidFill>
+                <a:latin typeface="+mn-lt"/>
+                <a:ea typeface="+mn-ea"/>
+                <a:cs typeface="+mn-cs"/>
+              </a:defRPr>
+            </a:lvl9pPr>
+          </a:lstStyle>
+          <a:p>
+            <a:pPr algn="ctr"/>
+            <a:endParaRPr lang="en-US"/>
+          </a:p>
+        </p:txBody>
+      </p:sp>
+      <p:sp>
+        <p:nvSpPr>
+          <p:cNvPr id="2" name="Title 1">
+            <a:extLst>
+              <a:ext uri="{FF2B5EF4-FFF2-40B4-BE49-F238E27FC236}">
+                <a16:creationId xmlns:a16="http://schemas.microsoft.com/office/drawing/2014/main" id="{059E70FD-73D3-433F-A2B6-DFDAC2FD67B2}"/>
+              </a:ext>
+            </a:extLst>
+          </p:cNvPr>
+          <p:cNvSpPr>
+            <a:spLocks noGrp="1"/>
+          </p:cNvSpPr>
+          <p:nvPr>
+            <p:ph type="title"/>
+          </p:nvPr>
+        </p:nvSpPr>
+        <p:spPr>
+          <a:xfrm>
+            <a:off x="1524000" y="3349167"/>
+            <a:ext cx="9144000" cy="1748373"/>
+          </a:xfrm>
+        </p:spPr>
+        <p:txBody>
+          <a:bodyPr vert="horz" lIns="91440" tIns="45720" rIns="91440" bIns="45720" rtlCol="0" anchor="b">
+            <a:normAutofit/>
+          </a:bodyPr>
+          <a:lstStyle/>
+          <a:p>
+            <a:pPr algn="ctr"/>
+            <a:r>
+              <a:rPr lang="en-US" sz="6000" kern="1200">
+                <a:solidFill>
+                  <a:schemeClr val="tx1"/>
+                </a:solidFill>
+                <a:latin typeface="+mj-lt"/>
+                <a:ea typeface="+mj-ea"/>
+                <a:cs typeface="+mj-cs"/>
+              </a:rPr>
+              <a:t>Linear Matrix Inverse</a:t>
+            </a:r>
+          </a:p>
+        </p:txBody>
+      </p:sp>
+      <p:pic>
+        <p:nvPicPr>
+          <p:cNvPr id="4" name="Picture 3">
+            <a:extLst>
+              <a:ext uri="{FF2B5EF4-FFF2-40B4-BE49-F238E27FC236}">
+                <a16:creationId xmlns:a16="http://schemas.microsoft.com/office/drawing/2014/main" id="{A5889218-17A8-4654-90AF-D177DE477818}"/>
+              </a:ext>
+            </a:extLst>
+          </p:cNvPr>
+          <p:cNvPicPr>
+            <a:picLocks noChangeAspect="1"/>
+          </p:cNvPicPr>
+          <p:nvPr/>
+        </p:nvPicPr>
+        <p:blipFill>
+          <a:blip r:embed="rId2"/>
+          <a:stretch>
+            <a:fillRect/>
+          </a:stretch>
+        </p:blipFill>
+        <p:spPr>
+          <a:xfrm>
+            <a:off x="643466" y="902058"/>
+            <a:ext cx="10905067" cy="1935648"/>
+          </a:xfrm>
+          <a:custGeom>
+            <a:avLst/>
+            <a:gdLst/>
+            <a:ahLst/>
+            <a:cxnLst/>
+            <a:rect l="l" t="t" r="r" b="b"/>
+            <a:pathLst>
+              <a:path w="9143998" h="2473607">
+                <a:moveTo>
+                  <a:pt x="64634" y="0"/>
+                </a:moveTo>
+                <a:lnTo>
+                  <a:pt x="9079363" y="0"/>
+                </a:lnTo>
+                <a:cubicBezTo>
+                  <a:pt x="9115060" y="0"/>
+                  <a:pt x="9143998" y="28938"/>
+                  <a:pt x="9143998" y="64635"/>
+                </a:cubicBezTo>
+                <a:lnTo>
+                  <a:pt x="9143998" y="2408972"/>
+                </a:lnTo>
+                <a:cubicBezTo>
+                  <a:pt x="9143998" y="2444669"/>
+                  <a:pt x="9115060" y="2473607"/>
+                  <a:pt x="9079363" y="2473607"/>
+                </a:cubicBezTo>
+                <a:lnTo>
+                  <a:pt x="64634" y="2473607"/>
+                </a:lnTo>
+                <a:cubicBezTo>
+                  <a:pt x="46786" y="2473607"/>
+                  <a:pt x="30627" y="2466373"/>
+                  <a:pt x="18930" y="2454676"/>
+                </a:cubicBezTo>
+                <a:lnTo>
+                  <a:pt x="0" y="2408974"/>
+                </a:lnTo>
+                <a:lnTo>
+                  <a:pt x="0" y="64633"/>
+                </a:lnTo>
+                <a:lnTo>
+                  <a:pt x="18930" y="18931"/>
+                </a:lnTo>
+                <a:cubicBezTo>
+                  <a:pt x="30627" y="7235"/>
+                  <a:pt x="46786" y="0"/>
+                  <a:pt x="64634" y="0"/>
+                </a:cubicBezTo>
+                <a:close/>
+              </a:path>
+            </a:pathLst>
+          </a:custGeom>
+        </p:spPr>
+      </p:pic>
+      <p:sp>
+        <p:nvSpPr>
+          <p:cNvPr id="11" name="Oval 10">
+            <a:extLst>
+              <a:ext uri="{FF2B5EF4-FFF2-40B4-BE49-F238E27FC236}">
+                <a16:creationId xmlns:a16="http://schemas.microsoft.com/office/drawing/2014/main" id="{DF382E8D-312B-4792-A211-0BDE37F6F5F7}"/>
+              </a:ext>
+              <a:ext uri="{C183D7F6-B498-43B3-948B-1728B52AA6E4}">
+                <adec:decorative xmlns:adec="http://schemas.microsoft.com/office/drawing/2017/decorative" val="1"/>
+              </a:ext>
+            </a:extLst>
+          </p:cNvPr>
+          <p:cNvSpPr>
+            <a:spLocks noGrp="1" noRot="1" noChangeAspect="1" noMove="1" noResize="1" noEditPoints="1" noAdjustHandles="1" noChangeArrowheads="1" noChangeShapeType="1" noTextEdit="1"/>
+          </p:cNvSpPr>
+          <p:nvPr>
+            <p:extLst>
+              <p:ext uri="{386F3935-93C4-4BCD-93E2-E3B085C9AB24}">
+                <p16:designElem xmlns:p16="http://schemas.microsoft.com/office/powerpoint/2015/main" val="1"/>
+              </p:ext>
+            </p:extLst>
+          </p:nvPr>
+        </p:nvSpPr>
+        <p:spPr>
+          <a:xfrm>
+            <a:off x="1165562" y="2623216"/>
+            <a:ext cx="546100" cy="546100"/>
+          </a:xfrm>
+          <a:prstGeom prst="ellipse">
+            <a:avLst/>
+          </a:prstGeom>
+          <a:solidFill>
+            <a:schemeClr val="accent5"/>
+          </a:solidFill>
+          <a:ln>
+            <a:noFill/>
+          </a:ln>
+        </p:spPr>
+        <p:style>
+          <a:lnRef idx="2">
+            <a:schemeClr val="accent1">
+              <a:shade val="50000"/>
+            </a:schemeClr>
+          </a:lnRef>
+          <a:fillRef idx="1">
+            <a:schemeClr val="accent1"/>
+          </a:fillRef>
+          <a:effectRef idx="0">
+            <a:schemeClr val="accent1"/>
+          </a:effectRef>
+          <a:fontRef idx="minor">
+            <a:schemeClr val="lt1"/>
+          </a:fontRef>
+        </p:style>
+        <p:txBody>
+          <a:bodyPr rtlCol="0" anchor="ctr"/>
+          <a:lstStyle/>
+          <a:p>
+            <a:pPr marL="0" marR="0" lvl="0" indent="0" algn="ctr" defTabSz="914400" rtl="0" eaLnBrk="1" fontAlgn="auto" latinLnBrk="0" hangingPunct="1">
+              <a:lnSpc>
+                <a:spcPct val="100000"/>
+              </a:lnSpc>
+              <a:spcBef>
+                <a:spcPts val="0"/>
+              </a:spcBef>
+              <a:spcAft>
+                <a:spcPts val="0"/>
+              </a:spcAft>
+              <a:buClrTx/>
+              <a:buSzTx/>
+              <a:buFontTx/>
+              <a:buNone/>
+              <a:tabLst/>
+              <a:defRPr/>
+            </a:pPr>
+            <a:endParaRPr kumimoji="0" lang="en-US" sz="1800" b="0" i="0" u="none" strike="noStrike" kern="1200" cap="none" spc="0" normalizeH="0" baseline="0" noProof="0">
+              <a:solidFill>
+                <a:schemeClr val="accent5"/>
+              </a:solidFill>
+              <a:effectLst/>
+              <a:uLnTx/>
+              <a:uFillTx/>
+              <a:latin typeface="Calibri" panose="020F0502020204030204"/>
+              <a:ea typeface="+mn-ea"/>
+              <a:cs typeface="+mn-cs"/>
+            </a:endParaRPr>
+          </a:p>
+        </p:txBody>
+      </p:sp>
+      <p:sp>
+        <p:nvSpPr>
+          <p:cNvPr id="13" name="Arc 12">
+            <a:extLst>
+              <a:ext uri="{FF2B5EF4-FFF2-40B4-BE49-F238E27FC236}">
+                <a16:creationId xmlns:a16="http://schemas.microsoft.com/office/drawing/2014/main" id="{036F9B07-02BE-4BD5-BA9D-E91B8A456BEA}"/>
+              </a:ext>
+              <a:ext uri="{C183D7F6-B498-43B3-948B-1728B52AA6E4}">
+                <adec:decorative xmlns:adec="http://schemas.microsoft.com/office/drawing/2017/decorative" val="1"/>
+              </a:ext>
+            </a:extLst>
+          </p:cNvPr>
+          <p:cNvSpPr>
+            <a:spLocks noGrp="1" noRot="1" noChangeAspect="1" noMove="1" noResize="1" noEditPoints="1" noAdjustHandles="1" noChangeArrowheads="1" noChangeShapeType="1" noTextEdit="1"/>
+          </p:cNvSpPr>
+          <p:nvPr>
+            <p:extLst>
+              <p:ext uri="{386F3935-93C4-4BCD-93E2-E3B085C9AB24}">
+                <p16:designElem xmlns:p16="http://schemas.microsoft.com/office/powerpoint/2015/main" val="1"/>
+              </p:ext>
+            </p:extLst>
+          </p:nvPr>
+        </p:nvSpPr>
+        <p:spPr>
+          <a:xfrm>
+            <a:off x="8038539" y="361268"/>
+            <a:ext cx="2987899" cy="2987899"/>
+          </a:xfrm>
+          <a:prstGeom prst="arc">
+            <a:avLst>
+              <a:gd name="adj1" fmla="val 14441841"/>
+              <a:gd name="adj2" fmla="val 0"/>
+            </a:avLst>
+          </a:prstGeom>
+          <a:ln w="127000" cap="rnd">
+            <a:solidFill>
+              <a:schemeClr val="accent4"/>
+            </a:solidFill>
+            <a:prstDash val="dash"/>
+            <a:miter lim="800000"/>
+          </a:ln>
+        </p:spPr>
+        <p:style>
+          <a:lnRef idx="1">
+            <a:schemeClr val="accent1"/>
+          </a:lnRef>
+          <a:fillRef idx="0">
+            <a:schemeClr val="accent1"/>
+          </a:fillRef>
+          <a:effectRef idx="0">
+            <a:schemeClr val="accent1"/>
+          </a:effectRef>
+          <a:fontRef idx="minor">
+            <a:schemeClr val="tx1"/>
+          </a:fontRef>
+        </p:style>
+        <p:txBody>
+          <a:bodyPr rtlCol="0" anchor="ctr"/>
+          <a:lstStyle/>
+          <a:p>
+            <a:pPr marL="0" marR="0" lvl="0" indent="0" algn="ctr" defTabSz="914400" rtl="0" eaLnBrk="1" fontAlgn="auto" latinLnBrk="0" hangingPunct="1">
+              <a:lnSpc>
+                <a:spcPct val="100000"/>
+              </a:lnSpc>
+              <a:spcBef>
+                <a:spcPts val="0"/>
+              </a:spcBef>
+              <a:spcAft>
+                <a:spcPts val="0"/>
+              </a:spcAft>
+              <a:buClrTx/>
+              <a:buSzTx/>
+              <a:buFontTx/>
+              <a:buNone/>
+              <a:tabLst/>
+              <a:defRPr/>
+            </a:pPr>
+            <a:endParaRPr kumimoji="0" lang="en-US" sz="1800" b="0" i="0" u="none" strike="noStrike" kern="1200" cap="none" spc="0" normalizeH="0" baseline="0" noProof="0">
+              <a:ln>
+                <a:noFill/>
+              </a:ln>
+              <a:solidFill>
+                <a:srgbClr val="000000"/>
+              </a:solidFill>
+              <a:effectLst/>
+              <a:uLnTx/>
+              <a:uFillTx/>
+              <a:latin typeface="Calibri" panose="020F0502020204030204"/>
+              <a:ea typeface="+mn-ea"/>
+              <a:cs typeface="+mn-cs"/>
+            </a:endParaRPr>
+          </a:p>
+        </p:txBody>
+      </p:sp>
+      <p:pic>
+        <p:nvPicPr>
+          <p:cNvPr id="6" name="Picture 5">
+            <a:extLst>
+              <a:ext uri="{FF2B5EF4-FFF2-40B4-BE49-F238E27FC236}">
+                <a16:creationId xmlns:a16="http://schemas.microsoft.com/office/drawing/2014/main" id="{AE90FBDE-69AE-4316-8FA1-18F6D0B99E7F}"/>
+              </a:ext>
+            </a:extLst>
+          </p:cNvPr>
+          <p:cNvPicPr>
+            <a:picLocks noChangeAspect="1"/>
+          </p:cNvPicPr>
+          <p:nvPr/>
+        </p:nvPicPr>
+        <p:blipFill>
+          <a:blip r:embed="rId3"/>
+          <a:stretch>
+            <a:fillRect/>
+          </a:stretch>
+        </p:blipFill>
+        <p:spPr>
+          <a:xfrm>
+            <a:off x="1633536" y="3222134"/>
+            <a:ext cx="8924925" cy="752475"/>
+          </a:xfrm>
+          <a:prstGeom prst="rect">
+            <a:avLst/>
+          </a:prstGeom>
+        </p:spPr>
+      </p:pic>
+    </p:spTree>
+    <p:extLst>
+      <p:ext uri="{BB962C8B-B14F-4D97-AF65-F5344CB8AC3E}">
+        <p14:creationId xmlns:p14="http://schemas.microsoft.com/office/powerpoint/2010/main" val="470766224"/>
       </p:ext>
     </p:extLst>
   </p:cSld>
@@ -5315,6 +10205,391 @@
     <p:extLst>
       <p:ext uri="{BB962C8B-B14F-4D97-AF65-F5344CB8AC3E}">
         <p14:creationId xmlns:p14="http://schemas.microsoft.com/office/powerpoint/2010/main" val="3344001813"/>
+      </p:ext>
+    </p:extLst>
+  </p:cSld>
+  <p:clrMapOvr>
+    <a:masterClrMapping/>
+  </p:clrMapOvr>
+</p:sld>
+</file>
+
+<file path=ppt/slides/slide20.xml><?xml version="1.0" encoding="utf-8"?>
+<p:sld xmlns:a="http://schemas.openxmlformats.org/drawingml/2006/main" xmlns:r="http://schemas.openxmlformats.org/officeDocument/2006/relationships" xmlns:p="http://schemas.openxmlformats.org/presentationml/2006/main">
+  <p:cSld>
+    <p:spTree>
+      <p:nvGrpSpPr>
+        <p:cNvPr id="1" name=""/>
+        <p:cNvGrpSpPr/>
+        <p:nvPr/>
+      </p:nvGrpSpPr>
+      <p:grpSpPr>
+        <a:xfrm>
+          <a:off x="0" y="0"/>
+          <a:ext cx="0" cy="0"/>
+          <a:chOff x="0" y="0"/>
+          <a:chExt cx="0" cy="0"/>
+        </a:xfrm>
+      </p:grpSpPr>
+      <p:sp>
+        <p:nvSpPr>
+          <p:cNvPr id="2" name="Title 1">
+            <a:extLst>
+              <a:ext uri="{FF2B5EF4-FFF2-40B4-BE49-F238E27FC236}">
+                <a16:creationId xmlns:a16="http://schemas.microsoft.com/office/drawing/2014/main" id="{70F1A561-41F3-420F-AC5C-3C86256BCFB5}"/>
+              </a:ext>
+            </a:extLst>
+          </p:cNvPr>
+          <p:cNvSpPr>
+            <a:spLocks noGrp="1"/>
+          </p:cNvSpPr>
+          <p:nvPr>
+            <p:ph type="title"/>
+          </p:nvPr>
+        </p:nvSpPr>
+        <p:spPr/>
+        <p:txBody>
+          <a:bodyPr/>
+          <a:lstStyle/>
+          <a:p>
+            <a:endParaRPr lang="en-US"/>
+          </a:p>
+        </p:txBody>
+      </p:sp>
+    </p:spTree>
+    <p:extLst>
+      <p:ext uri="{BB962C8B-B14F-4D97-AF65-F5344CB8AC3E}">
+        <p14:creationId xmlns:p14="http://schemas.microsoft.com/office/powerpoint/2010/main" val="3273601112"/>
+      </p:ext>
+    </p:extLst>
+  </p:cSld>
+  <p:clrMapOvr>
+    <a:masterClrMapping/>
+  </p:clrMapOvr>
+</p:sld>
+</file>
+
+<file path=ppt/slides/slide21.xml><?xml version="1.0" encoding="utf-8"?>
+<p:sld xmlns:a="http://schemas.openxmlformats.org/drawingml/2006/main" xmlns:r="http://schemas.openxmlformats.org/officeDocument/2006/relationships" xmlns:p="http://schemas.openxmlformats.org/presentationml/2006/main">
+  <p:cSld>
+    <p:spTree>
+      <p:nvGrpSpPr>
+        <p:cNvPr id="1" name=""/>
+        <p:cNvGrpSpPr/>
+        <p:nvPr/>
+      </p:nvGrpSpPr>
+      <p:grpSpPr>
+        <a:xfrm>
+          <a:off x="0" y="0"/>
+          <a:ext cx="0" cy="0"/>
+          <a:chOff x="0" y="0"/>
+          <a:chExt cx="0" cy="0"/>
+        </a:xfrm>
+      </p:grpSpPr>
+      <p:sp>
+        <p:nvSpPr>
+          <p:cNvPr id="2" name="Title 1">
+            <a:extLst>
+              <a:ext uri="{FF2B5EF4-FFF2-40B4-BE49-F238E27FC236}">
+                <a16:creationId xmlns:a16="http://schemas.microsoft.com/office/drawing/2014/main" id="{24CCED6F-D6FB-42FE-9BB2-C89B54083351}"/>
+              </a:ext>
+            </a:extLst>
+          </p:cNvPr>
+          <p:cNvSpPr>
+            <a:spLocks noGrp="1"/>
+          </p:cNvSpPr>
+          <p:nvPr>
+            <p:ph type="title"/>
+          </p:nvPr>
+        </p:nvSpPr>
+        <p:spPr/>
+        <p:txBody>
+          <a:bodyPr/>
+          <a:lstStyle/>
+          <a:p>
+            <a:endParaRPr lang="en-US"/>
+          </a:p>
+        </p:txBody>
+      </p:sp>
+    </p:spTree>
+    <p:extLst>
+      <p:ext uri="{BB962C8B-B14F-4D97-AF65-F5344CB8AC3E}">
+        <p14:creationId xmlns:p14="http://schemas.microsoft.com/office/powerpoint/2010/main" val="3788360458"/>
+      </p:ext>
+    </p:extLst>
+  </p:cSld>
+  <p:clrMapOvr>
+    <a:masterClrMapping/>
+  </p:clrMapOvr>
+</p:sld>
+</file>
+
+<file path=ppt/slides/slide22.xml><?xml version="1.0" encoding="utf-8"?>
+<p:sld xmlns:a="http://schemas.openxmlformats.org/drawingml/2006/main" xmlns:r="http://schemas.openxmlformats.org/officeDocument/2006/relationships" xmlns:p="http://schemas.openxmlformats.org/presentationml/2006/main">
+  <p:cSld>
+    <p:spTree>
+      <p:nvGrpSpPr>
+        <p:cNvPr id="1" name=""/>
+        <p:cNvGrpSpPr/>
+        <p:nvPr/>
+      </p:nvGrpSpPr>
+      <p:grpSpPr>
+        <a:xfrm>
+          <a:off x="0" y="0"/>
+          <a:ext cx="0" cy="0"/>
+          <a:chOff x="0" y="0"/>
+          <a:chExt cx="0" cy="0"/>
+        </a:xfrm>
+      </p:grpSpPr>
+      <p:sp>
+        <p:nvSpPr>
+          <p:cNvPr id="2" name="Title 1">
+            <a:extLst>
+              <a:ext uri="{FF2B5EF4-FFF2-40B4-BE49-F238E27FC236}">
+                <a16:creationId xmlns:a16="http://schemas.microsoft.com/office/drawing/2014/main" id="{6E571202-A7FD-4E52-A4AA-D73C06FA045E}"/>
+              </a:ext>
+            </a:extLst>
+          </p:cNvPr>
+          <p:cNvSpPr>
+            <a:spLocks noGrp="1"/>
+          </p:cNvSpPr>
+          <p:nvPr>
+            <p:ph type="title"/>
+          </p:nvPr>
+        </p:nvSpPr>
+        <p:spPr/>
+        <p:txBody>
+          <a:bodyPr/>
+          <a:lstStyle/>
+          <a:p>
+            <a:endParaRPr lang="en-US"/>
+          </a:p>
+        </p:txBody>
+      </p:sp>
+    </p:spTree>
+    <p:extLst>
+      <p:ext uri="{BB962C8B-B14F-4D97-AF65-F5344CB8AC3E}">
+        <p14:creationId xmlns:p14="http://schemas.microsoft.com/office/powerpoint/2010/main" val="4290828679"/>
+      </p:ext>
+    </p:extLst>
+  </p:cSld>
+  <p:clrMapOvr>
+    <a:masterClrMapping/>
+  </p:clrMapOvr>
+</p:sld>
+</file>
+
+<file path=ppt/slides/slide23.xml><?xml version="1.0" encoding="utf-8"?>
+<p:sld xmlns:a="http://schemas.openxmlformats.org/drawingml/2006/main" xmlns:r="http://schemas.openxmlformats.org/officeDocument/2006/relationships" xmlns:p="http://schemas.openxmlformats.org/presentationml/2006/main">
+  <p:cSld>
+    <p:spTree>
+      <p:nvGrpSpPr>
+        <p:cNvPr id="1" name=""/>
+        <p:cNvGrpSpPr/>
+        <p:nvPr/>
+      </p:nvGrpSpPr>
+      <p:grpSpPr>
+        <a:xfrm>
+          <a:off x="0" y="0"/>
+          <a:ext cx="0" cy="0"/>
+          <a:chOff x="0" y="0"/>
+          <a:chExt cx="0" cy="0"/>
+        </a:xfrm>
+      </p:grpSpPr>
+      <p:sp>
+        <p:nvSpPr>
+          <p:cNvPr id="2" name="Title 1">
+            <a:extLst>
+              <a:ext uri="{FF2B5EF4-FFF2-40B4-BE49-F238E27FC236}">
+                <a16:creationId xmlns:a16="http://schemas.microsoft.com/office/drawing/2014/main" id="{9101C680-EB2A-46F3-B74A-80AAFD90A537}"/>
+              </a:ext>
+            </a:extLst>
+          </p:cNvPr>
+          <p:cNvSpPr>
+            <a:spLocks noGrp="1"/>
+          </p:cNvSpPr>
+          <p:nvPr>
+            <p:ph type="title"/>
+          </p:nvPr>
+        </p:nvSpPr>
+        <p:spPr/>
+        <p:txBody>
+          <a:bodyPr/>
+          <a:lstStyle/>
+          <a:p>
+            <a:endParaRPr lang="en-US"/>
+          </a:p>
+        </p:txBody>
+      </p:sp>
+    </p:spTree>
+    <p:extLst>
+      <p:ext uri="{BB962C8B-B14F-4D97-AF65-F5344CB8AC3E}">
+        <p14:creationId xmlns:p14="http://schemas.microsoft.com/office/powerpoint/2010/main" val="3513092709"/>
+      </p:ext>
+    </p:extLst>
+  </p:cSld>
+  <p:clrMapOvr>
+    <a:masterClrMapping/>
+  </p:clrMapOvr>
+</p:sld>
+</file>
+
+<file path=ppt/slides/slide24.xml><?xml version="1.0" encoding="utf-8"?>
+<p:sld xmlns:a="http://schemas.openxmlformats.org/drawingml/2006/main" xmlns:r="http://schemas.openxmlformats.org/officeDocument/2006/relationships" xmlns:p="http://schemas.openxmlformats.org/presentationml/2006/main">
+  <p:cSld>
+    <p:spTree>
+      <p:nvGrpSpPr>
+        <p:cNvPr id="1" name=""/>
+        <p:cNvGrpSpPr/>
+        <p:nvPr/>
+      </p:nvGrpSpPr>
+      <p:grpSpPr>
+        <a:xfrm>
+          <a:off x="0" y="0"/>
+          <a:ext cx="0" cy="0"/>
+          <a:chOff x="0" y="0"/>
+          <a:chExt cx="0" cy="0"/>
+        </a:xfrm>
+      </p:grpSpPr>
+      <p:sp>
+        <p:nvSpPr>
+          <p:cNvPr id="2" name="Title 1">
+            <a:extLst>
+              <a:ext uri="{FF2B5EF4-FFF2-40B4-BE49-F238E27FC236}">
+                <a16:creationId xmlns:a16="http://schemas.microsoft.com/office/drawing/2014/main" id="{69E070EE-8A11-451C-A46B-006668F18B2A}"/>
+              </a:ext>
+            </a:extLst>
+          </p:cNvPr>
+          <p:cNvSpPr>
+            <a:spLocks noGrp="1"/>
+          </p:cNvSpPr>
+          <p:nvPr>
+            <p:ph type="title"/>
+          </p:nvPr>
+        </p:nvSpPr>
+        <p:spPr/>
+        <p:txBody>
+          <a:bodyPr/>
+          <a:lstStyle/>
+          <a:p>
+            <a:endParaRPr lang="en-US"/>
+          </a:p>
+        </p:txBody>
+      </p:sp>
+    </p:spTree>
+    <p:extLst>
+      <p:ext uri="{BB962C8B-B14F-4D97-AF65-F5344CB8AC3E}">
+        <p14:creationId xmlns:p14="http://schemas.microsoft.com/office/powerpoint/2010/main" val="2163507875"/>
+      </p:ext>
+    </p:extLst>
+  </p:cSld>
+  <p:clrMapOvr>
+    <a:masterClrMapping/>
+  </p:clrMapOvr>
+</p:sld>
+</file>
+
+<file path=ppt/slides/slide25.xml><?xml version="1.0" encoding="utf-8"?>
+<p:sld xmlns:a="http://schemas.openxmlformats.org/drawingml/2006/main" xmlns:r="http://schemas.openxmlformats.org/officeDocument/2006/relationships" xmlns:p="http://schemas.openxmlformats.org/presentationml/2006/main">
+  <p:cSld>
+    <p:spTree>
+      <p:nvGrpSpPr>
+        <p:cNvPr id="1" name=""/>
+        <p:cNvGrpSpPr/>
+        <p:nvPr/>
+      </p:nvGrpSpPr>
+      <p:grpSpPr>
+        <a:xfrm>
+          <a:off x="0" y="0"/>
+          <a:ext cx="0" cy="0"/>
+          <a:chOff x="0" y="0"/>
+          <a:chExt cx="0" cy="0"/>
+        </a:xfrm>
+      </p:grpSpPr>
+      <p:sp>
+        <p:nvSpPr>
+          <p:cNvPr id="2" name="Title 1">
+            <a:extLst>
+              <a:ext uri="{FF2B5EF4-FFF2-40B4-BE49-F238E27FC236}">
+                <a16:creationId xmlns:a16="http://schemas.microsoft.com/office/drawing/2014/main" id="{D6CC1811-68D8-45EB-809A-07E60D9F7B18}"/>
+              </a:ext>
+            </a:extLst>
+          </p:cNvPr>
+          <p:cNvSpPr>
+            <a:spLocks noGrp="1"/>
+          </p:cNvSpPr>
+          <p:nvPr>
+            <p:ph type="title"/>
+          </p:nvPr>
+        </p:nvSpPr>
+        <p:spPr/>
+        <p:txBody>
+          <a:bodyPr/>
+          <a:lstStyle/>
+          <a:p>
+            <a:endParaRPr lang="en-US"/>
+          </a:p>
+        </p:txBody>
+      </p:sp>
+    </p:spTree>
+    <p:extLst>
+      <p:ext uri="{BB962C8B-B14F-4D97-AF65-F5344CB8AC3E}">
+        <p14:creationId xmlns:p14="http://schemas.microsoft.com/office/powerpoint/2010/main" val="1326462314"/>
+      </p:ext>
+    </p:extLst>
+  </p:cSld>
+  <p:clrMapOvr>
+    <a:masterClrMapping/>
+  </p:clrMapOvr>
+</p:sld>
+</file>
+
+<file path=ppt/slides/slide26.xml><?xml version="1.0" encoding="utf-8"?>
+<p:sld xmlns:a="http://schemas.openxmlformats.org/drawingml/2006/main" xmlns:r="http://schemas.openxmlformats.org/officeDocument/2006/relationships" xmlns:p="http://schemas.openxmlformats.org/presentationml/2006/main">
+  <p:cSld>
+    <p:spTree>
+      <p:nvGrpSpPr>
+        <p:cNvPr id="1" name=""/>
+        <p:cNvGrpSpPr/>
+        <p:nvPr/>
+      </p:nvGrpSpPr>
+      <p:grpSpPr>
+        <a:xfrm>
+          <a:off x="0" y="0"/>
+          <a:ext cx="0" cy="0"/>
+          <a:chOff x="0" y="0"/>
+          <a:chExt cx="0" cy="0"/>
+        </a:xfrm>
+      </p:grpSpPr>
+      <p:sp>
+        <p:nvSpPr>
+          <p:cNvPr id="2" name="Title 1">
+            <a:extLst>
+              <a:ext uri="{FF2B5EF4-FFF2-40B4-BE49-F238E27FC236}">
+                <a16:creationId xmlns:a16="http://schemas.microsoft.com/office/drawing/2014/main" id="{FAC7198A-9916-43EA-AC07-149C5F052B8E}"/>
+              </a:ext>
+            </a:extLst>
+          </p:cNvPr>
+          <p:cNvSpPr>
+            <a:spLocks noGrp="1"/>
+          </p:cNvSpPr>
+          <p:nvPr>
+            <p:ph type="title"/>
+          </p:nvPr>
+        </p:nvSpPr>
+        <p:spPr/>
+        <p:txBody>
+          <a:bodyPr/>
+          <a:lstStyle/>
+          <a:p>
+            <a:endParaRPr lang="en-US"/>
+          </a:p>
+        </p:txBody>
+      </p:sp>
+    </p:spTree>
+    <p:extLst>
+      <p:ext uri="{BB962C8B-B14F-4D97-AF65-F5344CB8AC3E}">
+        <p14:creationId xmlns:p14="http://schemas.microsoft.com/office/powerpoint/2010/main" val="1278481759"/>
       </p:ext>
     </p:extLst>
   </p:cSld>
@@ -6825,10 +12100,10 @@
       </p:sp>
       <p:pic>
         <p:nvPicPr>
-          <p:cNvPr id="4" name="Picture 3">
-            <a:extLst>
-              <a:ext uri="{FF2B5EF4-FFF2-40B4-BE49-F238E27FC236}">
-                <a16:creationId xmlns:a16="http://schemas.microsoft.com/office/drawing/2014/main" id="{3AFBC013-3259-41C9-A211-F345186E263B}"/>
+          <p:cNvPr id="7" name="Picture 6">
+            <a:extLst>
+              <a:ext uri="{FF2B5EF4-FFF2-40B4-BE49-F238E27FC236}">
+                <a16:creationId xmlns:a16="http://schemas.microsoft.com/office/drawing/2014/main" id="{C0E0D2A9-3F32-4873-8978-76ACAAE59B60}"/>
               </a:ext>
             </a:extLst>
           </p:cNvPr>
@@ -8991,6 +14266,15 @@
 </file>
 
 <file path=customXml/item1.xml><?xml version="1.0" encoding="utf-8"?>
+<?mso-contentType ?>
+<FormTemplates xmlns="http://schemas.microsoft.com/sharepoint/v3/contenttype/forms">
+  <Display>DocumentLibraryForm</Display>
+  <Edit>DocumentLibraryForm</Edit>
+  <New>DocumentLibraryForm</New>
+</FormTemplates>
+</file>
+
+<file path=customXml/item2.xml><?xml version="1.0" encoding="utf-8"?>
 <ct:contentTypeSchema xmlns:ct="http://schemas.microsoft.com/office/2006/metadata/contentType" xmlns:ma="http://schemas.microsoft.com/office/2006/metadata/properties/metaAttributes" ct:_="" ma:_="" ma:contentTypeName="Document" ma:contentTypeID="0x010100C7DE497FA346CD49B765B54AB6A367B5" ma:contentTypeVersion="4" ma:contentTypeDescription="Create a new document." ma:contentTypeScope="" ma:versionID="a3a5beb513839eaa00abdd1d143a0caa">
   <xsd:schema xmlns:xsd="http://www.w3.org/2001/XMLSchema" xmlns:xs="http://www.w3.org/2001/XMLSchema" xmlns:p="http://schemas.microsoft.com/office/2006/metadata/properties" xmlns:ns3="d9c5c803-e33e-4c61-8351-da4c9b99ae39" targetNamespace="http://schemas.microsoft.com/office/2006/metadata/properties" ma:root="true" ma:fieldsID="d1dcafc5a49a936c7c338c09e0f70733" ns3:_="">
     <xsd:import namespace="d9c5c803-e33e-4c61-8351-da4c9b99ae39"/>
@@ -9136,15 +14420,6 @@
 </ct:contentTypeSchema>
 </file>
 
-<file path=customXml/item2.xml><?xml version="1.0" encoding="utf-8"?>
-<?mso-contentType ?>
-<FormTemplates xmlns="http://schemas.microsoft.com/sharepoint/v3/contenttype/forms">
-  <Display>DocumentLibraryForm</Display>
-  <Edit>DocumentLibraryForm</Edit>
-  <New>DocumentLibraryForm</New>
-</FormTemplates>
-</file>
-
 <file path=customXml/item3.xml><?xml version="1.0" encoding="utf-8"?>
 <p:properties xmlns:p="http://schemas.microsoft.com/office/2006/metadata/properties" xmlns:xsi="http://www.w3.org/2001/XMLSchema-instance" xmlns:pc="http://schemas.microsoft.com/office/infopath/2007/PartnerControls">
   <documentManagement/>
@@ -9152,6 +14427,14 @@
 </file>
 
 <file path=customXml/itemProps1.xml><?xml version="1.0" encoding="utf-8"?>
+<ds:datastoreItem xmlns:ds="http://schemas.openxmlformats.org/officeDocument/2006/customXml" ds:itemID="{788A8AF5-6005-42B8-9390-76AF2D70382B}">
+  <ds:schemaRefs>
+    <ds:schemaRef ds:uri="http://schemas.microsoft.com/sharepoint/v3/contenttype/forms"/>
+  </ds:schemaRefs>
+</ds:datastoreItem>
+</file>
+
+<file path=customXml/itemProps2.xml><?xml version="1.0" encoding="utf-8"?>
 <ds:datastoreItem xmlns:ds="http://schemas.openxmlformats.org/officeDocument/2006/customXml" ds:itemID="{860A12EA-1FBB-4771-8A81-B60441D360B1}">
   <ds:schemaRefs>
     <ds:schemaRef ds:uri="http://schemas.microsoft.com/office/2006/metadata/contentType"/>
@@ -9165,14 +14448,6 @@
     <ds:schemaRef ds:uri="http://purl.org/dc/elements/1.1/"/>
     <ds:schemaRef ds:uri="http://purl.org/dc/terms/"/>
     <ds:schemaRef ds:uri="http://schemas.microsoft.com/internal/obd"/>
-  </ds:schemaRefs>
-</ds:datastoreItem>
-</file>
-
-<file path=customXml/itemProps2.xml><?xml version="1.0" encoding="utf-8"?>
-<ds:datastoreItem xmlns:ds="http://schemas.openxmlformats.org/officeDocument/2006/customXml" ds:itemID="{788A8AF5-6005-42B8-9390-76AF2D70382B}">
-  <ds:schemaRefs>
-    <ds:schemaRef ds:uri="http://schemas.microsoft.com/sharepoint/v3/contenttype/forms"/>
   </ds:schemaRefs>
 </ds:datastoreItem>
 </file>

--- a/Unit 3-4 Definitions.pptx
+++ b/Unit 3-4 Definitions.pptx
@@ -4,6 +4,9 @@
   <p:sldMasterIdLst>
     <p:sldMasterId id="2147483648" r:id="rId4"/>
   </p:sldMasterIdLst>
+  <p:notesMasterIdLst>
+    <p:notesMasterId r:id="rId35"/>
+  </p:notesMasterIdLst>
   <p:sldIdLst>
     <p:sldId id="256" r:id="rId5"/>
     <p:sldId id="257" r:id="rId6"/>
@@ -22,15 +25,19 @@
     <p:sldId id="269" r:id="rId19"/>
     <p:sldId id="270" r:id="rId20"/>
     <p:sldId id="282" r:id="rId21"/>
-    <p:sldId id="273" r:id="rId22"/>
-    <p:sldId id="274" r:id="rId23"/>
-    <p:sldId id="275" r:id="rId24"/>
-    <p:sldId id="276" r:id="rId25"/>
-    <p:sldId id="277" r:id="rId26"/>
-    <p:sldId id="278" r:id="rId27"/>
-    <p:sldId id="279" r:id="rId28"/>
-    <p:sldId id="280" r:id="rId29"/>
-    <p:sldId id="281" r:id="rId30"/>
+    <p:sldId id="274" r:id="rId22"/>
+    <p:sldId id="283" r:id="rId23"/>
+    <p:sldId id="276" r:id="rId24"/>
+    <p:sldId id="284" r:id="rId25"/>
+    <p:sldId id="285" r:id="rId26"/>
+    <p:sldId id="287" r:id="rId27"/>
+    <p:sldId id="286" r:id="rId28"/>
+    <p:sldId id="288" r:id="rId29"/>
+    <p:sldId id="289" r:id="rId30"/>
+    <p:sldId id="290" r:id="rId31"/>
+    <p:sldId id="280" r:id="rId32"/>
+    <p:sldId id="281" r:id="rId33"/>
+    <p:sldId id="291" r:id="rId34"/>
   </p:sldIdLst>
   <p:sldSz cx="12192000" cy="6858000"/>
   <p:notesSz cx="6858000" cy="9144000"/>
@@ -152,7 +159,7 @@
 <file path=ppt/revisionInfo.xml><?xml version="1.0" encoding="utf-8"?>
 <p1510:revInfo xmlns:a="http://schemas.openxmlformats.org/drawingml/2006/main" xmlns:r="http://schemas.openxmlformats.org/officeDocument/2006/relationships" xmlns:p1510="http://schemas.microsoft.com/office/powerpoint/2015/10/main">
   <p1510:revLst>
-    <p1510:client id="{36668F78-20BC-4003-801C-8ACC5A4B6E0B}" v="2" dt="2021-03-09T18:15:11.660"/>
+    <p1510:client id="{36668F78-20BC-4003-801C-8ACC5A4B6E0B}" v="53" dt="2021-03-20T19:46:25.548"/>
   </p1510:revLst>
 </p1510:revInfo>
 </file>
@@ -162,22 +169,45 @@
   <pc:docChgLst>
     <pc:chgData name="Chen, Jeff" userId="9a3224f5-9893-4468-acd0-6d03119f890b" providerId="ADAL" clId="{36668F78-20BC-4003-801C-8ACC5A4B6E0B}"/>
     <pc:docChg chg="undo custSel addSld delSld modSld">
-      <pc:chgData name="Chen, Jeff" userId="9a3224f5-9893-4468-acd0-6d03119f890b" providerId="ADAL" clId="{36668F78-20BC-4003-801C-8ACC5A4B6E0B}" dt="2021-03-09T18:23:02.644" v="308" actId="1076"/>
+      <pc:chgData name="Chen, Jeff" userId="9a3224f5-9893-4468-acd0-6d03119f890b" providerId="ADAL" clId="{36668F78-20BC-4003-801C-8ACC5A4B6E0B}" dt="2021-03-20T19:59:52.374" v="1623" actId="478"/>
       <pc:docMkLst>
         <pc:docMk/>
       </pc:docMkLst>
-      <pc:sldChg chg="modSp mod">
-        <pc:chgData name="Chen, Jeff" userId="9a3224f5-9893-4468-acd0-6d03119f890b" providerId="ADAL" clId="{36668F78-20BC-4003-801C-8ACC5A4B6E0B}" dt="2021-03-09T18:05:14.999" v="7" actId="20577"/>
+      <pc:sldChg chg="delSp modSp mod">
+        <pc:chgData name="Chen, Jeff" userId="9a3224f5-9893-4468-acd0-6d03119f890b" providerId="ADAL" clId="{36668F78-20BC-4003-801C-8ACC5A4B6E0B}" dt="2021-03-20T19:48:33.064" v="1536" actId="20577"/>
         <pc:sldMkLst>
           <pc:docMk/>
           <pc:sldMk cId="3582154020" sldId="256"/>
         </pc:sldMkLst>
         <pc:spChg chg="mod">
-          <ac:chgData name="Chen, Jeff" userId="9a3224f5-9893-4468-acd0-6d03119f890b" providerId="ADAL" clId="{36668F78-20BC-4003-801C-8ACC5A4B6E0B}" dt="2021-03-09T18:05:14.999" v="7" actId="20577"/>
+          <ac:chgData name="Chen, Jeff" userId="9a3224f5-9893-4468-acd0-6d03119f890b" providerId="ADAL" clId="{36668F78-20BC-4003-801C-8ACC5A4B6E0B}" dt="2021-03-20T19:48:33.064" v="1536" actId="20577"/>
+          <ac:spMkLst>
+            <pc:docMk/>
+            <pc:sldMk cId="3582154020" sldId="256"/>
+            <ac:spMk id="4" creationId="{90DB6F49-EAF5-4CC7-9743-B6B326897132}"/>
+          </ac:spMkLst>
+        </pc:spChg>
+        <pc:spChg chg="del mod">
+          <ac:chgData name="Chen, Jeff" userId="9a3224f5-9893-4468-acd0-6d03119f890b" providerId="ADAL" clId="{36668F78-20BC-4003-801C-8ACC5A4B6E0B}" dt="2021-03-20T19:47:52.955" v="1533" actId="478"/>
           <ac:spMkLst>
             <pc:docMk/>
             <pc:sldMk cId="3582154020" sldId="256"/>
             <ac:spMk id="8" creationId="{CFF6D26F-3F02-4CE1-A5F9-89654CD8BC16}"/>
+          </ac:spMkLst>
+        </pc:spChg>
+      </pc:sldChg>
+      <pc:sldChg chg="modSp mod">
+        <pc:chgData name="Chen, Jeff" userId="9a3224f5-9893-4468-acd0-6d03119f890b" providerId="ADAL" clId="{36668F78-20BC-4003-801C-8ACC5A4B6E0B}" dt="2021-03-20T19:48:45.625" v="1545" actId="20577"/>
+        <pc:sldMkLst>
+          <pc:docMk/>
+          <pc:sldMk cId="574968272" sldId="258"/>
+        </pc:sldMkLst>
+        <pc:spChg chg="mod">
+          <ac:chgData name="Chen, Jeff" userId="9a3224f5-9893-4468-acd0-6d03119f890b" providerId="ADAL" clId="{36668F78-20BC-4003-801C-8ACC5A4B6E0B}" dt="2021-03-20T19:48:45.625" v="1545" actId="20577"/>
+          <ac:spMkLst>
+            <pc:docMk/>
+            <pc:sldMk cId="574968272" sldId="258"/>
+            <ac:spMk id="2" creationId="{D6D9DCBC-4C49-4933-807A-B7378ADFA8E6}"/>
           </ac:spMkLst>
         </pc:spChg>
       </pc:sldChg>
@@ -201,6 +231,21 @@
             <pc:docMk/>
             <pc:sldMk cId="1520410668" sldId="259"/>
             <ac:picMk id="7" creationId="{C0E0D2A9-3F32-4873-8978-76ACAAE59B60}"/>
+          </ac:picMkLst>
+        </pc:picChg>
+      </pc:sldChg>
+      <pc:sldChg chg="modSp mod">
+        <pc:chgData name="Chen, Jeff" userId="9a3224f5-9893-4468-acd0-6d03119f890b" providerId="ADAL" clId="{36668F78-20BC-4003-801C-8ACC5A4B6E0B}" dt="2021-03-20T19:47:24.775" v="1532" actId="1076"/>
+        <pc:sldMkLst>
+          <pc:docMk/>
+          <pc:sldMk cId="2451402658" sldId="264"/>
+        </pc:sldMkLst>
+        <pc:picChg chg="mod">
+          <ac:chgData name="Chen, Jeff" userId="9a3224f5-9893-4468-acd0-6d03119f890b" providerId="ADAL" clId="{36668F78-20BC-4003-801C-8ACC5A4B6E0B}" dt="2021-03-20T19:47:24.775" v="1532" actId="1076"/>
+          <ac:picMkLst>
+            <pc:docMk/>
+            <pc:sldMk cId="2451402658" sldId="264"/>
+            <ac:picMk id="6" creationId="{43E2D61E-09B2-4EA8-B829-C57ACD2751ED}"/>
           </ac:picMkLst>
         </pc:picChg>
       </pc:sldChg>
@@ -251,18 +296,26 @@
           </ac:picMkLst>
         </pc:picChg>
       </pc:sldChg>
-      <pc:sldChg chg="addSp modSp mod setBg">
-        <pc:chgData name="Chen, Jeff" userId="9a3224f5-9893-4468-acd0-6d03119f890b" providerId="ADAL" clId="{36668F78-20BC-4003-801C-8ACC5A4B6E0B}" dt="2021-03-09T18:09:02.380" v="60" actId="14100"/>
+      <pc:sldChg chg="addSp delSp modSp mod setBg">
+        <pc:chgData name="Chen, Jeff" userId="9a3224f5-9893-4468-acd0-6d03119f890b" providerId="ADAL" clId="{36668F78-20BC-4003-801C-8ACC5A4B6E0B}" dt="2021-03-12T15:10:27.766" v="366" actId="20577"/>
         <pc:sldMkLst>
           <pc:docMk/>
           <pc:sldMk cId="2883338454" sldId="266"/>
         </pc:sldMkLst>
         <pc:spChg chg="mod">
-          <ac:chgData name="Chen, Jeff" userId="9a3224f5-9893-4468-acd0-6d03119f890b" providerId="ADAL" clId="{36668F78-20BC-4003-801C-8ACC5A4B6E0B}" dt="2021-03-09T18:09:02.380" v="60" actId="14100"/>
+          <ac:chgData name="Chen, Jeff" userId="9a3224f5-9893-4468-acd0-6d03119f890b" providerId="ADAL" clId="{36668F78-20BC-4003-801C-8ACC5A4B6E0B}" dt="2021-03-12T15:10:27.766" v="366" actId="20577"/>
           <ac:spMkLst>
             <pc:docMk/>
             <pc:sldMk cId="2883338454" sldId="266"/>
             <ac:spMk id="2" creationId="{4F54A8D6-67CC-4057-9734-2C26962787CE}"/>
+          </ac:spMkLst>
+        </pc:spChg>
+        <pc:spChg chg="add del mod">
+          <ac:chgData name="Chen, Jeff" userId="9a3224f5-9893-4468-acd0-6d03119f890b" providerId="ADAL" clId="{36668F78-20BC-4003-801C-8ACC5A4B6E0B}" dt="2021-03-12T15:10:19.667" v="345"/>
+          <ac:spMkLst>
+            <pc:docMk/>
+            <pc:sldMk cId="2883338454" sldId="266"/>
+            <ac:spMk id="3" creationId="{09CFE5B2-CED6-477C-89E5-05187BC61CB1}"/>
           </ac:spMkLst>
         </pc:spChg>
         <pc:spChg chg="add">
@@ -271,6 +324,14 @@
             <pc:docMk/>
             <pc:sldMk cId="2883338454" sldId="266"/>
             <ac:spMk id="9" creationId="{407C9FC5-0C1E-42A8-97E6-F940775A0575}"/>
+          </ac:spMkLst>
+        </pc:spChg>
+        <pc:spChg chg="add mod">
+          <ac:chgData name="Chen, Jeff" userId="9a3224f5-9893-4468-acd0-6d03119f890b" providerId="ADAL" clId="{36668F78-20BC-4003-801C-8ACC5A4B6E0B}" dt="2021-03-12T15:10:14.738" v="343" actId="14100"/>
+          <ac:spMkLst>
+            <pc:docMk/>
+            <pc:sldMk cId="2883338454" sldId="266"/>
+            <ac:spMk id="10" creationId="{09EA836B-DFF5-4925-86EF-5F74C1D6FB0C}"/>
           </ac:spMkLst>
         </pc:spChg>
         <pc:spChg chg="add">
@@ -299,7 +360,7 @@
         </pc:picChg>
       </pc:sldChg>
       <pc:sldChg chg="addSp delSp modSp mod setBg">
-        <pc:chgData name="Chen, Jeff" userId="9a3224f5-9893-4468-acd0-6d03119f890b" providerId="ADAL" clId="{36668F78-20BC-4003-801C-8ACC5A4B6E0B}" dt="2021-03-09T18:10:38.855" v="108" actId="14100"/>
+        <pc:chgData name="Chen, Jeff" userId="9a3224f5-9893-4468-acd0-6d03119f890b" providerId="ADAL" clId="{36668F78-20BC-4003-801C-8ACC5A4B6E0B}" dt="2021-03-12T15:11:50.663" v="396" actId="20577"/>
         <pc:sldMkLst>
           <pc:docMk/>
           <pc:sldMk cId="1852667525" sldId="267"/>
@@ -310,6 +371,22 @@
             <pc:docMk/>
             <pc:sldMk cId="1852667525" sldId="267"/>
             <ac:spMk id="2" creationId="{965B9CDB-C02D-4747-9828-F5194A341223}"/>
+          </ac:spMkLst>
+        </pc:spChg>
+        <pc:spChg chg="add mod">
+          <ac:chgData name="Chen, Jeff" userId="9a3224f5-9893-4468-acd0-6d03119f890b" providerId="ADAL" clId="{36668F78-20BC-4003-801C-8ACC5A4B6E0B}" dt="2021-03-12T15:11:50.663" v="396" actId="20577"/>
+          <ac:spMkLst>
+            <pc:docMk/>
+            <pc:sldMk cId="1852667525" sldId="267"/>
+            <ac:spMk id="3" creationId="{0BE50B57-3D89-4BED-8F35-DA91273298F5}"/>
+          </ac:spMkLst>
+        </pc:spChg>
+        <pc:spChg chg="add mod">
+          <ac:chgData name="Chen, Jeff" userId="9a3224f5-9893-4468-acd0-6d03119f890b" providerId="ADAL" clId="{36668F78-20BC-4003-801C-8ACC5A4B6E0B}" dt="2021-03-12T15:11:43.848" v="394" actId="20577"/>
+          <ac:spMkLst>
+            <pc:docMk/>
+            <pc:sldMk cId="1852667525" sldId="267"/>
+            <ac:spMk id="5" creationId="{2D89FB28-DA5F-4219-87B4-76BC5E571601}"/>
           </ac:spMkLst>
         </pc:spChg>
         <pc:spChg chg="add">
@@ -536,7 +613,7 @@
         </pc:picChg>
       </pc:sldChg>
       <pc:sldChg chg="addSp modSp mod setBg">
-        <pc:chgData name="Chen, Jeff" userId="9a3224f5-9893-4468-acd0-6d03119f890b" providerId="ADAL" clId="{36668F78-20BC-4003-801C-8ACC5A4B6E0B}" dt="2021-03-09T18:13:20.577" v="180" actId="1076"/>
+        <pc:chgData name="Chen, Jeff" userId="9a3224f5-9893-4468-acd0-6d03119f890b" providerId="ADAL" clId="{36668F78-20BC-4003-801C-8ACC5A4B6E0B}" dt="2021-03-12T16:04:01.786" v="436" actId="1076"/>
         <pc:sldMkLst>
           <pc:docMk/>
           <pc:sldMk cId="1180326809" sldId="270"/>
@@ -547,6 +624,22 @@
             <pc:docMk/>
             <pc:sldMk cId="1180326809" sldId="270"/>
             <ac:spMk id="2" creationId="{DDB5B769-C03B-4E54-A188-BE9994B667F5}"/>
+          </ac:spMkLst>
+        </pc:spChg>
+        <pc:spChg chg="add mod">
+          <ac:chgData name="Chen, Jeff" userId="9a3224f5-9893-4468-acd0-6d03119f890b" providerId="ADAL" clId="{36668F78-20BC-4003-801C-8ACC5A4B6E0B}" dt="2021-03-12T16:03:41.745" v="432" actId="1076"/>
+          <ac:spMkLst>
+            <pc:docMk/>
+            <pc:sldMk cId="1180326809" sldId="270"/>
+            <ac:spMk id="3" creationId="{72D8BF55-56B4-4FB3-9A04-D45027112410}"/>
+          </ac:spMkLst>
+        </pc:spChg>
+        <pc:spChg chg="add mod">
+          <ac:chgData name="Chen, Jeff" userId="9a3224f5-9893-4468-acd0-6d03119f890b" providerId="ADAL" clId="{36668F78-20BC-4003-801C-8ACC5A4B6E0B}" dt="2021-03-12T16:04:01.786" v="436" actId="1076"/>
+          <ac:spMkLst>
+            <pc:docMk/>
+            <pc:sldMk cId="1180326809" sldId="270"/>
+            <ac:spMk id="5" creationId="{D5356DD2-8E44-44FA-B449-439AA0671451}"/>
           </ac:spMkLst>
         </pc:spChg>
         <pc:spChg chg="add">
@@ -652,8 +745,8 @@
           </ac:picMkLst>
         </pc:picChg>
       </pc:sldChg>
-      <pc:sldChg chg="addSp modSp new mod setBg">
-        <pc:chgData name="Chen, Jeff" userId="9a3224f5-9893-4468-acd0-6d03119f890b" providerId="ADAL" clId="{36668F78-20BC-4003-801C-8ACC5A4B6E0B}" dt="2021-03-09T18:16:48.154" v="283" actId="20577"/>
+      <pc:sldChg chg="addSp modSp new del mod setBg">
+        <pc:chgData name="Chen, Jeff" userId="9a3224f5-9893-4468-acd0-6d03119f890b" providerId="ADAL" clId="{36668F78-20BC-4003-801C-8ACC5A4B6E0B}" dt="2021-03-20T19:51:34.452" v="1546" actId="2696"/>
         <pc:sldMkLst>
           <pc:docMk/>
           <pc:sldMk cId="3756020951" sldId="273"/>
@@ -700,13 +793,13 @@
         </pc:picChg>
       </pc:sldChg>
       <pc:sldChg chg="addSp modSp new mod setBg">
-        <pc:chgData name="Chen, Jeff" userId="9a3224f5-9893-4468-acd0-6d03119f890b" providerId="ADAL" clId="{36668F78-20BC-4003-801C-8ACC5A4B6E0B}" dt="2021-03-09T18:23:02.644" v="308" actId="1076"/>
+        <pc:chgData name="Chen, Jeff" userId="9a3224f5-9893-4468-acd0-6d03119f890b" providerId="ADAL" clId="{36668F78-20BC-4003-801C-8ACC5A4B6E0B}" dt="2021-03-20T19:52:00.338" v="1569" actId="20577"/>
         <pc:sldMkLst>
           <pc:docMk/>
           <pc:sldMk cId="470766224" sldId="274"/>
         </pc:sldMkLst>
         <pc:spChg chg="mod">
-          <ac:chgData name="Chen, Jeff" userId="9a3224f5-9893-4468-acd0-6d03119f890b" providerId="ADAL" clId="{36668F78-20BC-4003-801C-8ACC5A4B6E0B}" dt="2021-03-09T18:21:36.332" v="306" actId="26606"/>
+          <ac:chgData name="Chen, Jeff" userId="9a3224f5-9893-4468-acd0-6d03119f890b" providerId="ADAL" clId="{36668F78-20BC-4003-801C-8ACC5A4B6E0B}" dt="2021-03-20T19:52:00.338" v="1569" actId="20577"/>
           <ac:spMkLst>
             <pc:docMk/>
             <pc:sldMk cId="470766224" sldId="274"/>
@@ -754,67 +847,427 @@
           </ac:picMkLst>
         </pc:picChg>
       </pc:sldChg>
-      <pc:sldChg chg="new">
-        <pc:chgData name="Chen, Jeff" userId="9a3224f5-9893-4468-acd0-6d03119f890b" providerId="ADAL" clId="{36668F78-20BC-4003-801C-8ACC5A4B6E0B}" dt="2021-03-09T18:12:29.052" v="170" actId="680"/>
+      <pc:sldChg chg="addSp modSp new del mod setBg">
+        <pc:chgData name="Chen, Jeff" userId="9a3224f5-9893-4468-acd0-6d03119f890b" providerId="ADAL" clId="{36668F78-20BC-4003-801C-8ACC5A4B6E0B}" dt="2021-03-20T19:12:27.973" v="845" actId="2696"/>
         <pc:sldMkLst>
           <pc:docMk/>
           <pc:sldMk cId="3273601112" sldId="275"/>
         </pc:sldMkLst>
+        <pc:spChg chg="mod">
+          <ac:chgData name="Chen, Jeff" userId="9a3224f5-9893-4468-acd0-6d03119f890b" providerId="ADAL" clId="{36668F78-20BC-4003-801C-8ACC5A4B6E0B}" dt="2021-03-20T19:11:58.832" v="843" actId="26606"/>
+          <ac:spMkLst>
+            <pc:docMk/>
+            <pc:sldMk cId="3273601112" sldId="275"/>
+            <ac:spMk id="2" creationId="{70F1A561-41F3-420F-AC5C-3C86256BCFB5}"/>
+          </ac:spMkLst>
+        </pc:spChg>
+        <pc:spChg chg="add">
+          <ac:chgData name="Chen, Jeff" userId="9a3224f5-9893-4468-acd0-6d03119f890b" providerId="ADAL" clId="{36668F78-20BC-4003-801C-8ACC5A4B6E0B}" dt="2021-03-20T19:11:58.832" v="843" actId="26606"/>
+          <ac:spMkLst>
+            <pc:docMk/>
+            <pc:sldMk cId="3273601112" sldId="275"/>
+            <ac:spMk id="9" creationId="{D17A94B4-8121-4ED6-AB0D-69EE9A6332E6}"/>
+          </ac:spMkLst>
+        </pc:spChg>
+        <pc:spChg chg="add">
+          <ac:chgData name="Chen, Jeff" userId="9a3224f5-9893-4468-acd0-6d03119f890b" providerId="ADAL" clId="{36668F78-20BC-4003-801C-8ACC5A4B6E0B}" dt="2021-03-20T19:11:58.832" v="843" actId="26606"/>
+          <ac:spMkLst>
+            <pc:docMk/>
+            <pc:sldMk cId="3273601112" sldId="275"/>
+            <ac:spMk id="13" creationId="{53FD85F6-ECDC-4124-9916-6444E142C663}"/>
+          </ac:spMkLst>
+        </pc:spChg>
+        <pc:spChg chg="add">
+          <ac:chgData name="Chen, Jeff" userId="9a3224f5-9893-4468-acd0-6d03119f890b" providerId="ADAL" clId="{36668F78-20BC-4003-801C-8ACC5A4B6E0B}" dt="2021-03-20T19:11:58.832" v="843" actId="26606"/>
+          <ac:spMkLst>
+            <pc:docMk/>
+            <pc:sldMk cId="3273601112" sldId="275"/>
+            <ac:spMk id="15" creationId="{FB5D26B4-74AD-4118-8F13-7051DA3BFA87}"/>
+          </ac:spMkLst>
+        </pc:spChg>
+        <pc:picChg chg="add mod">
+          <ac:chgData name="Chen, Jeff" userId="9a3224f5-9893-4468-acd0-6d03119f890b" providerId="ADAL" clId="{36668F78-20BC-4003-801C-8ACC5A4B6E0B}" dt="2021-03-20T19:11:58.832" v="843" actId="26606"/>
+          <ac:picMkLst>
+            <pc:docMk/>
+            <pc:sldMk cId="3273601112" sldId="275"/>
+            <ac:picMk id="4" creationId="{BD329F78-BF81-43C5-81CF-B34D97D69AD6}"/>
+          </ac:picMkLst>
+        </pc:picChg>
+        <pc:picChg chg="add">
+          <ac:chgData name="Chen, Jeff" userId="9a3224f5-9893-4468-acd0-6d03119f890b" providerId="ADAL" clId="{36668F78-20BC-4003-801C-8ACC5A4B6E0B}" dt="2021-03-20T19:11:58.832" v="843" actId="26606"/>
+          <ac:picMkLst>
+            <pc:docMk/>
+            <pc:sldMk cId="3273601112" sldId="275"/>
+            <ac:picMk id="11" creationId="{4741521E-DC76-41B9-8A47-448CD4F9FA46}"/>
+          </ac:picMkLst>
+        </pc:picChg>
       </pc:sldChg>
-      <pc:sldChg chg="new">
-        <pc:chgData name="Chen, Jeff" userId="9a3224f5-9893-4468-acd0-6d03119f890b" providerId="ADAL" clId="{36668F78-20BC-4003-801C-8ACC5A4B6E0B}" dt="2021-03-09T18:12:29.451" v="171" actId="680"/>
+      <pc:sldChg chg="addSp delSp modSp new mod setBg addAnim">
+        <pc:chgData name="Chen, Jeff" userId="9a3224f5-9893-4468-acd0-6d03119f890b" providerId="ADAL" clId="{36668F78-20BC-4003-801C-8ACC5A4B6E0B}" dt="2021-03-20T19:27:31.244" v="1065" actId="14100"/>
         <pc:sldMkLst>
           <pc:docMk/>
           <pc:sldMk cId="3788360458" sldId="276"/>
         </pc:sldMkLst>
+        <pc:spChg chg="mod">
+          <ac:chgData name="Chen, Jeff" userId="9a3224f5-9893-4468-acd0-6d03119f890b" providerId="ADAL" clId="{36668F78-20BC-4003-801C-8ACC5A4B6E0B}" dt="2021-03-20T19:27:22.470" v="1063" actId="20577"/>
+          <ac:spMkLst>
+            <pc:docMk/>
+            <pc:sldMk cId="3788360458" sldId="276"/>
+            <ac:spMk id="2" creationId="{24CCED6F-D6FB-42FE-9BB2-C89B54083351}"/>
+          </ac:spMkLst>
+        </pc:spChg>
+        <pc:spChg chg="add mod">
+          <ac:chgData name="Chen, Jeff" userId="9a3224f5-9893-4468-acd0-6d03119f890b" providerId="ADAL" clId="{36668F78-20BC-4003-801C-8ACC5A4B6E0B}" dt="2021-03-20T19:26:58.320" v="1037" actId="1076"/>
+          <ac:spMkLst>
+            <pc:docMk/>
+            <pc:sldMk cId="3788360458" sldId="276"/>
+            <ac:spMk id="7" creationId="{569E06D5-1DDC-4AEB-8B17-9D78C8DDB03D}"/>
+          </ac:spMkLst>
+        </pc:spChg>
+        <pc:spChg chg="add mod">
+          <ac:chgData name="Chen, Jeff" userId="9a3224f5-9893-4468-acd0-6d03119f890b" providerId="ADAL" clId="{36668F78-20BC-4003-801C-8ACC5A4B6E0B}" dt="2021-03-20T19:27:01.122" v="1038" actId="1076"/>
+          <ac:spMkLst>
+            <pc:docMk/>
+            <pc:sldMk cId="3788360458" sldId="276"/>
+            <ac:spMk id="8" creationId="{F8E7421F-570B-469F-AC5D-47EF182171B8}"/>
+          </ac:spMkLst>
+        </pc:spChg>
+        <pc:spChg chg="add del">
+          <ac:chgData name="Chen, Jeff" userId="9a3224f5-9893-4468-acd0-6d03119f890b" providerId="ADAL" clId="{36668F78-20BC-4003-801C-8ACC5A4B6E0B}" dt="2021-03-20T19:14:38.543" v="888" actId="26606"/>
+          <ac:spMkLst>
+            <pc:docMk/>
+            <pc:sldMk cId="3788360458" sldId="276"/>
+            <ac:spMk id="9" creationId="{5922BD39-6B5B-493A-BE62-58ECD0F7A75A}"/>
+          </ac:spMkLst>
+        </pc:spChg>
+        <pc:spChg chg="add del">
+          <ac:chgData name="Chen, Jeff" userId="9a3224f5-9893-4468-acd0-6d03119f890b" providerId="ADAL" clId="{36668F78-20BC-4003-801C-8ACC5A4B6E0B}" dt="2021-03-20T19:14:38.543" v="888" actId="26606"/>
+          <ac:spMkLst>
+            <pc:docMk/>
+            <pc:sldMk cId="3788360458" sldId="276"/>
+            <ac:spMk id="13" creationId="{53FD85F6-ECDC-4124-9916-6444E142C663}"/>
+          </ac:spMkLst>
+        </pc:spChg>
+        <pc:spChg chg="add del">
+          <ac:chgData name="Chen, Jeff" userId="9a3224f5-9893-4468-acd0-6d03119f890b" providerId="ADAL" clId="{36668F78-20BC-4003-801C-8ACC5A4B6E0B}" dt="2021-03-20T19:14:38.543" v="888" actId="26606"/>
+          <ac:spMkLst>
+            <pc:docMk/>
+            <pc:sldMk cId="3788360458" sldId="276"/>
+            <ac:spMk id="15" creationId="{FB5D26B4-74AD-4118-8F13-7051DA3BFA87}"/>
+          </ac:spMkLst>
+        </pc:spChg>
+        <pc:spChg chg="add mod">
+          <ac:chgData name="Chen, Jeff" userId="9a3224f5-9893-4468-acd0-6d03119f890b" providerId="ADAL" clId="{36668F78-20BC-4003-801C-8ACC5A4B6E0B}" dt="2021-03-20T19:27:12.819" v="1042" actId="1076"/>
+          <ac:spMkLst>
+            <pc:docMk/>
+            <pc:sldMk cId="3788360458" sldId="276"/>
+            <ac:spMk id="18" creationId="{87E2CB33-3F37-4E8D-93B1-E30DE6576FBC}"/>
+          </ac:spMkLst>
+        </pc:spChg>
+        <pc:spChg chg="add del">
+          <ac:chgData name="Chen, Jeff" userId="9a3224f5-9893-4468-acd0-6d03119f890b" providerId="ADAL" clId="{36668F78-20BC-4003-801C-8ACC5A4B6E0B}" dt="2021-03-20T19:14:38.543" v="888" actId="26606"/>
+          <ac:spMkLst>
+            <pc:docMk/>
+            <pc:sldMk cId="3788360458" sldId="276"/>
+            <ac:spMk id="20" creationId="{5922BD39-6B5B-493A-BE62-58ECD0F7A75A}"/>
+          </ac:spMkLst>
+        </pc:spChg>
+        <pc:spChg chg="add del">
+          <ac:chgData name="Chen, Jeff" userId="9a3224f5-9893-4468-acd0-6d03119f890b" providerId="ADAL" clId="{36668F78-20BC-4003-801C-8ACC5A4B6E0B}" dt="2021-03-20T19:14:38.543" v="888" actId="26606"/>
+          <ac:spMkLst>
+            <pc:docMk/>
+            <pc:sldMk cId="3788360458" sldId="276"/>
+            <ac:spMk id="24" creationId="{53FD85F6-ECDC-4124-9916-6444E142C663}"/>
+          </ac:spMkLst>
+        </pc:spChg>
+        <pc:spChg chg="add del">
+          <ac:chgData name="Chen, Jeff" userId="9a3224f5-9893-4468-acd0-6d03119f890b" providerId="ADAL" clId="{36668F78-20BC-4003-801C-8ACC5A4B6E0B}" dt="2021-03-20T19:14:38.543" v="888" actId="26606"/>
+          <ac:spMkLst>
+            <pc:docMk/>
+            <pc:sldMk cId="3788360458" sldId="276"/>
+            <ac:spMk id="26" creationId="{FB5D26B4-74AD-4118-8F13-7051DA3BFA87}"/>
+          </ac:spMkLst>
+        </pc:spChg>
+        <pc:picChg chg="add del mod">
+          <ac:chgData name="Chen, Jeff" userId="9a3224f5-9893-4468-acd0-6d03119f890b" providerId="ADAL" clId="{36668F78-20BC-4003-801C-8ACC5A4B6E0B}" dt="2021-03-20T19:14:17.022" v="883" actId="478"/>
+          <ac:picMkLst>
+            <pc:docMk/>
+            <pc:sldMk cId="3788360458" sldId="276"/>
+            <ac:picMk id="4" creationId="{84259835-6E1F-4596-922B-034F0D8488F9}"/>
+          </ac:picMkLst>
+        </pc:picChg>
+        <pc:picChg chg="add mod">
+          <ac:chgData name="Chen, Jeff" userId="9a3224f5-9893-4468-acd0-6d03119f890b" providerId="ADAL" clId="{36668F78-20BC-4003-801C-8ACC5A4B6E0B}" dt="2021-03-20T19:27:27.272" v="1064" actId="14100"/>
+          <ac:picMkLst>
+            <pc:docMk/>
+            <pc:sldMk cId="3788360458" sldId="276"/>
+            <ac:picMk id="6" creationId="{815ABED0-A7F5-4AAB-A4AB-2965CCDFAC9C}"/>
+          </ac:picMkLst>
+        </pc:picChg>
+        <pc:picChg chg="add del">
+          <ac:chgData name="Chen, Jeff" userId="9a3224f5-9893-4468-acd0-6d03119f890b" providerId="ADAL" clId="{36668F78-20BC-4003-801C-8ACC5A4B6E0B}" dt="2021-03-20T19:14:38.543" v="888" actId="26606"/>
+          <ac:picMkLst>
+            <pc:docMk/>
+            <pc:sldMk cId="3788360458" sldId="276"/>
+            <ac:picMk id="11" creationId="{4741521E-DC76-41B9-8A47-448CD4F9FA46}"/>
+          </ac:picMkLst>
+        </pc:picChg>
+        <pc:picChg chg="add mod">
+          <ac:chgData name="Chen, Jeff" userId="9a3224f5-9893-4468-acd0-6d03119f890b" providerId="ADAL" clId="{36668F78-20BC-4003-801C-8ACC5A4B6E0B}" dt="2021-03-20T19:27:31.244" v="1065" actId="14100"/>
+          <ac:picMkLst>
+            <pc:docMk/>
+            <pc:sldMk cId="3788360458" sldId="276"/>
+            <ac:picMk id="17" creationId="{4BFD6221-9E72-486E-8C72-84662C4C7104}"/>
+          </ac:picMkLst>
+        </pc:picChg>
+        <pc:picChg chg="add del">
+          <ac:chgData name="Chen, Jeff" userId="9a3224f5-9893-4468-acd0-6d03119f890b" providerId="ADAL" clId="{36668F78-20BC-4003-801C-8ACC5A4B6E0B}" dt="2021-03-20T19:14:38.543" v="888" actId="26606"/>
+          <ac:picMkLst>
+            <pc:docMk/>
+            <pc:sldMk cId="3788360458" sldId="276"/>
+            <ac:picMk id="22" creationId="{4741521E-DC76-41B9-8A47-448CD4F9FA46}"/>
+          </ac:picMkLst>
+        </pc:picChg>
       </pc:sldChg>
-      <pc:sldChg chg="new">
-        <pc:chgData name="Chen, Jeff" userId="9a3224f5-9893-4468-acd0-6d03119f890b" providerId="ADAL" clId="{36668F78-20BC-4003-801C-8ACC5A4B6E0B}" dt="2021-03-09T18:12:29.486" v="172" actId="680"/>
+      <pc:sldChg chg="addSp delSp modSp new del mod setBg">
+        <pc:chgData name="Chen, Jeff" userId="9a3224f5-9893-4468-acd0-6d03119f890b" providerId="ADAL" clId="{36668F78-20BC-4003-801C-8ACC5A4B6E0B}" dt="2021-03-20T19:28:03.502" v="1066" actId="2696"/>
         <pc:sldMkLst>
           <pc:docMk/>
           <pc:sldMk cId="4290828679" sldId="277"/>
         </pc:sldMkLst>
+        <pc:spChg chg="mod">
+          <ac:chgData name="Chen, Jeff" userId="9a3224f5-9893-4468-acd0-6d03119f890b" providerId="ADAL" clId="{36668F78-20BC-4003-801C-8ACC5A4B6E0B}" dt="2021-03-20T19:14:20.645" v="885" actId="26606"/>
+          <ac:spMkLst>
+            <pc:docMk/>
+            <pc:sldMk cId="4290828679" sldId="277"/>
+            <ac:spMk id="2" creationId="{6E571202-A7FD-4E52-A4AA-D73C06FA045E}"/>
+          </ac:spMkLst>
+        </pc:spChg>
+        <pc:spChg chg="add del mod">
+          <ac:chgData name="Chen, Jeff" userId="9a3224f5-9893-4468-acd0-6d03119f890b" providerId="ADAL" clId="{36668F78-20BC-4003-801C-8ACC5A4B6E0B}" dt="2021-03-20T19:27:16.389" v="1044" actId="478"/>
+          <ac:spMkLst>
+            <pc:docMk/>
+            <pc:sldMk cId="4290828679" sldId="277"/>
+            <ac:spMk id="5" creationId="{3947E988-547D-447D-86CF-683D9362BDE8}"/>
+          </ac:spMkLst>
+        </pc:spChg>
+        <pc:spChg chg="add">
+          <ac:chgData name="Chen, Jeff" userId="9a3224f5-9893-4468-acd0-6d03119f890b" providerId="ADAL" clId="{36668F78-20BC-4003-801C-8ACC5A4B6E0B}" dt="2021-03-20T19:14:20.645" v="885" actId="26606"/>
+          <ac:spMkLst>
+            <pc:docMk/>
+            <pc:sldMk cId="4290828679" sldId="277"/>
+            <ac:spMk id="9" creationId="{D17A94B4-8121-4ED6-AB0D-69EE9A6332E6}"/>
+          </ac:spMkLst>
+        </pc:spChg>
+        <pc:spChg chg="add">
+          <ac:chgData name="Chen, Jeff" userId="9a3224f5-9893-4468-acd0-6d03119f890b" providerId="ADAL" clId="{36668F78-20BC-4003-801C-8ACC5A4B6E0B}" dt="2021-03-20T19:14:20.645" v="885" actId="26606"/>
+          <ac:spMkLst>
+            <pc:docMk/>
+            <pc:sldMk cId="4290828679" sldId="277"/>
+            <ac:spMk id="13" creationId="{53FD85F6-ECDC-4124-9916-6444E142C663}"/>
+          </ac:spMkLst>
+        </pc:spChg>
+        <pc:spChg chg="add">
+          <ac:chgData name="Chen, Jeff" userId="9a3224f5-9893-4468-acd0-6d03119f890b" providerId="ADAL" clId="{36668F78-20BC-4003-801C-8ACC5A4B6E0B}" dt="2021-03-20T19:14:20.645" v="885" actId="26606"/>
+          <ac:spMkLst>
+            <pc:docMk/>
+            <pc:sldMk cId="4290828679" sldId="277"/>
+            <ac:spMk id="15" creationId="{FB5D26B4-74AD-4118-8F13-7051DA3BFA87}"/>
+          </ac:spMkLst>
+        </pc:spChg>
+        <pc:picChg chg="add del mod">
+          <ac:chgData name="Chen, Jeff" userId="9a3224f5-9893-4468-acd0-6d03119f890b" providerId="ADAL" clId="{36668F78-20BC-4003-801C-8ACC5A4B6E0B}" dt="2021-03-20T19:27:14.828" v="1043" actId="478"/>
+          <ac:picMkLst>
+            <pc:docMk/>
+            <pc:sldMk cId="4290828679" sldId="277"/>
+            <ac:picMk id="4" creationId="{C2B542AA-2547-4F16-A960-EB394EF21741}"/>
+          </ac:picMkLst>
+        </pc:picChg>
+        <pc:picChg chg="add">
+          <ac:chgData name="Chen, Jeff" userId="9a3224f5-9893-4468-acd0-6d03119f890b" providerId="ADAL" clId="{36668F78-20BC-4003-801C-8ACC5A4B6E0B}" dt="2021-03-20T19:14:20.645" v="885" actId="26606"/>
+          <ac:picMkLst>
+            <pc:docMk/>
+            <pc:sldMk cId="4290828679" sldId="277"/>
+            <ac:picMk id="11" creationId="{4741521E-DC76-41B9-8A47-448CD4F9FA46}"/>
+          </ac:picMkLst>
+        </pc:picChg>
       </pc:sldChg>
-      <pc:sldChg chg="new">
-        <pc:chgData name="Chen, Jeff" userId="9a3224f5-9893-4468-acd0-6d03119f890b" providerId="ADAL" clId="{36668F78-20BC-4003-801C-8ACC5A4B6E0B}" dt="2021-03-09T18:12:29.520" v="173" actId="680"/>
+      <pc:sldChg chg="addSp modSp new del mod">
+        <pc:chgData name="Chen, Jeff" userId="9a3224f5-9893-4468-acd0-6d03119f890b" providerId="ADAL" clId="{36668F78-20BC-4003-801C-8ACC5A4B6E0B}" dt="2021-03-20T19:16:11.446" v="927" actId="2696"/>
         <pc:sldMkLst>
           <pc:docMk/>
           <pc:sldMk cId="3513092709" sldId="278"/>
         </pc:sldMkLst>
+        <pc:spChg chg="mod">
+          <ac:chgData name="Chen, Jeff" userId="9a3224f5-9893-4468-acd0-6d03119f890b" providerId="ADAL" clId="{36668F78-20BC-4003-801C-8ACC5A4B6E0B}" dt="2021-03-20T19:15:41.602" v="919" actId="20577"/>
+          <ac:spMkLst>
+            <pc:docMk/>
+            <pc:sldMk cId="3513092709" sldId="278"/>
+            <ac:spMk id="2" creationId="{9101C680-EB2A-46F3-B74A-80AAFD90A537}"/>
+          </ac:spMkLst>
+        </pc:spChg>
+        <pc:picChg chg="add">
+          <ac:chgData name="Chen, Jeff" userId="9a3224f5-9893-4468-acd0-6d03119f890b" providerId="ADAL" clId="{36668F78-20BC-4003-801C-8ACC5A4B6E0B}" dt="2021-03-20T19:15:35.920" v="901" actId="22"/>
+          <ac:picMkLst>
+            <pc:docMk/>
+            <pc:sldMk cId="3513092709" sldId="278"/>
+            <ac:picMk id="4" creationId="{5315402A-7136-43A2-A94B-44C7F6A30D08}"/>
+          </ac:picMkLst>
+        </pc:picChg>
       </pc:sldChg>
-      <pc:sldChg chg="new">
-        <pc:chgData name="Chen, Jeff" userId="9a3224f5-9893-4468-acd0-6d03119f890b" providerId="ADAL" clId="{36668F78-20BC-4003-801C-8ACC5A4B6E0B}" dt="2021-03-09T18:12:29.569" v="174" actId="680"/>
+      <pc:sldChg chg="addSp modSp new del mod">
+        <pc:chgData name="Chen, Jeff" userId="9a3224f5-9893-4468-acd0-6d03119f890b" providerId="ADAL" clId="{36668F78-20BC-4003-801C-8ACC5A4B6E0B}" dt="2021-03-20T19:46:50.743" v="1529" actId="47"/>
         <pc:sldMkLst>
           <pc:docMk/>
           <pc:sldMk cId="2163507875" sldId="279"/>
         </pc:sldMkLst>
+        <pc:spChg chg="mod">
+          <ac:chgData name="Chen, Jeff" userId="9a3224f5-9893-4468-acd0-6d03119f890b" providerId="ADAL" clId="{36668F78-20BC-4003-801C-8ACC5A4B6E0B}" dt="2021-03-20T19:16:34.544" v="946" actId="20577"/>
+          <ac:spMkLst>
+            <pc:docMk/>
+            <pc:sldMk cId="2163507875" sldId="279"/>
+            <ac:spMk id="2" creationId="{69E070EE-8A11-451C-A46B-006668F18B2A}"/>
+          </ac:spMkLst>
+        </pc:spChg>
+        <pc:picChg chg="add mod">
+          <ac:chgData name="Chen, Jeff" userId="9a3224f5-9893-4468-acd0-6d03119f890b" providerId="ADAL" clId="{36668F78-20BC-4003-801C-8ACC5A4B6E0B}" dt="2021-03-20T19:16:40.925" v="947" actId="1076"/>
+          <ac:picMkLst>
+            <pc:docMk/>
+            <pc:sldMk cId="2163507875" sldId="279"/>
+            <ac:picMk id="4" creationId="{2EF87537-87E6-42B9-9411-BF6A45982032}"/>
+          </ac:picMkLst>
+        </pc:picChg>
       </pc:sldChg>
-      <pc:sldChg chg="new">
-        <pc:chgData name="Chen, Jeff" userId="9a3224f5-9893-4468-acd0-6d03119f890b" providerId="ADAL" clId="{36668F78-20BC-4003-801C-8ACC5A4B6E0B}" dt="2021-03-09T18:12:30.118" v="175" actId="680"/>
+      <pc:sldChg chg="addSp delSp modSp new mod setBg">
+        <pc:chgData name="Chen, Jeff" userId="9a3224f5-9893-4468-acd0-6d03119f890b" providerId="ADAL" clId="{36668F78-20BC-4003-801C-8ACC5A4B6E0B}" dt="2021-03-20T19:52:54.225" v="1603" actId="26606"/>
         <pc:sldMkLst>
           <pc:docMk/>
           <pc:sldMk cId="1326462314" sldId="280"/>
         </pc:sldMkLst>
+        <pc:spChg chg="mod">
+          <ac:chgData name="Chen, Jeff" userId="9a3224f5-9893-4468-acd0-6d03119f890b" providerId="ADAL" clId="{36668F78-20BC-4003-801C-8ACC5A4B6E0B}" dt="2021-03-20T19:52:54.225" v="1603" actId="26606"/>
+          <ac:spMkLst>
+            <pc:docMk/>
+            <pc:sldMk cId="1326462314" sldId="280"/>
+            <ac:spMk id="2" creationId="{D6CC1811-68D8-45EB-809A-07E60D9F7B18}"/>
+          </ac:spMkLst>
+        </pc:spChg>
+        <pc:spChg chg="add del">
+          <ac:chgData name="Chen, Jeff" userId="9a3224f5-9893-4468-acd0-6d03119f890b" providerId="ADAL" clId="{36668F78-20BC-4003-801C-8ACC5A4B6E0B}" dt="2021-03-20T19:52:54.216" v="1602" actId="26606"/>
+          <ac:spMkLst>
+            <pc:docMk/>
+            <pc:sldMk cId="1326462314" sldId="280"/>
+            <ac:spMk id="9" creationId="{A4AC5506-6312-4701-8D3C-40187889A947}"/>
+          </ac:spMkLst>
+        </pc:spChg>
+        <pc:spChg chg="add">
+          <ac:chgData name="Chen, Jeff" userId="9a3224f5-9893-4468-acd0-6d03119f890b" providerId="ADAL" clId="{36668F78-20BC-4003-801C-8ACC5A4B6E0B}" dt="2021-03-20T19:52:54.225" v="1603" actId="26606"/>
+          <ac:spMkLst>
+            <pc:docMk/>
+            <pc:sldMk cId="1326462314" sldId="280"/>
+            <ac:spMk id="11" creationId="{7F57BEA8-497D-4AA8-8A18-BDCD696B25FE}"/>
+          </ac:spMkLst>
+        </pc:spChg>
+        <pc:picChg chg="add mod">
+          <ac:chgData name="Chen, Jeff" userId="9a3224f5-9893-4468-acd0-6d03119f890b" providerId="ADAL" clId="{36668F78-20BC-4003-801C-8ACC5A4B6E0B}" dt="2021-03-20T19:52:54.225" v="1603" actId="26606"/>
+          <ac:picMkLst>
+            <pc:docMk/>
+            <pc:sldMk cId="1326462314" sldId="280"/>
+            <ac:picMk id="4" creationId="{0025ECA8-7F88-454B-9422-DACF137FB241}"/>
+          </ac:picMkLst>
+        </pc:picChg>
+        <pc:cxnChg chg="add">
+          <ac:chgData name="Chen, Jeff" userId="9a3224f5-9893-4468-acd0-6d03119f890b" providerId="ADAL" clId="{36668F78-20BC-4003-801C-8ACC5A4B6E0B}" dt="2021-03-20T19:52:54.225" v="1603" actId="26606"/>
+          <ac:cxnSpMkLst>
+            <pc:docMk/>
+            <pc:sldMk cId="1326462314" sldId="280"/>
+            <ac:cxnSpMk id="12" creationId="{D2E961F1-4A28-4A5F-BBD4-6E400E5E6C75}"/>
+          </ac:cxnSpMkLst>
+        </pc:cxnChg>
+        <pc:cxnChg chg="add">
+          <ac:chgData name="Chen, Jeff" userId="9a3224f5-9893-4468-acd0-6d03119f890b" providerId="ADAL" clId="{36668F78-20BC-4003-801C-8ACC5A4B6E0B}" dt="2021-03-20T19:52:54.225" v="1603" actId="26606"/>
+          <ac:cxnSpMkLst>
+            <pc:docMk/>
+            <pc:sldMk cId="1326462314" sldId="280"/>
+            <ac:cxnSpMk id="13" creationId="{A82415D3-DDE5-4D63-8CB3-23A5EC581B27}"/>
+          </ac:cxnSpMkLst>
+        </pc:cxnChg>
+        <pc:cxnChg chg="add">
+          <ac:chgData name="Chen, Jeff" userId="9a3224f5-9893-4468-acd0-6d03119f890b" providerId="ADAL" clId="{36668F78-20BC-4003-801C-8ACC5A4B6E0B}" dt="2021-03-20T19:52:54.225" v="1603" actId="26606"/>
+          <ac:cxnSpMkLst>
+            <pc:docMk/>
+            <pc:sldMk cId="1326462314" sldId="280"/>
+            <ac:cxnSpMk id="15" creationId="{AD7193FB-6AE6-4B3B-8F89-56B55DD63B4D}"/>
+          </ac:cxnSpMkLst>
+        </pc:cxnChg>
       </pc:sldChg>
-      <pc:sldChg chg="new">
-        <pc:chgData name="Chen, Jeff" userId="9a3224f5-9893-4468-acd0-6d03119f890b" providerId="ADAL" clId="{36668F78-20BC-4003-801C-8ACC5A4B6E0B}" dt="2021-03-09T18:12:30.153" v="176" actId="680"/>
+      <pc:sldChg chg="addSp modSp new mod setBg">
+        <pc:chgData name="Chen, Jeff" userId="9a3224f5-9893-4468-acd0-6d03119f890b" providerId="ADAL" clId="{36668F78-20BC-4003-801C-8ACC5A4B6E0B}" dt="2021-03-20T19:59:13.837" v="1617" actId="1076"/>
         <pc:sldMkLst>
           <pc:docMk/>
           <pc:sldMk cId="1278481759" sldId="281"/>
         </pc:sldMkLst>
+        <pc:spChg chg="mod">
+          <ac:chgData name="Chen, Jeff" userId="9a3224f5-9893-4468-acd0-6d03119f890b" providerId="ADAL" clId="{36668F78-20BC-4003-801C-8ACC5A4B6E0B}" dt="2021-03-20T19:59:09.881" v="1616" actId="20577"/>
+          <ac:spMkLst>
+            <pc:docMk/>
+            <pc:sldMk cId="1278481759" sldId="281"/>
+            <ac:spMk id="2" creationId="{FAC7198A-9916-43EA-AC07-149C5F052B8E}"/>
+          </ac:spMkLst>
+        </pc:spChg>
+        <pc:spChg chg="add">
+          <ac:chgData name="Chen, Jeff" userId="9a3224f5-9893-4468-acd0-6d03119f890b" providerId="ADAL" clId="{36668F78-20BC-4003-801C-8ACC5A4B6E0B}" dt="2021-03-20T19:59:05.893" v="1605" actId="26606"/>
+          <ac:spMkLst>
+            <pc:docMk/>
+            <pc:sldMk cId="1278481759" sldId="281"/>
+            <ac:spMk id="9" creationId="{1045B59B-615E-4718-A150-42DE5D03E1C8}"/>
+          </ac:spMkLst>
+        </pc:spChg>
+        <pc:spChg chg="add">
+          <ac:chgData name="Chen, Jeff" userId="9a3224f5-9893-4468-acd0-6d03119f890b" providerId="ADAL" clId="{36668F78-20BC-4003-801C-8ACC5A4B6E0B}" dt="2021-03-20T19:59:05.893" v="1605" actId="26606"/>
+          <ac:spMkLst>
+            <pc:docMk/>
+            <pc:sldMk cId="1278481759" sldId="281"/>
+            <ac:spMk id="11" creationId="{D6CF29CD-38B8-4924-BA11-6D60517487EF}"/>
+          </ac:spMkLst>
+        </pc:spChg>
+        <pc:picChg chg="add mod">
+          <ac:chgData name="Chen, Jeff" userId="9a3224f5-9893-4468-acd0-6d03119f890b" providerId="ADAL" clId="{36668F78-20BC-4003-801C-8ACC5A4B6E0B}" dt="2021-03-20T19:59:13.837" v="1617" actId="1076"/>
+          <ac:picMkLst>
+            <pc:docMk/>
+            <pc:sldMk cId="1278481759" sldId="281"/>
+            <ac:picMk id="4" creationId="{23385CA5-1984-450A-BA69-6B2CE687E97C}"/>
+          </ac:picMkLst>
+        </pc:picChg>
       </pc:sldChg>
       <pc:sldChg chg="addSp delSp modSp add mod">
-        <pc:chgData name="Chen, Jeff" userId="9a3224f5-9893-4468-acd0-6d03119f890b" providerId="ADAL" clId="{36668F78-20BC-4003-801C-8ACC5A4B6E0B}" dt="2021-03-09T18:15:39.565" v="235" actId="1076"/>
+        <pc:chgData name="Chen, Jeff" userId="9a3224f5-9893-4468-acd0-6d03119f890b" providerId="ADAL" clId="{36668F78-20BC-4003-801C-8ACC5A4B6E0B}" dt="2021-03-12T16:08:54.416" v="832" actId="20577"/>
         <pc:sldMkLst>
           <pc:docMk/>
           <pc:sldMk cId="581602665" sldId="282"/>
         </pc:sldMkLst>
+        <pc:spChg chg="add mod">
+          <ac:chgData name="Chen, Jeff" userId="9a3224f5-9893-4468-acd0-6d03119f890b" providerId="ADAL" clId="{36668F78-20BC-4003-801C-8ACC5A4B6E0B}" dt="2021-03-12T16:06:53.122" v="623" actId="255"/>
+          <ac:spMkLst>
+            <pc:docMk/>
+            <pc:sldMk cId="581602665" sldId="282"/>
+            <ac:spMk id="2" creationId="{1BCDBD08-0B1A-4DA3-9AD0-5ACD2DE214A5}"/>
+          </ac:spMkLst>
+        </pc:spChg>
         <pc:spChg chg="del">
           <ac:chgData name="Chen, Jeff" userId="9a3224f5-9893-4468-acd0-6d03119f890b" providerId="ADAL" clId="{36668F78-20BC-4003-801C-8ACC5A4B6E0B}" dt="2021-03-09T18:15:11.331" v="229" actId="478"/>
           <ac:spMkLst>
             <pc:docMk/>
             <pc:sldMk cId="581602665" sldId="282"/>
             <ac:spMk id="2" creationId="{DDB5B769-C03B-4E54-A188-BE9994B667F5}"/>
+          </ac:spMkLst>
+        </pc:spChg>
+        <pc:spChg chg="add mod">
+          <ac:chgData name="Chen, Jeff" userId="9a3224f5-9893-4468-acd0-6d03119f890b" providerId="ADAL" clId="{36668F78-20BC-4003-801C-8ACC5A4B6E0B}" dt="2021-03-12T16:08:54.416" v="832" actId="20577"/>
+          <ac:spMkLst>
+            <pc:docMk/>
+            <pc:sldMk cId="581602665" sldId="282"/>
+            <ac:spMk id="3" creationId="{B3DCEF3A-7FDD-40D3-B36A-26AE1BDCF259}"/>
           </ac:spMkLst>
         </pc:spChg>
         <pc:spChg chg="add del mod">
@@ -826,7 +1279,7 @@
           </ac:spMkLst>
         </pc:spChg>
         <pc:spChg chg="add mod">
-          <ac:chgData name="Chen, Jeff" userId="9a3224f5-9893-4468-acd0-6d03119f890b" providerId="ADAL" clId="{36668F78-20BC-4003-801C-8ACC5A4B6E0B}" dt="2021-03-09T18:15:19.018" v="232" actId="1076"/>
+          <ac:chgData name="Chen, Jeff" userId="9a3224f5-9893-4468-acd0-6d03119f890b" providerId="ADAL" clId="{36668F78-20BC-4003-801C-8ACC5A4B6E0B}" dt="2021-03-12T16:04:26.669" v="440" actId="14100"/>
           <ac:spMkLst>
             <pc:docMk/>
             <pc:sldMk cId="581602665" sldId="282"/>
@@ -842,7 +1295,7 @@
           </ac:picMkLst>
         </pc:picChg>
         <pc:picChg chg="add mod">
-          <ac:chgData name="Chen, Jeff" userId="9a3224f5-9893-4468-acd0-6d03119f890b" providerId="ADAL" clId="{36668F78-20BC-4003-801C-8ACC5A4B6E0B}" dt="2021-03-09T18:15:05.748" v="228" actId="1076"/>
+          <ac:chgData name="Chen, Jeff" userId="9a3224f5-9893-4468-acd0-6d03119f890b" providerId="ADAL" clId="{36668F78-20BC-4003-801C-8ACC5A4B6E0B}" dt="2021-03-12T16:04:17.878" v="437" actId="1076"/>
           <ac:picMkLst>
             <pc:docMk/>
             <pc:sldMk cId="581602665" sldId="282"/>
@@ -858,7 +1311,7 @@
           </ac:picMkLst>
         </pc:picChg>
         <pc:picChg chg="add mod">
-          <ac:chgData name="Chen, Jeff" userId="9a3224f5-9893-4468-acd0-6d03119f890b" providerId="ADAL" clId="{36668F78-20BC-4003-801C-8ACC5A4B6E0B}" dt="2021-03-09T18:15:39.565" v="235" actId="1076"/>
+          <ac:chgData name="Chen, Jeff" userId="9a3224f5-9893-4468-acd0-6d03119f890b" providerId="ADAL" clId="{36668F78-20BC-4003-801C-8ACC5A4B6E0B}" dt="2021-03-12T16:04:19.815" v="438" actId="1076"/>
           <ac:picMkLst>
             <pc:docMk/>
             <pc:sldMk cId="581602665" sldId="282"/>
@@ -866,9 +1319,851 @@
           </ac:picMkLst>
         </pc:picChg>
       </pc:sldChg>
+      <pc:sldChg chg="addSp delSp modSp add mod">
+        <pc:chgData name="Chen, Jeff" userId="9a3224f5-9893-4468-acd0-6d03119f890b" providerId="ADAL" clId="{36668F78-20BC-4003-801C-8ACC5A4B6E0B}" dt="2021-03-20T19:13:31.711" v="877" actId="20577"/>
+        <pc:sldMkLst>
+          <pc:docMk/>
+          <pc:sldMk cId="3417370661" sldId="283"/>
+        </pc:sldMkLst>
+        <pc:spChg chg="mod">
+          <ac:chgData name="Chen, Jeff" userId="9a3224f5-9893-4468-acd0-6d03119f890b" providerId="ADAL" clId="{36668F78-20BC-4003-801C-8ACC5A4B6E0B}" dt="2021-03-20T19:13:31.711" v="877" actId="20577"/>
+          <ac:spMkLst>
+            <pc:docMk/>
+            <pc:sldMk cId="3417370661" sldId="283"/>
+            <ac:spMk id="2" creationId="{059E70FD-73D3-433F-A2B6-DFDAC2FD67B2}"/>
+          </ac:spMkLst>
+        </pc:spChg>
+        <pc:picChg chg="del">
+          <ac:chgData name="Chen, Jeff" userId="9a3224f5-9893-4468-acd0-6d03119f890b" providerId="ADAL" clId="{36668F78-20BC-4003-801C-8ACC5A4B6E0B}" dt="2021-03-20T19:12:31.592" v="847" actId="478"/>
+          <ac:picMkLst>
+            <pc:docMk/>
+            <pc:sldMk cId="3417370661" sldId="283"/>
+            <ac:picMk id="4" creationId="{A5889218-17A8-4654-90AF-D177DE477818}"/>
+          </ac:picMkLst>
+        </pc:picChg>
+        <pc:picChg chg="del">
+          <ac:chgData name="Chen, Jeff" userId="9a3224f5-9893-4468-acd0-6d03119f890b" providerId="ADAL" clId="{36668F78-20BC-4003-801C-8ACC5A4B6E0B}" dt="2021-03-20T19:12:36.861" v="849" actId="478"/>
+          <ac:picMkLst>
+            <pc:docMk/>
+            <pc:sldMk cId="3417370661" sldId="283"/>
+            <ac:picMk id="6" creationId="{AE90FBDE-69AE-4316-8FA1-18F6D0B99E7F}"/>
+          </ac:picMkLst>
+        </pc:picChg>
+        <pc:picChg chg="add mod">
+          <ac:chgData name="Chen, Jeff" userId="9a3224f5-9893-4468-acd0-6d03119f890b" providerId="ADAL" clId="{36668F78-20BC-4003-801C-8ACC5A4B6E0B}" dt="2021-03-20T19:12:41.987" v="851" actId="1076"/>
+          <ac:picMkLst>
+            <pc:docMk/>
+            <pc:sldMk cId="3417370661" sldId="283"/>
+            <ac:picMk id="8" creationId="{46AD8B53-6479-4072-83D2-B95610DB3DB3}"/>
+          </ac:picMkLst>
+        </pc:picChg>
+      </pc:sldChg>
+      <pc:sldChg chg="addSp delSp modSp add mod">
+        <pc:chgData name="Chen, Jeff" userId="9a3224f5-9893-4468-acd0-6d03119f890b" providerId="ADAL" clId="{36668F78-20BC-4003-801C-8ACC5A4B6E0B}" dt="2021-03-20T19:28:46.747" v="1116" actId="1076"/>
+        <pc:sldMkLst>
+          <pc:docMk/>
+          <pc:sldMk cId="2344700059" sldId="284"/>
+        </pc:sldMkLst>
+        <pc:spChg chg="mod">
+          <ac:chgData name="Chen, Jeff" userId="9a3224f5-9893-4468-acd0-6d03119f890b" providerId="ADAL" clId="{36668F78-20BC-4003-801C-8ACC5A4B6E0B}" dt="2021-03-20T19:28:19.151" v="1094" actId="313"/>
+          <ac:spMkLst>
+            <pc:docMk/>
+            <pc:sldMk cId="2344700059" sldId="284"/>
+            <ac:spMk id="2" creationId="{6E571202-A7FD-4E52-A4AA-D73C06FA045E}"/>
+          </ac:spMkLst>
+        </pc:spChg>
+        <pc:spChg chg="add mod">
+          <ac:chgData name="Chen, Jeff" userId="9a3224f5-9893-4468-acd0-6d03119f890b" providerId="ADAL" clId="{36668F78-20BC-4003-801C-8ACC5A4B6E0B}" dt="2021-03-20T19:28:46.747" v="1116" actId="1076"/>
+          <ac:spMkLst>
+            <pc:docMk/>
+            <pc:sldMk cId="2344700059" sldId="284"/>
+            <ac:spMk id="3" creationId="{B3A1F941-2068-432A-A42C-91ED72E6D07F}"/>
+          </ac:spMkLst>
+        </pc:spChg>
+        <pc:picChg chg="del">
+          <ac:chgData name="Chen, Jeff" userId="9a3224f5-9893-4468-acd0-6d03119f890b" providerId="ADAL" clId="{36668F78-20BC-4003-801C-8ACC5A4B6E0B}" dt="2021-03-20T19:15:51.903" v="921" actId="478"/>
+          <ac:picMkLst>
+            <pc:docMk/>
+            <pc:sldMk cId="2344700059" sldId="284"/>
+            <ac:picMk id="4" creationId="{C2B542AA-2547-4F16-A960-EB394EF21741}"/>
+          </ac:picMkLst>
+        </pc:picChg>
+        <pc:picChg chg="add mod">
+          <ac:chgData name="Chen, Jeff" userId="9a3224f5-9893-4468-acd0-6d03119f890b" providerId="ADAL" clId="{36668F78-20BC-4003-801C-8ACC5A4B6E0B}" dt="2021-03-20T19:28:09.260" v="1068" actId="14100"/>
+          <ac:picMkLst>
+            <pc:docMk/>
+            <pc:sldMk cId="2344700059" sldId="284"/>
+            <ac:picMk id="8" creationId="{FFAD0ACE-42B0-4F20-8DCA-8AA6652866F6}"/>
+          </ac:picMkLst>
+        </pc:picChg>
+      </pc:sldChg>
+      <pc:sldChg chg="addSp delSp modSp add mod">
+        <pc:chgData name="Chen, Jeff" userId="9a3224f5-9893-4468-acd0-6d03119f890b" providerId="ADAL" clId="{36668F78-20BC-4003-801C-8ACC5A4B6E0B}" dt="2021-03-20T19:30:53.120" v="1196" actId="207"/>
+        <pc:sldMkLst>
+          <pc:docMk/>
+          <pc:sldMk cId="1698812418" sldId="285"/>
+        </pc:sldMkLst>
+        <pc:spChg chg="mod">
+          <ac:chgData name="Chen, Jeff" userId="9a3224f5-9893-4468-acd0-6d03119f890b" providerId="ADAL" clId="{36668F78-20BC-4003-801C-8ACC5A4B6E0B}" dt="2021-03-20T19:28:59.174" v="1132" actId="20577"/>
+          <ac:spMkLst>
+            <pc:docMk/>
+            <pc:sldMk cId="1698812418" sldId="285"/>
+            <ac:spMk id="2" creationId="{6E571202-A7FD-4E52-A4AA-D73C06FA045E}"/>
+          </ac:spMkLst>
+        </pc:spChg>
+        <pc:spChg chg="add mod">
+          <ac:chgData name="Chen, Jeff" userId="9a3224f5-9893-4468-acd0-6d03119f890b" providerId="ADAL" clId="{36668F78-20BC-4003-801C-8ACC5A4B6E0B}" dt="2021-03-20T19:29:27.697" v="1154" actId="1076"/>
+          <ac:spMkLst>
+            <pc:docMk/>
+            <pc:sldMk cId="1698812418" sldId="285"/>
+            <ac:spMk id="5" creationId="{D4DD9E37-6E69-404B-B402-339048396563}"/>
+          </ac:spMkLst>
+        </pc:spChg>
+        <pc:spChg chg="add mod">
+          <ac:chgData name="Chen, Jeff" userId="9a3224f5-9893-4468-acd0-6d03119f890b" providerId="ADAL" clId="{36668F78-20BC-4003-801C-8ACC5A4B6E0B}" dt="2021-03-20T19:29:50.127" v="1160" actId="1076"/>
+          <ac:spMkLst>
+            <pc:docMk/>
+            <pc:sldMk cId="1698812418" sldId="285"/>
+            <ac:spMk id="6" creationId="{C9C4BB62-3F3E-463A-A5F6-FB39CEA15784}"/>
+          </ac:spMkLst>
+        </pc:spChg>
+        <pc:spChg chg="add mod">
+          <ac:chgData name="Chen, Jeff" userId="9a3224f5-9893-4468-acd0-6d03119f890b" providerId="ADAL" clId="{36668F78-20BC-4003-801C-8ACC5A4B6E0B}" dt="2021-03-20T19:30:08.881" v="1173" actId="20577"/>
+          <ac:spMkLst>
+            <pc:docMk/>
+            <pc:sldMk cId="1698812418" sldId="285"/>
+            <ac:spMk id="7" creationId="{5232347D-6FA1-49EB-BC18-B0256972D559}"/>
+          </ac:spMkLst>
+        </pc:spChg>
+        <pc:spChg chg="add mod">
+          <ac:chgData name="Chen, Jeff" userId="9a3224f5-9893-4468-acd0-6d03119f890b" providerId="ADAL" clId="{36668F78-20BC-4003-801C-8ACC5A4B6E0B}" dt="2021-03-20T19:30:53.120" v="1196" actId="207"/>
+          <ac:spMkLst>
+            <pc:docMk/>
+            <pc:sldMk cId="1698812418" sldId="285"/>
+            <ac:spMk id="14" creationId="{B5EB3E9D-815C-4281-B278-B830361F1F1C}"/>
+          </ac:spMkLst>
+        </pc:spChg>
+        <pc:picChg chg="add mod">
+          <ac:chgData name="Chen, Jeff" userId="9a3224f5-9893-4468-acd0-6d03119f890b" providerId="ADAL" clId="{36668F78-20BC-4003-801C-8ACC5A4B6E0B}" dt="2021-03-20T19:18:14.528" v="960" actId="1076"/>
+          <ac:picMkLst>
+            <pc:docMk/>
+            <pc:sldMk cId="1698812418" sldId="285"/>
+            <ac:picMk id="4" creationId="{F1B3DCF2-9C45-4875-912D-812FD362C60C}"/>
+          </ac:picMkLst>
+        </pc:picChg>
+        <pc:picChg chg="del">
+          <ac:chgData name="Chen, Jeff" userId="9a3224f5-9893-4468-acd0-6d03119f890b" providerId="ADAL" clId="{36668F78-20BC-4003-801C-8ACC5A4B6E0B}" dt="2021-03-20T19:17:33.716" v="957" actId="478"/>
+          <ac:picMkLst>
+            <pc:docMk/>
+            <pc:sldMk cId="1698812418" sldId="285"/>
+            <ac:picMk id="8" creationId="{FFAD0ACE-42B0-4F20-8DCA-8AA6652866F6}"/>
+          </ac:picMkLst>
+        </pc:picChg>
+        <pc:picChg chg="add mod">
+          <ac:chgData name="Chen, Jeff" userId="9a3224f5-9893-4468-acd0-6d03119f890b" providerId="ADAL" clId="{36668F78-20BC-4003-801C-8ACC5A4B6E0B}" dt="2021-03-20T19:17:35.438" v="958" actId="1076"/>
+          <ac:picMkLst>
+            <pc:docMk/>
+            <pc:sldMk cId="1698812418" sldId="285"/>
+            <ac:picMk id="10" creationId="{6B7CFCB9-20C4-47D6-B456-4A16E53DC195}"/>
+          </ac:picMkLst>
+        </pc:picChg>
+        <pc:picChg chg="add mod">
+          <ac:chgData name="Chen, Jeff" userId="9a3224f5-9893-4468-acd0-6d03119f890b" providerId="ADAL" clId="{36668F78-20BC-4003-801C-8ACC5A4B6E0B}" dt="2021-03-20T19:20:22.241" v="970" actId="1076"/>
+          <ac:picMkLst>
+            <pc:docMk/>
+            <pc:sldMk cId="1698812418" sldId="285"/>
+            <ac:picMk id="12" creationId="{6F030C65-9BD1-4074-8435-B82D92398C0D}"/>
+          </ac:picMkLst>
+        </pc:picChg>
+      </pc:sldChg>
+      <pc:sldChg chg="addSp delSp modSp add mod">
+        <pc:chgData name="Chen, Jeff" userId="9a3224f5-9893-4468-acd0-6d03119f890b" providerId="ADAL" clId="{36668F78-20BC-4003-801C-8ACC5A4B6E0B}" dt="2021-03-20T19:33:38.515" v="1359" actId="20577"/>
+        <pc:sldMkLst>
+          <pc:docMk/>
+          <pc:sldMk cId="2950216918" sldId="286"/>
+        </pc:sldMkLst>
+        <pc:spChg chg="mod">
+          <ac:chgData name="Chen, Jeff" userId="9a3224f5-9893-4468-acd0-6d03119f890b" providerId="ADAL" clId="{36668F78-20BC-4003-801C-8ACC5A4B6E0B}" dt="2021-03-20T19:33:38.515" v="1359" actId="20577"/>
+          <ac:spMkLst>
+            <pc:docMk/>
+            <pc:sldMk cId="2950216918" sldId="286"/>
+            <ac:spMk id="2" creationId="{6E571202-A7FD-4E52-A4AA-D73C06FA045E}"/>
+          </ac:spMkLst>
+        </pc:spChg>
+        <pc:spChg chg="add mod">
+          <ac:chgData name="Chen, Jeff" userId="9a3224f5-9893-4468-acd0-6d03119f890b" providerId="ADAL" clId="{36668F78-20BC-4003-801C-8ACC5A4B6E0B}" dt="2021-03-20T19:33:33.726" v="1335" actId="1076"/>
+          <ac:spMkLst>
+            <pc:docMk/>
+            <pc:sldMk cId="2950216918" sldId="286"/>
+            <ac:spMk id="5" creationId="{7BB2DA2C-58BA-494B-B792-811287C80663}"/>
+          </ac:spMkLst>
+        </pc:spChg>
+        <pc:spChg chg="add mod">
+          <ac:chgData name="Chen, Jeff" userId="9a3224f5-9893-4468-acd0-6d03119f890b" providerId="ADAL" clId="{36668F78-20BC-4003-801C-8ACC5A4B6E0B}" dt="2021-03-20T19:33:07.624" v="1322" actId="207"/>
+          <ac:spMkLst>
+            <pc:docMk/>
+            <pc:sldMk cId="2950216918" sldId="286"/>
+            <ac:spMk id="6" creationId="{E352E248-7806-496C-A017-21814985B184}"/>
+          </ac:spMkLst>
+        </pc:spChg>
+        <pc:spChg chg="add mod">
+          <ac:chgData name="Chen, Jeff" userId="9a3224f5-9893-4468-acd0-6d03119f890b" providerId="ADAL" clId="{36668F78-20BC-4003-801C-8ACC5A4B6E0B}" dt="2021-03-20T19:33:24.344" v="1334" actId="1076"/>
+          <ac:spMkLst>
+            <pc:docMk/>
+            <pc:sldMk cId="2950216918" sldId="286"/>
+            <ac:spMk id="7" creationId="{1F02A30C-904A-47E1-971F-1440A73A4846}"/>
+          </ac:spMkLst>
+        </pc:spChg>
+        <pc:picChg chg="add mod">
+          <ac:chgData name="Chen, Jeff" userId="9a3224f5-9893-4468-acd0-6d03119f890b" providerId="ADAL" clId="{36668F78-20BC-4003-801C-8ACC5A4B6E0B}" dt="2021-03-20T19:33:20.163" v="1333" actId="1076"/>
+          <ac:picMkLst>
+            <pc:docMk/>
+            <pc:sldMk cId="2950216918" sldId="286"/>
+            <ac:picMk id="4" creationId="{C91C90B5-9D90-48AA-8C86-31AD925C8C01}"/>
+          </ac:picMkLst>
+        </pc:picChg>
+        <pc:picChg chg="del">
+          <ac:chgData name="Chen, Jeff" userId="9a3224f5-9893-4468-acd0-6d03119f890b" providerId="ADAL" clId="{36668F78-20BC-4003-801C-8ACC5A4B6E0B}" dt="2021-03-20T19:18:54.855" v="964" actId="478"/>
+          <ac:picMkLst>
+            <pc:docMk/>
+            <pc:sldMk cId="2950216918" sldId="286"/>
+            <ac:picMk id="8" creationId="{FFAD0ACE-42B0-4F20-8DCA-8AA6652866F6}"/>
+          </ac:picMkLst>
+        </pc:picChg>
+      </pc:sldChg>
+      <pc:sldChg chg="addSp delSp modSp add mod">
+        <pc:chgData name="Chen, Jeff" userId="9a3224f5-9893-4468-acd0-6d03119f890b" providerId="ADAL" clId="{36668F78-20BC-4003-801C-8ACC5A4B6E0B}" dt="2021-03-20T19:32:06.824" v="1277" actId="1076"/>
+        <pc:sldMkLst>
+          <pc:docMk/>
+          <pc:sldMk cId="1750585756" sldId="287"/>
+        </pc:sldMkLst>
+        <pc:spChg chg="mod">
+          <ac:chgData name="Chen, Jeff" userId="9a3224f5-9893-4468-acd0-6d03119f890b" providerId="ADAL" clId="{36668F78-20BC-4003-801C-8ACC5A4B6E0B}" dt="2021-03-20T19:31:24.784" v="1229" actId="20577"/>
+          <ac:spMkLst>
+            <pc:docMk/>
+            <pc:sldMk cId="1750585756" sldId="287"/>
+            <ac:spMk id="2" creationId="{6E571202-A7FD-4E52-A4AA-D73C06FA045E}"/>
+          </ac:spMkLst>
+        </pc:spChg>
+        <pc:spChg chg="add mod">
+          <ac:chgData name="Chen, Jeff" userId="9a3224f5-9893-4468-acd0-6d03119f890b" providerId="ADAL" clId="{36668F78-20BC-4003-801C-8ACC5A4B6E0B}" dt="2021-03-20T19:31:42.981" v="1249" actId="1076"/>
+          <ac:spMkLst>
+            <pc:docMk/>
+            <pc:sldMk cId="1750585756" sldId="287"/>
+            <ac:spMk id="7" creationId="{8273A093-9E88-4288-AA0E-14138FC590C4}"/>
+          </ac:spMkLst>
+        </pc:spChg>
+        <pc:spChg chg="add mod">
+          <ac:chgData name="Chen, Jeff" userId="9a3224f5-9893-4468-acd0-6d03119f890b" providerId="ADAL" clId="{36668F78-20BC-4003-801C-8ACC5A4B6E0B}" dt="2021-03-20T19:32:06.824" v="1277" actId="1076"/>
+          <ac:spMkLst>
+            <pc:docMk/>
+            <pc:sldMk cId="1750585756" sldId="287"/>
+            <ac:spMk id="10" creationId="{7B49A850-2D07-4DDB-8FC9-DBDC4D41E65E}"/>
+          </ac:spMkLst>
+        </pc:spChg>
+        <pc:picChg chg="add mod">
+          <ac:chgData name="Chen, Jeff" userId="9a3224f5-9893-4468-acd0-6d03119f890b" providerId="ADAL" clId="{36668F78-20BC-4003-801C-8ACC5A4B6E0B}" dt="2021-03-20T19:32:03.429" v="1276" actId="1076"/>
+          <ac:picMkLst>
+            <pc:docMk/>
+            <pc:sldMk cId="1750585756" sldId="287"/>
+            <ac:picMk id="4" creationId="{D516C982-40E8-4AAB-B498-ECEC4978FFEB}"/>
+          </ac:picMkLst>
+        </pc:picChg>
+        <pc:picChg chg="add del mod">
+          <ac:chgData name="Chen, Jeff" userId="9a3224f5-9893-4468-acd0-6d03119f890b" providerId="ADAL" clId="{36668F78-20BC-4003-801C-8ACC5A4B6E0B}" dt="2021-03-20T19:20:18.614" v="968" actId="478"/>
+          <ac:picMkLst>
+            <pc:docMk/>
+            <pc:sldMk cId="1750585756" sldId="287"/>
+            <ac:picMk id="6" creationId="{8759BF39-C4DF-41EF-BD8E-0E70AFEEE595}"/>
+          </ac:picMkLst>
+        </pc:picChg>
+        <pc:picChg chg="del">
+          <ac:chgData name="Chen, Jeff" userId="9a3224f5-9893-4468-acd0-6d03119f890b" providerId="ADAL" clId="{36668F78-20BC-4003-801C-8ACC5A4B6E0B}" dt="2021-03-20T19:18:26.083" v="961" actId="478"/>
+          <ac:picMkLst>
+            <pc:docMk/>
+            <pc:sldMk cId="1750585756" sldId="287"/>
+            <ac:picMk id="8" creationId="{FFAD0ACE-42B0-4F20-8DCA-8AA6652866F6}"/>
+          </ac:picMkLst>
+        </pc:picChg>
+      </pc:sldChg>
+      <pc:sldChg chg="addSp delSp modSp add mod">
+        <pc:chgData name="Chen, Jeff" userId="9a3224f5-9893-4468-acd0-6d03119f890b" providerId="ADAL" clId="{36668F78-20BC-4003-801C-8ACC5A4B6E0B}" dt="2021-03-20T19:42:35.693" v="1414" actId="1076"/>
+        <pc:sldMkLst>
+          <pc:docMk/>
+          <pc:sldMk cId="1875250666" sldId="288"/>
+        </pc:sldMkLst>
+        <pc:spChg chg="mod">
+          <ac:chgData name="Chen, Jeff" userId="9a3224f5-9893-4468-acd0-6d03119f890b" providerId="ADAL" clId="{36668F78-20BC-4003-801C-8ACC5A4B6E0B}" dt="2021-03-20T19:42:02.099" v="1378" actId="20577"/>
+          <ac:spMkLst>
+            <pc:docMk/>
+            <pc:sldMk cId="1875250666" sldId="288"/>
+            <ac:spMk id="2" creationId="{6E571202-A7FD-4E52-A4AA-D73C06FA045E}"/>
+          </ac:spMkLst>
+        </pc:spChg>
+        <pc:spChg chg="add del mod">
+          <ac:chgData name="Chen, Jeff" userId="9a3224f5-9893-4468-acd0-6d03119f890b" providerId="ADAL" clId="{36668F78-20BC-4003-801C-8ACC5A4B6E0B}" dt="2021-03-20T19:42:31.689" v="1413"/>
+          <ac:spMkLst>
+            <pc:docMk/>
+            <pc:sldMk cId="1875250666" sldId="288"/>
+            <ac:spMk id="5" creationId="{44D1C2E7-49E5-4A3E-9F2F-F238BD2FBC7D}"/>
+          </ac:spMkLst>
+        </pc:spChg>
+        <pc:spChg chg="add mod">
+          <ac:chgData name="Chen, Jeff" userId="9a3224f5-9893-4468-acd0-6d03119f890b" providerId="ADAL" clId="{36668F78-20BC-4003-801C-8ACC5A4B6E0B}" dt="2021-03-20T19:42:35.693" v="1414" actId="1076"/>
+          <ac:spMkLst>
+            <pc:docMk/>
+            <pc:sldMk cId="1875250666" sldId="288"/>
+            <ac:spMk id="6" creationId="{CB8540AA-F76A-42FF-B8D9-0660708D06BF}"/>
+          </ac:spMkLst>
+        </pc:spChg>
+        <pc:picChg chg="add mod">
+          <ac:chgData name="Chen, Jeff" userId="9a3224f5-9893-4468-acd0-6d03119f890b" providerId="ADAL" clId="{36668F78-20BC-4003-801C-8ACC5A4B6E0B}" dt="2021-03-20T19:42:25.244" v="1409" actId="1076"/>
+          <ac:picMkLst>
+            <pc:docMk/>
+            <pc:sldMk cId="1875250666" sldId="288"/>
+            <ac:picMk id="4" creationId="{39407EAB-39CC-4EF9-A525-B25BBCE4853D}"/>
+          </ac:picMkLst>
+        </pc:picChg>
+        <pc:picChg chg="del">
+          <ac:chgData name="Chen, Jeff" userId="9a3224f5-9893-4468-acd0-6d03119f890b" providerId="ADAL" clId="{36668F78-20BC-4003-801C-8ACC5A4B6E0B}" dt="2021-03-20T19:20:31.331" v="971" actId="478"/>
+          <ac:picMkLst>
+            <pc:docMk/>
+            <pc:sldMk cId="1875250666" sldId="288"/>
+            <ac:picMk id="8" creationId="{FFAD0ACE-42B0-4F20-8DCA-8AA6652866F6}"/>
+          </ac:picMkLst>
+        </pc:picChg>
+      </pc:sldChg>
+      <pc:sldChg chg="addSp delSp modSp add mod">
+        <pc:chgData name="Chen, Jeff" userId="9a3224f5-9893-4468-acd0-6d03119f890b" providerId="ADAL" clId="{36668F78-20BC-4003-801C-8ACC5A4B6E0B}" dt="2021-03-20T19:43:29.991" v="1481" actId="1076"/>
+        <pc:sldMkLst>
+          <pc:docMk/>
+          <pc:sldMk cId="840693964" sldId="289"/>
+        </pc:sldMkLst>
+        <pc:spChg chg="mod">
+          <ac:chgData name="Chen, Jeff" userId="9a3224f5-9893-4468-acd0-6d03119f890b" providerId="ADAL" clId="{36668F78-20BC-4003-801C-8ACC5A4B6E0B}" dt="2021-03-20T19:43:04.835" v="1445" actId="20577"/>
+          <ac:spMkLst>
+            <pc:docMk/>
+            <pc:sldMk cId="840693964" sldId="289"/>
+            <ac:spMk id="2" creationId="{6E571202-A7FD-4E52-A4AA-D73C06FA045E}"/>
+          </ac:spMkLst>
+        </pc:spChg>
+        <pc:spChg chg="add mod">
+          <ac:chgData name="Chen, Jeff" userId="9a3224f5-9893-4468-acd0-6d03119f890b" providerId="ADAL" clId="{36668F78-20BC-4003-801C-8ACC5A4B6E0B}" dt="2021-03-20T19:43:29.991" v="1481" actId="1076"/>
+          <ac:spMkLst>
+            <pc:docMk/>
+            <pc:sldMk cId="840693964" sldId="289"/>
+            <ac:spMk id="7" creationId="{C48904D6-786A-4232-BEEC-728F259EF7BF}"/>
+          </ac:spMkLst>
+        </pc:spChg>
+        <pc:picChg chg="add del">
+          <ac:chgData name="Chen, Jeff" userId="9a3224f5-9893-4468-acd0-6d03119f890b" providerId="ADAL" clId="{36668F78-20BC-4003-801C-8ACC5A4B6E0B}" dt="2021-03-20T19:22:08.423" v="976" actId="478"/>
+          <ac:picMkLst>
+            <pc:docMk/>
+            <pc:sldMk cId="840693964" sldId="289"/>
+            <ac:picMk id="4" creationId="{5513593C-7EFD-408A-85BF-57727CC1188D}"/>
+          </ac:picMkLst>
+        </pc:picChg>
+        <pc:picChg chg="add">
+          <ac:chgData name="Chen, Jeff" userId="9a3224f5-9893-4468-acd0-6d03119f890b" providerId="ADAL" clId="{36668F78-20BC-4003-801C-8ACC5A4B6E0B}" dt="2021-03-20T19:22:16.574" v="977" actId="22"/>
+          <ac:picMkLst>
+            <pc:docMk/>
+            <pc:sldMk cId="840693964" sldId="289"/>
+            <ac:picMk id="6" creationId="{D5DF07C6-FF15-433E-BD35-FB083958921D}"/>
+          </ac:picMkLst>
+        </pc:picChg>
+        <pc:picChg chg="del">
+          <ac:chgData name="Chen, Jeff" userId="9a3224f5-9893-4468-acd0-6d03119f890b" providerId="ADAL" clId="{36668F78-20BC-4003-801C-8ACC5A4B6E0B}" dt="2021-03-20T19:22:05.963" v="974" actId="478"/>
+          <ac:picMkLst>
+            <pc:docMk/>
+            <pc:sldMk cId="840693964" sldId="289"/>
+            <ac:picMk id="8" creationId="{FFAD0ACE-42B0-4F20-8DCA-8AA6652866F6}"/>
+          </ac:picMkLst>
+        </pc:picChg>
+      </pc:sldChg>
+      <pc:sldChg chg="addSp delSp modSp add mod">
+        <pc:chgData name="Chen, Jeff" userId="9a3224f5-9893-4468-acd0-6d03119f890b" providerId="ADAL" clId="{36668F78-20BC-4003-801C-8ACC5A4B6E0B}" dt="2021-03-20T19:46:44.510" v="1528" actId="20577"/>
+        <pc:sldMkLst>
+          <pc:docMk/>
+          <pc:sldMk cId="3897652649" sldId="290"/>
+        </pc:sldMkLst>
+        <pc:spChg chg="mod">
+          <ac:chgData name="Chen, Jeff" userId="9a3224f5-9893-4468-acd0-6d03119f890b" providerId="ADAL" clId="{36668F78-20BC-4003-801C-8ACC5A4B6E0B}" dt="2021-03-20T19:46:44.510" v="1528" actId="20577"/>
+          <ac:spMkLst>
+            <pc:docMk/>
+            <pc:sldMk cId="3897652649" sldId="290"/>
+            <ac:spMk id="2" creationId="{6E571202-A7FD-4E52-A4AA-D73C06FA045E}"/>
+          </ac:spMkLst>
+        </pc:spChg>
+        <pc:spChg chg="add mod">
+          <ac:chgData name="Chen, Jeff" userId="9a3224f5-9893-4468-acd0-6d03119f890b" providerId="ADAL" clId="{36668F78-20BC-4003-801C-8ACC5A4B6E0B}" dt="2021-03-20T19:46:20.341" v="1514" actId="1076"/>
+          <ac:spMkLst>
+            <pc:docMk/>
+            <pc:sldMk cId="3897652649" sldId="290"/>
+            <ac:spMk id="3" creationId="{A0A03D39-EEF8-462B-8F71-B28773B918EC}"/>
+          </ac:spMkLst>
+        </pc:spChg>
+        <pc:spChg chg="add mod">
+          <ac:chgData name="Chen, Jeff" userId="9a3224f5-9893-4468-acd0-6d03119f890b" providerId="ADAL" clId="{36668F78-20BC-4003-801C-8ACC5A4B6E0B}" dt="2021-03-20T19:46:34.247" v="1524" actId="1076"/>
+          <ac:spMkLst>
+            <pc:docMk/>
+            <pc:sldMk cId="3897652649" sldId="290"/>
+            <ac:spMk id="4" creationId="{6D38C92E-874B-4D77-B807-4D9C3D07D8F4}"/>
+          </ac:spMkLst>
+        </pc:spChg>
+        <pc:picChg chg="del">
+          <ac:chgData name="Chen, Jeff" userId="9a3224f5-9893-4468-acd0-6d03119f890b" providerId="ADAL" clId="{36668F78-20BC-4003-801C-8ACC5A4B6E0B}" dt="2021-03-20T19:21:59.463" v="973" actId="478"/>
+          <ac:picMkLst>
+            <pc:docMk/>
+            <pc:sldMk cId="3897652649" sldId="290"/>
+            <ac:picMk id="8" creationId="{FFAD0ACE-42B0-4F20-8DCA-8AA6652866F6}"/>
+          </ac:picMkLst>
+        </pc:picChg>
+        <pc:picChg chg="add mod">
+          <ac:chgData name="Chen, Jeff" userId="9a3224f5-9893-4468-acd0-6d03119f890b" providerId="ADAL" clId="{36668F78-20BC-4003-801C-8ACC5A4B6E0B}" dt="2021-03-20T19:45:54.667" v="1503" actId="1076"/>
+          <ac:picMkLst>
+            <pc:docMk/>
+            <pc:sldMk cId="3897652649" sldId="290"/>
+            <ac:picMk id="10" creationId="{F5E54483-9056-4071-973E-C1CA13CC551C}"/>
+          </ac:picMkLst>
+        </pc:picChg>
+      </pc:sldChg>
+      <pc:sldChg chg="addSp delSp modSp new mod setBg">
+        <pc:chgData name="Chen, Jeff" userId="9a3224f5-9893-4468-acd0-6d03119f890b" providerId="ADAL" clId="{36668F78-20BC-4003-801C-8ACC5A4B6E0B}" dt="2021-03-20T19:59:52.374" v="1623" actId="478"/>
+        <pc:sldMkLst>
+          <pc:docMk/>
+          <pc:sldMk cId="1873168933" sldId="291"/>
+        </pc:sldMkLst>
+        <pc:spChg chg="mod">
+          <ac:chgData name="Chen, Jeff" userId="9a3224f5-9893-4468-acd0-6d03119f890b" providerId="ADAL" clId="{36668F78-20BC-4003-801C-8ACC5A4B6E0B}" dt="2021-03-20T19:59:40.148" v="1622" actId="26606"/>
+          <ac:spMkLst>
+            <pc:docMk/>
+            <pc:sldMk cId="1873168933" sldId="291"/>
+            <ac:spMk id="2" creationId="{7B1A4F75-5C31-4B64-8DB0-EB84145DC97A}"/>
+          </ac:spMkLst>
+        </pc:spChg>
+        <pc:spChg chg="add del">
+          <ac:chgData name="Chen, Jeff" userId="9a3224f5-9893-4468-acd0-6d03119f890b" providerId="ADAL" clId="{36668F78-20BC-4003-801C-8ACC5A4B6E0B}" dt="2021-03-20T19:59:40.122" v="1621" actId="26606"/>
+          <ac:spMkLst>
+            <pc:docMk/>
+            <pc:sldMk cId="1873168933" sldId="291"/>
+            <ac:spMk id="9" creationId="{1045B59B-615E-4718-A150-42DE5D03E1C8}"/>
+          </ac:spMkLst>
+        </pc:spChg>
+        <pc:spChg chg="add del">
+          <ac:chgData name="Chen, Jeff" userId="9a3224f5-9893-4468-acd0-6d03119f890b" providerId="ADAL" clId="{36668F78-20BC-4003-801C-8ACC5A4B6E0B}" dt="2021-03-20T19:59:40.122" v="1621" actId="26606"/>
+          <ac:spMkLst>
+            <pc:docMk/>
+            <pc:sldMk cId="1873168933" sldId="291"/>
+            <ac:spMk id="11" creationId="{D6CF29CD-38B8-4924-BA11-6D60517487EF}"/>
+          </ac:spMkLst>
+        </pc:spChg>
+        <pc:spChg chg="add">
+          <ac:chgData name="Chen, Jeff" userId="9a3224f5-9893-4468-acd0-6d03119f890b" providerId="ADAL" clId="{36668F78-20BC-4003-801C-8ACC5A4B6E0B}" dt="2021-03-20T19:59:40.148" v="1622" actId="26606"/>
+          <ac:spMkLst>
+            <pc:docMk/>
+            <pc:sldMk cId="1873168933" sldId="291"/>
+            <ac:spMk id="16" creationId="{7F57BEA8-497D-4AA8-8A18-BDCD696B25FE}"/>
+          </ac:spMkLst>
+        </pc:spChg>
+        <pc:picChg chg="add del mod">
+          <ac:chgData name="Chen, Jeff" userId="9a3224f5-9893-4468-acd0-6d03119f890b" providerId="ADAL" clId="{36668F78-20BC-4003-801C-8ACC5A4B6E0B}" dt="2021-03-20T19:59:52.374" v="1623" actId="478"/>
+          <ac:picMkLst>
+            <pc:docMk/>
+            <pc:sldMk cId="1873168933" sldId="291"/>
+            <ac:picMk id="4" creationId="{6EAD476F-2DC0-4B3D-AB10-419DCBA08B13}"/>
+          </ac:picMkLst>
+        </pc:picChg>
+        <pc:cxnChg chg="add">
+          <ac:chgData name="Chen, Jeff" userId="9a3224f5-9893-4468-acd0-6d03119f890b" providerId="ADAL" clId="{36668F78-20BC-4003-801C-8ACC5A4B6E0B}" dt="2021-03-20T19:59:40.148" v="1622" actId="26606"/>
+          <ac:cxnSpMkLst>
+            <pc:docMk/>
+            <pc:sldMk cId="1873168933" sldId="291"/>
+            <ac:cxnSpMk id="13" creationId="{A82415D3-DDE5-4D63-8CB3-23A5EC581B27}"/>
+          </ac:cxnSpMkLst>
+        </pc:cxnChg>
+        <pc:cxnChg chg="add">
+          <ac:chgData name="Chen, Jeff" userId="9a3224f5-9893-4468-acd0-6d03119f890b" providerId="ADAL" clId="{36668F78-20BC-4003-801C-8ACC5A4B6E0B}" dt="2021-03-20T19:59:40.148" v="1622" actId="26606"/>
+          <ac:cxnSpMkLst>
+            <pc:docMk/>
+            <pc:sldMk cId="1873168933" sldId="291"/>
+            <ac:cxnSpMk id="14" creationId="{D2E961F1-4A28-4A5F-BBD4-6E400E5E6C75}"/>
+          </ac:cxnSpMkLst>
+        </pc:cxnChg>
+        <pc:cxnChg chg="add">
+          <ac:chgData name="Chen, Jeff" userId="9a3224f5-9893-4468-acd0-6d03119f890b" providerId="ADAL" clId="{36668F78-20BC-4003-801C-8ACC5A4B6E0B}" dt="2021-03-20T19:59:40.148" v="1622" actId="26606"/>
+          <ac:cxnSpMkLst>
+            <pc:docMk/>
+            <pc:sldMk cId="1873168933" sldId="291"/>
+            <ac:cxnSpMk id="15" creationId="{AD7193FB-6AE6-4B3B-8F89-56B55DD63B4D}"/>
+          </ac:cxnSpMkLst>
+        </pc:cxnChg>
+      </pc:sldChg>
+      <pc:sldChg chg="add del">
+        <pc:chgData name="Chen, Jeff" userId="9a3224f5-9893-4468-acd0-6d03119f890b" providerId="ADAL" clId="{36668F78-20BC-4003-801C-8ACC5A4B6E0B}" dt="2021-03-20T19:46:54.303" v="1531" actId="47"/>
+        <pc:sldMkLst>
+          <pc:docMk/>
+          <pc:sldMk cId="2513259099" sldId="291"/>
+        </pc:sldMkLst>
+      </pc:sldChg>
+      <pc:sldChg chg="add del">
+        <pc:chgData name="Chen, Jeff" userId="9a3224f5-9893-4468-acd0-6d03119f890b" providerId="ADAL" clId="{36668F78-20BC-4003-801C-8ACC5A4B6E0B}" dt="2021-03-20T19:46:51.458" v="1530" actId="47"/>
+        <pc:sldMkLst>
+          <pc:docMk/>
+          <pc:sldMk cId="2799505585" sldId="292"/>
+        </pc:sldMkLst>
+      </pc:sldChg>
     </pc:docChg>
   </pc:docChgLst>
 </pc:chgInfo>
+</file>
+
+<file path=ppt/notesMasters/notesMaster1.xml><?xml version="1.0" encoding="utf-8"?>
+<p:notesMaster xmlns:a="http://schemas.openxmlformats.org/drawingml/2006/main" xmlns:r="http://schemas.openxmlformats.org/officeDocument/2006/relationships" xmlns:p="http://schemas.openxmlformats.org/presentationml/2006/main">
+  <p:cSld>
+    <p:bg>
+      <p:bgRef idx="1001">
+        <a:schemeClr val="bg1"/>
+      </p:bgRef>
+    </p:bg>
+    <p:spTree>
+      <p:nvGrpSpPr>
+        <p:cNvPr id="1" name=""/>
+        <p:cNvGrpSpPr/>
+        <p:nvPr/>
+      </p:nvGrpSpPr>
+      <p:grpSpPr>
+        <a:xfrm>
+          <a:off x="0" y="0"/>
+          <a:ext cx="0" cy="0"/>
+          <a:chOff x="0" y="0"/>
+          <a:chExt cx="0" cy="0"/>
+        </a:xfrm>
+      </p:grpSpPr>
+      <p:sp>
+        <p:nvSpPr>
+          <p:cNvPr id="2" name="Header Placeholder 1"/>
+          <p:cNvSpPr>
+            <a:spLocks noGrp="1"/>
+          </p:cNvSpPr>
+          <p:nvPr>
+            <p:ph type="hdr" sz="quarter"/>
+          </p:nvPr>
+        </p:nvSpPr>
+        <p:spPr>
+          <a:xfrm>
+            <a:off x="0" y="0"/>
+            <a:ext cx="2971800" cy="458788"/>
+          </a:xfrm>
+          <a:prstGeom prst="rect">
+            <a:avLst/>
+          </a:prstGeom>
+        </p:spPr>
+        <p:txBody>
+          <a:bodyPr vert="horz" lIns="91440" tIns="45720" rIns="91440" bIns="45720" rtlCol="0"/>
+          <a:lstStyle>
+            <a:lvl1pPr algn="l">
+              <a:defRPr sz="1200"/>
+            </a:lvl1pPr>
+          </a:lstStyle>
+          <a:p>
+            <a:endParaRPr lang="en-US"/>
+          </a:p>
+        </p:txBody>
+      </p:sp>
+      <p:sp>
+        <p:nvSpPr>
+          <p:cNvPr id="3" name="Date Placeholder 2"/>
+          <p:cNvSpPr>
+            <a:spLocks noGrp="1"/>
+          </p:cNvSpPr>
+          <p:nvPr>
+            <p:ph type="dt" idx="1"/>
+          </p:nvPr>
+        </p:nvSpPr>
+        <p:spPr>
+          <a:xfrm>
+            <a:off x="3884613" y="0"/>
+            <a:ext cx="2971800" cy="458788"/>
+          </a:xfrm>
+          <a:prstGeom prst="rect">
+            <a:avLst/>
+          </a:prstGeom>
+        </p:spPr>
+        <p:txBody>
+          <a:bodyPr vert="horz" lIns="91440" tIns="45720" rIns="91440" bIns="45720" rtlCol="0"/>
+          <a:lstStyle>
+            <a:lvl1pPr algn="r">
+              <a:defRPr sz="1200"/>
+            </a:lvl1pPr>
+          </a:lstStyle>
+          <a:p>
+            <a:fld id="{64FCA671-C320-437E-A846-70FE3A79CD3C}" type="datetimeFigureOut">
+              <a:rPr lang="en-US" smtClean="0"/>
+              <a:t>3/20/2021</a:t>
+            </a:fld>
+            <a:endParaRPr lang="en-US"/>
+          </a:p>
+        </p:txBody>
+      </p:sp>
+      <p:sp>
+        <p:nvSpPr>
+          <p:cNvPr id="4" name="Slide Image Placeholder 3"/>
+          <p:cNvSpPr>
+            <a:spLocks noGrp="1" noRot="1" noChangeAspect="1"/>
+          </p:cNvSpPr>
+          <p:nvPr>
+            <p:ph type="sldImg" idx="2"/>
+          </p:nvPr>
+        </p:nvSpPr>
+        <p:spPr>
+          <a:xfrm>
+            <a:off x="685800" y="1143000"/>
+            <a:ext cx="5486400" cy="3086100"/>
+          </a:xfrm>
+          <a:prstGeom prst="rect">
+            <a:avLst/>
+          </a:prstGeom>
+          <a:noFill/>
+          <a:ln w="12700">
+            <a:solidFill>
+              <a:prstClr val="black"/>
+            </a:solidFill>
+          </a:ln>
+        </p:spPr>
+        <p:txBody>
+          <a:bodyPr vert="horz" lIns="91440" tIns="45720" rIns="91440" bIns="45720" rtlCol="0" anchor="ctr"/>
+          <a:lstStyle/>
+          <a:p>
+            <a:endParaRPr lang="en-US"/>
+          </a:p>
+        </p:txBody>
+      </p:sp>
+      <p:sp>
+        <p:nvSpPr>
+          <p:cNvPr id="5" name="Notes Placeholder 4"/>
+          <p:cNvSpPr>
+            <a:spLocks noGrp="1"/>
+          </p:cNvSpPr>
+          <p:nvPr>
+            <p:ph type="body" sz="quarter" idx="3"/>
+          </p:nvPr>
+        </p:nvSpPr>
+        <p:spPr>
+          <a:xfrm>
+            <a:off x="685800" y="4400550"/>
+            <a:ext cx="5486400" cy="3600450"/>
+          </a:xfrm>
+          <a:prstGeom prst="rect">
+            <a:avLst/>
+          </a:prstGeom>
+        </p:spPr>
+        <p:txBody>
+          <a:bodyPr vert="horz" lIns="91440" tIns="45720" rIns="91440" bIns="45720" rtlCol="0"/>
+          <a:lstStyle/>
+          <a:p>
+            <a:pPr lvl="0"/>
+            <a:r>
+              <a:rPr lang="en-US"/>
+              <a:t>Click to edit Master text styles</a:t>
+            </a:r>
+          </a:p>
+          <a:p>
+            <a:pPr lvl="1"/>
+            <a:r>
+              <a:rPr lang="en-US"/>
+              <a:t>Second level</a:t>
+            </a:r>
+          </a:p>
+          <a:p>
+            <a:pPr lvl="2"/>
+            <a:r>
+              <a:rPr lang="en-US"/>
+              <a:t>Third level</a:t>
+            </a:r>
+          </a:p>
+          <a:p>
+            <a:pPr lvl="3"/>
+            <a:r>
+              <a:rPr lang="en-US"/>
+              <a:t>Fourth level</a:t>
+            </a:r>
+          </a:p>
+          <a:p>
+            <a:pPr lvl="4"/>
+            <a:r>
+              <a:rPr lang="en-US"/>
+              <a:t>Fifth level</a:t>
+            </a:r>
+          </a:p>
+        </p:txBody>
+      </p:sp>
+      <p:sp>
+        <p:nvSpPr>
+          <p:cNvPr id="6" name="Footer Placeholder 5"/>
+          <p:cNvSpPr>
+            <a:spLocks noGrp="1"/>
+          </p:cNvSpPr>
+          <p:nvPr>
+            <p:ph type="ftr" sz="quarter" idx="4"/>
+          </p:nvPr>
+        </p:nvSpPr>
+        <p:spPr>
+          <a:xfrm>
+            <a:off x="0" y="8685213"/>
+            <a:ext cx="2971800" cy="458787"/>
+          </a:xfrm>
+          <a:prstGeom prst="rect">
+            <a:avLst/>
+          </a:prstGeom>
+        </p:spPr>
+        <p:txBody>
+          <a:bodyPr vert="horz" lIns="91440" tIns="45720" rIns="91440" bIns="45720" rtlCol="0" anchor="b"/>
+          <a:lstStyle>
+            <a:lvl1pPr algn="l">
+              <a:defRPr sz="1200"/>
+            </a:lvl1pPr>
+          </a:lstStyle>
+          <a:p>
+            <a:endParaRPr lang="en-US"/>
+          </a:p>
+        </p:txBody>
+      </p:sp>
+      <p:sp>
+        <p:nvSpPr>
+          <p:cNvPr id="7" name="Slide Number Placeholder 6"/>
+          <p:cNvSpPr>
+            <a:spLocks noGrp="1"/>
+          </p:cNvSpPr>
+          <p:nvPr>
+            <p:ph type="sldNum" sz="quarter" idx="5"/>
+          </p:nvPr>
+        </p:nvSpPr>
+        <p:spPr>
+          <a:xfrm>
+            <a:off x="3884613" y="8685213"/>
+            <a:ext cx="2971800" cy="458787"/>
+          </a:xfrm>
+          <a:prstGeom prst="rect">
+            <a:avLst/>
+          </a:prstGeom>
+        </p:spPr>
+        <p:txBody>
+          <a:bodyPr vert="horz" lIns="91440" tIns="45720" rIns="91440" bIns="45720" rtlCol="0" anchor="b"/>
+          <a:lstStyle>
+            <a:lvl1pPr algn="r">
+              <a:defRPr sz="1200"/>
+            </a:lvl1pPr>
+          </a:lstStyle>
+          <a:p>
+            <a:fld id="{918D473F-C4B0-44DD-AFF9-8670C5819ABC}" type="slidenum">
+              <a:rPr lang="en-US" smtClean="0"/>
+              <a:t>‹#›</a:t>
+            </a:fld>
+            <a:endParaRPr lang="en-US"/>
+          </a:p>
+        </p:txBody>
+      </p:sp>
+    </p:spTree>
+    <p:extLst>
+      <p:ext uri="{BB962C8B-B14F-4D97-AF65-F5344CB8AC3E}">
+        <p14:creationId xmlns:p14="http://schemas.microsoft.com/office/powerpoint/2010/main" val="498772111"/>
+      </p:ext>
+    </p:extLst>
+  </p:cSld>
+  <p:clrMap bg1="lt1" tx1="dk1" bg2="lt2" tx2="dk2" accent1="accent1" accent2="accent2" accent3="accent3" accent4="accent4" accent5="accent5" accent6="accent6" hlink="hlink" folHlink="folHlink"/>
+  <p:notesStyle>
+    <a:lvl1pPr marL="0" algn="l" defTabSz="914400" rtl="0" eaLnBrk="1" latinLnBrk="0" hangingPunct="1">
+      <a:defRPr sz="1200" kern="1200">
+        <a:solidFill>
+          <a:schemeClr val="tx1"/>
+        </a:solidFill>
+        <a:latin typeface="+mn-lt"/>
+        <a:ea typeface="+mn-ea"/>
+        <a:cs typeface="+mn-cs"/>
+      </a:defRPr>
+    </a:lvl1pPr>
+    <a:lvl2pPr marL="457200" algn="l" defTabSz="914400" rtl="0" eaLnBrk="1" latinLnBrk="0" hangingPunct="1">
+      <a:defRPr sz="1200" kern="1200">
+        <a:solidFill>
+          <a:schemeClr val="tx1"/>
+        </a:solidFill>
+        <a:latin typeface="+mn-lt"/>
+        <a:ea typeface="+mn-ea"/>
+        <a:cs typeface="+mn-cs"/>
+      </a:defRPr>
+    </a:lvl2pPr>
+    <a:lvl3pPr marL="914400" algn="l" defTabSz="914400" rtl="0" eaLnBrk="1" latinLnBrk="0" hangingPunct="1">
+      <a:defRPr sz="1200" kern="1200">
+        <a:solidFill>
+          <a:schemeClr val="tx1"/>
+        </a:solidFill>
+        <a:latin typeface="+mn-lt"/>
+        <a:ea typeface="+mn-ea"/>
+        <a:cs typeface="+mn-cs"/>
+      </a:defRPr>
+    </a:lvl3pPr>
+    <a:lvl4pPr marL="1371600" algn="l" defTabSz="914400" rtl="0" eaLnBrk="1" latinLnBrk="0" hangingPunct="1">
+      <a:defRPr sz="1200" kern="1200">
+        <a:solidFill>
+          <a:schemeClr val="tx1"/>
+        </a:solidFill>
+        <a:latin typeface="+mn-lt"/>
+        <a:ea typeface="+mn-ea"/>
+        <a:cs typeface="+mn-cs"/>
+      </a:defRPr>
+    </a:lvl4pPr>
+    <a:lvl5pPr marL="1828800" algn="l" defTabSz="914400" rtl="0" eaLnBrk="1" latinLnBrk="0" hangingPunct="1">
+      <a:defRPr sz="1200" kern="1200">
+        <a:solidFill>
+          <a:schemeClr val="tx1"/>
+        </a:solidFill>
+        <a:latin typeface="+mn-lt"/>
+        <a:ea typeface="+mn-ea"/>
+        <a:cs typeface="+mn-cs"/>
+      </a:defRPr>
+    </a:lvl5pPr>
+    <a:lvl6pPr marL="2286000" algn="l" defTabSz="914400" rtl="0" eaLnBrk="1" latinLnBrk="0" hangingPunct="1">
+      <a:defRPr sz="1200" kern="1200">
+        <a:solidFill>
+          <a:schemeClr val="tx1"/>
+        </a:solidFill>
+        <a:latin typeface="+mn-lt"/>
+        <a:ea typeface="+mn-ea"/>
+        <a:cs typeface="+mn-cs"/>
+      </a:defRPr>
+    </a:lvl6pPr>
+    <a:lvl7pPr marL="2743200" algn="l" defTabSz="914400" rtl="0" eaLnBrk="1" latinLnBrk="0" hangingPunct="1">
+      <a:defRPr sz="1200" kern="1200">
+        <a:solidFill>
+          <a:schemeClr val="tx1"/>
+        </a:solidFill>
+        <a:latin typeface="+mn-lt"/>
+        <a:ea typeface="+mn-ea"/>
+        <a:cs typeface="+mn-cs"/>
+      </a:defRPr>
+    </a:lvl7pPr>
+    <a:lvl8pPr marL="3200400" algn="l" defTabSz="914400" rtl="0" eaLnBrk="1" latinLnBrk="0" hangingPunct="1">
+      <a:defRPr sz="1200" kern="1200">
+        <a:solidFill>
+          <a:schemeClr val="tx1"/>
+        </a:solidFill>
+        <a:latin typeface="+mn-lt"/>
+        <a:ea typeface="+mn-ea"/>
+        <a:cs typeface="+mn-cs"/>
+      </a:defRPr>
+    </a:lvl8pPr>
+    <a:lvl9pPr marL="3657600" algn="l" defTabSz="914400" rtl="0" eaLnBrk="1" latinLnBrk="0" hangingPunct="1">
+      <a:defRPr sz="1200" kern="1200">
+        <a:solidFill>
+          <a:schemeClr val="tx1"/>
+        </a:solidFill>
+        <a:latin typeface="+mn-lt"/>
+        <a:ea typeface="+mn-ea"/>
+        <a:cs typeface="+mn-cs"/>
+      </a:defRPr>
+    </a:lvl9pPr>
+  </p:notesStyle>
+</p:notesMaster>
 </file>
 
 <file path=ppt/slideLayouts/slideLayout1.xml><?xml version="1.0" encoding="utf-8"?>
@@ -1018,7 +2313,7 @@
           <a:p>
             <a:fld id="{30D69E17-F306-4E08-9522-67EEF85B89F0}" type="datetimeFigureOut">
               <a:rPr lang="en-US" smtClean="0"/>
-              <a:t>3/8/2021</a:t>
+              <a:t>3/20/2021</a:t>
             </a:fld>
             <a:endParaRPr lang="en-US"/>
           </a:p>
@@ -1216,7 +2511,7 @@
           <a:p>
             <a:fld id="{30D69E17-F306-4E08-9522-67EEF85B89F0}" type="datetimeFigureOut">
               <a:rPr lang="en-US" smtClean="0"/>
-              <a:t>3/8/2021</a:t>
+              <a:t>3/20/2021</a:t>
             </a:fld>
             <a:endParaRPr lang="en-US"/>
           </a:p>
@@ -1424,7 +2719,7 @@
           <a:p>
             <a:fld id="{30D69E17-F306-4E08-9522-67EEF85B89F0}" type="datetimeFigureOut">
               <a:rPr lang="en-US" smtClean="0"/>
-              <a:t>3/8/2021</a:t>
+              <a:t>3/20/2021</a:t>
             </a:fld>
             <a:endParaRPr lang="en-US"/>
           </a:p>
@@ -1622,7 +2917,7 @@
           <a:p>
             <a:fld id="{30D69E17-F306-4E08-9522-67EEF85B89F0}" type="datetimeFigureOut">
               <a:rPr lang="en-US" smtClean="0"/>
-              <a:t>3/8/2021</a:t>
+              <a:t>3/20/2021</a:t>
             </a:fld>
             <a:endParaRPr lang="en-US"/>
           </a:p>
@@ -1897,7 +3192,7 @@
           <a:p>
             <a:fld id="{30D69E17-F306-4E08-9522-67EEF85B89F0}" type="datetimeFigureOut">
               <a:rPr lang="en-US" smtClean="0"/>
-              <a:t>3/8/2021</a:t>
+              <a:t>3/20/2021</a:t>
             </a:fld>
             <a:endParaRPr lang="en-US"/>
           </a:p>
@@ -2162,7 +3457,7 @@
           <a:p>
             <a:fld id="{30D69E17-F306-4E08-9522-67EEF85B89F0}" type="datetimeFigureOut">
               <a:rPr lang="en-US" smtClean="0"/>
-              <a:t>3/8/2021</a:t>
+              <a:t>3/20/2021</a:t>
             </a:fld>
             <a:endParaRPr lang="en-US"/>
           </a:p>
@@ -2574,7 +3869,7 @@
           <a:p>
             <a:fld id="{30D69E17-F306-4E08-9522-67EEF85B89F0}" type="datetimeFigureOut">
               <a:rPr lang="en-US" smtClean="0"/>
-              <a:t>3/8/2021</a:t>
+              <a:t>3/20/2021</a:t>
             </a:fld>
             <a:endParaRPr lang="en-US"/>
           </a:p>
@@ -2715,7 +4010,7 @@
           <a:p>
             <a:fld id="{30D69E17-F306-4E08-9522-67EEF85B89F0}" type="datetimeFigureOut">
               <a:rPr lang="en-US" smtClean="0"/>
-              <a:t>3/8/2021</a:t>
+              <a:t>3/20/2021</a:t>
             </a:fld>
             <a:endParaRPr lang="en-US"/>
           </a:p>
@@ -2828,7 +4123,7 @@
           <a:p>
             <a:fld id="{30D69E17-F306-4E08-9522-67EEF85B89F0}" type="datetimeFigureOut">
               <a:rPr lang="en-US" smtClean="0"/>
-              <a:t>3/8/2021</a:t>
+              <a:t>3/20/2021</a:t>
             </a:fld>
             <a:endParaRPr lang="en-US"/>
           </a:p>
@@ -3139,7 +4434,7 @@
           <a:p>
             <a:fld id="{30D69E17-F306-4E08-9522-67EEF85B89F0}" type="datetimeFigureOut">
               <a:rPr lang="en-US" smtClean="0"/>
-              <a:t>3/8/2021</a:t>
+              <a:t>3/20/2021</a:t>
             </a:fld>
             <a:endParaRPr lang="en-US"/>
           </a:p>
@@ -3427,7 +4722,7 @@
           <a:p>
             <a:fld id="{30D69E17-F306-4E08-9522-67EEF85B89F0}" type="datetimeFigureOut">
               <a:rPr lang="en-US" smtClean="0"/>
-              <a:t>3/8/2021</a:t>
+              <a:t>3/20/2021</a:t>
             </a:fld>
             <a:endParaRPr lang="en-US"/>
           </a:p>
@@ -3668,7 +4963,7 @@
           <a:p>
             <a:fld id="{30D69E17-F306-4E08-9522-67EEF85B89F0}" type="datetimeFigureOut">
               <a:rPr lang="en-US" smtClean="0"/>
-              <a:t>3/8/2021</a:t>
+              <a:t>3/20/2021</a:t>
             </a:fld>
             <a:endParaRPr lang="en-US"/>
           </a:p>
@@ -4191,7 +5486,7 @@
                 <a:ea typeface="+mj-ea"/>
                 <a:cs typeface="+mj-cs"/>
               </a:rPr>
-              <a:t>Invertible definition</a:t>
+              <a:t>Invertible</a:t>
             </a:r>
           </a:p>
         </p:txBody>
@@ -4569,68 +5864,6 @@
           </a:prstGeom>
         </p:spPr>
       </p:pic>
-      <p:sp>
-        <p:nvSpPr>
-          <p:cNvPr id="8" name="TextBox 7">
-            <a:extLst>
-              <a:ext uri="{FF2B5EF4-FFF2-40B4-BE49-F238E27FC236}">
-                <a16:creationId xmlns:a16="http://schemas.microsoft.com/office/drawing/2014/main" id="{CFF6D26F-3F02-4CE1-A5F9-89654CD8BC16}"/>
-              </a:ext>
-            </a:extLst>
-          </p:cNvPr>
-          <p:cNvSpPr txBox="1"/>
-          <p:nvPr/>
-        </p:nvSpPr>
-        <p:spPr>
-          <a:xfrm>
-            <a:off x="899387" y="2932158"/>
-            <a:ext cx="10576229" cy="923330"/>
-          </a:xfrm>
-          <a:prstGeom prst="rect">
-            <a:avLst/>
-          </a:prstGeom>
-          <a:noFill/>
-        </p:spPr>
-        <p:txBody>
-          <a:bodyPr wrap="none" rtlCol="0">
-            <a:spAutoFit/>
-          </a:bodyPr>
-          <a:lstStyle/>
-          <a:p>
-            <a:r>
-              <a:rPr lang="en-US" sz="1800" dirty="0">
-                <a:solidFill>
-                  <a:srgbClr val="FF0000"/>
-                </a:solidFill>
-                <a:effectLst/>
-                <a:latin typeface="Segoe UI" panose="020B0502040204020203" pitchFamily="34" charset="0"/>
-              </a:rPr>
-              <a:t>- By symmetry, if the matrix A is invertible with inverse B, then matrix B is also invertible with inverse A.</a:t>
-            </a:r>
-          </a:p>
-          <a:p>
-            <a:r>
-              <a:rPr lang="en-US" dirty="0">
-                <a:solidFill>
-                  <a:srgbClr val="FF0000"/>
-                </a:solidFill>
-                <a:latin typeface="Segoe UI" panose="020B0502040204020203" pitchFamily="34" charset="0"/>
-              </a:rPr>
-              <a:t>- ((A^-1)^-1) = A.</a:t>
-            </a:r>
-            <a:endParaRPr lang="en-US" sz="1800" dirty="0">
-              <a:solidFill>
-                <a:srgbClr val="FF0000"/>
-              </a:solidFill>
-              <a:effectLst/>
-              <a:latin typeface="Arial" panose="020B0604020202020204" pitchFamily="34" charset="0"/>
-            </a:endParaRPr>
-          </a:p>
-          <a:p>
-            <a:endParaRPr lang="en-US" dirty="0"/>
-          </a:p>
-        </p:txBody>
-      </p:sp>
     </p:spTree>
     <p:extLst>
       <p:ext uri="{BB962C8B-B14F-4D97-AF65-F5344CB8AC3E}">
@@ -5167,7 +6400,7 @@
         </p:blipFill>
         <p:spPr>
           <a:xfrm>
-            <a:off x="2983789" y="2566169"/>
+            <a:off x="2746397" y="2292741"/>
             <a:ext cx="6219825" cy="1428750"/>
           </a:xfrm>
           <a:prstGeom prst="rect">
@@ -5902,7 +7135,7 @@
                 <a:ea typeface="+mj-ea"/>
                 <a:cs typeface="+mj-cs"/>
               </a:rPr>
-              <a:t>Transformation Type (TBA)</a:t>
+              <a:t>Matrix Transformation</a:t>
             </a:r>
           </a:p>
         </p:txBody>
@@ -6161,6 +7394,45 @@
               <a:ea typeface="+mn-ea"/>
               <a:cs typeface="+mn-cs"/>
             </a:endParaRPr>
+          </a:p>
+        </p:txBody>
+      </p:sp>
+      <p:sp>
+        <p:nvSpPr>
+          <p:cNvPr id="10" name="TextBox 9">
+            <a:extLst>
+              <a:ext uri="{FF2B5EF4-FFF2-40B4-BE49-F238E27FC236}">
+                <a16:creationId xmlns:a16="http://schemas.microsoft.com/office/drawing/2014/main" id="{09EA836B-DFF5-4925-86EF-5F74C1D6FB0C}"/>
+              </a:ext>
+            </a:extLst>
+          </p:cNvPr>
+          <p:cNvSpPr txBox="1"/>
+          <p:nvPr/>
+        </p:nvSpPr>
+        <p:spPr>
+          <a:xfrm>
+            <a:off x="7682279" y="2497340"/>
+            <a:ext cx="2406601" cy="369332"/>
+          </a:xfrm>
+          <a:prstGeom prst="rect">
+            <a:avLst/>
+          </a:prstGeom>
+          <a:noFill/>
+        </p:spPr>
+        <p:txBody>
+          <a:bodyPr wrap="square">
+            <a:spAutoFit/>
+          </a:bodyPr>
+          <a:lstStyle/>
+          <a:p>
+            <a:r>
+              <a:rPr lang="en-US" dirty="0">
+                <a:solidFill>
+                  <a:srgbClr val="FF0000"/>
+                </a:solidFill>
+              </a:rPr>
+              <a:t>Matrix Transformation</a:t>
+            </a:r>
           </a:p>
         </p:txBody>
       </p:sp>
@@ -6655,6 +7927,84 @@
           </a:p>
         </p:txBody>
       </p:sp>
+      <p:sp>
+        <p:nvSpPr>
+          <p:cNvPr id="3" name="TextBox 2">
+            <a:extLst>
+              <a:ext uri="{FF2B5EF4-FFF2-40B4-BE49-F238E27FC236}">
+                <a16:creationId xmlns:a16="http://schemas.microsoft.com/office/drawing/2014/main" id="{0BE50B57-3D89-4BED-8F35-DA91273298F5}"/>
+              </a:ext>
+            </a:extLst>
+          </p:cNvPr>
+          <p:cNvSpPr txBox="1"/>
+          <p:nvPr/>
+        </p:nvSpPr>
+        <p:spPr>
+          <a:xfrm>
+            <a:off x="5205345" y="2075538"/>
+            <a:ext cx="729367" cy="369332"/>
+          </a:xfrm>
+          <a:prstGeom prst="rect">
+            <a:avLst/>
+          </a:prstGeom>
+          <a:noFill/>
+        </p:spPr>
+        <p:txBody>
+          <a:bodyPr wrap="none" rtlCol="0">
+            <a:spAutoFit/>
+          </a:bodyPr>
+          <a:lstStyle/>
+          <a:p>
+            <a:r>
+              <a:rPr lang="en-US" dirty="0">
+                <a:solidFill>
+                  <a:srgbClr val="FF0000"/>
+                </a:solidFill>
+              </a:rPr>
+              <a:t>col(A)</a:t>
+            </a:r>
+          </a:p>
+        </p:txBody>
+      </p:sp>
+      <p:sp>
+        <p:nvSpPr>
+          <p:cNvPr id="5" name="TextBox 4">
+            <a:extLst>
+              <a:ext uri="{FF2B5EF4-FFF2-40B4-BE49-F238E27FC236}">
+                <a16:creationId xmlns:a16="http://schemas.microsoft.com/office/drawing/2014/main" id="{2D89FB28-DA5F-4219-87B4-76BC5E571601}"/>
+              </a:ext>
+            </a:extLst>
+          </p:cNvPr>
+          <p:cNvSpPr txBox="1"/>
+          <p:nvPr/>
+        </p:nvSpPr>
+        <p:spPr>
+          <a:xfrm>
+            <a:off x="9347757" y="2831123"/>
+            <a:ext cx="808235" cy="369332"/>
+          </a:xfrm>
+          <a:prstGeom prst="rect">
+            <a:avLst/>
+          </a:prstGeom>
+          <a:noFill/>
+        </p:spPr>
+        <p:txBody>
+          <a:bodyPr wrap="none" rtlCol="0">
+            <a:spAutoFit/>
+          </a:bodyPr>
+          <a:lstStyle/>
+          <a:p>
+            <a:r>
+              <a:rPr lang="en-US" dirty="0">
+                <a:solidFill>
+                  <a:srgbClr val="FF0000"/>
+                </a:solidFill>
+              </a:rPr>
+              <a:t>null(A)</a:t>
+            </a:r>
+          </a:p>
+        </p:txBody>
+      </p:sp>
     </p:spTree>
     <p:extLst>
       <p:ext uri="{BB962C8B-B14F-4D97-AF65-F5344CB8AC3E}">
@@ -8172,6 +9522,116 @@
           </a:prstGeom>
         </p:spPr>
       </p:pic>
+      <p:sp>
+        <p:nvSpPr>
+          <p:cNvPr id="3" name="TextBox 2">
+            <a:extLst>
+              <a:ext uri="{FF2B5EF4-FFF2-40B4-BE49-F238E27FC236}">
+                <a16:creationId xmlns:a16="http://schemas.microsoft.com/office/drawing/2014/main" id="{72D8BF55-56B4-4FB3-9A04-D45027112410}"/>
+              </a:ext>
+            </a:extLst>
+          </p:cNvPr>
+          <p:cNvSpPr txBox="1"/>
+          <p:nvPr/>
+        </p:nvSpPr>
+        <p:spPr>
+          <a:xfrm>
+            <a:off x="5025874" y="3674687"/>
+            <a:ext cx="2393604" cy="369332"/>
+          </a:xfrm>
+          <a:prstGeom prst="rect">
+            <a:avLst/>
+          </a:prstGeom>
+          <a:noFill/>
+        </p:spPr>
+        <p:txBody>
+          <a:bodyPr wrap="none" rtlCol="0">
+            <a:spAutoFit/>
+          </a:bodyPr>
+          <a:lstStyle/>
+          <a:p>
+            <a:r>
+              <a:rPr lang="en-US" dirty="0">
+                <a:solidFill>
+                  <a:srgbClr val="FF0000"/>
+                </a:solidFill>
+              </a:rPr>
+              <a:t>T(</a:t>
+            </a:r>
+            <a:r>
+              <a:rPr lang="en-US" dirty="0" err="1">
+                <a:solidFill>
+                  <a:srgbClr val="FF0000"/>
+                </a:solidFill>
+              </a:rPr>
+              <a:t>cu+dv</a:t>
+            </a:r>
+            <a:r>
+              <a:rPr lang="en-US" dirty="0">
+                <a:solidFill>
+                  <a:srgbClr val="FF0000"/>
+                </a:solidFill>
+              </a:rPr>
+              <a:t>) = </a:t>
+            </a:r>
+            <a:r>
+              <a:rPr lang="en-US" dirty="0" err="1">
+                <a:solidFill>
+                  <a:srgbClr val="FF0000"/>
+                </a:solidFill>
+              </a:rPr>
+              <a:t>cT</a:t>
+            </a:r>
+            <a:r>
+              <a:rPr lang="en-US" dirty="0">
+                <a:solidFill>
+                  <a:srgbClr val="FF0000"/>
+                </a:solidFill>
+              </a:rPr>
+              <a:t>(u) + dT(v)</a:t>
+            </a:r>
+          </a:p>
+        </p:txBody>
+      </p:sp>
+      <p:sp>
+        <p:nvSpPr>
+          <p:cNvPr id="5" name="TextBox 4">
+            <a:extLst>
+              <a:ext uri="{FF2B5EF4-FFF2-40B4-BE49-F238E27FC236}">
+                <a16:creationId xmlns:a16="http://schemas.microsoft.com/office/drawing/2014/main" id="{D5356DD2-8E44-44FA-B449-439AA0671451}"/>
+              </a:ext>
+            </a:extLst>
+          </p:cNvPr>
+          <p:cNvSpPr txBox="1"/>
+          <p:nvPr/>
+        </p:nvSpPr>
+        <p:spPr>
+          <a:xfrm>
+            <a:off x="5909920" y="4536812"/>
+            <a:ext cx="301686" cy="369332"/>
+          </a:xfrm>
+          <a:prstGeom prst="rect">
+            <a:avLst/>
+          </a:prstGeom>
+          <a:noFill/>
+        </p:spPr>
+        <p:txBody>
+          <a:bodyPr wrap="none" rtlCol="0">
+            <a:spAutoFit/>
+          </a:bodyPr>
+          <a:lstStyle/>
+          <a:p>
+            <a:r>
+              <a:rPr lang="en-US" dirty="0">
+                <a:solidFill>
+                  <a:srgbClr val="FF0000"/>
+                </a:solidFill>
+              </a:rPr>
+              <a:t>0</a:t>
+            </a:r>
+          </a:p>
+        </p:txBody>
+      </p:sp>
     </p:spTree>
     <p:extLst>
       <p:ext uri="{BB962C8B-B14F-4D97-AF65-F5344CB8AC3E}">
@@ -8569,7 +10029,7 @@
         </p:blipFill>
         <p:spPr>
           <a:xfrm>
-            <a:off x="1438612" y="1300802"/>
+            <a:off x="1377066" y="689412"/>
             <a:ext cx="8801100" cy="704850"/>
           </a:xfrm>
           <a:prstGeom prst="rect">
@@ -8593,8 +10053,8 @@
         </p:nvSpPr>
         <p:spPr>
           <a:xfrm>
-            <a:off x="1635164" y="4475480"/>
-            <a:ext cx="8921672" cy="1713305"/>
+            <a:off x="439409" y="4902520"/>
+            <a:ext cx="11368659" cy="1713305"/>
           </a:xfrm>
           <a:prstGeom prst="rect">
             <a:avLst/>
@@ -8653,7 +10113,7 @@
         </p:blipFill>
         <p:spPr>
           <a:xfrm>
-            <a:off x="1985010" y="2017572"/>
+            <a:off x="2046556" y="1533504"/>
             <a:ext cx="6515100" cy="2505075"/>
           </a:xfrm>
           <a:prstGeom prst="rect">
@@ -8661,6 +10121,112 @@
           </a:prstGeom>
         </p:spPr>
       </p:pic>
+      <p:sp>
+        <p:nvSpPr>
+          <p:cNvPr id="2" name="TextBox 1">
+            <a:extLst>
+              <a:ext uri="{FF2B5EF4-FFF2-40B4-BE49-F238E27FC236}">
+                <a16:creationId xmlns:a16="http://schemas.microsoft.com/office/drawing/2014/main" id="{1BCDBD08-0B1A-4DA3-9AD0-5ACD2DE214A5}"/>
+              </a:ext>
+            </a:extLst>
+          </p:cNvPr>
+          <p:cNvSpPr txBox="1"/>
+          <p:nvPr/>
+        </p:nvSpPr>
+        <p:spPr>
+          <a:xfrm>
+            <a:off x="2189285" y="2242038"/>
+            <a:ext cx="7985648" cy="646331"/>
+          </a:xfrm>
+          <a:prstGeom prst="rect">
+            <a:avLst/>
+          </a:prstGeom>
+          <a:noFill/>
+        </p:spPr>
+        <p:txBody>
+          <a:bodyPr wrap="none" rtlCol="0">
+            <a:spAutoFit/>
+          </a:bodyPr>
+          <a:lstStyle/>
+          <a:p>
+            <a:r>
+              <a:rPr lang="en-US" dirty="0">
+                <a:solidFill>
+                  <a:srgbClr val="FF0000"/>
+                </a:solidFill>
+              </a:rPr>
+              <a:t>Linear transformation properties (1) and (2) hold for arbitrary vectors u and v in R</a:t>
+            </a:r>
+            <a:r>
+              <a:rPr lang="en-US" sz="2000" baseline="30000" dirty="0">
+                <a:solidFill>
+                  <a:srgbClr val="FF0000"/>
+                </a:solidFill>
+              </a:rPr>
+              <a:t>m </a:t>
+            </a:r>
+          </a:p>
+          <a:p>
+            <a:r>
+              <a:rPr lang="en-US" dirty="0">
+                <a:solidFill>
+                  <a:srgbClr val="FF0000"/>
+                </a:solidFill>
+              </a:rPr>
+              <a:t>And for any real number c</a:t>
+            </a:r>
+          </a:p>
+        </p:txBody>
+      </p:sp>
+      <p:sp>
+        <p:nvSpPr>
+          <p:cNvPr id="3" name="TextBox 2">
+            <a:extLst>
+              <a:ext uri="{FF2B5EF4-FFF2-40B4-BE49-F238E27FC236}">
+                <a16:creationId xmlns:a16="http://schemas.microsoft.com/office/drawing/2014/main" id="{B3DCEF3A-7FDD-40D3-B36A-26AE1BDCF259}"/>
+              </a:ext>
+            </a:extLst>
+          </p:cNvPr>
+          <p:cNvSpPr txBox="1"/>
+          <p:nvPr/>
+        </p:nvSpPr>
+        <p:spPr>
+          <a:xfrm>
+            <a:off x="2189285" y="4369777"/>
+            <a:ext cx="7319953" cy="646331"/>
+          </a:xfrm>
+          <a:prstGeom prst="rect">
+            <a:avLst/>
+          </a:prstGeom>
+          <a:noFill/>
+        </p:spPr>
+        <p:txBody>
+          <a:bodyPr wrap="none" rtlCol="0">
+            <a:spAutoFit/>
+          </a:bodyPr>
+          <a:lstStyle/>
+          <a:p>
+            <a:r>
+              <a:rPr lang="en-US" dirty="0">
+                <a:solidFill>
+                  <a:srgbClr val="FF0000"/>
+                </a:solidFill>
+              </a:rPr>
+              <a:t>Show T(0) != 0 or prove at least one linear transformation property (1) or (2)</a:t>
+            </a:r>
+          </a:p>
+          <a:p>
+            <a:r>
+              <a:rPr lang="en-US" dirty="0">
+                <a:solidFill>
+                  <a:srgbClr val="FF0000"/>
+                </a:solidFill>
+              </a:rPr>
+              <a:t>Does not hold for a pair of vectors u, v or one vector v and a real number c </a:t>
+            </a:r>
+          </a:p>
+        </p:txBody>
+      </p:sp>
     </p:spTree>
     <p:extLst>
       <p:ext uri="{BB962C8B-B14F-4D97-AF65-F5344CB8AC3E}">
@@ -8858,7 +10424,7 @@
           <p:cNvPr id="2" name="Title 1">
             <a:extLst>
               <a:ext uri="{FF2B5EF4-FFF2-40B4-BE49-F238E27FC236}">
-                <a16:creationId xmlns:a16="http://schemas.microsoft.com/office/drawing/2014/main" id="{0DF662EC-D708-4A33-8611-2BF7115FC984}"/>
+                <a16:creationId xmlns:a16="http://schemas.microsoft.com/office/drawing/2014/main" id="{059E70FD-73D3-433F-A2B6-DFDAC2FD67B2}"/>
               </a:ext>
             </a:extLst>
           </p:cNvPr>
@@ -8871,8 +10437,8 @@
         </p:nvSpPr>
         <p:spPr>
           <a:xfrm>
-            <a:off x="81280" y="5025567"/>
-            <a:ext cx="11917680" cy="1748373"/>
+            <a:off x="1372869" y="4319322"/>
+            <a:ext cx="9144000" cy="1748373"/>
           </a:xfrm>
         </p:spPr>
         <p:txBody>
@@ -8891,7 +10457,22 @@
                 <a:ea typeface="+mj-ea"/>
                 <a:cs typeface="+mj-cs"/>
               </a:rPr>
-              <a:t>Linear To Matrix Transformation(TBA)</a:t>
+              <a:t>Linear T</a:t>
+            </a:r>
+            <a:r>
+              <a:rPr lang="en-US" sz="6000" dirty="0"/>
+              <a:t>ransformation</a:t>
+            </a:r>
+            <a:r>
+              <a:rPr lang="en-US" sz="6000" kern="1200" dirty="0">
+                <a:solidFill>
+                  <a:schemeClr val="tx1"/>
+                </a:solidFill>
+                <a:latin typeface="+mj-lt"/>
+                <a:ea typeface="+mj-ea"/>
+                <a:cs typeface="+mj-cs"/>
+              </a:rPr>
+              <a:t> Inverse</a:t>
             </a:r>
           </a:p>
         </p:txBody>
@@ -8901,7 +10482,7 @@
           <p:cNvPr id="4" name="Picture 3">
             <a:extLst>
               <a:ext uri="{FF2B5EF4-FFF2-40B4-BE49-F238E27FC236}">
-                <a16:creationId xmlns:a16="http://schemas.microsoft.com/office/drawing/2014/main" id="{76CABEF1-4954-4893-8EAB-C79AF12E7E74}"/>
+                <a16:creationId xmlns:a16="http://schemas.microsoft.com/office/drawing/2014/main" id="{A5889218-17A8-4654-90AF-D177DE477818}"/>
               </a:ext>
             </a:extLst>
           </p:cNvPr>
@@ -8918,8 +10499,8 @@
         </p:blipFill>
         <p:spPr>
           <a:xfrm>
-            <a:off x="1622201" y="642098"/>
-            <a:ext cx="9657303" cy="4249214"/>
+            <a:off x="643466" y="902058"/>
+            <a:ext cx="10905067" cy="1935648"/>
           </a:xfrm>
           <a:custGeom>
             <a:avLst/>
@@ -9159,10 +10740,40 @@
           </a:p>
         </p:txBody>
       </p:sp>
+      <p:pic>
+        <p:nvPicPr>
+          <p:cNvPr id="6" name="Picture 5">
+            <a:extLst>
+              <a:ext uri="{FF2B5EF4-FFF2-40B4-BE49-F238E27FC236}">
+                <a16:creationId xmlns:a16="http://schemas.microsoft.com/office/drawing/2014/main" id="{AE90FBDE-69AE-4316-8FA1-18F6D0B99E7F}"/>
+              </a:ext>
+            </a:extLst>
+          </p:cNvPr>
+          <p:cNvPicPr>
+            <a:picLocks noChangeAspect="1"/>
+          </p:cNvPicPr>
+          <p:nvPr/>
+        </p:nvPicPr>
+        <p:blipFill>
+          <a:blip r:embed="rId3"/>
+          <a:stretch>
+            <a:fillRect/>
+          </a:stretch>
+        </p:blipFill>
+        <p:spPr>
+          <a:xfrm>
+            <a:off x="1633536" y="3222134"/>
+            <a:ext cx="8924925" cy="752475"/>
+          </a:xfrm>
+          <a:prstGeom prst="rect">
+            <a:avLst/>
+          </a:prstGeom>
+        </p:spPr>
+      </p:pic>
     </p:spTree>
     <p:extLst>
       <p:ext uri="{BB962C8B-B14F-4D97-AF65-F5344CB8AC3E}">
-        <p14:creationId xmlns:p14="http://schemas.microsoft.com/office/powerpoint/2010/main" val="3756020951"/>
+        <p14:creationId xmlns:p14="http://schemas.microsoft.com/office/powerpoint/2010/main" val="470766224"/>
       </p:ext>
     </p:extLst>
   </p:cSld>
@@ -9381,7 +10992,7 @@
           <a:p>
             <a:pPr algn="ctr"/>
             <a:r>
-              <a:rPr lang="en-US" sz="6000" kern="1200">
+              <a:rPr lang="en-US" sz="6000" kern="1200" dirty="0">
                 <a:solidFill>
                   <a:schemeClr val="tx1"/>
                 </a:solidFill>
@@ -9389,91 +11000,11 @@
                 <a:ea typeface="+mj-ea"/>
                 <a:cs typeface="+mj-cs"/>
               </a:rPr>
-              <a:t>Linear Matrix Inverse</a:t>
+              <a:t>Invertible Transformations</a:t>
             </a:r>
           </a:p>
         </p:txBody>
       </p:sp>
-      <p:pic>
-        <p:nvPicPr>
-          <p:cNvPr id="4" name="Picture 3">
-            <a:extLst>
-              <a:ext uri="{FF2B5EF4-FFF2-40B4-BE49-F238E27FC236}">
-                <a16:creationId xmlns:a16="http://schemas.microsoft.com/office/drawing/2014/main" id="{A5889218-17A8-4654-90AF-D177DE477818}"/>
-              </a:ext>
-            </a:extLst>
-          </p:cNvPr>
-          <p:cNvPicPr>
-            <a:picLocks noChangeAspect="1"/>
-          </p:cNvPicPr>
-          <p:nvPr/>
-        </p:nvPicPr>
-        <p:blipFill>
-          <a:blip r:embed="rId2"/>
-          <a:stretch>
-            <a:fillRect/>
-          </a:stretch>
-        </p:blipFill>
-        <p:spPr>
-          <a:xfrm>
-            <a:off x="643466" y="902058"/>
-            <a:ext cx="10905067" cy="1935648"/>
-          </a:xfrm>
-          <a:custGeom>
-            <a:avLst/>
-            <a:gdLst/>
-            <a:ahLst/>
-            <a:cxnLst/>
-            <a:rect l="l" t="t" r="r" b="b"/>
-            <a:pathLst>
-              <a:path w="9143998" h="2473607">
-                <a:moveTo>
-                  <a:pt x="64634" y="0"/>
-                </a:moveTo>
-                <a:lnTo>
-                  <a:pt x="9079363" y="0"/>
-                </a:lnTo>
-                <a:cubicBezTo>
-                  <a:pt x="9115060" y="0"/>
-                  <a:pt x="9143998" y="28938"/>
-                  <a:pt x="9143998" y="64635"/>
-                </a:cubicBezTo>
-                <a:lnTo>
-                  <a:pt x="9143998" y="2408972"/>
-                </a:lnTo>
-                <a:cubicBezTo>
-                  <a:pt x="9143998" y="2444669"/>
-                  <a:pt x="9115060" y="2473607"/>
-                  <a:pt x="9079363" y="2473607"/>
-                </a:cubicBezTo>
-                <a:lnTo>
-                  <a:pt x="64634" y="2473607"/>
-                </a:lnTo>
-                <a:cubicBezTo>
-                  <a:pt x="46786" y="2473607"/>
-                  <a:pt x="30627" y="2466373"/>
-                  <a:pt x="18930" y="2454676"/>
-                </a:cubicBezTo>
-                <a:lnTo>
-                  <a:pt x="0" y="2408974"/>
-                </a:lnTo>
-                <a:lnTo>
-                  <a:pt x="0" y="64633"/>
-                </a:lnTo>
-                <a:lnTo>
-                  <a:pt x="18930" y="18931"/>
-                </a:lnTo>
-                <a:cubicBezTo>
-                  <a:pt x="30627" y="7235"/>
-                  <a:pt x="46786" y="0"/>
-                  <a:pt x="64634" y="0"/>
-                </a:cubicBezTo>
-                <a:close/>
-              </a:path>
-            </a:pathLst>
-          </a:custGeom>
-        </p:spPr>
-      </p:pic>
       <p:sp>
         <p:nvSpPr>
           <p:cNvPr id="11" name="Oval 10">
@@ -9659,10 +11190,10 @@
       </p:sp>
       <p:pic>
         <p:nvPicPr>
-          <p:cNvPr id="6" name="Picture 5">
-            <a:extLst>
-              <a:ext uri="{FF2B5EF4-FFF2-40B4-BE49-F238E27FC236}">
-                <a16:creationId xmlns:a16="http://schemas.microsoft.com/office/drawing/2014/main" id="{AE90FBDE-69AE-4316-8FA1-18F6D0B99E7F}"/>
+          <p:cNvPr id="8" name="Picture 7">
+            <a:extLst>
+              <a:ext uri="{FF2B5EF4-FFF2-40B4-BE49-F238E27FC236}">
+                <a16:creationId xmlns:a16="http://schemas.microsoft.com/office/drawing/2014/main" id="{46AD8B53-6479-4072-83D2-B95610DB3DB3}"/>
               </a:ext>
             </a:extLst>
           </p:cNvPr>
@@ -9672,15 +11203,15 @@
           <p:nvPr/>
         </p:nvPicPr>
         <p:blipFill>
-          <a:blip r:embed="rId3"/>
+          <a:blip r:embed="rId2"/>
           <a:stretch>
             <a:fillRect/>
           </a:stretch>
         </p:blipFill>
         <p:spPr>
           <a:xfrm>
-            <a:off x="1633536" y="3222134"/>
-            <a:ext cx="8924925" cy="752475"/>
+            <a:off x="0" y="1063738"/>
+            <a:ext cx="12188952" cy="2285429"/>
           </a:xfrm>
           <a:prstGeom prst="rect">
             <a:avLst/>
@@ -9690,7 +11221,7 @@
     </p:spTree>
     <p:extLst>
       <p:ext uri="{BB962C8B-B14F-4D97-AF65-F5344CB8AC3E}">
-        <p14:creationId xmlns:p14="http://schemas.microsoft.com/office/powerpoint/2010/main" val="470766224"/>
+        <p14:creationId xmlns:p14="http://schemas.microsoft.com/office/powerpoint/2010/main" val="3417370661"/>
       </p:ext>
     </p:extLst>
   </p:cSld>
@@ -10217,6 +11748,3983 @@
 <file path=ppt/slides/slide20.xml><?xml version="1.0" encoding="utf-8"?>
 <p:sld xmlns:a="http://schemas.openxmlformats.org/drawingml/2006/main" xmlns:r="http://schemas.openxmlformats.org/officeDocument/2006/relationships" xmlns:p="http://schemas.openxmlformats.org/presentationml/2006/main">
   <p:cSld>
+    <p:bg>
+      <p:bgPr>
+        <a:solidFill>
+          <a:schemeClr val="bg1"/>
+        </a:solidFill>
+        <a:effectLst/>
+      </p:bgPr>
+    </p:bg>
+    <p:spTree>
+      <p:nvGrpSpPr>
+        <p:cNvPr id="1" name=""/>
+        <p:cNvGrpSpPr/>
+        <p:nvPr/>
+      </p:nvGrpSpPr>
+      <p:grpSpPr>
+        <a:xfrm>
+          <a:off x="0" y="0"/>
+          <a:ext cx="0" cy="0"/>
+          <a:chOff x="0" y="0"/>
+          <a:chExt cx="0" cy="0"/>
+        </a:xfrm>
+      </p:grpSpPr>
+      <p:sp useBgFill="1">
+        <p:nvSpPr>
+          <p:cNvPr id="9" name="Rectangle 8">
+            <a:extLst>
+              <a:ext uri="{FF2B5EF4-FFF2-40B4-BE49-F238E27FC236}">
+                <a16:creationId xmlns:a16="http://schemas.microsoft.com/office/drawing/2014/main" id="{5922BD39-6B5B-493A-BE62-58ECD0F7A75A}"/>
+              </a:ext>
+              <a:ext uri="{C183D7F6-B498-43B3-948B-1728B52AA6E4}">
+                <adec:decorative xmlns:adec="http://schemas.microsoft.com/office/drawing/2017/decorative" val="1"/>
+              </a:ext>
+            </a:extLst>
+          </p:cNvPr>
+          <p:cNvSpPr>
+            <a:spLocks noGrp="1" noRot="1" noChangeAspect="1" noMove="1" noResize="1" noEditPoints="1" noAdjustHandles="1" noChangeArrowheads="1" noChangeShapeType="1" noTextEdit="1"/>
+          </p:cNvSpPr>
+          <p:nvPr>
+            <p:extLst>
+              <p:ext uri="{386F3935-93C4-4BCD-93E2-E3B085C9AB24}">
+                <p16:designElem xmlns:p16="http://schemas.microsoft.com/office/powerpoint/2015/main" val="1"/>
+              </p:ext>
+            </p:extLst>
+          </p:nvPr>
+        </p:nvSpPr>
+        <p:spPr>
+          <a:xfrm>
+            <a:off x="-1" y="0"/>
+            <a:ext cx="12188952" cy="6858000"/>
+          </a:xfrm>
+          <a:prstGeom prst="rect">
+            <a:avLst/>
+          </a:prstGeom>
+          <a:ln>
+            <a:noFill/>
+          </a:ln>
+        </p:spPr>
+        <p:style>
+          <a:lnRef idx="2">
+            <a:schemeClr val="accent1">
+              <a:shade val="50000"/>
+            </a:schemeClr>
+          </a:lnRef>
+          <a:fillRef idx="1">
+            <a:schemeClr val="accent1"/>
+          </a:fillRef>
+          <a:effectRef idx="0">
+            <a:schemeClr val="accent1"/>
+          </a:effectRef>
+          <a:fontRef idx="minor">
+            <a:schemeClr val="lt1"/>
+          </a:fontRef>
+        </p:style>
+        <p:txBody>
+          <a:bodyPr rtlCol="0" anchor="ctr"/>
+          <a:lstStyle/>
+          <a:p>
+            <a:pPr algn="ctr"/>
+            <a:endParaRPr lang="en-US"/>
+          </a:p>
+        </p:txBody>
+      </p:sp>
+      <p:pic>
+        <p:nvPicPr>
+          <p:cNvPr id="11" name="Graphic 10">
+            <a:extLst>
+              <a:ext uri="{FF2B5EF4-FFF2-40B4-BE49-F238E27FC236}">
+                <a16:creationId xmlns:a16="http://schemas.microsoft.com/office/drawing/2014/main" id="{4741521E-DC76-41B9-8A47-448CD4F9FA46}"/>
+              </a:ext>
+              <a:ext uri="{C183D7F6-B498-43B3-948B-1728B52AA6E4}">
+                <adec:decorative xmlns:adec="http://schemas.microsoft.com/office/drawing/2017/decorative" val="1"/>
+              </a:ext>
+            </a:extLst>
+          </p:cNvPr>
+          <p:cNvPicPr>
+            <a:picLocks noGrp="1" noRot="1" noChangeAspect="1" noMove="1" noResize="1" noEditPoints="1" noAdjustHandles="1" noChangeArrowheads="1" noChangeShapeType="1" noCrop="1"/>
+          </p:cNvPicPr>
+          <p:nvPr>
+            <p:extLst>
+              <p:ext uri="{386F3935-93C4-4BCD-93E2-E3B085C9AB24}">
+                <p16:designElem xmlns:p16="http://schemas.microsoft.com/office/powerpoint/2015/main" val="1"/>
+              </p:ext>
+            </p:extLst>
+          </p:nvPr>
+        </p:nvPicPr>
+        <p:blipFill>
+          <a:blip r:embed="rId2">
+            <a:extLst>
+              <a:ext uri="{28A0092B-C50C-407E-A947-70E740481C1C}">
+                <a14:useLocalDpi xmlns:a14="http://schemas.microsoft.com/office/drawing/2010/main" val="0"/>
+              </a:ext>
+              <a:ext uri="{96DAC541-7B7A-43D3-8B79-37D633B846F1}">
+                <asvg:svgBlip xmlns:asvg="http://schemas.microsoft.com/office/drawing/2016/SVG/main" r:embed="rId3"/>
+              </a:ext>
+            </a:extLst>
+          </a:blip>
+          <a:stretch>
+            <a:fillRect/>
+          </a:stretch>
+        </p:blipFill>
+        <p:spPr>
+          <a:xfrm rot="5400000">
+            <a:off x="3372661" y="-3359290"/>
+            <a:ext cx="5470372" cy="12188952"/>
+          </a:xfrm>
+          <a:prstGeom prst="rect">
+            <a:avLst/>
+          </a:prstGeom>
+        </p:spPr>
+      </p:pic>
+      <p:sp>
+        <p:nvSpPr>
+          <p:cNvPr id="2" name="Title 1">
+            <a:extLst>
+              <a:ext uri="{FF2B5EF4-FFF2-40B4-BE49-F238E27FC236}">
+                <a16:creationId xmlns:a16="http://schemas.microsoft.com/office/drawing/2014/main" id="{24CCED6F-D6FB-42FE-9BB2-C89B54083351}"/>
+              </a:ext>
+            </a:extLst>
+          </p:cNvPr>
+          <p:cNvSpPr>
+            <a:spLocks noGrp="1"/>
+          </p:cNvSpPr>
+          <p:nvPr>
+            <p:ph type="title"/>
+          </p:nvPr>
+        </p:nvSpPr>
+        <p:spPr>
+          <a:xfrm>
+            <a:off x="1403632" y="184336"/>
+            <a:ext cx="9283781" cy="1405965"/>
+          </a:xfrm>
+        </p:spPr>
+        <p:txBody>
+          <a:bodyPr vert="horz" lIns="91440" tIns="45720" rIns="91440" bIns="45720" rtlCol="0" anchor="b">
+            <a:normAutofit/>
+          </a:bodyPr>
+          <a:lstStyle/>
+          <a:p>
+            <a:pPr algn="ctr"/>
+            <a:r>
+              <a:rPr lang="en-US" sz="5000" dirty="0"/>
+              <a:t>State and State Vectors</a:t>
+            </a:r>
+          </a:p>
+        </p:txBody>
+      </p:sp>
+      <p:sp>
+        <p:nvSpPr>
+          <p:cNvPr id="13" name="Rectangle 12">
+            <a:extLst>
+              <a:ext uri="{FF2B5EF4-FFF2-40B4-BE49-F238E27FC236}">
+                <a16:creationId xmlns:a16="http://schemas.microsoft.com/office/drawing/2014/main" id="{53FD85F6-ECDC-4124-9916-6444E142C663}"/>
+              </a:ext>
+              <a:ext uri="{C183D7F6-B498-43B3-948B-1728B52AA6E4}">
+                <adec:decorative xmlns:adec="http://schemas.microsoft.com/office/drawing/2017/decorative" val="1"/>
+              </a:ext>
+            </a:extLst>
+          </p:cNvPr>
+          <p:cNvSpPr>
+            <a:spLocks noGrp="1" noRot="1" noChangeAspect="1" noMove="1" noResize="1" noEditPoints="1" noAdjustHandles="1" noChangeArrowheads="1" noChangeShapeType="1" noTextEdit="1"/>
+          </p:cNvSpPr>
+          <p:nvPr>
+            <p:extLst>
+              <p:ext uri="{386F3935-93C4-4BCD-93E2-E3B085C9AB24}">
+                <p16:designElem xmlns:p16="http://schemas.microsoft.com/office/powerpoint/2015/main" val="1"/>
+              </p:ext>
+            </p:extLst>
+          </p:nvPr>
+        </p:nvSpPr>
+        <p:spPr>
+          <a:xfrm>
+            <a:off x="-1078" y="685797"/>
+            <a:ext cx="118872" cy="1550455"/>
+          </a:xfrm>
+          <a:prstGeom prst="rect">
+            <a:avLst/>
+          </a:prstGeom>
+          <a:solidFill>
+            <a:schemeClr val="accent2"/>
+          </a:solidFill>
+          <a:ln>
+            <a:noFill/>
+          </a:ln>
+        </p:spPr>
+        <p:style>
+          <a:lnRef idx="2">
+            <a:schemeClr val="accent1">
+              <a:shade val="50000"/>
+            </a:schemeClr>
+          </a:lnRef>
+          <a:fillRef idx="1">
+            <a:schemeClr val="accent1"/>
+          </a:fillRef>
+          <a:effectRef idx="0">
+            <a:schemeClr val="accent1"/>
+          </a:effectRef>
+          <a:fontRef idx="minor">
+            <a:schemeClr val="lt1"/>
+          </a:fontRef>
+        </p:style>
+        <p:txBody>
+          <a:bodyPr rtlCol="0" anchor="ctr"/>
+          <a:lstStyle/>
+          <a:p>
+            <a:pPr algn="ctr"/>
+            <a:endParaRPr lang="en-US"/>
+          </a:p>
+        </p:txBody>
+      </p:sp>
+      <p:sp>
+        <p:nvSpPr>
+          <p:cNvPr id="15" name="Rectangle 14">
+            <a:extLst>
+              <a:ext uri="{FF2B5EF4-FFF2-40B4-BE49-F238E27FC236}">
+                <a16:creationId xmlns:a16="http://schemas.microsoft.com/office/drawing/2014/main" id="{FB5D26B4-74AD-4118-8F13-7051DA3BFA87}"/>
+              </a:ext>
+              <a:ext uri="{C183D7F6-B498-43B3-948B-1728B52AA6E4}">
+                <adec:decorative xmlns:adec="http://schemas.microsoft.com/office/drawing/2017/decorative" val="1"/>
+              </a:ext>
+            </a:extLst>
+          </p:cNvPr>
+          <p:cNvSpPr>
+            <a:spLocks noGrp="1" noRot="1" noChangeAspect="1" noMove="1" noResize="1" noEditPoints="1" noAdjustHandles="1" noChangeArrowheads="1" noChangeShapeType="1" noTextEdit="1"/>
+          </p:cNvSpPr>
+          <p:nvPr>
+            <p:extLst>
+              <p:ext uri="{386F3935-93C4-4BCD-93E2-E3B085C9AB24}">
+                <p16:designElem xmlns:p16="http://schemas.microsoft.com/office/powerpoint/2015/main" val="1"/>
+              </p:ext>
+            </p:extLst>
+          </p:nvPr>
+        </p:nvSpPr>
+        <p:spPr>
+          <a:xfrm>
+            <a:off x="12073128" y="6172201"/>
+            <a:ext cx="118872" cy="685800"/>
+          </a:xfrm>
+          <a:prstGeom prst="rect">
+            <a:avLst/>
+          </a:prstGeom>
+          <a:solidFill>
+            <a:schemeClr val="accent2"/>
+          </a:solidFill>
+          <a:ln>
+            <a:noFill/>
+          </a:ln>
+        </p:spPr>
+        <p:style>
+          <a:lnRef idx="2">
+            <a:schemeClr val="accent1">
+              <a:shade val="50000"/>
+            </a:schemeClr>
+          </a:lnRef>
+          <a:fillRef idx="1">
+            <a:schemeClr val="accent1"/>
+          </a:fillRef>
+          <a:effectRef idx="0">
+            <a:schemeClr val="accent1"/>
+          </a:effectRef>
+          <a:fontRef idx="minor">
+            <a:schemeClr val="lt1"/>
+          </a:fontRef>
+        </p:style>
+        <p:txBody>
+          <a:bodyPr rtlCol="0" anchor="ctr"/>
+          <a:lstStyle/>
+          <a:p>
+            <a:pPr algn="ctr"/>
+            <a:endParaRPr lang="en-US"/>
+          </a:p>
+        </p:txBody>
+      </p:sp>
+      <p:pic>
+        <p:nvPicPr>
+          <p:cNvPr id="6" name="Picture 5">
+            <a:extLst>
+              <a:ext uri="{FF2B5EF4-FFF2-40B4-BE49-F238E27FC236}">
+                <a16:creationId xmlns:a16="http://schemas.microsoft.com/office/drawing/2014/main" id="{815ABED0-A7F5-4AAB-A4AB-2965CCDFAC9C}"/>
+              </a:ext>
+            </a:extLst>
+          </p:cNvPr>
+          <p:cNvPicPr>
+            <a:picLocks noChangeAspect="1"/>
+          </p:cNvPicPr>
+          <p:nvPr/>
+        </p:nvPicPr>
+        <p:blipFill>
+          <a:blip r:embed="rId4"/>
+          <a:stretch>
+            <a:fillRect/>
+          </a:stretch>
+        </p:blipFill>
+        <p:spPr>
+          <a:xfrm>
+            <a:off x="278304" y="1770535"/>
+            <a:ext cx="11900325" cy="2287709"/>
+          </a:xfrm>
+          <a:prstGeom prst="rect">
+            <a:avLst/>
+          </a:prstGeom>
+        </p:spPr>
+      </p:pic>
+      <p:sp>
+        <p:nvSpPr>
+          <p:cNvPr id="7" name="TextBox 6">
+            <a:extLst>
+              <a:ext uri="{FF2B5EF4-FFF2-40B4-BE49-F238E27FC236}">
+                <a16:creationId xmlns:a16="http://schemas.microsoft.com/office/drawing/2014/main" id="{569E06D5-1DDC-4AEB-8B17-9D78C8DDB03D}"/>
+              </a:ext>
+            </a:extLst>
+          </p:cNvPr>
+          <p:cNvSpPr txBox="1"/>
+          <p:nvPr/>
+        </p:nvSpPr>
+        <p:spPr>
+          <a:xfrm>
+            <a:off x="8036561" y="1866920"/>
+            <a:ext cx="752707" cy="369332"/>
+          </a:xfrm>
+          <a:prstGeom prst="rect">
+            <a:avLst/>
+          </a:prstGeom>
+          <a:noFill/>
+        </p:spPr>
+        <p:txBody>
+          <a:bodyPr wrap="none" rtlCol="0">
+            <a:spAutoFit/>
+          </a:bodyPr>
+          <a:lstStyle/>
+          <a:p>
+            <a:r>
+              <a:rPr lang="en-US" dirty="0">
+                <a:solidFill>
+                  <a:srgbClr val="FF0000"/>
+                </a:solidFill>
+              </a:rPr>
+              <a:t>States</a:t>
+            </a:r>
+          </a:p>
+        </p:txBody>
+      </p:sp>
+      <p:sp>
+        <p:nvSpPr>
+          <p:cNvPr id="8" name="TextBox 7">
+            <a:extLst>
+              <a:ext uri="{FF2B5EF4-FFF2-40B4-BE49-F238E27FC236}">
+                <a16:creationId xmlns:a16="http://schemas.microsoft.com/office/drawing/2014/main" id="{F8E7421F-570B-469F-AC5D-47EF182171B8}"/>
+              </a:ext>
+            </a:extLst>
+          </p:cNvPr>
+          <p:cNvSpPr txBox="1"/>
+          <p:nvPr/>
+        </p:nvSpPr>
+        <p:spPr>
+          <a:xfrm>
+            <a:off x="2980593" y="3059668"/>
+            <a:ext cx="1411477" cy="369332"/>
+          </a:xfrm>
+          <a:prstGeom prst="rect">
+            <a:avLst/>
+          </a:prstGeom>
+          <a:noFill/>
+        </p:spPr>
+        <p:txBody>
+          <a:bodyPr wrap="none" rtlCol="0">
+            <a:spAutoFit/>
+          </a:bodyPr>
+          <a:lstStyle/>
+          <a:p>
+            <a:r>
+              <a:rPr lang="en-US" dirty="0">
+                <a:solidFill>
+                  <a:srgbClr val="FF0000"/>
+                </a:solidFill>
+              </a:rPr>
+              <a:t>State Vectors</a:t>
+            </a:r>
+          </a:p>
+        </p:txBody>
+      </p:sp>
+      <p:pic>
+        <p:nvPicPr>
+          <p:cNvPr id="17" name="Picture 16">
+            <a:extLst>
+              <a:ext uri="{FF2B5EF4-FFF2-40B4-BE49-F238E27FC236}">
+                <a16:creationId xmlns:a16="http://schemas.microsoft.com/office/drawing/2014/main" id="{4BFD6221-9E72-486E-8C72-84662C4C7104}"/>
+              </a:ext>
+            </a:extLst>
+          </p:cNvPr>
+          <p:cNvPicPr>
+            <a:picLocks noChangeAspect="1"/>
+          </p:cNvPicPr>
+          <p:nvPr/>
+        </p:nvPicPr>
+        <p:blipFill>
+          <a:blip r:embed="rId5"/>
+          <a:stretch>
+            <a:fillRect/>
+          </a:stretch>
+        </p:blipFill>
+        <p:spPr>
+          <a:xfrm>
+            <a:off x="468744" y="3970174"/>
+            <a:ext cx="11709885" cy="2194012"/>
+          </a:xfrm>
+          <a:prstGeom prst="rect">
+            <a:avLst/>
+          </a:prstGeom>
+        </p:spPr>
+      </p:pic>
+      <p:sp>
+        <p:nvSpPr>
+          <p:cNvPr id="18" name="TextBox 17">
+            <a:extLst>
+              <a:ext uri="{FF2B5EF4-FFF2-40B4-BE49-F238E27FC236}">
+                <a16:creationId xmlns:a16="http://schemas.microsoft.com/office/drawing/2014/main" id="{87E2CB33-3F37-4E8D-93B1-E30DE6576FBC}"/>
+              </a:ext>
+            </a:extLst>
+          </p:cNvPr>
+          <p:cNvSpPr txBox="1"/>
+          <p:nvPr/>
+        </p:nvSpPr>
+        <p:spPr>
+          <a:xfrm>
+            <a:off x="4554416" y="4058244"/>
+            <a:ext cx="1411477" cy="369332"/>
+          </a:xfrm>
+          <a:prstGeom prst="rect">
+            <a:avLst/>
+          </a:prstGeom>
+          <a:noFill/>
+        </p:spPr>
+        <p:txBody>
+          <a:bodyPr wrap="none" rtlCol="0">
+            <a:spAutoFit/>
+          </a:bodyPr>
+          <a:lstStyle/>
+          <a:p>
+            <a:r>
+              <a:rPr lang="en-US" dirty="0">
+                <a:solidFill>
+                  <a:srgbClr val="FF0000"/>
+                </a:solidFill>
+              </a:rPr>
+              <a:t>State Vectors</a:t>
+            </a:r>
+          </a:p>
+        </p:txBody>
+      </p:sp>
+    </p:spTree>
+    <p:extLst>
+      <p:ext uri="{BB962C8B-B14F-4D97-AF65-F5344CB8AC3E}">
+        <p14:creationId xmlns:p14="http://schemas.microsoft.com/office/powerpoint/2010/main" val="3788360458"/>
+      </p:ext>
+    </p:extLst>
+  </p:cSld>
+  <p:clrMapOvr>
+    <a:masterClrMapping/>
+  </p:clrMapOvr>
+  <p:timing>
+    <p:tnLst>
+      <p:par>
+        <p:cTn id="1" dur="indefinite" restart="never" nodeType="tmRoot">
+          <p:childTnLst>
+            <p:seq concurrent="1" nextAc="seek">
+              <p:cTn id="2" dur="indefinite" nodeType="mainSeq">
+                <p:childTnLst>
+                  <p:par>
+                    <p:cTn id="3" fill="hold">
+                      <p:stCondLst>
+                        <p:cond delay="indefinite"/>
+                        <p:cond evt="onBegin" delay="0">
+                          <p:tn val="2"/>
+                        </p:cond>
+                      </p:stCondLst>
+                      <p:childTnLst>
+                        <p:par>
+                          <p:cTn id="4" fill="hold">
+                            <p:stCondLst>
+                              <p:cond delay="0"/>
+                            </p:stCondLst>
+                            <p:childTnLst>
+                              <p:par>
+                                <p:cTn id="5" presetID="10" presetClass="entr" presetSubtype="0" fill="hold" grpId="0" nodeType="withEffect">
+                                  <p:stCondLst>
+                                    <p:cond delay="1000"/>
+                                  </p:stCondLst>
+                                  <p:iterate>
+                                    <p:tmPct val="10000"/>
+                                  </p:iterate>
+                                  <p:childTnLst>
+                                    <p:set>
+                                      <p:cBhvr>
+                                        <p:cTn id="6" dur="1" fill="hold">
+                                          <p:stCondLst>
+                                            <p:cond delay="0"/>
+                                          </p:stCondLst>
+                                        </p:cTn>
+                                        <p:tgtEl>
+                                          <p:spTgt spid="2"/>
+                                        </p:tgtEl>
+                                        <p:attrNameLst>
+                                          <p:attrName>style.visibility</p:attrName>
+                                        </p:attrNameLst>
+                                      </p:cBhvr>
+                                      <p:to>
+                                        <p:strVal val="visible"/>
+                                      </p:to>
+                                    </p:set>
+                                    <p:animEffect transition="in" filter="fade">
+                                      <p:cBhvr>
+                                        <p:cTn id="7" dur="700"/>
+                                        <p:tgtEl>
+                                          <p:spTgt spid="2"/>
+                                        </p:tgtEl>
+                                      </p:cBhvr>
+                                    </p:animEffect>
+                                  </p:childTnLst>
+                                </p:cTn>
+                              </p:par>
+                            </p:childTnLst>
+                          </p:cTn>
+                        </p:par>
+                      </p:childTnLst>
+                    </p:cTn>
+                  </p:par>
+                </p:childTnLst>
+              </p:cTn>
+              <p:prevCondLst>
+                <p:cond evt="onPrev" delay="0">
+                  <p:tgtEl>
+                    <p:sldTgt/>
+                  </p:tgtEl>
+                </p:cond>
+              </p:prevCondLst>
+              <p:nextCondLst>
+                <p:cond evt="onNext" delay="0">
+                  <p:tgtEl>
+                    <p:sldTgt/>
+                  </p:tgtEl>
+                </p:cond>
+              </p:nextCondLst>
+            </p:seq>
+          </p:childTnLst>
+        </p:cTn>
+      </p:par>
+    </p:tnLst>
+    <p:bldLst>
+      <p:bldP spid="2" grpId="0"/>
+    </p:bldLst>
+  </p:timing>
+</p:sld>
+</file>
+
+<file path=ppt/slides/slide21.xml><?xml version="1.0" encoding="utf-8"?>
+<p:sld xmlns:a="http://schemas.openxmlformats.org/drawingml/2006/main" xmlns:r="http://schemas.openxmlformats.org/officeDocument/2006/relationships" xmlns:p="http://schemas.openxmlformats.org/presentationml/2006/main">
+  <p:cSld>
+    <p:bg>
+      <p:bgPr>
+        <a:solidFill>
+          <a:schemeClr val="bg1"/>
+        </a:solidFill>
+        <a:effectLst/>
+      </p:bgPr>
+    </p:bg>
+    <p:spTree>
+      <p:nvGrpSpPr>
+        <p:cNvPr id="1" name=""/>
+        <p:cNvGrpSpPr/>
+        <p:nvPr/>
+      </p:nvGrpSpPr>
+      <p:grpSpPr>
+        <a:xfrm>
+          <a:off x="0" y="0"/>
+          <a:ext cx="0" cy="0"/>
+          <a:chOff x="0" y="0"/>
+          <a:chExt cx="0" cy="0"/>
+        </a:xfrm>
+      </p:grpSpPr>
+      <p:sp useBgFill="1">
+        <p:nvSpPr>
+          <p:cNvPr id="9" name="Rectangle 8">
+            <a:extLst>
+              <a:ext uri="{FF2B5EF4-FFF2-40B4-BE49-F238E27FC236}">
+                <a16:creationId xmlns:a16="http://schemas.microsoft.com/office/drawing/2014/main" id="{D17A94B4-8121-4ED6-AB0D-69EE9A6332E6}"/>
+              </a:ext>
+              <a:ext uri="{C183D7F6-B498-43B3-948B-1728B52AA6E4}">
+                <adec:decorative xmlns:adec="http://schemas.microsoft.com/office/drawing/2017/decorative" val="1"/>
+              </a:ext>
+            </a:extLst>
+          </p:cNvPr>
+          <p:cNvSpPr>
+            <a:spLocks noGrp="1" noRot="1" noChangeAspect="1" noMove="1" noResize="1" noEditPoints="1" noAdjustHandles="1" noChangeArrowheads="1" noChangeShapeType="1" noTextEdit="1"/>
+          </p:cNvSpPr>
+          <p:nvPr>
+            <p:extLst>
+              <p:ext uri="{386F3935-93C4-4BCD-93E2-E3B085C9AB24}">
+                <p16:designElem xmlns:p16="http://schemas.microsoft.com/office/powerpoint/2015/main" val="1"/>
+              </p:ext>
+            </p:extLst>
+          </p:nvPr>
+        </p:nvSpPr>
+        <p:spPr>
+          <a:xfrm>
+            <a:off x="-1" y="0"/>
+            <a:ext cx="12188952" cy="6858000"/>
+          </a:xfrm>
+          <a:prstGeom prst="rect">
+            <a:avLst/>
+          </a:prstGeom>
+          <a:ln>
+            <a:noFill/>
+          </a:ln>
+        </p:spPr>
+        <p:style>
+          <a:lnRef idx="2">
+            <a:schemeClr val="accent1">
+              <a:shade val="50000"/>
+            </a:schemeClr>
+          </a:lnRef>
+          <a:fillRef idx="1">
+            <a:schemeClr val="accent1"/>
+          </a:fillRef>
+          <a:effectRef idx="0">
+            <a:schemeClr val="accent1"/>
+          </a:effectRef>
+          <a:fontRef idx="minor">
+            <a:schemeClr val="lt1"/>
+          </a:fontRef>
+        </p:style>
+        <p:txBody>
+          <a:bodyPr rtlCol="0" anchor="ctr"/>
+          <a:lstStyle/>
+          <a:p>
+            <a:pPr algn="ctr"/>
+            <a:endParaRPr lang="en-US"/>
+          </a:p>
+        </p:txBody>
+      </p:sp>
+      <p:pic>
+        <p:nvPicPr>
+          <p:cNvPr id="11" name="Graphic 10">
+            <a:extLst>
+              <a:ext uri="{FF2B5EF4-FFF2-40B4-BE49-F238E27FC236}">
+                <a16:creationId xmlns:a16="http://schemas.microsoft.com/office/drawing/2014/main" id="{4741521E-DC76-41B9-8A47-448CD4F9FA46}"/>
+              </a:ext>
+              <a:ext uri="{C183D7F6-B498-43B3-948B-1728B52AA6E4}">
+                <adec:decorative xmlns:adec="http://schemas.microsoft.com/office/drawing/2017/decorative" val="1"/>
+              </a:ext>
+            </a:extLst>
+          </p:cNvPr>
+          <p:cNvPicPr>
+            <a:picLocks noGrp="1" noRot="1" noChangeAspect="1" noMove="1" noResize="1" noEditPoints="1" noAdjustHandles="1" noChangeArrowheads="1" noChangeShapeType="1" noCrop="1"/>
+          </p:cNvPicPr>
+          <p:nvPr>
+            <p:extLst>
+              <p:ext uri="{386F3935-93C4-4BCD-93E2-E3B085C9AB24}">
+                <p16:designElem xmlns:p16="http://schemas.microsoft.com/office/powerpoint/2015/main" val="1"/>
+              </p:ext>
+            </p:extLst>
+          </p:nvPr>
+        </p:nvPicPr>
+        <p:blipFill>
+          <a:blip r:embed="rId2">
+            <a:extLst>
+              <a:ext uri="{28A0092B-C50C-407E-A947-70E740481C1C}">
+                <a14:useLocalDpi xmlns:a14="http://schemas.microsoft.com/office/drawing/2010/main" val="0"/>
+              </a:ext>
+              <a:ext uri="{96DAC541-7B7A-43D3-8B79-37D633B846F1}">
+                <asvg:svgBlip xmlns:asvg="http://schemas.microsoft.com/office/drawing/2016/SVG/main" r:embed="rId3"/>
+              </a:ext>
+            </a:extLst>
+          </a:blip>
+          <a:stretch>
+            <a:fillRect/>
+          </a:stretch>
+        </p:blipFill>
+        <p:spPr>
+          <a:xfrm rot="5400000">
+            <a:off x="3372661" y="-3359290"/>
+            <a:ext cx="5470372" cy="12188952"/>
+          </a:xfrm>
+          <a:prstGeom prst="rect">
+            <a:avLst/>
+          </a:prstGeom>
+        </p:spPr>
+      </p:pic>
+      <p:sp>
+        <p:nvSpPr>
+          <p:cNvPr id="2" name="Title 1">
+            <a:extLst>
+              <a:ext uri="{FF2B5EF4-FFF2-40B4-BE49-F238E27FC236}">
+                <a16:creationId xmlns:a16="http://schemas.microsoft.com/office/drawing/2014/main" id="{6E571202-A7FD-4E52-A4AA-D73C06FA045E}"/>
+              </a:ext>
+            </a:extLst>
+          </p:cNvPr>
+          <p:cNvSpPr>
+            <a:spLocks noGrp="1"/>
+          </p:cNvSpPr>
+          <p:nvPr>
+            <p:ph type="title"/>
+          </p:nvPr>
+        </p:nvSpPr>
+        <p:spPr>
+          <a:xfrm>
+            <a:off x="1403632" y="184336"/>
+            <a:ext cx="9283781" cy="1405965"/>
+          </a:xfrm>
+        </p:spPr>
+        <p:txBody>
+          <a:bodyPr vert="horz" lIns="91440" tIns="45720" rIns="91440" bIns="45720" rtlCol="0" anchor="b">
+            <a:normAutofit/>
+          </a:bodyPr>
+          <a:lstStyle/>
+          <a:p>
+            <a:pPr algn="ctr"/>
+            <a:r>
+              <a:rPr lang="en-US" sz="5000" kern="1200" dirty="0">
+                <a:solidFill>
+                  <a:schemeClr val="tx1"/>
+                </a:solidFill>
+                <a:latin typeface="+mj-lt"/>
+                <a:ea typeface="+mj-ea"/>
+                <a:cs typeface="+mj-cs"/>
+              </a:rPr>
+              <a:t>Probability Vector</a:t>
+            </a:r>
+          </a:p>
+        </p:txBody>
+      </p:sp>
+      <p:sp>
+        <p:nvSpPr>
+          <p:cNvPr id="13" name="Rectangle 12">
+            <a:extLst>
+              <a:ext uri="{FF2B5EF4-FFF2-40B4-BE49-F238E27FC236}">
+                <a16:creationId xmlns:a16="http://schemas.microsoft.com/office/drawing/2014/main" id="{53FD85F6-ECDC-4124-9916-6444E142C663}"/>
+              </a:ext>
+              <a:ext uri="{C183D7F6-B498-43B3-948B-1728B52AA6E4}">
+                <adec:decorative xmlns:adec="http://schemas.microsoft.com/office/drawing/2017/decorative" val="1"/>
+              </a:ext>
+            </a:extLst>
+          </p:cNvPr>
+          <p:cNvSpPr>
+            <a:spLocks noGrp="1" noRot="1" noChangeAspect="1" noMove="1" noResize="1" noEditPoints="1" noAdjustHandles="1" noChangeArrowheads="1" noChangeShapeType="1" noTextEdit="1"/>
+          </p:cNvSpPr>
+          <p:nvPr>
+            <p:extLst>
+              <p:ext uri="{386F3935-93C4-4BCD-93E2-E3B085C9AB24}">
+                <p16:designElem xmlns:p16="http://schemas.microsoft.com/office/powerpoint/2015/main" val="1"/>
+              </p:ext>
+            </p:extLst>
+          </p:nvPr>
+        </p:nvSpPr>
+        <p:spPr>
+          <a:xfrm>
+            <a:off x="-1078" y="685797"/>
+            <a:ext cx="118872" cy="1550455"/>
+          </a:xfrm>
+          <a:prstGeom prst="rect">
+            <a:avLst/>
+          </a:prstGeom>
+          <a:solidFill>
+            <a:schemeClr val="accent2"/>
+          </a:solidFill>
+          <a:ln>
+            <a:noFill/>
+          </a:ln>
+        </p:spPr>
+        <p:style>
+          <a:lnRef idx="2">
+            <a:schemeClr val="accent1">
+              <a:shade val="50000"/>
+            </a:schemeClr>
+          </a:lnRef>
+          <a:fillRef idx="1">
+            <a:schemeClr val="accent1"/>
+          </a:fillRef>
+          <a:effectRef idx="0">
+            <a:schemeClr val="accent1"/>
+          </a:effectRef>
+          <a:fontRef idx="minor">
+            <a:schemeClr val="lt1"/>
+          </a:fontRef>
+        </p:style>
+        <p:txBody>
+          <a:bodyPr rtlCol="0" anchor="ctr"/>
+          <a:lstStyle/>
+          <a:p>
+            <a:pPr algn="ctr"/>
+            <a:endParaRPr lang="en-US"/>
+          </a:p>
+        </p:txBody>
+      </p:sp>
+      <p:sp>
+        <p:nvSpPr>
+          <p:cNvPr id="15" name="Rectangle 14">
+            <a:extLst>
+              <a:ext uri="{FF2B5EF4-FFF2-40B4-BE49-F238E27FC236}">
+                <a16:creationId xmlns:a16="http://schemas.microsoft.com/office/drawing/2014/main" id="{FB5D26B4-74AD-4118-8F13-7051DA3BFA87}"/>
+              </a:ext>
+              <a:ext uri="{C183D7F6-B498-43B3-948B-1728B52AA6E4}">
+                <adec:decorative xmlns:adec="http://schemas.microsoft.com/office/drawing/2017/decorative" val="1"/>
+              </a:ext>
+            </a:extLst>
+          </p:cNvPr>
+          <p:cNvSpPr>
+            <a:spLocks noGrp="1" noRot="1" noChangeAspect="1" noMove="1" noResize="1" noEditPoints="1" noAdjustHandles="1" noChangeArrowheads="1" noChangeShapeType="1" noTextEdit="1"/>
+          </p:cNvSpPr>
+          <p:nvPr>
+            <p:extLst>
+              <p:ext uri="{386F3935-93C4-4BCD-93E2-E3B085C9AB24}">
+                <p16:designElem xmlns:p16="http://schemas.microsoft.com/office/powerpoint/2015/main" val="1"/>
+              </p:ext>
+            </p:extLst>
+          </p:nvPr>
+        </p:nvSpPr>
+        <p:spPr>
+          <a:xfrm>
+            <a:off x="12073128" y="6172201"/>
+            <a:ext cx="118872" cy="685800"/>
+          </a:xfrm>
+          <a:prstGeom prst="rect">
+            <a:avLst/>
+          </a:prstGeom>
+          <a:solidFill>
+            <a:schemeClr val="accent2"/>
+          </a:solidFill>
+          <a:ln>
+            <a:noFill/>
+          </a:ln>
+        </p:spPr>
+        <p:style>
+          <a:lnRef idx="2">
+            <a:schemeClr val="accent1">
+              <a:shade val="50000"/>
+            </a:schemeClr>
+          </a:lnRef>
+          <a:fillRef idx="1">
+            <a:schemeClr val="accent1"/>
+          </a:fillRef>
+          <a:effectRef idx="0">
+            <a:schemeClr val="accent1"/>
+          </a:effectRef>
+          <a:fontRef idx="minor">
+            <a:schemeClr val="lt1"/>
+          </a:fontRef>
+        </p:style>
+        <p:txBody>
+          <a:bodyPr rtlCol="0" anchor="ctr"/>
+          <a:lstStyle/>
+          <a:p>
+            <a:pPr algn="ctr"/>
+            <a:endParaRPr lang="en-US"/>
+          </a:p>
+        </p:txBody>
+      </p:sp>
+      <p:pic>
+        <p:nvPicPr>
+          <p:cNvPr id="8" name="Picture 7">
+            <a:extLst>
+              <a:ext uri="{FF2B5EF4-FFF2-40B4-BE49-F238E27FC236}">
+                <a16:creationId xmlns:a16="http://schemas.microsoft.com/office/drawing/2014/main" id="{FFAD0ACE-42B0-4F20-8DCA-8AA6652866F6}"/>
+              </a:ext>
+            </a:extLst>
+          </p:cNvPr>
+          <p:cNvPicPr>
+            <a:picLocks noChangeAspect="1"/>
+          </p:cNvPicPr>
+          <p:nvPr/>
+        </p:nvPicPr>
+        <p:blipFill>
+          <a:blip r:embed="rId4"/>
+          <a:stretch>
+            <a:fillRect/>
+          </a:stretch>
+        </p:blipFill>
+        <p:spPr>
+          <a:xfrm>
+            <a:off x="58358" y="3574667"/>
+            <a:ext cx="12120271" cy="1047082"/>
+          </a:xfrm>
+          <a:prstGeom prst="rect">
+            <a:avLst/>
+          </a:prstGeom>
+        </p:spPr>
+      </p:pic>
+      <p:sp>
+        <p:nvSpPr>
+          <p:cNvPr id="3" name="TextBox 2">
+            <a:extLst>
+              <a:ext uri="{FF2B5EF4-FFF2-40B4-BE49-F238E27FC236}">
+                <a16:creationId xmlns:a16="http://schemas.microsoft.com/office/drawing/2014/main" id="{B3A1F941-2068-432A-A42C-91ED72E6D07F}"/>
+              </a:ext>
+            </a:extLst>
+          </p:cNvPr>
+          <p:cNvSpPr txBox="1"/>
+          <p:nvPr/>
+        </p:nvSpPr>
+        <p:spPr>
+          <a:xfrm>
+            <a:off x="1881553" y="4185139"/>
+            <a:ext cx="1911292" cy="369332"/>
+          </a:xfrm>
+          <a:prstGeom prst="rect">
+            <a:avLst/>
+          </a:prstGeom>
+          <a:noFill/>
+        </p:spPr>
+        <p:txBody>
+          <a:bodyPr wrap="none" rtlCol="0">
+            <a:spAutoFit/>
+          </a:bodyPr>
+          <a:lstStyle/>
+          <a:p>
+            <a:r>
+              <a:rPr lang="en-US" dirty="0">
+                <a:solidFill>
+                  <a:srgbClr val="FF0000"/>
+                </a:solidFill>
+              </a:rPr>
+              <a:t>Probability Vector </a:t>
+            </a:r>
+          </a:p>
+        </p:txBody>
+      </p:sp>
+    </p:spTree>
+    <p:extLst>
+      <p:ext uri="{BB962C8B-B14F-4D97-AF65-F5344CB8AC3E}">
+        <p14:creationId xmlns:p14="http://schemas.microsoft.com/office/powerpoint/2010/main" val="2344700059"/>
+      </p:ext>
+    </p:extLst>
+  </p:cSld>
+  <p:clrMapOvr>
+    <a:masterClrMapping/>
+  </p:clrMapOvr>
+</p:sld>
+</file>
+
+<file path=ppt/slides/slide22.xml><?xml version="1.0" encoding="utf-8"?>
+<p:sld xmlns:a="http://schemas.openxmlformats.org/drawingml/2006/main" xmlns:r="http://schemas.openxmlformats.org/officeDocument/2006/relationships" xmlns:p="http://schemas.openxmlformats.org/presentationml/2006/main">
+  <p:cSld>
+    <p:bg>
+      <p:bgPr>
+        <a:solidFill>
+          <a:schemeClr val="bg1"/>
+        </a:solidFill>
+        <a:effectLst/>
+      </p:bgPr>
+    </p:bg>
+    <p:spTree>
+      <p:nvGrpSpPr>
+        <p:cNvPr id="1" name=""/>
+        <p:cNvGrpSpPr/>
+        <p:nvPr/>
+      </p:nvGrpSpPr>
+      <p:grpSpPr>
+        <a:xfrm>
+          <a:off x="0" y="0"/>
+          <a:ext cx="0" cy="0"/>
+          <a:chOff x="0" y="0"/>
+          <a:chExt cx="0" cy="0"/>
+        </a:xfrm>
+      </p:grpSpPr>
+      <p:sp useBgFill="1">
+        <p:nvSpPr>
+          <p:cNvPr id="9" name="Rectangle 8">
+            <a:extLst>
+              <a:ext uri="{FF2B5EF4-FFF2-40B4-BE49-F238E27FC236}">
+                <a16:creationId xmlns:a16="http://schemas.microsoft.com/office/drawing/2014/main" id="{D17A94B4-8121-4ED6-AB0D-69EE9A6332E6}"/>
+              </a:ext>
+              <a:ext uri="{C183D7F6-B498-43B3-948B-1728B52AA6E4}">
+                <adec:decorative xmlns:adec="http://schemas.microsoft.com/office/drawing/2017/decorative" val="1"/>
+              </a:ext>
+            </a:extLst>
+          </p:cNvPr>
+          <p:cNvSpPr>
+            <a:spLocks noGrp="1" noRot="1" noChangeAspect="1" noMove="1" noResize="1" noEditPoints="1" noAdjustHandles="1" noChangeArrowheads="1" noChangeShapeType="1" noTextEdit="1"/>
+          </p:cNvSpPr>
+          <p:nvPr>
+            <p:extLst>
+              <p:ext uri="{386F3935-93C4-4BCD-93E2-E3B085C9AB24}">
+                <p16:designElem xmlns:p16="http://schemas.microsoft.com/office/powerpoint/2015/main" val="1"/>
+              </p:ext>
+            </p:extLst>
+          </p:nvPr>
+        </p:nvSpPr>
+        <p:spPr>
+          <a:xfrm>
+            <a:off x="-1" y="0"/>
+            <a:ext cx="12188952" cy="6858000"/>
+          </a:xfrm>
+          <a:prstGeom prst="rect">
+            <a:avLst/>
+          </a:prstGeom>
+          <a:ln>
+            <a:noFill/>
+          </a:ln>
+        </p:spPr>
+        <p:style>
+          <a:lnRef idx="2">
+            <a:schemeClr val="accent1">
+              <a:shade val="50000"/>
+            </a:schemeClr>
+          </a:lnRef>
+          <a:fillRef idx="1">
+            <a:schemeClr val="accent1"/>
+          </a:fillRef>
+          <a:effectRef idx="0">
+            <a:schemeClr val="accent1"/>
+          </a:effectRef>
+          <a:fontRef idx="minor">
+            <a:schemeClr val="lt1"/>
+          </a:fontRef>
+        </p:style>
+        <p:txBody>
+          <a:bodyPr rtlCol="0" anchor="ctr"/>
+          <a:lstStyle/>
+          <a:p>
+            <a:pPr algn="ctr"/>
+            <a:endParaRPr lang="en-US"/>
+          </a:p>
+        </p:txBody>
+      </p:sp>
+      <p:pic>
+        <p:nvPicPr>
+          <p:cNvPr id="11" name="Graphic 10">
+            <a:extLst>
+              <a:ext uri="{FF2B5EF4-FFF2-40B4-BE49-F238E27FC236}">
+                <a16:creationId xmlns:a16="http://schemas.microsoft.com/office/drawing/2014/main" id="{4741521E-DC76-41B9-8A47-448CD4F9FA46}"/>
+              </a:ext>
+              <a:ext uri="{C183D7F6-B498-43B3-948B-1728B52AA6E4}">
+                <adec:decorative xmlns:adec="http://schemas.microsoft.com/office/drawing/2017/decorative" val="1"/>
+              </a:ext>
+            </a:extLst>
+          </p:cNvPr>
+          <p:cNvPicPr>
+            <a:picLocks noGrp="1" noRot="1" noChangeAspect="1" noMove="1" noResize="1" noEditPoints="1" noAdjustHandles="1" noChangeArrowheads="1" noChangeShapeType="1" noCrop="1"/>
+          </p:cNvPicPr>
+          <p:nvPr>
+            <p:extLst>
+              <p:ext uri="{386F3935-93C4-4BCD-93E2-E3B085C9AB24}">
+                <p16:designElem xmlns:p16="http://schemas.microsoft.com/office/powerpoint/2015/main" val="1"/>
+              </p:ext>
+            </p:extLst>
+          </p:nvPr>
+        </p:nvPicPr>
+        <p:blipFill>
+          <a:blip r:embed="rId2">
+            <a:extLst>
+              <a:ext uri="{28A0092B-C50C-407E-A947-70E740481C1C}">
+                <a14:useLocalDpi xmlns:a14="http://schemas.microsoft.com/office/drawing/2010/main" val="0"/>
+              </a:ext>
+              <a:ext uri="{96DAC541-7B7A-43D3-8B79-37D633B846F1}">
+                <asvg:svgBlip xmlns:asvg="http://schemas.microsoft.com/office/drawing/2016/SVG/main" r:embed="rId3"/>
+              </a:ext>
+            </a:extLst>
+          </a:blip>
+          <a:stretch>
+            <a:fillRect/>
+          </a:stretch>
+        </p:blipFill>
+        <p:spPr>
+          <a:xfrm rot="5400000">
+            <a:off x="3372661" y="-3359290"/>
+            <a:ext cx="5470372" cy="12188952"/>
+          </a:xfrm>
+          <a:prstGeom prst="rect">
+            <a:avLst/>
+          </a:prstGeom>
+        </p:spPr>
+      </p:pic>
+      <p:sp>
+        <p:nvSpPr>
+          <p:cNvPr id="2" name="Title 1">
+            <a:extLst>
+              <a:ext uri="{FF2B5EF4-FFF2-40B4-BE49-F238E27FC236}">
+                <a16:creationId xmlns:a16="http://schemas.microsoft.com/office/drawing/2014/main" id="{6E571202-A7FD-4E52-A4AA-D73C06FA045E}"/>
+              </a:ext>
+            </a:extLst>
+          </p:cNvPr>
+          <p:cNvSpPr>
+            <a:spLocks noGrp="1"/>
+          </p:cNvSpPr>
+          <p:nvPr>
+            <p:ph type="title"/>
+          </p:nvPr>
+        </p:nvSpPr>
+        <p:spPr>
+          <a:xfrm>
+            <a:off x="1403632" y="184336"/>
+            <a:ext cx="9283781" cy="1405965"/>
+          </a:xfrm>
+        </p:spPr>
+        <p:txBody>
+          <a:bodyPr vert="horz" lIns="91440" tIns="45720" rIns="91440" bIns="45720" rtlCol="0" anchor="b">
+            <a:normAutofit/>
+          </a:bodyPr>
+          <a:lstStyle/>
+          <a:p>
+            <a:pPr algn="ctr"/>
+            <a:r>
+              <a:rPr lang="en-US" sz="5000" kern="1200" dirty="0">
+                <a:solidFill>
+                  <a:schemeClr val="tx1"/>
+                </a:solidFill>
+                <a:latin typeface="+mj-lt"/>
+                <a:ea typeface="+mj-ea"/>
+                <a:cs typeface="+mj-cs"/>
+              </a:rPr>
+              <a:t>Markov Chain</a:t>
+            </a:r>
+          </a:p>
+        </p:txBody>
+      </p:sp>
+      <p:sp>
+        <p:nvSpPr>
+          <p:cNvPr id="13" name="Rectangle 12">
+            <a:extLst>
+              <a:ext uri="{FF2B5EF4-FFF2-40B4-BE49-F238E27FC236}">
+                <a16:creationId xmlns:a16="http://schemas.microsoft.com/office/drawing/2014/main" id="{53FD85F6-ECDC-4124-9916-6444E142C663}"/>
+              </a:ext>
+              <a:ext uri="{C183D7F6-B498-43B3-948B-1728B52AA6E4}">
+                <adec:decorative xmlns:adec="http://schemas.microsoft.com/office/drawing/2017/decorative" val="1"/>
+              </a:ext>
+            </a:extLst>
+          </p:cNvPr>
+          <p:cNvSpPr>
+            <a:spLocks noGrp="1" noRot="1" noChangeAspect="1" noMove="1" noResize="1" noEditPoints="1" noAdjustHandles="1" noChangeArrowheads="1" noChangeShapeType="1" noTextEdit="1"/>
+          </p:cNvSpPr>
+          <p:nvPr>
+            <p:extLst>
+              <p:ext uri="{386F3935-93C4-4BCD-93E2-E3B085C9AB24}">
+                <p16:designElem xmlns:p16="http://schemas.microsoft.com/office/powerpoint/2015/main" val="1"/>
+              </p:ext>
+            </p:extLst>
+          </p:nvPr>
+        </p:nvSpPr>
+        <p:spPr>
+          <a:xfrm>
+            <a:off x="-1078" y="685797"/>
+            <a:ext cx="118872" cy="1550455"/>
+          </a:xfrm>
+          <a:prstGeom prst="rect">
+            <a:avLst/>
+          </a:prstGeom>
+          <a:solidFill>
+            <a:schemeClr val="accent2"/>
+          </a:solidFill>
+          <a:ln>
+            <a:noFill/>
+          </a:ln>
+        </p:spPr>
+        <p:style>
+          <a:lnRef idx="2">
+            <a:schemeClr val="accent1">
+              <a:shade val="50000"/>
+            </a:schemeClr>
+          </a:lnRef>
+          <a:fillRef idx="1">
+            <a:schemeClr val="accent1"/>
+          </a:fillRef>
+          <a:effectRef idx="0">
+            <a:schemeClr val="accent1"/>
+          </a:effectRef>
+          <a:fontRef idx="minor">
+            <a:schemeClr val="lt1"/>
+          </a:fontRef>
+        </p:style>
+        <p:txBody>
+          <a:bodyPr rtlCol="0" anchor="ctr"/>
+          <a:lstStyle/>
+          <a:p>
+            <a:pPr algn="ctr"/>
+            <a:endParaRPr lang="en-US"/>
+          </a:p>
+        </p:txBody>
+      </p:sp>
+      <p:sp>
+        <p:nvSpPr>
+          <p:cNvPr id="15" name="Rectangle 14">
+            <a:extLst>
+              <a:ext uri="{FF2B5EF4-FFF2-40B4-BE49-F238E27FC236}">
+                <a16:creationId xmlns:a16="http://schemas.microsoft.com/office/drawing/2014/main" id="{FB5D26B4-74AD-4118-8F13-7051DA3BFA87}"/>
+              </a:ext>
+              <a:ext uri="{C183D7F6-B498-43B3-948B-1728B52AA6E4}">
+                <adec:decorative xmlns:adec="http://schemas.microsoft.com/office/drawing/2017/decorative" val="1"/>
+              </a:ext>
+            </a:extLst>
+          </p:cNvPr>
+          <p:cNvSpPr>
+            <a:spLocks noGrp="1" noRot="1" noChangeAspect="1" noMove="1" noResize="1" noEditPoints="1" noAdjustHandles="1" noChangeArrowheads="1" noChangeShapeType="1" noTextEdit="1"/>
+          </p:cNvSpPr>
+          <p:nvPr>
+            <p:extLst>
+              <p:ext uri="{386F3935-93C4-4BCD-93E2-E3B085C9AB24}">
+                <p16:designElem xmlns:p16="http://schemas.microsoft.com/office/powerpoint/2015/main" val="1"/>
+              </p:ext>
+            </p:extLst>
+          </p:nvPr>
+        </p:nvSpPr>
+        <p:spPr>
+          <a:xfrm>
+            <a:off x="12073128" y="6172201"/>
+            <a:ext cx="118872" cy="685800"/>
+          </a:xfrm>
+          <a:prstGeom prst="rect">
+            <a:avLst/>
+          </a:prstGeom>
+          <a:solidFill>
+            <a:schemeClr val="accent2"/>
+          </a:solidFill>
+          <a:ln>
+            <a:noFill/>
+          </a:ln>
+        </p:spPr>
+        <p:style>
+          <a:lnRef idx="2">
+            <a:schemeClr val="accent1">
+              <a:shade val="50000"/>
+            </a:schemeClr>
+          </a:lnRef>
+          <a:fillRef idx="1">
+            <a:schemeClr val="accent1"/>
+          </a:fillRef>
+          <a:effectRef idx="0">
+            <a:schemeClr val="accent1"/>
+          </a:effectRef>
+          <a:fontRef idx="minor">
+            <a:schemeClr val="lt1"/>
+          </a:fontRef>
+        </p:style>
+        <p:txBody>
+          <a:bodyPr rtlCol="0" anchor="ctr"/>
+          <a:lstStyle/>
+          <a:p>
+            <a:pPr algn="ctr"/>
+            <a:endParaRPr lang="en-US"/>
+          </a:p>
+        </p:txBody>
+      </p:sp>
+      <p:pic>
+        <p:nvPicPr>
+          <p:cNvPr id="10" name="Picture 9">
+            <a:extLst>
+              <a:ext uri="{FF2B5EF4-FFF2-40B4-BE49-F238E27FC236}">
+                <a16:creationId xmlns:a16="http://schemas.microsoft.com/office/drawing/2014/main" id="{6B7CFCB9-20C4-47D6-B456-4A16E53DC195}"/>
+              </a:ext>
+            </a:extLst>
+          </p:cNvPr>
+          <p:cNvPicPr>
+            <a:picLocks noChangeAspect="1"/>
+          </p:cNvPicPr>
+          <p:nvPr/>
+        </p:nvPicPr>
+        <p:blipFill>
+          <a:blip r:embed="rId4"/>
+          <a:stretch>
+            <a:fillRect/>
+          </a:stretch>
+        </p:blipFill>
+        <p:spPr>
+          <a:xfrm>
+            <a:off x="1114788" y="3054086"/>
+            <a:ext cx="9572625" cy="476250"/>
+          </a:xfrm>
+          <a:prstGeom prst="rect">
+            <a:avLst/>
+          </a:prstGeom>
+        </p:spPr>
+      </p:pic>
+      <p:pic>
+        <p:nvPicPr>
+          <p:cNvPr id="4" name="Picture 3">
+            <a:extLst>
+              <a:ext uri="{FF2B5EF4-FFF2-40B4-BE49-F238E27FC236}">
+                <a16:creationId xmlns:a16="http://schemas.microsoft.com/office/drawing/2014/main" id="{F1B3DCF2-9C45-4875-912D-812FD362C60C}"/>
+              </a:ext>
+            </a:extLst>
+          </p:cNvPr>
+          <p:cNvPicPr>
+            <a:picLocks noChangeAspect="1"/>
+          </p:cNvPicPr>
+          <p:nvPr/>
+        </p:nvPicPr>
+        <p:blipFill>
+          <a:blip r:embed="rId5"/>
+          <a:stretch>
+            <a:fillRect/>
+          </a:stretch>
+        </p:blipFill>
+        <p:spPr>
+          <a:xfrm>
+            <a:off x="1203007" y="3565632"/>
+            <a:ext cx="8810625" cy="1847850"/>
+          </a:xfrm>
+          <a:prstGeom prst="rect">
+            <a:avLst/>
+          </a:prstGeom>
+        </p:spPr>
+      </p:pic>
+      <p:pic>
+        <p:nvPicPr>
+          <p:cNvPr id="12" name="Picture 11">
+            <a:extLst>
+              <a:ext uri="{FF2B5EF4-FFF2-40B4-BE49-F238E27FC236}">
+                <a16:creationId xmlns:a16="http://schemas.microsoft.com/office/drawing/2014/main" id="{6F030C65-9BD1-4074-8435-B82D92398C0D}"/>
+              </a:ext>
+            </a:extLst>
+          </p:cNvPr>
+          <p:cNvPicPr>
+            <a:picLocks noChangeAspect="1"/>
+          </p:cNvPicPr>
+          <p:nvPr/>
+        </p:nvPicPr>
+        <p:blipFill>
+          <a:blip r:embed="rId6"/>
+          <a:stretch>
+            <a:fillRect/>
+          </a:stretch>
+        </p:blipFill>
+        <p:spPr>
+          <a:xfrm>
+            <a:off x="1189635" y="5316460"/>
+            <a:ext cx="8610600" cy="847725"/>
+          </a:xfrm>
+          <a:prstGeom prst="rect">
+            <a:avLst/>
+          </a:prstGeom>
+        </p:spPr>
+      </p:pic>
+      <p:sp>
+        <p:nvSpPr>
+          <p:cNvPr id="5" name="TextBox 4">
+            <a:extLst>
+              <a:ext uri="{FF2B5EF4-FFF2-40B4-BE49-F238E27FC236}">
+                <a16:creationId xmlns:a16="http://schemas.microsoft.com/office/drawing/2014/main" id="{D4DD9E37-6E69-404B-B402-339048396563}"/>
+              </a:ext>
+            </a:extLst>
+          </p:cNvPr>
+          <p:cNvSpPr txBox="1"/>
+          <p:nvPr/>
+        </p:nvSpPr>
+        <p:spPr>
+          <a:xfrm>
+            <a:off x="8396654" y="3059668"/>
+            <a:ext cx="1477520" cy="369332"/>
+          </a:xfrm>
+          <a:prstGeom prst="rect">
+            <a:avLst/>
+          </a:prstGeom>
+          <a:noFill/>
+        </p:spPr>
+        <p:txBody>
+          <a:bodyPr wrap="none" rtlCol="0">
+            <a:spAutoFit/>
+          </a:bodyPr>
+          <a:lstStyle/>
+          <a:p>
+            <a:r>
+              <a:rPr lang="en-US" dirty="0">
+                <a:solidFill>
+                  <a:srgbClr val="FF0000"/>
+                </a:solidFill>
+              </a:rPr>
+              <a:t>Markov Chain</a:t>
+            </a:r>
+          </a:p>
+        </p:txBody>
+      </p:sp>
+      <p:sp>
+        <p:nvSpPr>
+          <p:cNvPr id="6" name="TextBox 5">
+            <a:extLst>
+              <a:ext uri="{FF2B5EF4-FFF2-40B4-BE49-F238E27FC236}">
+                <a16:creationId xmlns:a16="http://schemas.microsoft.com/office/drawing/2014/main" id="{C9C4BB62-3F3E-463A-A5F6-FB39CEA15784}"/>
+              </a:ext>
+            </a:extLst>
+          </p:cNvPr>
+          <p:cNvSpPr txBox="1"/>
+          <p:nvPr/>
+        </p:nvSpPr>
+        <p:spPr>
+          <a:xfrm>
+            <a:off x="3103684" y="3838046"/>
+            <a:ext cx="436338" cy="369332"/>
+          </a:xfrm>
+          <a:prstGeom prst="rect">
+            <a:avLst/>
+          </a:prstGeom>
+          <a:noFill/>
+        </p:spPr>
+        <p:txBody>
+          <a:bodyPr wrap="none" rtlCol="0">
+            <a:spAutoFit/>
+          </a:bodyPr>
+          <a:lstStyle/>
+          <a:p>
+            <a:r>
+              <a:rPr lang="en-US" dirty="0" err="1">
+                <a:solidFill>
+                  <a:srgbClr val="FF0000"/>
+                </a:solidFill>
+              </a:rPr>
+              <a:t>ith</a:t>
+            </a:r>
+            <a:endParaRPr lang="en-US" dirty="0">
+              <a:solidFill>
+                <a:srgbClr val="FF0000"/>
+              </a:solidFill>
+            </a:endParaRPr>
+          </a:p>
+        </p:txBody>
+      </p:sp>
+      <p:sp>
+        <p:nvSpPr>
+          <p:cNvPr id="7" name="TextBox 6">
+            <a:extLst>
+              <a:ext uri="{FF2B5EF4-FFF2-40B4-BE49-F238E27FC236}">
+                <a16:creationId xmlns:a16="http://schemas.microsoft.com/office/drawing/2014/main" id="{5232347D-6FA1-49EB-BC18-B0256972D559}"/>
+              </a:ext>
+            </a:extLst>
+          </p:cNvPr>
+          <p:cNvSpPr txBox="1"/>
+          <p:nvPr/>
+        </p:nvSpPr>
+        <p:spPr>
+          <a:xfrm>
+            <a:off x="5018051" y="3838046"/>
+            <a:ext cx="829266" cy="369332"/>
+          </a:xfrm>
+          <a:prstGeom prst="rect">
+            <a:avLst/>
+          </a:prstGeom>
+          <a:noFill/>
+        </p:spPr>
+        <p:txBody>
+          <a:bodyPr wrap="none" rtlCol="0">
+            <a:spAutoFit/>
+          </a:bodyPr>
+          <a:lstStyle/>
+          <a:p>
+            <a:r>
+              <a:rPr lang="en-US" dirty="0">
+                <a:solidFill>
+                  <a:srgbClr val="FF0000"/>
+                </a:solidFill>
+              </a:rPr>
+              <a:t>k steps</a:t>
+            </a:r>
+          </a:p>
+        </p:txBody>
+      </p:sp>
+      <p:sp>
+        <p:nvSpPr>
+          <p:cNvPr id="14" name="TextBox 13">
+            <a:extLst>
+              <a:ext uri="{FF2B5EF4-FFF2-40B4-BE49-F238E27FC236}">
+                <a16:creationId xmlns:a16="http://schemas.microsoft.com/office/drawing/2014/main" id="{B5EB3E9D-815C-4281-B278-B830361F1F1C}"/>
+              </a:ext>
+            </a:extLst>
+          </p:cNvPr>
+          <p:cNvSpPr txBox="1"/>
+          <p:nvPr/>
+        </p:nvSpPr>
+        <p:spPr>
+          <a:xfrm>
+            <a:off x="2178368" y="4859485"/>
+            <a:ext cx="1774525" cy="369332"/>
+          </a:xfrm>
+          <a:prstGeom prst="rect">
+            <a:avLst/>
+          </a:prstGeom>
+          <a:noFill/>
+        </p:spPr>
+        <p:txBody>
+          <a:bodyPr wrap="none" rtlCol="0">
+            <a:spAutoFit/>
+          </a:bodyPr>
+          <a:lstStyle/>
+          <a:p>
+            <a:r>
+              <a:rPr lang="en-US" dirty="0">
+                <a:solidFill>
+                  <a:srgbClr val="FF0000"/>
+                </a:solidFill>
+              </a:rPr>
+              <a:t>Transition Matrix</a:t>
+            </a:r>
+          </a:p>
+        </p:txBody>
+      </p:sp>
+    </p:spTree>
+    <p:extLst>
+      <p:ext uri="{BB962C8B-B14F-4D97-AF65-F5344CB8AC3E}">
+        <p14:creationId xmlns:p14="http://schemas.microsoft.com/office/powerpoint/2010/main" val="1698812418"/>
+      </p:ext>
+    </p:extLst>
+  </p:cSld>
+  <p:clrMapOvr>
+    <a:masterClrMapping/>
+  </p:clrMapOvr>
+</p:sld>
+</file>
+
+<file path=ppt/slides/slide23.xml><?xml version="1.0" encoding="utf-8"?>
+<p:sld xmlns:a="http://schemas.openxmlformats.org/drawingml/2006/main" xmlns:r="http://schemas.openxmlformats.org/officeDocument/2006/relationships" xmlns:p="http://schemas.openxmlformats.org/presentationml/2006/main">
+  <p:cSld>
+    <p:bg>
+      <p:bgPr>
+        <a:solidFill>
+          <a:schemeClr val="bg1"/>
+        </a:solidFill>
+        <a:effectLst/>
+      </p:bgPr>
+    </p:bg>
+    <p:spTree>
+      <p:nvGrpSpPr>
+        <p:cNvPr id="1" name=""/>
+        <p:cNvGrpSpPr/>
+        <p:nvPr/>
+      </p:nvGrpSpPr>
+      <p:grpSpPr>
+        <a:xfrm>
+          <a:off x="0" y="0"/>
+          <a:ext cx="0" cy="0"/>
+          <a:chOff x="0" y="0"/>
+          <a:chExt cx="0" cy="0"/>
+        </a:xfrm>
+      </p:grpSpPr>
+      <p:sp useBgFill="1">
+        <p:nvSpPr>
+          <p:cNvPr id="9" name="Rectangle 8">
+            <a:extLst>
+              <a:ext uri="{FF2B5EF4-FFF2-40B4-BE49-F238E27FC236}">
+                <a16:creationId xmlns:a16="http://schemas.microsoft.com/office/drawing/2014/main" id="{D17A94B4-8121-4ED6-AB0D-69EE9A6332E6}"/>
+              </a:ext>
+              <a:ext uri="{C183D7F6-B498-43B3-948B-1728B52AA6E4}">
+                <adec:decorative xmlns:adec="http://schemas.microsoft.com/office/drawing/2017/decorative" val="1"/>
+              </a:ext>
+            </a:extLst>
+          </p:cNvPr>
+          <p:cNvSpPr>
+            <a:spLocks noGrp="1" noRot="1" noChangeAspect="1" noMove="1" noResize="1" noEditPoints="1" noAdjustHandles="1" noChangeArrowheads="1" noChangeShapeType="1" noTextEdit="1"/>
+          </p:cNvSpPr>
+          <p:nvPr>
+            <p:extLst>
+              <p:ext uri="{386F3935-93C4-4BCD-93E2-E3B085C9AB24}">
+                <p16:designElem xmlns:p16="http://schemas.microsoft.com/office/powerpoint/2015/main" val="1"/>
+              </p:ext>
+            </p:extLst>
+          </p:nvPr>
+        </p:nvSpPr>
+        <p:spPr>
+          <a:xfrm>
+            <a:off x="-1" y="0"/>
+            <a:ext cx="12188952" cy="6858000"/>
+          </a:xfrm>
+          <a:prstGeom prst="rect">
+            <a:avLst/>
+          </a:prstGeom>
+          <a:ln>
+            <a:noFill/>
+          </a:ln>
+        </p:spPr>
+        <p:style>
+          <a:lnRef idx="2">
+            <a:schemeClr val="accent1">
+              <a:shade val="50000"/>
+            </a:schemeClr>
+          </a:lnRef>
+          <a:fillRef idx="1">
+            <a:schemeClr val="accent1"/>
+          </a:fillRef>
+          <a:effectRef idx="0">
+            <a:schemeClr val="accent1"/>
+          </a:effectRef>
+          <a:fontRef idx="minor">
+            <a:schemeClr val="lt1"/>
+          </a:fontRef>
+        </p:style>
+        <p:txBody>
+          <a:bodyPr rtlCol="0" anchor="ctr"/>
+          <a:lstStyle/>
+          <a:p>
+            <a:pPr algn="ctr"/>
+            <a:endParaRPr lang="en-US"/>
+          </a:p>
+        </p:txBody>
+      </p:sp>
+      <p:pic>
+        <p:nvPicPr>
+          <p:cNvPr id="11" name="Graphic 10">
+            <a:extLst>
+              <a:ext uri="{FF2B5EF4-FFF2-40B4-BE49-F238E27FC236}">
+                <a16:creationId xmlns:a16="http://schemas.microsoft.com/office/drawing/2014/main" id="{4741521E-DC76-41B9-8A47-448CD4F9FA46}"/>
+              </a:ext>
+              <a:ext uri="{C183D7F6-B498-43B3-948B-1728B52AA6E4}">
+                <adec:decorative xmlns:adec="http://schemas.microsoft.com/office/drawing/2017/decorative" val="1"/>
+              </a:ext>
+            </a:extLst>
+          </p:cNvPr>
+          <p:cNvPicPr>
+            <a:picLocks noGrp="1" noRot="1" noChangeAspect="1" noMove="1" noResize="1" noEditPoints="1" noAdjustHandles="1" noChangeArrowheads="1" noChangeShapeType="1" noCrop="1"/>
+          </p:cNvPicPr>
+          <p:nvPr>
+            <p:extLst>
+              <p:ext uri="{386F3935-93C4-4BCD-93E2-E3B085C9AB24}">
+                <p16:designElem xmlns:p16="http://schemas.microsoft.com/office/powerpoint/2015/main" val="1"/>
+              </p:ext>
+            </p:extLst>
+          </p:nvPr>
+        </p:nvPicPr>
+        <p:blipFill>
+          <a:blip r:embed="rId2">
+            <a:extLst>
+              <a:ext uri="{28A0092B-C50C-407E-A947-70E740481C1C}">
+                <a14:useLocalDpi xmlns:a14="http://schemas.microsoft.com/office/drawing/2010/main" val="0"/>
+              </a:ext>
+              <a:ext uri="{96DAC541-7B7A-43D3-8B79-37D633B846F1}">
+                <asvg:svgBlip xmlns:asvg="http://schemas.microsoft.com/office/drawing/2016/SVG/main" r:embed="rId3"/>
+              </a:ext>
+            </a:extLst>
+          </a:blip>
+          <a:stretch>
+            <a:fillRect/>
+          </a:stretch>
+        </p:blipFill>
+        <p:spPr>
+          <a:xfrm rot="5400000">
+            <a:off x="3372661" y="-3359290"/>
+            <a:ext cx="5470372" cy="12188952"/>
+          </a:xfrm>
+          <a:prstGeom prst="rect">
+            <a:avLst/>
+          </a:prstGeom>
+        </p:spPr>
+      </p:pic>
+      <p:sp>
+        <p:nvSpPr>
+          <p:cNvPr id="2" name="Title 1">
+            <a:extLst>
+              <a:ext uri="{FF2B5EF4-FFF2-40B4-BE49-F238E27FC236}">
+                <a16:creationId xmlns:a16="http://schemas.microsoft.com/office/drawing/2014/main" id="{6E571202-A7FD-4E52-A4AA-D73C06FA045E}"/>
+              </a:ext>
+            </a:extLst>
+          </p:cNvPr>
+          <p:cNvSpPr>
+            <a:spLocks noGrp="1"/>
+          </p:cNvSpPr>
+          <p:nvPr>
+            <p:ph type="title"/>
+          </p:nvPr>
+        </p:nvSpPr>
+        <p:spPr>
+          <a:xfrm>
+            <a:off x="1403632" y="184336"/>
+            <a:ext cx="9283781" cy="1405965"/>
+          </a:xfrm>
+        </p:spPr>
+        <p:txBody>
+          <a:bodyPr vert="horz" lIns="91440" tIns="45720" rIns="91440" bIns="45720" rtlCol="0" anchor="b">
+            <a:normAutofit/>
+          </a:bodyPr>
+          <a:lstStyle/>
+          <a:p>
+            <a:pPr algn="ctr"/>
+            <a:r>
+              <a:rPr lang="en-US" sz="5000" kern="1200" dirty="0">
+                <a:solidFill>
+                  <a:schemeClr val="tx1"/>
+                </a:solidFill>
+                <a:latin typeface="+mj-lt"/>
+                <a:ea typeface="+mj-ea"/>
+                <a:cs typeface="+mj-cs"/>
+              </a:rPr>
+              <a:t>Stochastic Matrix</a:t>
+            </a:r>
+          </a:p>
+        </p:txBody>
+      </p:sp>
+      <p:sp>
+        <p:nvSpPr>
+          <p:cNvPr id="13" name="Rectangle 12">
+            <a:extLst>
+              <a:ext uri="{FF2B5EF4-FFF2-40B4-BE49-F238E27FC236}">
+                <a16:creationId xmlns:a16="http://schemas.microsoft.com/office/drawing/2014/main" id="{53FD85F6-ECDC-4124-9916-6444E142C663}"/>
+              </a:ext>
+              <a:ext uri="{C183D7F6-B498-43B3-948B-1728B52AA6E4}">
+                <adec:decorative xmlns:adec="http://schemas.microsoft.com/office/drawing/2017/decorative" val="1"/>
+              </a:ext>
+            </a:extLst>
+          </p:cNvPr>
+          <p:cNvSpPr>
+            <a:spLocks noGrp="1" noRot="1" noChangeAspect="1" noMove="1" noResize="1" noEditPoints="1" noAdjustHandles="1" noChangeArrowheads="1" noChangeShapeType="1" noTextEdit="1"/>
+          </p:cNvSpPr>
+          <p:nvPr>
+            <p:extLst>
+              <p:ext uri="{386F3935-93C4-4BCD-93E2-E3B085C9AB24}">
+                <p16:designElem xmlns:p16="http://schemas.microsoft.com/office/powerpoint/2015/main" val="1"/>
+              </p:ext>
+            </p:extLst>
+          </p:nvPr>
+        </p:nvSpPr>
+        <p:spPr>
+          <a:xfrm>
+            <a:off x="-1078" y="685797"/>
+            <a:ext cx="118872" cy="1550455"/>
+          </a:xfrm>
+          <a:prstGeom prst="rect">
+            <a:avLst/>
+          </a:prstGeom>
+          <a:solidFill>
+            <a:schemeClr val="accent2"/>
+          </a:solidFill>
+          <a:ln>
+            <a:noFill/>
+          </a:ln>
+        </p:spPr>
+        <p:style>
+          <a:lnRef idx="2">
+            <a:schemeClr val="accent1">
+              <a:shade val="50000"/>
+            </a:schemeClr>
+          </a:lnRef>
+          <a:fillRef idx="1">
+            <a:schemeClr val="accent1"/>
+          </a:fillRef>
+          <a:effectRef idx="0">
+            <a:schemeClr val="accent1"/>
+          </a:effectRef>
+          <a:fontRef idx="minor">
+            <a:schemeClr val="lt1"/>
+          </a:fontRef>
+        </p:style>
+        <p:txBody>
+          <a:bodyPr rtlCol="0" anchor="ctr"/>
+          <a:lstStyle/>
+          <a:p>
+            <a:pPr algn="ctr"/>
+            <a:endParaRPr lang="en-US"/>
+          </a:p>
+        </p:txBody>
+      </p:sp>
+      <p:sp>
+        <p:nvSpPr>
+          <p:cNvPr id="15" name="Rectangle 14">
+            <a:extLst>
+              <a:ext uri="{FF2B5EF4-FFF2-40B4-BE49-F238E27FC236}">
+                <a16:creationId xmlns:a16="http://schemas.microsoft.com/office/drawing/2014/main" id="{FB5D26B4-74AD-4118-8F13-7051DA3BFA87}"/>
+              </a:ext>
+              <a:ext uri="{C183D7F6-B498-43B3-948B-1728B52AA6E4}">
+                <adec:decorative xmlns:adec="http://schemas.microsoft.com/office/drawing/2017/decorative" val="1"/>
+              </a:ext>
+            </a:extLst>
+          </p:cNvPr>
+          <p:cNvSpPr>
+            <a:spLocks noGrp="1" noRot="1" noChangeAspect="1" noMove="1" noResize="1" noEditPoints="1" noAdjustHandles="1" noChangeArrowheads="1" noChangeShapeType="1" noTextEdit="1"/>
+          </p:cNvSpPr>
+          <p:nvPr>
+            <p:extLst>
+              <p:ext uri="{386F3935-93C4-4BCD-93E2-E3B085C9AB24}">
+                <p16:designElem xmlns:p16="http://schemas.microsoft.com/office/powerpoint/2015/main" val="1"/>
+              </p:ext>
+            </p:extLst>
+          </p:nvPr>
+        </p:nvSpPr>
+        <p:spPr>
+          <a:xfrm>
+            <a:off x="12073128" y="6172201"/>
+            <a:ext cx="118872" cy="685800"/>
+          </a:xfrm>
+          <a:prstGeom prst="rect">
+            <a:avLst/>
+          </a:prstGeom>
+          <a:solidFill>
+            <a:schemeClr val="accent2"/>
+          </a:solidFill>
+          <a:ln>
+            <a:noFill/>
+          </a:ln>
+        </p:spPr>
+        <p:style>
+          <a:lnRef idx="2">
+            <a:schemeClr val="accent1">
+              <a:shade val="50000"/>
+            </a:schemeClr>
+          </a:lnRef>
+          <a:fillRef idx="1">
+            <a:schemeClr val="accent1"/>
+          </a:fillRef>
+          <a:effectRef idx="0">
+            <a:schemeClr val="accent1"/>
+          </a:effectRef>
+          <a:fontRef idx="minor">
+            <a:schemeClr val="lt1"/>
+          </a:fontRef>
+        </p:style>
+        <p:txBody>
+          <a:bodyPr rtlCol="0" anchor="ctr"/>
+          <a:lstStyle/>
+          <a:p>
+            <a:pPr algn="ctr"/>
+            <a:endParaRPr lang="en-US"/>
+          </a:p>
+        </p:txBody>
+      </p:sp>
+      <p:pic>
+        <p:nvPicPr>
+          <p:cNvPr id="4" name="Picture 3">
+            <a:extLst>
+              <a:ext uri="{FF2B5EF4-FFF2-40B4-BE49-F238E27FC236}">
+                <a16:creationId xmlns:a16="http://schemas.microsoft.com/office/drawing/2014/main" id="{D516C982-40E8-4AAB-B498-ECEC4978FFEB}"/>
+              </a:ext>
+            </a:extLst>
+          </p:cNvPr>
+          <p:cNvPicPr>
+            <a:picLocks noChangeAspect="1"/>
+          </p:cNvPicPr>
+          <p:nvPr/>
+        </p:nvPicPr>
+        <p:blipFill>
+          <a:blip r:embed="rId4"/>
+          <a:stretch>
+            <a:fillRect/>
+          </a:stretch>
+        </p:blipFill>
+        <p:spPr>
+          <a:xfrm>
+            <a:off x="1403632" y="4521123"/>
+            <a:ext cx="8648700" cy="1095375"/>
+          </a:xfrm>
+          <a:prstGeom prst="rect">
+            <a:avLst/>
+          </a:prstGeom>
+        </p:spPr>
+      </p:pic>
+      <p:sp>
+        <p:nvSpPr>
+          <p:cNvPr id="7" name="TextBox 6">
+            <a:extLst>
+              <a:ext uri="{FF2B5EF4-FFF2-40B4-BE49-F238E27FC236}">
+                <a16:creationId xmlns:a16="http://schemas.microsoft.com/office/drawing/2014/main" id="{8273A093-9E88-4288-AA0E-14138FC590C4}"/>
+              </a:ext>
+            </a:extLst>
+          </p:cNvPr>
+          <p:cNvSpPr txBox="1"/>
+          <p:nvPr/>
+        </p:nvSpPr>
+        <p:spPr>
+          <a:xfrm>
+            <a:off x="7271238" y="4521122"/>
+            <a:ext cx="1799980" cy="369332"/>
+          </a:xfrm>
+          <a:prstGeom prst="rect">
+            <a:avLst/>
+          </a:prstGeom>
+          <a:noFill/>
+        </p:spPr>
+        <p:txBody>
+          <a:bodyPr wrap="none" rtlCol="0">
+            <a:spAutoFit/>
+          </a:bodyPr>
+          <a:lstStyle/>
+          <a:p>
+            <a:r>
+              <a:rPr lang="en-US" dirty="0">
+                <a:solidFill>
+                  <a:srgbClr val="FF0000"/>
+                </a:solidFill>
+              </a:rPr>
+              <a:t>Stochastic Matrix</a:t>
+            </a:r>
+          </a:p>
+        </p:txBody>
+      </p:sp>
+      <p:sp>
+        <p:nvSpPr>
+          <p:cNvPr id="10" name="TextBox 9">
+            <a:extLst>
+              <a:ext uri="{FF2B5EF4-FFF2-40B4-BE49-F238E27FC236}">
+                <a16:creationId xmlns:a16="http://schemas.microsoft.com/office/drawing/2014/main" id="{7B49A850-2D07-4DDB-8FC9-DBDC4D41E65E}"/>
+              </a:ext>
+            </a:extLst>
+          </p:cNvPr>
+          <p:cNvSpPr txBox="1"/>
+          <p:nvPr/>
+        </p:nvSpPr>
+        <p:spPr>
+          <a:xfrm>
+            <a:off x="2353525" y="4805040"/>
+            <a:ext cx="1799980" cy="369332"/>
+          </a:xfrm>
+          <a:prstGeom prst="rect">
+            <a:avLst/>
+          </a:prstGeom>
+          <a:noFill/>
+        </p:spPr>
+        <p:txBody>
+          <a:bodyPr wrap="none" rtlCol="0">
+            <a:spAutoFit/>
+          </a:bodyPr>
+          <a:lstStyle/>
+          <a:p>
+            <a:r>
+              <a:rPr lang="en-US" dirty="0">
+                <a:solidFill>
+                  <a:srgbClr val="FF0000"/>
+                </a:solidFill>
+              </a:rPr>
+              <a:t>Stochastic Matrix</a:t>
+            </a:r>
+          </a:p>
+        </p:txBody>
+      </p:sp>
+    </p:spTree>
+    <p:extLst>
+      <p:ext uri="{BB962C8B-B14F-4D97-AF65-F5344CB8AC3E}">
+        <p14:creationId xmlns:p14="http://schemas.microsoft.com/office/powerpoint/2010/main" val="1750585756"/>
+      </p:ext>
+    </p:extLst>
+  </p:cSld>
+  <p:clrMapOvr>
+    <a:masterClrMapping/>
+  </p:clrMapOvr>
+</p:sld>
+</file>
+
+<file path=ppt/slides/slide24.xml><?xml version="1.0" encoding="utf-8"?>
+<p:sld xmlns:a="http://schemas.openxmlformats.org/drawingml/2006/main" xmlns:r="http://schemas.openxmlformats.org/officeDocument/2006/relationships" xmlns:p="http://schemas.openxmlformats.org/presentationml/2006/main">
+  <p:cSld>
+    <p:bg>
+      <p:bgPr>
+        <a:solidFill>
+          <a:schemeClr val="bg1"/>
+        </a:solidFill>
+        <a:effectLst/>
+      </p:bgPr>
+    </p:bg>
+    <p:spTree>
+      <p:nvGrpSpPr>
+        <p:cNvPr id="1" name=""/>
+        <p:cNvGrpSpPr/>
+        <p:nvPr/>
+      </p:nvGrpSpPr>
+      <p:grpSpPr>
+        <a:xfrm>
+          <a:off x="0" y="0"/>
+          <a:ext cx="0" cy="0"/>
+          <a:chOff x="0" y="0"/>
+          <a:chExt cx="0" cy="0"/>
+        </a:xfrm>
+      </p:grpSpPr>
+      <p:sp useBgFill="1">
+        <p:nvSpPr>
+          <p:cNvPr id="9" name="Rectangle 8">
+            <a:extLst>
+              <a:ext uri="{FF2B5EF4-FFF2-40B4-BE49-F238E27FC236}">
+                <a16:creationId xmlns:a16="http://schemas.microsoft.com/office/drawing/2014/main" id="{D17A94B4-8121-4ED6-AB0D-69EE9A6332E6}"/>
+              </a:ext>
+              <a:ext uri="{C183D7F6-B498-43B3-948B-1728B52AA6E4}">
+                <adec:decorative xmlns:adec="http://schemas.microsoft.com/office/drawing/2017/decorative" val="1"/>
+              </a:ext>
+            </a:extLst>
+          </p:cNvPr>
+          <p:cNvSpPr>
+            <a:spLocks noGrp="1" noRot="1" noChangeAspect="1" noMove="1" noResize="1" noEditPoints="1" noAdjustHandles="1" noChangeArrowheads="1" noChangeShapeType="1" noTextEdit="1"/>
+          </p:cNvSpPr>
+          <p:nvPr>
+            <p:extLst>
+              <p:ext uri="{386F3935-93C4-4BCD-93E2-E3B085C9AB24}">
+                <p16:designElem xmlns:p16="http://schemas.microsoft.com/office/powerpoint/2015/main" val="1"/>
+              </p:ext>
+            </p:extLst>
+          </p:nvPr>
+        </p:nvSpPr>
+        <p:spPr>
+          <a:xfrm>
+            <a:off x="-1" y="0"/>
+            <a:ext cx="12188952" cy="6858000"/>
+          </a:xfrm>
+          <a:prstGeom prst="rect">
+            <a:avLst/>
+          </a:prstGeom>
+          <a:ln>
+            <a:noFill/>
+          </a:ln>
+        </p:spPr>
+        <p:style>
+          <a:lnRef idx="2">
+            <a:schemeClr val="accent1">
+              <a:shade val="50000"/>
+            </a:schemeClr>
+          </a:lnRef>
+          <a:fillRef idx="1">
+            <a:schemeClr val="accent1"/>
+          </a:fillRef>
+          <a:effectRef idx="0">
+            <a:schemeClr val="accent1"/>
+          </a:effectRef>
+          <a:fontRef idx="minor">
+            <a:schemeClr val="lt1"/>
+          </a:fontRef>
+        </p:style>
+        <p:txBody>
+          <a:bodyPr rtlCol="0" anchor="ctr"/>
+          <a:lstStyle/>
+          <a:p>
+            <a:pPr algn="ctr"/>
+            <a:endParaRPr lang="en-US"/>
+          </a:p>
+        </p:txBody>
+      </p:sp>
+      <p:pic>
+        <p:nvPicPr>
+          <p:cNvPr id="11" name="Graphic 10">
+            <a:extLst>
+              <a:ext uri="{FF2B5EF4-FFF2-40B4-BE49-F238E27FC236}">
+                <a16:creationId xmlns:a16="http://schemas.microsoft.com/office/drawing/2014/main" id="{4741521E-DC76-41B9-8A47-448CD4F9FA46}"/>
+              </a:ext>
+              <a:ext uri="{C183D7F6-B498-43B3-948B-1728B52AA6E4}">
+                <adec:decorative xmlns:adec="http://schemas.microsoft.com/office/drawing/2017/decorative" val="1"/>
+              </a:ext>
+            </a:extLst>
+          </p:cNvPr>
+          <p:cNvPicPr>
+            <a:picLocks noGrp="1" noRot="1" noChangeAspect="1" noMove="1" noResize="1" noEditPoints="1" noAdjustHandles="1" noChangeArrowheads="1" noChangeShapeType="1" noCrop="1"/>
+          </p:cNvPicPr>
+          <p:nvPr>
+            <p:extLst>
+              <p:ext uri="{386F3935-93C4-4BCD-93E2-E3B085C9AB24}">
+                <p16:designElem xmlns:p16="http://schemas.microsoft.com/office/powerpoint/2015/main" val="1"/>
+              </p:ext>
+            </p:extLst>
+          </p:nvPr>
+        </p:nvPicPr>
+        <p:blipFill>
+          <a:blip r:embed="rId2">
+            <a:extLst>
+              <a:ext uri="{28A0092B-C50C-407E-A947-70E740481C1C}">
+                <a14:useLocalDpi xmlns:a14="http://schemas.microsoft.com/office/drawing/2010/main" val="0"/>
+              </a:ext>
+              <a:ext uri="{96DAC541-7B7A-43D3-8B79-37D633B846F1}">
+                <asvg:svgBlip xmlns:asvg="http://schemas.microsoft.com/office/drawing/2016/SVG/main" r:embed="rId3"/>
+              </a:ext>
+            </a:extLst>
+          </a:blip>
+          <a:stretch>
+            <a:fillRect/>
+          </a:stretch>
+        </p:blipFill>
+        <p:spPr>
+          <a:xfrm rot="5400000">
+            <a:off x="3372661" y="-3359290"/>
+            <a:ext cx="5470372" cy="12188952"/>
+          </a:xfrm>
+          <a:prstGeom prst="rect">
+            <a:avLst/>
+          </a:prstGeom>
+        </p:spPr>
+      </p:pic>
+      <p:sp>
+        <p:nvSpPr>
+          <p:cNvPr id="2" name="Title 1">
+            <a:extLst>
+              <a:ext uri="{FF2B5EF4-FFF2-40B4-BE49-F238E27FC236}">
+                <a16:creationId xmlns:a16="http://schemas.microsoft.com/office/drawing/2014/main" id="{6E571202-A7FD-4E52-A4AA-D73C06FA045E}"/>
+              </a:ext>
+            </a:extLst>
+          </p:cNvPr>
+          <p:cNvSpPr>
+            <a:spLocks noGrp="1"/>
+          </p:cNvSpPr>
+          <p:nvPr>
+            <p:ph type="title"/>
+          </p:nvPr>
+        </p:nvSpPr>
+        <p:spPr>
+          <a:xfrm>
+            <a:off x="1403632" y="184336"/>
+            <a:ext cx="9283781" cy="1405965"/>
+          </a:xfrm>
+        </p:spPr>
+        <p:txBody>
+          <a:bodyPr vert="horz" lIns="91440" tIns="45720" rIns="91440" bIns="45720" rtlCol="0" anchor="b">
+            <a:normAutofit/>
+          </a:bodyPr>
+          <a:lstStyle/>
+          <a:p>
+            <a:pPr algn="ctr"/>
+            <a:r>
+              <a:rPr lang="en-US" sz="5000" kern="1200" dirty="0">
+                <a:solidFill>
+                  <a:schemeClr val="tx1"/>
+                </a:solidFill>
+                <a:latin typeface="+mj-lt"/>
+                <a:ea typeface="+mj-ea"/>
+                <a:cs typeface="+mj-cs"/>
+              </a:rPr>
+              <a:t>Transition Probabilities</a:t>
+            </a:r>
+          </a:p>
+        </p:txBody>
+      </p:sp>
+      <p:sp>
+        <p:nvSpPr>
+          <p:cNvPr id="13" name="Rectangle 12">
+            <a:extLst>
+              <a:ext uri="{FF2B5EF4-FFF2-40B4-BE49-F238E27FC236}">
+                <a16:creationId xmlns:a16="http://schemas.microsoft.com/office/drawing/2014/main" id="{53FD85F6-ECDC-4124-9916-6444E142C663}"/>
+              </a:ext>
+              <a:ext uri="{C183D7F6-B498-43B3-948B-1728B52AA6E4}">
+                <adec:decorative xmlns:adec="http://schemas.microsoft.com/office/drawing/2017/decorative" val="1"/>
+              </a:ext>
+            </a:extLst>
+          </p:cNvPr>
+          <p:cNvSpPr>
+            <a:spLocks noGrp="1" noRot="1" noChangeAspect="1" noMove="1" noResize="1" noEditPoints="1" noAdjustHandles="1" noChangeArrowheads="1" noChangeShapeType="1" noTextEdit="1"/>
+          </p:cNvSpPr>
+          <p:nvPr>
+            <p:extLst>
+              <p:ext uri="{386F3935-93C4-4BCD-93E2-E3B085C9AB24}">
+                <p16:designElem xmlns:p16="http://schemas.microsoft.com/office/powerpoint/2015/main" val="1"/>
+              </p:ext>
+            </p:extLst>
+          </p:nvPr>
+        </p:nvSpPr>
+        <p:spPr>
+          <a:xfrm>
+            <a:off x="-1078" y="685797"/>
+            <a:ext cx="118872" cy="1550455"/>
+          </a:xfrm>
+          <a:prstGeom prst="rect">
+            <a:avLst/>
+          </a:prstGeom>
+          <a:solidFill>
+            <a:schemeClr val="accent2"/>
+          </a:solidFill>
+          <a:ln>
+            <a:noFill/>
+          </a:ln>
+        </p:spPr>
+        <p:style>
+          <a:lnRef idx="2">
+            <a:schemeClr val="accent1">
+              <a:shade val="50000"/>
+            </a:schemeClr>
+          </a:lnRef>
+          <a:fillRef idx="1">
+            <a:schemeClr val="accent1"/>
+          </a:fillRef>
+          <a:effectRef idx="0">
+            <a:schemeClr val="accent1"/>
+          </a:effectRef>
+          <a:fontRef idx="minor">
+            <a:schemeClr val="lt1"/>
+          </a:fontRef>
+        </p:style>
+        <p:txBody>
+          <a:bodyPr rtlCol="0" anchor="ctr"/>
+          <a:lstStyle/>
+          <a:p>
+            <a:pPr algn="ctr"/>
+            <a:endParaRPr lang="en-US"/>
+          </a:p>
+        </p:txBody>
+      </p:sp>
+      <p:sp>
+        <p:nvSpPr>
+          <p:cNvPr id="15" name="Rectangle 14">
+            <a:extLst>
+              <a:ext uri="{FF2B5EF4-FFF2-40B4-BE49-F238E27FC236}">
+                <a16:creationId xmlns:a16="http://schemas.microsoft.com/office/drawing/2014/main" id="{FB5D26B4-74AD-4118-8F13-7051DA3BFA87}"/>
+              </a:ext>
+              <a:ext uri="{C183D7F6-B498-43B3-948B-1728B52AA6E4}">
+                <adec:decorative xmlns:adec="http://schemas.microsoft.com/office/drawing/2017/decorative" val="1"/>
+              </a:ext>
+            </a:extLst>
+          </p:cNvPr>
+          <p:cNvSpPr>
+            <a:spLocks noGrp="1" noRot="1" noChangeAspect="1" noMove="1" noResize="1" noEditPoints="1" noAdjustHandles="1" noChangeArrowheads="1" noChangeShapeType="1" noTextEdit="1"/>
+          </p:cNvSpPr>
+          <p:nvPr>
+            <p:extLst>
+              <p:ext uri="{386F3935-93C4-4BCD-93E2-E3B085C9AB24}">
+                <p16:designElem xmlns:p16="http://schemas.microsoft.com/office/powerpoint/2015/main" val="1"/>
+              </p:ext>
+            </p:extLst>
+          </p:nvPr>
+        </p:nvSpPr>
+        <p:spPr>
+          <a:xfrm>
+            <a:off x="12073128" y="6172201"/>
+            <a:ext cx="118872" cy="685800"/>
+          </a:xfrm>
+          <a:prstGeom prst="rect">
+            <a:avLst/>
+          </a:prstGeom>
+          <a:solidFill>
+            <a:schemeClr val="accent2"/>
+          </a:solidFill>
+          <a:ln>
+            <a:noFill/>
+          </a:ln>
+        </p:spPr>
+        <p:style>
+          <a:lnRef idx="2">
+            <a:schemeClr val="accent1">
+              <a:shade val="50000"/>
+            </a:schemeClr>
+          </a:lnRef>
+          <a:fillRef idx="1">
+            <a:schemeClr val="accent1"/>
+          </a:fillRef>
+          <a:effectRef idx="0">
+            <a:schemeClr val="accent1"/>
+          </a:effectRef>
+          <a:fontRef idx="minor">
+            <a:schemeClr val="lt1"/>
+          </a:fontRef>
+        </p:style>
+        <p:txBody>
+          <a:bodyPr rtlCol="0" anchor="ctr"/>
+          <a:lstStyle/>
+          <a:p>
+            <a:pPr algn="ctr"/>
+            <a:endParaRPr lang="en-US"/>
+          </a:p>
+        </p:txBody>
+      </p:sp>
+      <p:pic>
+        <p:nvPicPr>
+          <p:cNvPr id="4" name="Picture 3">
+            <a:extLst>
+              <a:ext uri="{FF2B5EF4-FFF2-40B4-BE49-F238E27FC236}">
+                <a16:creationId xmlns:a16="http://schemas.microsoft.com/office/drawing/2014/main" id="{C91C90B5-9D90-48AA-8C86-31AD925C8C01}"/>
+              </a:ext>
+            </a:extLst>
+          </p:cNvPr>
+          <p:cNvPicPr>
+            <a:picLocks noChangeAspect="1"/>
+          </p:cNvPicPr>
+          <p:nvPr/>
+        </p:nvPicPr>
+        <p:blipFill>
+          <a:blip r:embed="rId4"/>
+          <a:stretch>
+            <a:fillRect/>
+          </a:stretch>
+        </p:blipFill>
+        <p:spPr>
+          <a:xfrm>
+            <a:off x="1863603" y="4221087"/>
+            <a:ext cx="8658225" cy="1066800"/>
+          </a:xfrm>
+          <a:prstGeom prst="rect">
+            <a:avLst/>
+          </a:prstGeom>
+        </p:spPr>
+      </p:pic>
+      <p:sp>
+        <p:nvSpPr>
+          <p:cNvPr id="5" name="TextBox 4">
+            <a:extLst>
+              <a:ext uri="{FF2B5EF4-FFF2-40B4-BE49-F238E27FC236}">
+                <a16:creationId xmlns:a16="http://schemas.microsoft.com/office/drawing/2014/main" id="{7BB2DA2C-58BA-494B-B792-811287C80663}"/>
+              </a:ext>
+            </a:extLst>
+          </p:cNvPr>
+          <p:cNvSpPr txBox="1"/>
+          <p:nvPr/>
+        </p:nvSpPr>
+        <p:spPr>
+          <a:xfrm>
+            <a:off x="7376745" y="4197589"/>
+            <a:ext cx="2324354" cy="369332"/>
+          </a:xfrm>
+          <a:prstGeom prst="rect">
+            <a:avLst/>
+          </a:prstGeom>
+          <a:noFill/>
+        </p:spPr>
+        <p:txBody>
+          <a:bodyPr wrap="none" rtlCol="0">
+            <a:spAutoFit/>
+          </a:bodyPr>
+          <a:lstStyle/>
+          <a:p>
+            <a:r>
+              <a:rPr lang="en-US" dirty="0">
+                <a:solidFill>
+                  <a:srgbClr val="FF0000"/>
+                </a:solidFill>
+              </a:rPr>
+              <a:t>Transition Probabilities</a:t>
+            </a:r>
+          </a:p>
+        </p:txBody>
+      </p:sp>
+      <p:sp>
+        <p:nvSpPr>
+          <p:cNvPr id="6" name="TextBox 5">
+            <a:extLst>
+              <a:ext uri="{FF2B5EF4-FFF2-40B4-BE49-F238E27FC236}">
+                <a16:creationId xmlns:a16="http://schemas.microsoft.com/office/drawing/2014/main" id="{E352E248-7806-496C-A017-21814985B184}"/>
+              </a:ext>
+            </a:extLst>
+          </p:cNvPr>
+          <p:cNvSpPr txBox="1"/>
+          <p:nvPr/>
+        </p:nvSpPr>
+        <p:spPr>
+          <a:xfrm>
+            <a:off x="6192715" y="4514220"/>
+            <a:ext cx="770339" cy="369332"/>
+          </a:xfrm>
+          <a:prstGeom prst="rect">
+            <a:avLst/>
+          </a:prstGeom>
+          <a:noFill/>
+        </p:spPr>
+        <p:txBody>
+          <a:bodyPr wrap="none" rtlCol="0">
+            <a:spAutoFit/>
+          </a:bodyPr>
+          <a:lstStyle/>
+          <a:p>
+            <a:r>
+              <a:rPr lang="en-US" dirty="0">
+                <a:solidFill>
+                  <a:srgbClr val="FF0000"/>
+                </a:solidFill>
+              </a:rPr>
+              <a:t>State</a:t>
+            </a:r>
+            <a:r>
+              <a:rPr lang="en-US" dirty="0"/>
+              <a:t> </a:t>
+            </a:r>
+            <a:r>
+              <a:rPr lang="en-US" dirty="0">
+                <a:solidFill>
+                  <a:srgbClr val="FF0000"/>
+                </a:solidFill>
+              </a:rPr>
+              <a:t>j</a:t>
+            </a:r>
+          </a:p>
+        </p:txBody>
+      </p:sp>
+      <p:sp>
+        <p:nvSpPr>
+          <p:cNvPr id="7" name="TextBox 6">
+            <a:extLst>
+              <a:ext uri="{FF2B5EF4-FFF2-40B4-BE49-F238E27FC236}">
+                <a16:creationId xmlns:a16="http://schemas.microsoft.com/office/drawing/2014/main" id="{1F02A30C-904A-47E1-971F-1440A73A4846}"/>
+              </a:ext>
+            </a:extLst>
+          </p:cNvPr>
+          <p:cNvSpPr txBox="1"/>
+          <p:nvPr/>
+        </p:nvSpPr>
+        <p:spPr>
+          <a:xfrm>
+            <a:off x="8932362" y="4495802"/>
+            <a:ext cx="768737" cy="369332"/>
+          </a:xfrm>
+          <a:prstGeom prst="rect">
+            <a:avLst/>
+          </a:prstGeom>
+          <a:noFill/>
+        </p:spPr>
+        <p:txBody>
+          <a:bodyPr wrap="none" rtlCol="0">
+            <a:spAutoFit/>
+          </a:bodyPr>
+          <a:lstStyle/>
+          <a:p>
+            <a:r>
+              <a:rPr lang="en-US" dirty="0">
+                <a:solidFill>
+                  <a:srgbClr val="FF0000"/>
+                </a:solidFill>
+              </a:rPr>
+              <a:t>State </a:t>
+            </a:r>
+            <a:r>
+              <a:rPr lang="en-US" dirty="0" err="1">
+                <a:solidFill>
+                  <a:srgbClr val="FF0000"/>
+                </a:solidFill>
+              </a:rPr>
+              <a:t>i</a:t>
+            </a:r>
+            <a:endParaRPr lang="en-US" dirty="0">
+              <a:solidFill>
+                <a:srgbClr val="FF0000"/>
+              </a:solidFill>
+            </a:endParaRPr>
+          </a:p>
+        </p:txBody>
+      </p:sp>
+    </p:spTree>
+    <p:extLst>
+      <p:ext uri="{BB962C8B-B14F-4D97-AF65-F5344CB8AC3E}">
+        <p14:creationId xmlns:p14="http://schemas.microsoft.com/office/powerpoint/2010/main" val="2950216918"/>
+      </p:ext>
+    </p:extLst>
+  </p:cSld>
+  <p:clrMapOvr>
+    <a:masterClrMapping/>
+  </p:clrMapOvr>
+</p:sld>
+</file>
+
+<file path=ppt/slides/slide25.xml><?xml version="1.0" encoding="utf-8"?>
+<p:sld xmlns:a="http://schemas.openxmlformats.org/drawingml/2006/main" xmlns:r="http://schemas.openxmlformats.org/officeDocument/2006/relationships" xmlns:p="http://schemas.openxmlformats.org/presentationml/2006/main">
+  <p:cSld>
+    <p:bg>
+      <p:bgPr>
+        <a:solidFill>
+          <a:schemeClr val="bg1"/>
+        </a:solidFill>
+        <a:effectLst/>
+      </p:bgPr>
+    </p:bg>
+    <p:spTree>
+      <p:nvGrpSpPr>
+        <p:cNvPr id="1" name=""/>
+        <p:cNvGrpSpPr/>
+        <p:nvPr/>
+      </p:nvGrpSpPr>
+      <p:grpSpPr>
+        <a:xfrm>
+          <a:off x="0" y="0"/>
+          <a:ext cx="0" cy="0"/>
+          <a:chOff x="0" y="0"/>
+          <a:chExt cx="0" cy="0"/>
+        </a:xfrm>
+      </p:grpSpPr>
+      <p:sp useBgFill="1">
+        <p:nvSpPr>
+          <p:cNvPr id="9" name="Rectangle 8">
+            <a:extLst>
+              <a:ext uri="{FF2B5EF4-FFF2-40B4-BE49-F238E27FC236}">
+                <a16:creationId xmlns:a16="http://schemas.microsoft.com/office/drawing/2014/main" id="{D17A94B4-8121-4ED6-AB0D-69EE9A6332E6}"/>
+              </a:ext>
+              <a:ext uri="{C183D7F6-B498-43B3-948B-1728B52AA6E4}">
+                <adec:decorative xmlns:adec="http://schemas.microsoft.com/office/drawing/2017/decorative" val="1"/>
+              </a:ext>
+            </a:extLst>
+          </p:cNvPr>
+          <p:cNvSpPr>
+            <a:spLocks noGrp="1" noRot="1" noChangeAspect="1" noMove="1" noResize="1" noEditPoints="1" noAdjustHandles="1" noChangeArrowheads="1" noChangeShapeType="1" noTextEdit="1"/>
+          </p:cNvSpPr>
+          <p:nvPr>
+            <p:extLst>
+              <p:ext uri="{386F3935-93C4-4BCD-93E2-E3B085C9AB24}">
+                <p16:designElem xmlns:p16="http://schemas.microsoft.com/office/powerpoint/2015/main" val="1"/>
+              </p:ext>
+            </p:extLst>
+          </p:nvPr>
+        </p:nvSpPr>
+        <p:spPr>
+          <a:xfrm>
+            <a:off x="-1" y="0"/>
+            <a:ext cx="12188952" cy="6858000"/>
+          </a:xfrm>
+          <a:prstGeom prst="rect">
+            <a:avLst/>
+          </a:prstGeom>
+          <a:ln>
+            <a:noFill/>
+          </a:ln>
+        </p:spPr>
+        <p:style>
+          <a:lnRef idx="2">
+            <a:schemeClr val="accent1">
+              <a:shade val="50000"/>
+            </a:schemeClr>
+          </a:lnRef>
+          <a:fillRef idx="1">
+            <a:schemeClr val="accent1"/>
+          </a:fillRef>
+          <a:effectRef idx="0">
+            <a:schemeClr val="accent1"/>
+          </a:effectRef>
+          <a:fontRef idx="minor">
+            <a:schemeClr val="lt1"/>
+          </a:fontRef>
+        </p:style>
+        <p:txBody>
+          <a:bodyPr rtlCol="0" anchor="ctr"/>
+          <a:lstStyle/>
+          <a:p>
+            <a:pPr algn="ctr"/>
+            <a:endParaRPr lang="en-US"/>
+          </a:p>
+        </p:txBody>
+      </p:sp>
+      <p:pic>
+        <p:nvPicPr>
+          <p:cNvPr id="11" name="Graphic 10">
+            <a:extLst>
+              <a:ext uri="{FF2B5EF4-FFF2-40B4-BE49-F238E27FC236}">
+                <a16:creationId xmlns:a16="http://schemas.microsoft.com/office/drawing/2014/main" id="{4741521E-DC76-41B9-8A47-448CD4F9FA46}"/>
+              </a:ext>
+              <a:ext uri="{C183D7F6-B498-43B3-948B-1728B52AA6E4}">
+                <adec:decorative xmlns:adec="http://schemas.microsoft.com/office/drawing/2017/decorative" val="1"/>
+              </a:ext>
+            </a:extLst>
+          </p:cNvPr>
+          <p:cNvPicPr>
+            <a:picLocks noGrp="1" noRot="1" noChangeAspect="1" noMove="1" noResize="1" noEditPoints="1" noAdjustHandles="1" noChangeArrowheads="1" noChangeShapeType="1" noCrop="1"/>
+          </p:cNvPicPr>
+          <p:nvPr>
+            <p:extLst>
+              <p:ext uri="{386F3935-93C4-4BCD-93E2-E3B085C9AB24}">
+                <p16:designElem xmlns:p16="http://schemas.microsoft.com/office/powerpoint/2015/main" val="1"/>
+              </p:ext>
+            </p:extLst>
+          </p:nvPr>
+        </p:nvPicPr>
+        <p:blipFill>
+          <a:blip r:embed="rId2">
+            <a:extLst>
+              <a:ext uri="{28A0092B-C50C-407E-A947-70E740481C1C}">
+                <a14:useLocalDpi xmlns:a14="http://schemas.microsoft.com/office/drawing/2010/main" val="0"/>
+              </a:ext>
+              <a:ext uri="{96DAC541-7B7A-43D3-8B79-37D633B846F1}">
+                <asvg:svgBlip xmlns:asvg="http://schemas.microsoft.com/office/drawing/2016/SVG/main" r:embed="rId3"/>
+              </a:ext>
+            </a:extLst>
+          </a:blip>
+          <a:stretch>
+            <a:fillRect/>
+          </a:stretch>
+        </p:blipFill>
+        <p:spPr>
+          <a:xfrm rot="5400000">
+            <a:off x="3372661" y="-3359290"/>
+            <a:ext cx="5470372" cy="12188952"/>
+          </a:xfrm>
+          <a:prstGeom prst="rect">
+            <a:avLst/>
+          </a:prstGeom>
+        </p:spPr>
+      </p:pic>
+      <p:sp>
+        <p:nvSpPr>
+          <p:cNvPr id="2" name="Title 1">
+            <a:extLst>
+              <a:ext uri="{FF2B5EF4-FFF2-40B4-BE49-F238E27FC236}">
+                <a16:creationId xmlns:a16="http://schemas.microsoft.com/office/drawing/2014/main" id="{6E571202-A7FD-4E52-A4AA-D73C06FA045E}"/>
+              </a:ext>
+            </a:extLst>
+          </p:cNvPr>
+          <p:cNvSpPr>
+            <a:spLocks noGrp="1"/>
+          </p:cNvSpPr>
+          <p:nvPr>
+            <p:ph type="title"/>
+          </p:nvPr>
+        </p:nvSpPr>
+        <p:spPr>
+          <a:xfrm>
+            <a:off x="1403632" y="184336"/>
+            <a:ext cx="9283781" cy="1405965"/>
+          </a:xfrm>
+        </p:spPr>
+        <p:txBody>
+          <a:bodyPr vert="horz" lIns="91440" tIns="45720" rIns="91440" bIns="45720" rtlCol="0" anchor="b">
+            <a:normAutofit/>
+          </a:bodyPr>
+          <a:lstStyle/>
+          <a:p>
+            <a:pPr algn="ctr"/>
+            <a:r>
+              <a:rPr lang="en-US" sz="5000" kern="1200" dirty="0">
+                <a:solidFill>
+                  <a:schemeClr val="tx1"/>
+                </a:solidFill>
+                <a:latin typeface="+mj-lt"/>
+                <a:ea typeface="+mj-ea"/>
+                <a:cs typeface="+mj-cs"/>
+              </a:rPr>
+              <a:t>Steady State Vector</a:t>
+            </a:r>
+          </a:p>
+        </p:txBody>
+      </p:sp>
+      <p:sp>
+        <p:nvSpPr>
+          <p:cNvPr id="13" name="Rectangle 12">
+            <a:extLst>
+              <a:ext uri="{FF2B5EF4-FFF2-40B4-BE49-F238E27FC236}">
+                <a16:creationId xmlns:a16="http://schemas.microsoft.com/office/drawing/2014/main" id="{53FD85F6-ECDC-4124-9916-6444E142C663}"/>
+              </a:ext>
+              <a:ext uri="{C183D7F6-B498-43B3-948B-1728B52AA6E4}">
+                <adec:decorative xmlns:adec="http://schemas.microsoft.com/office/drawing/2017/decorative" val="1"/>
+              </a:ext>
+            </a:extLst>
+          </p:cNvPr>
+          <p:cNvSpPr>
+            <a:spLocks noGrp="1" noRot="1" noChangeAspect="1" noMove="1" noResize="1" noEditPoints="1" noAdjustHandles="1" noChangeArrowheads="1" noChangeShapeType="1" noTextEdit="1"/>
+          </p:cNvSpPr>
+          <p:nvPr>
+            <p:extLst>
+              <p:ext uri="{386F3935-93C4-4BCD-93E2-E3B085C9AB24}">
+                <p16:designElem xmlns:p16="http://schemas.microsoft.com/office/powerpoint/2015/main" val="1"/>
+              </p:ext>
+            </p:extLst>
+          </p:nvPr>
+        </p:nvSpPr>
+        <p:spPr>
+          <a:xfrm>
+            <a:off x="-1078" y="685797"/>
+            <a:ext cx="118872" cy="1550455"/>
+          </a:xfrm>
+          <a:prstGeom prst="rect">
+            <a:avLst/>
+          </a:prstGeom>
+          <a:solidFill>
+            <a:schemeClr val="accent2"/>
+          </a:solidFill>
+          <a:ln>
+            <a:noFill/>
+          </a:ln>
+        </p:spPr>
+        <p:style>
+          <a:lnRef idx="2">
+            <a:schemeClr val="accent1">
+              <a:shade val="50000"/>
+            </a:schemeClr>
+          </a:lnRef>
+          <a:fillRef idx="1">
+            <a:schemeClr val="accent1"/>
+          </a:fillRef>
+          <a:effectRef idx="0">
+            <a:schemeClr val="accent1"/>
+          </a:effectRef>
+          <a:fontRef idx="minor">
+            <a:schemeClr val="lt1"/>
+          </a:fontRef>
+        </p:style>
+        <p:txBody>
+          <a:bodyPr rtlCol="0" anchor="ctr"/>
+          <a:lstStyle/>
+          <a:p>
+            <a:pPr algn="ctr"/>
+            <a:endParaRPr lang="en-US"/>
+          </a:p>
+        </p:txBody>
+      </p:sp>
+      <p:sp>
+        <p:nvSpPr>
+          <p:cNvPr id="15" name="Rectangle 14">
+            <a:extLst>
+              <a:ext uri="{FF2B5EF4-FFF2-40B4-BE49-F238E27FC236}">
+                <a16:creationId xmlns:a16="http://schemas.microsoft.com/office/drawing/2014/main" id="{FB5D26B4-74AD-4118-8F13-7051DA3BFA87}"/>
+              </a:ext>
+              <a:ext uri="{C183D7F6-B498-43B3-948B-1728B52AA6E4}">
+                <adec:decorative xmlns:adec="http://schemas.microsoft.com/office/drawing/2017/decorative" val="1"/>
+              </a:ext>
+            </a:extLst>
+          </p:cNvPr>
+          <p:cNvSpPr>
+            <a:spLocks noGrp="1" noRot="1" noChangeAspect="1" noMove="1" noResize="1" noEditPoints="1" noAdjustHandles="1" noChangeArrowheads="1" noChangeShapeType="1" noTextEdit="1"/>
+          </p:cNvSpPr>
+          <p:nvPr>
+            <p:extLst>
+              <p:ext uri="{386F3935-93C4-4BCD-93E2-E3B085C9AB24}">
+                <p16:designElem xmlns:p16="http://schemas.microsoft.com/office/powerpoint/2015/main" val="1"/>
+              </p:ext>
+            </p:extLst>
+          </p:nvPr>
+        </p:nvSpPr>
+        <p:spPr>
+          <a:xfrm>
+            <a:off x="12073128" y="6172201"/>
+            <a:ext cx="118872" cy="685800"/>
+          </a:xfrm>
+          <a:prstGeom prst="rect">
+            <a:avLst/>
+          </a:prstGeom>
+          <a:solidFill>
+            <a:schemeClr val="accent2"/>
+          </a:solidFill>
+          <a:ln>
+            <a:noFill/>
+          </a:ln>
+        </p:spPr>
+        <p:style>
+          <a:lnRef idx="2">
+            <a:schemeClr val="accent1">
+              <a:shade val="50000"/>
+            </a:schemeClr>
+          </a:lnRef>
+          <a:fillRef idx="1">
+            <a:schemeClr val="accent1"/>
+          </a:fillRef>
+          <a:effectRef idx="0">
+            <a:schemeClr val="accent1"/>
+          </a:effectRef>
+          <a:fontRef idx="minor">
+            <a:schemeClr val="lt1"/>
+          </a:fontRef>
+        </p:style>
+        <p:txBody>
+          <a:bodyPr rtlCol="0" anchor="ctr"/>
+          <a:lstStyle/>
+          <a:p>
+            <a:pPr algn="ctr"/>
+            <a:endParaRPr lang="en-US"/>
+          </a:p>
+        </p:txBody>
+      </p:sp>
+      <p:pic>
+        <p:nvPicPr>
+          <p:cNvPr id="4" name="Picture 3">
+            <a:extLst>
+              <a:ext uri="{FF2B5EF4-FFF2-40B4-BE49-F238E27FC236}">
+                <a16:creationId xmlns:a16="http://schemas.microsoft.com/office/drawing/2014/main" id="{39407EAB-39CC-4EF9-A525-B25BBCE4853D}"/>
+              </a:ext>
+            </a:extLst>
+          </p:cNvPr>
+          <p:cNvPicPr>
+            <a:picLocks noChangeAspect="1"/>
+          </p:cNvPicPr>
+          <p:nvPr/>
+        </p:nvPicPr>
+        <p:blipFill>
+          <a:blip r:embed="rId4"/>
+          <a:stretch>
+            <a:fillRect/>
+          </a:stretch>
+        </p:blipFill>
+        <p:spPr>
+          <a:xfrm>
+            <a:off x="1852612" y="3076575"/>
+            <a:ext cx="8486775" cy="704850"/>
+          </a:xfrm>
+          <a:prstGeom prst="rect">
+            <a:avLst/>
+          </a:prstGeom>
+        </p:spPr>
+      </p:pic>
+      <p:sp>
+        <p:nvSpPr>
+          <p:cNvPr id="6" name="TextBox 5">
+            <a:extLst>
+              <a:ext uri="{FF2B5EF4-FFF2-40B4-BE49-F238E27FC236}">
+                <a16:creationId xmlns:a16="http://schemas.microsoft.com/office/drawing/2014/main" id="{CB8540AA-F76A-42FF-B8D9-0660708D06BF}"/>
+              </a:ext>
+            </a:extLst>
+          </p:cNvPr>
+          <p:cNvSpPr txBox="1"/>
+          <p:nvPr/>
+        </p:nvSpPr>
+        <p:spPr>
+          <a:xfrm>
+            <a:off x="3278706" y="3059668"/>
+            <a:ext cx="2892669" cy="369332"/>
+          </a:xfrm>
+          <a:prstGeom prst="rect">
+            <a:avLst/>
+          </a:prstGeom>
+          <a:noFill/>
+        </p:spPr>
+        <p:txBody>
+          <a:bodyPr wrap="square" rtlCol="0">
+            <a:spAutoFit/>
+          </a:bodyPr>
+          <a:lstStyle/>
+          <a:p>
+            <a:r>
+              <a:rPr lang="en-US" dirty="0">
+                <a:solidFill>
+                  <a:srgbClr val="FF0000"/>
+                </a:solidFill>
+              </a:rPr>
+              <a:t>Steady State Vector</a:t>
+            </a:r>
+          </a:p>
+        </p:txBody>
+      </p:sp>
+    </p:spTree>
+    <p:extLst>
+      <p:ext uri="{BB962C8B-B14F-4D97-AF65-F5344CB8AC3E}">
+        <p14:creationId xmlns:p14="http://schemas.microsoft.com/office/powerpoint/2010/main" val="1875250666"/>
+      </p:ext>
+    </p:extLst>
+  </p:cSld>
+  <p:clrMapOvr>
+    <a:masterClrMapping/>
+  </p:clrMapOvr>
+</p:sld>
+</file>
+
+<file path=ppt/slides/slide26.xml><?xml version="1.0" encoding="utf-8"?>
+<p:sld xmlns:a="http://schemas.openxmlformats.org/drawingml/2006/main" xmlns:r="http://schemas.openxmlformats.org/officeDocument/2006/relationships" xmlns:p="http://schemas.openxmlformats.org/presentationml/2006/main">
+  <p:cSld>
+    <p:bg>
+      <p:bgPr>
+        <a:solidFill>
+          <a:schemeClr val="bg1"/>
+        </a:solidFill>
+        <a:effectLst/>
+      </p:bgPr>
+    </p:bg>
+    <p:spTree>
+      <p:nvGrpSpPr>
+        <p:cNvPr id="1" name=""/>
+        <p:cNvGrpSpPr/>
+        <p:nvPr/>
+      </p:nvGrpSpPr>
+      <p:grpSpPr>
+        <a:xfrm>
+          <a:off x="0" y="0"/>
+          <a:ext cx="0" cy="0"/>
+          <a:chOff x="0" y="0"/>
+          <a:chExt cx="0" cy="0"/>
+        </a:xfrm>
+      </p:grpSpPr>
+      <p:sp useBgFill="1">
+        <p:nvSpPr>
+          <p:cNvPr id="9" name="Rectangle 8">
+            <a:extLst>
+              <a:ext uri="{FF2B5EF4-FFF2-40B4-BE49-F238E27FC236}">
+                <a16:creationId xmlns:a16="http://schemas.microsoft.com/office/drawing/2014/main" id="{D17A94B4-8121-4ED6-AB0D-69EE9A6332E6}"/>
+              </a:ext>
+              <a:ext uri="{C183D7F6-B498-43B3-948B-1728B52AA6E4}">
+                <adec:decorative xmlns:adec="http://schemas.microsoft.com/office/drawing/2017/decorative" val="1"/>
+              </a:ext>
+            </a:extLst>
+          </p:cNvPr>
+          <p:cNvSpPr>
+            <a:spLocks noGrp="1" noRot="1" noChangeAspect="1" noMove="1" noResize="1" noEditPoints="1" noAdjustHandles="1" noChangeArrowheads="1" noChangeShapeType="1" noTextEdit="1"/>
+          </p:cNvSpPr>
+          <p:nvPr>
+            <p:extLst>
+              <p:ext uri="{386F3935-93C4-4BCD-93E2-E3B085C9AB24}">
+                <p16:designElem xmlns:p16="http://schemas.microsoft.com/office/powerpoint/2015/main" val="1"/>
+              </p:ext>
+            </p:extLst>
+          </p:nvPr>
+        </p:nvSpPr>
+        <p:spPr>
+          <a:xfrm>
+            <a:off x="-1" y="0"/>
+            <a:ext cx="12188952" cy="6858000"/>
+          </a:xfrm>
+          <a:prstGeom prst="rect">
+            <a:avLst/>
+          </a:prstGeom>
+          <a:ln>
+            <a:noFill/>
+          </a:ln>
+        </p:spPr>
+        <p:style>
+          <a:lnRef idx="2">
+            <a:schemeClr val="accent1">
+              <a:shade val="50000"/>
+            </a:schemeClr>
+          </a:lnRef>
+          <a:fillRef idx="1">
+            <a:schemeClr val="accent1"/>
+          </a:fillRef>
+          <a:effectRef idx="0">
+            <a:schemeClr val="accent1"/>
+          </a:effectRef>
+          <a:fontRef idx="minor">
+            <a:schemeClr val="lt1"/>
+          </a:fontRef>
+        </p:style>
+        <p:txBody>
+          <a:bodyPr rtlCol="0" anchor="ctr"/>
+          <a:lstStyle/>
+          <a:p>
+            <a:pPr algn="ctr"/>
+            <a:endParaRPr lang="en-US"/>
+          </a:p>
+        </p:txBody>
+      </p:sp>
+      <p:pic>
+        <p:nvPicPr>
+          <p:cNvPr id="11" name="Graphic 10">
+            <a:extLst>
+              <a:ext uri="{FF2B5EF4-FFF2-40B4-BE49-F238E27FC236}">
+                <a16:creationId xmlns:a16="http://schemas.microsoft.com/office/drawing/2014/main" id="{4741521E-DC76-41B9-8A47-448CD4F9FA46}"/>
+              </a:ext>
+              <a:ext uri="{C183D7F6-B498-43B3-948B-1728B52AA6E4}">
+                <adec:decorative xmlns:adec="http://schemas.microsoft.com/office/drawing/2017/decorative" val="1"/>
+              </a:ext>
+            </a:extLst>
+          </p:cNvPr>
+          <p:cNvPicPr>
+            <a:picLocks noGrp="1" noRot="1" noChangeAspect="1" noMove="1" noResize="1" noEditPoints="1" noAdjustHandles="1" noChangeArrowheads="1" noChangeShapeType="1" noCrop="1"/>
+          </p:cNvPicPr>
+          <p:nvPr>
+            <p:extLst>
+              <p:ext uri="{386F3935-93C4-4BCD-93E2-E3B085C9AB24}">
+                <p16:designElem xmlns:p16="http://schemas.microsoft.com/office/powerpoint/2015/main" val="1"/>
+              </p:ext>
+            </p:extLst>
+          </p:nvPr>
+        </p:nvPicPr>
+        <p:blipFill>
+          <a:blip r:embed="rId2">
+            <a:extLst>
+              <a:ext uri="{28A0092B-C50C-407E-A947-70E740481C1C}">
+                <a14:useLocalDpi xmlns:a14="http://schemas.microsoft.com/office/drawing/2010/main" val="0"/>
+              </a:ext>
+              <a:ext uri="{96DAC541-7B7A-43D3-8B79-37D633B846F1}">
+                <asvg:svgBlip xmlns:asvg="http://schemas.microsoft.com/office/drawing/2016/SVG/main" r:embed="rId3"/>
+              </a:ext>
+            </a:extLst>
+          </a:blip>
+          <a:stretch>
+            <a:fillRect/>
+          </a:stretch>
+        </p:blipFill>
+        <p:spPr>
+          <a:xfrm rot="5400000">
+            <a:off x="3372661" y="-3359290"/>
+            <a:ext cx="5470372" cy="12188952"/>
+          </a:xfrm>
+          <a:prstGeom prst="rect">
+            <a:avLst/>
+          </a:prstGeom>
+        </p:spPr>
+      </p:pic>
+      <p:sp>
+        <p:nvSpPr>
+          <p:cNvPr id="2" name="Title 1">
+            <a:extLst>
+              <a:ext uri="{FF2B5EF4-FFF2-40B4-BE49-F238E27FC236}">
+                <a16:creationId xmlns:a16="http://schemas.microsoft.com/office/drawing/2014/main" id="{6E571202-A7FD-4E52-A4AA-D73C06FA045E}"/>
+              </a:ext>
+            </a:extLst>
+          </p:cNvPr>
+          <p:cNvSpPr>
+            <a:spLocks noGrp="1"/>
+          </p:cNvSpPr>
+          <p:nvPr>
+            <p:ph type="title"/>
+          </p:nvPr>
+        </p:nvSpPr>
+        <p:spPr>
+          <a:xfrm>
+            <a:off x="1403632" y="184336"/>
+            <a:ext cx="9283781" cy="1405965"/>
+          </a:xfrm>
+        </p:spPr>
+        <p:txBody>
+          <a:bodyPr vert="horz" lIns="91440" tIns="45720" rIns="91440" bIns="45720" rtlCol="0" anchor="b">
+            <a:normAutofit/>
+          </a:bodyPr>
+          <a:lstStyle/>
+          <a:p>
+            <a:pPr algn="ctr"/>
+            <a:r>
+              <a:rPr lang="en-US" sz="5000" kern="1200" dirty="0">
+                <a:solidFill>
+                  <a:schemeClr val="tx1"/>
+                </a:solidFill>
+                <a:latin typeface="+mj-lt"/>
+                <a:ea typeface="+mj-ea"/>
+                <a:cs typeface="+mj-cs"/>
+              </a:rPr>
+              <a:t>Steady State Probability Vector</a:t>
+            </a:r>
+          </a:p>
+        </p:txBody>
+      </p:sp>
+      <p:sp>
+        <p:nvSpPr>
+          <p:cNvPr id="13" name="Rectangle 12">
+            <a:extLst>
+              <a:ext uri="{FF2B5EF4-FFF2-40B4-BE49-F238E27FC236}">
+                <a16:creationId xmlns:a16="http://schemas.microsoft.com/office/drawing/2014/main" id="{53FD85F6-ECDC-4124-9916-6444E142C663}"/>
+              </a:ext>
+              <a:ext uri="{C183D7F6-B498-43B3-948B-1728B52AA6E4}">
+                <adec:decorative xmlns:adec="http://schemas.microsoft.com/office/drawing/2017/decorative" val="1"/>
+              </a:ext>
+            </a:extLst>
+          </p:cNvPr>
+          <p:cNvSpPr>
+            <a:spLocks noGrp="1" noRot="1" noChangeAspect="1" noMove="1" noResize="1" noEditPoints="1" noAdjustHandles="1" noChangeArrowheads="1" noChangeShapeType="1" noTextEdit="1"/>
+          </p:cNvSpPr>
+          <p:nvPr>
+            <p:extLst>
+              <p:ext uri="{386F3935-93C4-4BCD-93E2-E3B085C9AB24}">
+                <p16:designElem xmlns:p16="http://schemas.microsoft.com/office/powerpoint/2015/main" val="1"/>
+              </p:ext>
+            </p:extLst>
+          </p:nvPr>
+        </p:nvSpPr>
+        <p:spPr>
+          <a:xfrm>
+            <a:off x="-1078" y="685797"/>
+            <a:ext cx="118872" cy="1550455"/>
+          </a:xfrm>
+          <a:prstGeom prst="rect">
+            <a:avLst/>
+          </a:prstGeom>
+          <a:solidFill>
+            <a:schemeClr val="accent2"/>
+          </a:solidFill>
+          <a:ln>
+            <a:noFill/>
+          </a:ln>
+        </p:spPr>
+        <p:style>
+          <a:lnRef idx="2">
+            <a:schemeClr val="accent1">
+              <a:shade val="50000"/>
+            </a:schemeClr>
+          </a:lnRef>
+          <a:fillRef idx="1">
+            <a:schemeClr val="accent1"/>
+          </a:fillRef>
+          <a:effectRef idx="0">
+            <a:schemeClr val="accent1"/>
+          </a:effectRef>
+          <a:fontRef idx="minor">
+            <a:schemeClr val="lt1"/>
+          </a:fontRef>
+        </p:style>
+        <p:txBody>
+          <a:bodyPr rtlCol="0" anchor="ctr"/>
+          <a:lstStyle/>
+          <a:p>
+            <a:pPr algn="ctr"/>
+            <a:endParaRPr lang="en-US"/>
+          </a:p>
+        </p:txBody>
+      </p:sp>
+      <p:sp>
+        <p:nvSpPr>
+          <p:cNvPr id="15" name="Rectangle 14">
+            <a:extLst>
+              <a:ext uri="{FF2B5EF4-FFF2-40B4-BE49-F238E27FC236}">
+                <a16:creationId xmlns:a16="http://schemas.microsoft.com/office/drawing/2014/main" id="{FB5D26B4-74AD-4118-8F13-7051DA3BFA87}"/>
+              </a:ext>
+              <a:ext uri="{C183D7F6-B498-43B3-948B-1728B52AA6E4}">
+                <adec:decorative xmlns:adec="http://schemas.microsoft.com/office/drawing/2017/decorative" val="1"/>
+              </a:ext>
+            </a:extLst>
+          </p:cNvPr>
+          <p:cNvSpPr>
+            <a:spLocks noGrp="1" noRot="1" noChangeAspect="1" noMove="1" noResize="1" noEditPoints="1" noAdjustHandles="1" noChangeArrowheads="1" noChangeShapeType="1" noTextEdit="1"/>
+          </p:cNvSpPr>
+          <p:nvPr>
+            <p:extLst>
+              <p:ext uri="{386F3935-93C4-4BCD-93E2-E3B085C9AB24}">
+                <p16:designElem xmlns:p16="http://schemas.microsoft.com/office/powerpoint/2015/main" val="1"/>
+              </p:ext>
+            </p:extLst>
+          </p:nvPr>
+        </p:nvSpPr>
+        <p:spPr>
+          <a:xfrm>
+            <a:off x="12073128" y="6172201"/>
+            <a:ext cx="118872" cy="685800"/>
+          </a:xfrm>
+          <a:prstGeom prst="rect">
+            <a:avLst/>
+          </a:prstGeom>
+          <a:solidFill>
+            <a:schemeClr val="accent2"/>
+          </a:solidFill>
+          <a:ln>
+            <a:noFill/>
+          </a:ln>
+        </p:spPr>
+        <p:style>
+          <a:lnRef idx="2">
+            <a:schemeClr val="accent1">
+              <a:shade val="50000"/>
+            </a:schemeClr>
+          </a:lnRef>
+          <a:fillRef idx="1">
+            <a:schemeClr val="accent1"/>
+          </a:fillRef>
+          <a:effectRef idx="0">
+            <a:schemeClr val="accent1"/>
+          </a:effectRef>
+          <a:fontRef idx="minor">
+            <a:schemeClr val="lt1"/>
+          </a:fontRef>
+        </p:style>
+        <p:txBody>
+          <a:bodyPr rtlCol="0" anchor="ctr"/>
+          <a:lstStyle/>
+          <a:p>
+            <a:pPr algn="ctr"/>
+            <a:endParaRPr lang="en-US"/>
+          </a:p>
+        </p:txBody>
+      </p:sp>
+      <p:pic>
+        <p:nvPicPr>
+          <p:cNvPr id="6" name="Picture 5">
+            <a:extLst>
+              <a:ext uri="{FF2B5EF4-FFF2-40B4-BE49-F238E27FC236}">
+                <a16:creationId xmlns:a16="http://schemas.microsoft.com/office/drawing/2014/main" id="{D5DF07C6-FF15-433E-BD35-FB083958921D}"/>
+              </a:ext>
+            </a:extLst>
+          </p:cNvPr>
+          <p:cNvPicPr>
+            <a:picLocks noChangeAspect="1"/>
+          </p:cNvPicPr>
+          <p:nvPr/>
+        </p:nvPicPr>
+        <p:blipFill>
+          <a:blip r:embed="rId4"/>
+          <a:stretch>
+            <a:fillRect/>
+          </a:stretch>
+        </p:blipFill>
+        <p:spPr>
+          <a:xfrm>
+            <a:off x="1919287" y="3067050"/>
+            <a:ext cx="8353425" cy="723900"/>
+          </a:xfrm>
+          <a:prstGeom prst="rect">
+            <a:avLst/>
+          </a:prstGeom>
+        </p:spPr>
+      </p:pic>
+      <p:sp>
+        <p:nvSpPr>
+          <p:cNvPr id="7" name="TextBox 6">
+            <a:extLst>
+              <a:ext uri="{FF2B5EF4-FFF2-40B4-BE49-F238E27FC236}">
+                <a16:creationId xmlns:a16="http://schemas.microsoft.com/office/drawing/2014/main" id="{C48904D6-786A-4232-BEEC-728F259EF7BF}"/>
+              </a:ext>
+            </a:extLst>
+          </p:cNvPr>
+          <p:cNvSpPr txBox="1"/>
+          <p:nvPr/>
+        </p:nvSpPr>
+        <p:spPr>
+          <a:xfrm>
+            <a:off x="3367453" y="3059668"/>
+            <a:ext cx="3074752" cy="369332"/>
+          </a:xfrm>
+          <a:prstGeom prst="rect">
+            <a:avLst/>
+          </a:prstGeom>
+          <a:noFill/>
+        </p:spPr>
+        <p:txBody>
+          <a:bodyPr wrap="none" rtlCol="0">
+            <a:spAutoFit/>
+          </a:bodyPr>
+          <a:lstStyle/>
+          <a:p>
+            <a:r>
+              <a:rPr lang="en-US" dirty="0">
+                <a:solidFill>
+                  <a:srgbClr val="FF0000"/>
+                </a:solidFill>
+              </a:rPr>
+              <a:t>Steady State Probability Vector</a:t>
+            </a:r>
+          </a:p>
+        </p:txBody>
+      </p:sp>
+    </p:spTree>
+    <p:extLst>
+      <p:ext uri="{BB962C8B-B14F-4D97-AF65-F5344CB8AC3E}">
+        <p14:creationId xmlns:p14="http://schemas.microsoft.com/office/powerpoint/2010/main" val="840693964"/>
+      </p:ext>
+    </p:extLst>
+  </p:cSld>
+  <p:clrMapOvr>
+    <a:masterClrMapping/>
+  </p:clrMapOvr>
+</p:sld>
+</file>
+
+<file path=ppt/slides/slide27.xml><?xml version="1.0" encoding="utf-8"?>
+<p:sld xmlns:a="http://schemas.openxmlformats.org/drawingml/2006/main" xmlns:r="http://schemas.openxmlformats.org/officeDocument/2006/relationships" xmlns:p="http://schemas.openxmlformats.org/presentationml/2006/main">
+  <p:cSld>
+    <p:bg>
+      <p:bgPr>
+        <a:solidFill>
+          <a:schemeClr val="bg1"/>
+        </a:solidFill>
+        <a:effectLst/>
+      </p:bgPr>
+    </p:bg>
+    <p:spTree>
+      <p:nvGrpSpPr>
+        <p:cNvPr id="1" name=""/>
+        <p:cNvGrpSpPr/>
+        <p:nvPr/>
+      </p:nvGrpSpPr>
+      <p:grpSpPr>
+        <a:xfrm>
+          <a:off x="0" y="0"/>
+          <a:ext cx="0" cy="0"/>
+          <a:chOff x="0" y="0"/>
+          <a:chExt cx="0" cy="0"/>
+        </a:xfrm>
+      </p:grpSpPr>
+      <p:sp useBgFill="1">
+        <p:nvSpPr>
+          <p:cNvPr id="9" name="Rectangle 8">
+            <a:extLst>
+              <a:ext uri="{FF2B5EF4-FFF2-40B4-BE49-F238E27FC236}">
+                <a16:creationId xmlns:a16="http://schemas.microsoft.com/office/drawing/2014/main" id="{D17A94B4-8121-4ED6-AB0D-69EE9A6332E6}"/>
+              </a:ext>
+              <a:ext uri="{C183D7F6-B498-43B3-948B-1728B52AA6E4}">
+                <adec:decorative xmlns:adec="http://schemas.microsoft.com/office/drawing/2017/decorative" val="1"/>
+              </a:ext>
+            </a:extLst>
+          </p:cNvPr>
+          <p:cNvSpPr>
+            <a:spLocks noGrp="1" noRot="1" noChangeAspect="1" noMove="1" noResize="1" noEditPoints="1" noAdjustHandles="1" noChangeArrowheads="1" noChangeShapeType="1" noTextEdit="1"/>
+          </p:cNvSpPr>
+          <p:nvPr>
+            <p:extLst>
+              <p:ext uri="{386F3935-93C4-4BCD-93E2-E3B085C9AB24}">
+                <p16:designElem xmlns:p16="http://schemas.microsoft.com/office/powerpoint/2015/main" val="1"/>
+              </p:ext>
+            </p:extLst>
+          </p:nvPr>
+        </p:nvSpPr>
+        <p:spPr>
+          <a:xfrm>
+            <a:off x="-1" y="0"/>
+            <a:ext cx="12188952" cy="6858000"/>
+          </a:xfrm>
+          <a:prstGeom prst="rect">
+            <a:avLst/>
+          </a:prstGeom>
+          <a:ln>
+            <a:noFill/>
+          </a:ln>
+        </p:spPr>
+        <p:style>
+          <a:lnRef idx="2">
+            <a:schemeClr val="accent1">
+              <a:shade val="50000"/>
+            </a:schemeClr>
+          </a:lnRef>
+          <a:fillRef idx="1">
+            <a:schemeClr val="accent1"/>
+          </a:fillRef>
+          <a:effectRef idx="0">
+            <a:schemeClr val="accent1"/>
+          </a:effectRef>
+          <a:fontRef idx="minor">
+            <a:schemeClr val="lt1"/>
+          </a:fontRef>
+        </p:style>
+        <p:txBody>
+          <a:bodyPr rtlCol="0" anchor="ctr"/>
+          <a:lstStyle/>
+          <a:p>
+            <a:pPr algn="ctr"/>
+            <a:endParaRPr lang="en-US"/>
+          </a:p>
+        </p:txBody>
+      </p:sp>
+      <p:pic>
+        <p:nvPicPr>
+          <p:cNvPr id="11" name="Graphic 10">
+            <a:extLst>
+              <a:ext uri="{FF2B5EF4-FFF2-40B4-BE49-F238E27FC236}">
+                <a16:creationId xmlns:a16="http://schemas.microsoft.com/office/drawing/2014/main" id="{4741521E-DC76-41B9-8A47-448CD4F9FA46}"/>
+              </a:ext>
+              <a:ext uri="{C183D7F6-B498-43B3-948B-1728B52AA6E4}">
+                <adec:decorative xmlns:adec="http://schemas.microsoft.com/office/drawing/2017/decorative" val="1"/>
+              </a:ext>
+            </a:extLst>
+          </p:cNvPr>
+          <p:cNvPicPr>
+            <a:picLocks noGrp="1" noRot="1" noChangeAspect="1" noMove="1" noResize="1" noEditPoints="1" noAdjustHandles="1" noChangeArrowheads="1" noChangeShapeType="1" noCrop="1"/>
+          </p:cNvPicPr>
+          <p:nvPr>
+            <p:extLst>
+              <p:ext uri="{386F3935-93C4-4BCD-93E2-E3B085C9AB24}">
+                <p16:designElem xmlns:p16="http://schemas.microsoft.com/office/powerpoint/2015/main" val="1"/>
+              </p:ext>
+            </p:extLst>
+          </p:nvPr>
+        </p:nvPicPr>
+        <p:blipFill>
+          <a:blip r:embed="rId2">
+            <a:extLst>
+              <a:ext uri="{28A0092B-C50C-407E-A947-70E740481C1C}">
+                <a14:useLocalDpi xmlns:a14="http://schemas.microsoft.com/office/drawing/2010/main" val="0"/>
+              </a:ext>
+              <a:ext uri="{96DAC541-7B7A-43D3-8B79-37D633B846F1}">
+                <asvg:svgBlip xmlns:asvg="http://schemas.microsoft.com/office/drawing/2016/SVG/main" r:embed="rId3"/>
+              </a:ext>
+            </a:extLst>
+          </a:blip>
+          <a:stretch>
+            <a:fillRect/>
+          </a:stretch>
+        </p:blipFill>
+        <p:spPr>
+          <a:xfrm rot="5400000">
+            <a:off x="3372661" y="-3359290"/>
+            <a:ext cx="5470372" cy="12188952"/>
+          </a:xfrm>
+          <a:prstGeom prst="rect">
+            <a:avLst/>
+          </a:prstGeom>
+        </p:spPr>
+      </p:pic>
+      <p:sp>
+        <p:nvSpPr>
+          <p:cNvPr id="2" name="Title 1">
+            <a:extLst>
+              <a:ext uri="{FF2B5EF4-FFF2-40B4-BE49-F238E27FC236}">
+                <a16:creationId xmlns:a16="http://schemas.microsoft.com/office/drawing/2014/main" id="{6E571202-A7FD-4E52-A4AA-D73C06FA045E}"/>
+              </a:ext>
+            </a:extLst>
+          </p:cNvPr>
+          <p:cNvSpPr>
+            <a:spLocks noGrp="1"/>
+          </p:cNvSpPr>
+          <p:nvPr>
+            <p:ph type="title"/>
+          </p:nvPr>
+        </p:nvSpPr>
+        <p:spPr>
+          <a:xfrm>
+            <a:off x="1403632" y="184336"/>
+            <a:ext cx="9283781" cy="1405965"/>
+          </a:xfrm>
+        </p:spPr>
+        <p:txBody>
+          <a:bodyPr vert="horz" lIns="91440" tIns="45720" rIns="91440" bIns="45720" rtlCol="0" anchor="b">
+            <a:normAutofit/>
+          </a:bodyPr>
+          <a:lstStyle/>
+          <a:p>
+            <a:pPr algn="ctr"/>
+            <a:r>
+              <a:rPr lang="en-US" sz="5000" kern="1200" dirty="0">
+                <a:solidFill>
+                  <a:schemeClr val="tx1"/>
+                </a:solidFill>
+                <a:latin typeface="+mj-lt"/>
+                <a:ea typeface="+mj-ea"/>
+                <a:cs typeface="+mj-cs"/>
+              </a:rPr>
+              <a:t>Regular Matrix</a:t>
+            </a:r>
+          </a:p>
+        </p:txBody>
+      </p:sp>
+      <p:sp>
+        <p:nvSpPr>
+          <p:cNvPr id="13" name="Rectangle 12">
+            <a:extLst>
+              <a:ext uri="{FF2B5EF4-FFF2-40B4-BE49-F238E27FC236}">
+                <a16:creationId xmlns:a16="http://schemas.microsoft.com/office/drawing/2014/main" id="{53FD85F6-ECDC-4124-9916-6444E142C663}"/>
+              </a:ext>
+              <a:ext uri="{C183D7F6-B498-43B3-948B-1728B52AA6E4}">
+                <adec:decorative xmlns:adec="http://schemas.microsoft.com/office/drawing/2017/decorative" val="1"/>
+              </a:ext>
+            </a:extLst>
+          </p:cNvPr>
+          <p:cNvSpPr>
+            <a:spLocks noGrp="1" noRot="1" noChangeAspect="1" noMove="1" noResize="1" noEditPoints="1" noAdjustHandles="1" noChangeArrowheads="1" noChangeShapeType="1" noTextEdit="1"/>
+          </p:cNvSpPr>
+          <p:nvPr>
+            <p:extLst>
+              <p:ext uri="{386F3935-93C4-4BCD-93E2-E3B085C9AB24}">
+                <p16:designElem xmlns:p16="http://schemas.microsoft.com/office/powerpoint/2015/main" val="1"/>
+              </p:ext>
+            </p:extLst>
+          </p:nvPr>
+        </p:nvSpPr>
+        <p:spPr>
+          <a:xfrm>
+            <a:off x="-1078" y="685797"/>
+            <a:ext cx="118872" cy="1550455"/>
+          </a:xfrm>
+          <a:prstGeom prst="rect">
+            <a:avLst/>
+          </a:prstGeom>
+          <a:solidFill>
+            <a:schemeClr val="accent2"/>
+          </a:solidFill>
+          <a:ln>
+            <a:noFill/>
+          </a:ln>
+        </p:spPr>
+        <p:style>
+          <a:lnRef idx="2">
+            <a:schemeClr val="accent1">
+              <a:shade val="50000"/>
+            </a:schemeClr>
+          </a:lnRef>
+          <a:fillRef idx="1">
+            <a:schemeClr val="accent1"/>
+          </a:fillRef>
+          <a:effectRef idx="0">
+            <a:schemeClr val="accent1"/>
+          </a:effectRef>
+          <a:fontRef idx="minor">
+            <a:schemeClr val="lt1"/>
+          </a:fontRef>
+        </p:style>
+        <p:txBody>
+          <a:bodyPr rtlCol="0" anchor="ctr"/>
+          <a:lstStyle/>
+          <a:p>
+            <a:pPr algn="ctr"/>
+            <a:endParaRPr lang="en-US"/>
+          </a:p>
+        </p:txBody>
+      </p:sp>
+      <p:sp>
+        <p:nvSpPr>
+          <p:cNvPr id="15" name="Rectangle 14">
+            <a:extLst>
+              <a:ext uri="{FF2B5EF4-FFF2-40B4-BE49-F238E27FC236}">
+                <a16:creationId xmlns:a16="http://schemas.microsoft.com/office/drawing/2014/main" id="{FB5D26B4-74AD-4118-8F13-7051DA3BFA87}"/>
+              </a:ext>
+              <a:ext uri="{C183D7F6-B498-43B3-948B-1728B52AA6E4}">
+                <adec:decorative xmlns:adec="http://schemas.microsoft.com/office/drawing/2017/decorative" val="1"/>
+              </a:ext>
+            </a:extLst>
+          </p:cNvPr>
+          <p:cNvSpPr>
+            <a:spLocks noGrp="1" noRot="1" noChangeAspect="1" noMove="1" noResize="1" noEditPoints="1" noAdjustHandles="1" noChangeArrowheads="1" noChangeShapeType="1" noTextEdit="1"/>
+          </p:cNvSpPr>
+          <p:nvPr>
+            <p:extLst>
+              <p:ext uri="{386F3935-93C4-4BCD-93E2-E3B085C9AB24}">
+                <p16:designElem xmlns:p16="http://schemas.microsoft.com/office/powerpoint/2015/main" val="1"/>
+              </p:ext>
+            </p:extLst>
+          </p:nvPr>
+        </p:nvSpPr>
+        <p:spPr>
+          <a:xfrm>
+            <a:off x="12073128" y="6172201"/>
+            <a:ext cx="118872" cy="685800"/>
+          </a:xfrm>
+          <a:prstGeom prst="rect">
+            <a:avLst/>
+          </a:prstGeom>
+          <a:solidFill>
+            <a:schemeClr val="accent2"/>
+          </a:solidFill>
+          <a:ln>
+            <a:noFill/>
+          </a:ln>
+        </p:spPr>
+        <p:style>
+          <a:lnRef idx="2">
+            <a:schemeClr val="accent1">
+              <a:shade val="50000"/>
+            </a:schemeClr>
+          </a:lnRef>
+          <a:fillRef idx="1">
+            <a:schemeClr val="accent1"/>
+          </a:fillRef>
+          <a:effectRef idx="0">
+            <a:schemeClr val="accent1"/>
+          </a:effectRef>
+          <a:fontRef idx="minor">
+            <a:schemeClr val="lt1"/>
+          </a:fontRef>
+        </p:style>
+        <p:txBody>
+          <a:bodyPr rtlCol="0" anchor="ctr"/>
+          <a:lstStyle/>
+          <a:p>
+            <a:pPr algn="ctr"/>
+            <a:endParaRPr lang="en-US"/>
+          </a:p>
+        </p:txBody>
+      </p:sp>
+      <p:pic>
+        <p:nvPicPr>
+          <p:cNvPr id="10" name="Picture 9">
+            <a:extLst>
+              <a:ext uri="{FF2B5EF4-FFF2-40B4-BE49-F238E27FC236}">
+                <a16:creationId xmlns:a16="http://schemas.microsoft.com/office/drawing/2014/main" id="{F5E54483-9056-4071-973E-C1CA13CC551C}"/>
+              </a:ext>
+            </a:extLst>
+          </p:cNvPr>
+          <p:cNvPicPr>
+            <a:picLocks noChangeAspect="1"/>
+          </p:cNvPicPr>
+          <p:nvPr/>
+        </p:nvPicPr>
+        <p:blipFill>
+          <a:blip r:embed="rId4"/>
+          <a:stretch>
+            <a:fillRect/>
+          </a:stretch>
+        </p:blipFill>
+        <p:spPr>
+          <a:xfrm>
+            <a:off x="1654497" y="3025796"/>
+            <a:ext cx="8782050" cy="1581150"/>
+          </a:xfrm>
+          <a:prstGeom prst="rect">
+            <a:avLst/>
+          </a:prstGeom>
+        </p:spPr>
+      </p:pic>
+      <p:sp>
+        <p:nvSpPr>
+          <p:cNvPr id="3" name="TextBox 2">
+            <a:extLst>
+              <a:ext uri="{FF2B5EF4-FFF2-40B4-BE49-F238E27FC236}">
+                <a16:creationId xmlns:a16="http://schemas.microsoft.com/office/drawing/2014/main" id="{A0A03D39-EEF8-462B-8F71-B28773B918EC}"/>
+              </a:ext>
+            </a:extLst>
+          </p:cNvPr>
+          <p:cNvSpPr txBox="1"/>
+          <p:nvPr/>
+        </p:nvSpPr>
+        <p:spPr>
+          <a:xfrm>
+            <a:off x="6831623" y="3025795"/>
+            <a:ext cx="851708" cy="369332"/>
+          </a:xfrm>
+          <a:prstGeom prst="rect">
+            <a:avLst/>
+          </a:prstGeom>
+          <a:noFill/>
+        </p:spPr>
+        <p:txBody>
+          <a:bodyPr wrap="none" rtlCol="0">
+            <a:spAutoFit/>
+          </a:bodyPr>
+          <a:lstStyle/>
+          <a:p>
+            <a:r>
+              <a:rPr lang="en-US" dirty="0">
+                <a:solidFill>
+                  <a:srgbClr val="FF0000"/>
+                </a:solidFill>
+              </a:rPr>
+              <a:t>regular</a:t>
+            </a:r>
+          </a:p>
+        </p:txBody>
+      </p:sp>
+      <p:sp>
+        <p:nvSpPr>
+          <p:cNvPr id="4" name="TextBox 3">
+            <a:extLst>
+              <a:ext uri="{FF2B5EF4-FFF2-40B4-BE49-F238E27FC236}">
+                <a16:creationId xmlns:a16="http://schemas.microsoft.com/office/drawing/2014/main" id="{6D38C92E-874B-4D77-B807-4D9C3D07D8F4}"/>
+              </a:ext>
+            </a:extLst>
+          </p:cNvPr>
+          <p:cNvSpPr txBox="1"/>
+          <p:nvPr/>
+        </p:nvSpPr>
+        <p:spPr>
+          <a:xfrm>
+            <a:off x="3534508" y="3345670"/>
+            <a:ext cx="851708" cy="369332"/>
+          </a:xfrm>
+          <a:prstGeom prst="rect">
+            <a:avLst/>
+          </a:prstGeom>
+          <a:noFill/>
+        </p:spPr>
+        <p:txBody>
+          <a:bodyPr wrap="none" rtlCol="0">
+            <a:spAutoFit/>
+          </a:bodyPr>
+          <a:lstStyle/>
+          <a:p>
+            <a:r>
+              <a:rPr lang="en-US" dirty="0">
+                <a:solidFill>
+                  <a:srgbClr val="FF0000"/>
+                </a:solidFill>
+              </a:rPr>
+              <a:t>regular</a:t>
+            </a:r>
+          </a:p>
+        </p:txBody>
+      </p:sp>
+    </p:spTree>
+    <p:extLst>
+      <p:ext uri="{BB962C8B-B14F-4D97-AF65-F5344CB8AC3E}">
+        <p14:creationId xmlns:p14="http://schemas.microsoft.com/office/powerpoint/2010/main" val="3897652649"/>
+      </p:ext>
+    </p:extLst>
+  </p:cSld>
+  <p:clrMapOvr>
+    <a:masterClrMapping/>
+  </p:clrMapOvr>
+</p:sld>
+</file>
+
+<file path=ppt/slides/slide28.xml><?xml version="1.0" encoding="utf-8"?>
+<p:sld xmlns:a="http://schemas.openxmlformats.org/drawingml/2006/main" xmlns:r="http://schemas.openxmlformats.org/officeDocument/2006/relationships" xmlns:p="http://schemas.openxmlformats.org/presentationml/2006/main">
+  <p:cSld>
+    <p:bg>
+      <p:bgPr>
+        <a:solidFill>
+          <a:schemeClr val="bg1"/>
+        </a:solidFill>
+        <a:effectLst/>
+      </p:bgPr>
+    </p:bg>
+    <p:spTree>
+      <p:nvGrpSpPr>
+        <p:cNvPr id="1" name=""/>
+        <p:cNvGrpSpPr/>
+        <p:nvPr/>
+      </p:nvGrpSpPr>
+      <p:grpSpPr>
+        <a:xfrm>
+          <a:off x="0" y="0"/>
+          <a:ext cx="0" cy="0"/>
+          <a:chOff x="0" y="0"/>
+          <a:chExt cx="0" cy="0"/>
+        </a:xfrm>
+      </p:grpSpPr>
+      <p:cxnSp>
+        <p:nvCxnSpPr>
+          <p:cNvPr id="12" name="Straight Connector 8">
+            <a:extLst>
+              <a:ext uri="{FF2B5EF4-FFF2-40B4-BE49-F238E27FC236}">
+                <a16:creationId xmlns:a16="http://schemas.microsoft.com/office/drawing/2014/main" id="{D2E961F1-4A28-4A5F-BBD4-6E400E5E6C75}"/>
+              </a:ext>
+              <a:ext uri="{C183D7F6-B498-43B3-948B-1728B52AA6E4}">
+                <adec:decorative xmlns:adec="http://schemas.microsoft.com/office/drawing/2017/decorative" val="1"/>
+              </a:ext>
+            </a:extLst>
+          </p:cNvPr>
+          <p:cNvCxnSpPr>
+            <a:cxnSpLocks noGrp="1" noRot="1" noChangeAspect="1" noMove="1" noResize="1" noEditPoints="1" noAdjustHandles="1" noChangeArrowheads="1" noChangeShapeType="1"/>
+          </p:cNvCxnSpPr>
+          <p:nvPr>
+            <p:extLst>
+              <p:ext uri="{386F3935-93C4-4BCD-93E2-E3B085C9AB24}">
+                <p16:designElem xmlns:p16="http://schemas.microsoft.com/office/powerpoint/2015/main" val="1"/>
+              </p:ext>
+            </p:extLst>
+          </p:nvPr>
+        </p:nvCxnSpPr>
+        <p:spPr bwMode="white">
+          <a:xfrm>
+            <a:off x="0" y="272357"/>
+            <a:ext cx="12188824" cy="0"/>
+          </a:xfrm>
+          <a:prstGeom prst="line">
+            <a:avLst/>
+          </a:prstGeom>
+          <a:ln w="50800">
+            <a:solidFill>
+              <a:schemeClr val="tx1">
+                <a:lumMod val="75000"/>
+                <a:lumOff val="25000"/>
+              </a:schemeClr>
+            </a:solidFill>
+          </a:ln>
+        </p:spPr>
+        <p:style>
+          <a:lnRef idx="1">
+            <a:schemeClr val="accent1"/>
+          </a:lnRef>
+          <a:fillRef idx="0">
+            <a:schemeClr val="accent1"/>
+          </a:fillRef>
+          <a:effectRef idx="0">
+            <a:schemeClr val="accent1"/>
+          </a:effectRef>
+          <a:fontRef idx="minor">
+            <a:schemeClr val="tx1"/>
+          </a:fontRef>
+        </p:style>
+      </p:cxnSp>
+      <p:sp>
+        <p:nvSpPr>
+          <p:cNvPr id="11" name="Rectangle 10">
+            <a:extLst>
+              <a:ext uri="{FF2B5EF4-FFF2-40B4-BE49-F238E27FC236}">
+                <a16:creationId xmlns:a16="http://schemas.microsoft.com/office/drawing/2014/main" id="{7F57BEA8-497D-4AA8-8A18-BDCD696B25FE}"/>
+              </a:ext>
+              <a:ext uri="{C183D7F6-B498-43B3-948B-1728B52AA6E4}">
+                <adec:decorative xmlns:adec="http://schemas.microsoft.com/office/drawing/2017/decorative" val="1"/>
+              </a:ext>
+            </a:extLst>
+          </p:cNvPr>
+          <p:cNvSpPr>
+            <a:spLocks noGrp="1" noRot="1" noChangeAspect="1" noMove="1" noResize="1" noEditPoints="1" noAdjustHandles="1" noChangeArrowheads="1" noChangeShapeType="1" noTextEdit="1"/>
+          </p:cNvSpPr>
+          <p:nvPr>
+            <p:extLst>
+              <p:ext uri="{386F3935-93C4-4BCD-93E2-E3B085C9AB24}">
+                <p16:designElem xmlns:p16="http://schemas.microsoft.com/office/powerpoint/2015/main" val="1"/>
+              </p:ext>
+            </p:extLst>
+          </p:nvPr>
+        </p:nvSpPr>
+        <p:spPr>
+          <a:xfrm>
+            <a:off x="0" y="368596"/>
+            <a:ext cx="12192000" cy="1735555"/>
+          </a:xfrm>
+          <a:prstGeom prst="rect">
+            <a:avLst/>
+          </a:prstGeom>
+          <a:solidFill>
+            <a:schemeClr val="tx1">
+              <a:lumMod val="75000"/>
+              <a:lumOff val="25000"/>
+            </a:schemeClr>
+          </a:solidFill>
+          <a:ln>
+            <a:noFill/>
+          </a:ln>
+        </p:spPr>
+        <p:style>
+          <a:lnRef idx="2">
+            <a:schemeClr val="accent1">
+              <a:shade val="50000"/>
+            </a:schemeClr>
+          </a:lnRef>
+          <a:fillRef idx="1">
+            <a:schemeClr val="accent1"/>
+          </a:fillRef>
+          <a:effectRef idx="0">
+            <a:schemeClr val="accent1"/>
+          </a:effectRef>
+          <a:fontRef idx="minor">
+            <a:schemeClr val="lt1"/>
+          </a:fontRef>
+        </p:style>
+        <p:txBody>
+          <a:bodyPr rtlCol="0" anchor="ctr"/>
+          <a:lstStyle/>
+          <a:p>
+            <a:pPr algn="ctr"/>
+            <a:endParaRPr lang="en-US"/>
+          </a:p>
+        </p:txBody>
+      </p:sp>
+      <p:sp>
+        <p:nvSpPr>
+          <p:cNvPr id="2" name="Title 1">
+            <a:extLst>
+              <a:ext uri="{FF2B5EF4-FFF2-40B4-BE49-F238E27FC236}">
+                <a16:creationId xmlns:a16="http://schemas.microsoft.com/office/drawing/2014/main" id="{D6CC1811-68D8-45EB-809A-07E60D9F7B18}"/>
+              </a:ext>
+            </a:extLst>
+          </p:cNvPr>
+          <p:cNvSpPr>
+            <a:spLocks noGrp="1"/>
+          </p:cNvSpPr>
+          <p:nvPr>
+            <p:ph type="title"/>
+          </p:nvPr>
+        </p:nvSpPr>
+        <p:spPr>
+          <a:xfrm>
+            <a:off x="526073" y="489439"/>
+            <a:ext cx="11139854" cy="930447"/>
+          </a:xfrm>
+        </p:spPr>
+        <p:txBody>
+          <a:bodyPr vert="horz" lIns="91440" tIns="45720" rIns="91440" bIns="45720" rtlCol="0" anchor="b">
+            <a:normAutofit/>
+          </a:bodyPr>
+          <a:lstStyle/>
+          <a:p>
+            <a:pPr algn="ctr"/>
+            <a:r>
+              <a:rPr lang="en-US" sz="5400" kern="1200">
+                <a:solidFill>
+                  <a:schemeClr val="bg1"/>
+                </a:solidFill>
+                <a:latin typeface="+mj-lt"/>
+                <a:ea typeface="+mj-ea"/>
+                <a:cs typeface="+mj-cs"/>
+              </a:rPr>
+              <a:t>Eigenvector and Eigenvalue</a:t>
+            </a:r>
+          </a:p>
+        </p:txBody>
+      </p:sp>
+      <p:cxnSp>
+        <p:nvCxnSpPr>
+          <p:cNvPr id="13" name="Straight Connector 12">
+            <a:extLst>
+              <a:ext uri="{FF2B5EF4-FFF2-40B4-BE49-F238E27FC236}">
+                <a16:creationId xmlns:a16="http://schemas.microsoft.com/office/drawing/2014/main" id="{A82415D3-DDE5-4D63-8CB3-23A5EC581B27}"/>
+              </a:ext>
+              <a:ext uri="{C183D7F6-B498-43B3-948B-1728B52AA6E4}">
+                <adec:decorative xmlns:adec="http://schemas.microsoft.com/office/drawing/2017/decorative" val="1"/>
+              </a:ext>
+            </a:extLst>
+          </p:cNvPr>
+          <p:cNvCxnSpPr>
+            <a:cxnSpLocks noGrp="1" noRot="1" noChangeAspect="1" noMove="1" noResize="1" noEditPoints="1" noAdjustHandles="1" noChangeArrowheads="1" noChangeShapeType="1"/>
+          </p:cNvCxnSpPr>
+          <p:nvPr>
+            <p:extLst>
+              <p:ext uri="{386F3935-93C4-4BCD-93E2-E3B085C9AB24}">
+                <p16:designElem xmlns:p16="http://schemas.microsoft.com/office/powerpoint/2015/main" val="1"/>
+              </p:ext>
+            </p:extLst>
+          </p:nvPr>
+        </p:nvCxnSpPr>
+        <p:spPr>
+          <a:xfrm>
+            <a:off x="4724400" y="1479733"/>
+            <a:ext cx="2743200" cy="0"/>
+          </a:xfrm>
+          <a:prstGeom prst="line">
+            <a:avLst/>
+          </a:prstGeom>
+          <a:ln w="19050">
+            <a:solidFill>
+              <a:schemeClr val="bg1">
+                <a:alpha val="75000"/>
+              </a:schemeClr>
+            </a:solidFill>
+          </a:ln>
+        </p:spPr>
+        <p:style>
+          <a:lnRef idx="1">
+            <a:schemeClr val="accent1"/>
+          </a:lnRef>
+          <a:fillRef idx="0">
+            <a:schemeClr val="accent1"/>
+          </a:fillRef>
+          <a:effectRef idx="0">
+            <a:schemeClr val="accent1"/>
+          </a:effectRef>
+          <a:fontRef idx="minor">
+            <a:schemeClr val="tx1"/>
+          </a:fontRef>
+        </p:style>
+      </p:cxnSp>
+      <p:cxnSp>
+        <p:nvCxnSpPr>
+          <p:cNvPr id="15" name="Straight Connector 14">
+            <a:extLst>
+              <a:ext uri="{FF2B5EF4-FFF2-40B4-BE49-F238E27FC236}">
+                <a16:creationId xmlns:a16="http://schemas.microsoft.com/office/drawing/2014/main" id="{AD7193FB-6AE6-4B3B-8F89-56B55DD63B4D}"/>
+              </a:ext>
+              <a:ext uri="{C183D7F6-B498-43B3-948B-1728B52AA6E4}">
+                <adec:decorative xmlns:adec="http://schemas.microsoft.com/office/drawing/2017/decorative" val="1"/>
+              </a:ext>
+            </a:extLst>
+          </p:cNvPr>
+          <p:cNvCxnSpPr>
+            <a:cxnSpLocks noGrp="1" noRot="1" noChangeAspect="1" noMove="1" noResize="1" noEditPoints="1" noAdjustHandles="1" noChangeArrowheads="1" noChangeShapeType="1"/>
+          </p:cNvCxnSpPr>
+          <p:nvPr>
+            <p:extLst>
+              <p:ext uri="{386F3935-93C4-4BCD-93E2-E3B085C9AB24}">
+                <p16:designElem xmlns:p16="http://schemas.microsoft.com/office/powerpoint/2015/main" val="1"/>
+              </p:ext>
+            </p:extLst>
+          </p:nvPr>
+        </p:nvCxnSpPr>
+        <p:spPr bwMode="white">
+          <a:xfrm>
+            <a:off x="0" y="2201402"/>
+            <a:ext cx="12188824" cy="0"/>
+          </a:xfrm>
+          <a:prstGeom prst="line">
+            <a:avLst/>
+          </a:prstGeom>
+          <a:ln w="50800">
+            <a:solidFill>
+              <a:schemeClr val="tx1">
+                <a:lumMod val="75000"/>
+                <a:lumOff val="25000"/>
+              </a:schemeClr>
+            </a:solidFill>
+          </a:ln>
+        </p:spPr>
+        <p:style>
+          <a:lnRef idx="1">
+            <a:schemeClr val="accent1"/>
+          </a:lnRef>
+          <a:fillRef idx="0">
+            <a:schemeClr val="accent1"/>
+          </a:fillRef>
+          <a:effectRef idx="0">
+            <a:schemeClr val="accent1"/>
+          </a:effectRef>
+          <a:fontRef idx="minor">
+            <a:schemeClr val="tx1"/>
+          </a:fontRef>
+        </p:style>
+      </p:cxnSp>
+      <p:pic>
+        <p:nvPicPr>
+          <p:cNvPr id="4" name="Picture 3">
+            <a:extLst>
+              <a:ext uri="{FF2B5EF4-FFF2-40B4-BE49-F238E27FC236}">
+                <a16:creationId xmlns:a16="http://schemas.microsoft.com/office/drawing/2014/main" id="{0025ECA8-7F88-454B-9422-DACF137FB241}"/>
+              </a:ext>
+            </a:extLst>
+          </p:cNvPr>
+          <p:cNvPicPr>
+            <a:picLocks noChangeAspect="1"/>
+          </p:cNvPicPr>
+          <p:nvPr/>
+        </p:nvPicPr>
+        <p:blipFill>
+          <a:blip r:embed="rId2"/>
+          <a:stretch>
+            <a:fillRect/>
+          </a:stretch>
+        </p:blipFill>
+        <p:spPr>
+          <a:xfrm>
+            <a:off x="320040" y="3406017"/>
+            <a:ext cx="11496821" cy="2040684"/>
+          </a:xfrm>
+          <a:prstGeom prst="rect">
+            <a:avLst/>
+          </a:prstGeom>
+        </p:spPr>
+      </p:pic>
+    </p:spTree>
+    <p:extLst>
+      <p:ext uri="{BB962C8B-B14F-4D97-AF65-F5344CB8AC3E}">
+        <p14:creationId xmlns:p14="http://schemas.microsoft.com/office/powerpoint/2010/main" val="1326462314"/>
+      </p:ext>
+    </p:extLst>
+  </p:cSld>
+  <p:clrMapOvr>
+    <a:masterClrMapping/>
+  </p:clrMapOvr>
+</p:sld>
+</file>
+
+<file path=ppt/slides/slide29.xml><?xml version="1.0" encoding="utf-8"?>
+<p:sld xmlns:a="http://schemas.openxmlformats.org/drawingml/2006/main" xmlns:r="http://schemas.openxmlformats.org/officeDocument/2006/relationships" xmlns:p="http://schemas.openxmlformats.org/presentationml/2006/main">
+  <p:cSld>
+    <p:bg>
+      <p:bgPr>
+        <a:solidFill>
+          <a:schemeClr val="bg1"/>
+        </a:solidFill>
+        <a:effectLst/>
+      </p:bgPr>
+    </p:bg>
     <p:spTree>
       <p:nvGrpSpPr>
         <p:cNvPr id="1" name=""/>
@@ -10233,10 +15741,136 @@
       </p:grpSpPr>
       <p:sp>
         <p:nvSpPr>
+          <p:cNvPr id="9" name="Rectangle 8">
+            <a:extLst>
+              <a:ext uri="{FF2B5EF4-FFF2-40B4-BE49-F238E27FC236}">
+                <a16:creationId xmlns:a16="http://schemas.microsoft.com/office/drawing/2014/main" id="{1045B59B-615E-4718-A150-42DE5D03E1C8}"/>
+              </a:ext>
+              <a:ext uri="{C183D7F6-B498-43B3-948B-1728B52AA6E4}">
+                <adec:decorative xmlns:adec="http://schemas.microsoft.com/office/drawing/2017/decorative" val="1"/>
+              </a:ext>
+            </a:extLst>
+          </p:cNvPr>
+          <p:cNvSpPr>
+            <a:spLocks noGrp="1" noRot="1" noChangeAspect="1" noMove="1" noResize="1" noEditPoints="1" noAdjustHandles="1" noChangeArrowheads="1" noChangeShapeType="1" noTextEdit="1"/>
+          </p:cNvSpPr>
+          <p:nvPr>
+            <p:extLst>
+              <p:ext uri="{386F3935-93C4-4BCD-93E2-E3B085C9AB24}">
+                <p16:designElem xmlns:p16="http://schemas.microsoft.com/office/powerpoint/2015/main" val="1"/>
+              </p:ext>
+            </p:extLst>
+          </p:nvPr>
+        </p:nvSpPr>
+        <p:spPr>
+          <a:xfrm>
+            <a:off x="0" y="0"/>
+            <a:ext cx="12192000" cy="6858000"/>
+          </a:xfrm>
+          <a:prstGeom prst="rect">
+            <a:avLst/>
+          </a:prstGeom>
+          <a:solidFill>
+            <a:srgbClr val="FFFFFF"/>
+          </a:solidFill>
+          <a:ln>
+            <a:noFill/>
+          </a:ln>
+        </p:spPr>
+        <p:style>
+          <a:lnRef idx="2">
+            <a:schemeClr val="accent1">
+              <a:shade val="50000"/>
+            </a:schemeClr>
+          </a:lnRef>
+          <a:fillRef idx="1">
+            <a:schemeClr val="accent1"/>
+          </a:fillRef>
+          <a:effectRef idx="0">
+            <a:schemeClr val="accent1"/>
+          </a:effectRef>
+          <a:fontRef idx="minor">
+            <a:schemeClr val="lt1"/>
+          </a:fontRef>
+        </p:style>
+        <p:txBody>
+          <a:bodyPr rtlCol="0" anchor="ctr"/>
+          <a:lstStyle/>
+          <a:p>
+            <a:pPr algn="ctr"/>
+            <a:endParaRPr lang="en-US"/>
+          </a:p>
+        </p:txBody>
+      </p:sp>
+      <p:sp>
+        <p:nvSpPr>
+          <p:cNvPr id="11" name="Rectangle 10">
+            <a:extLst>
+              <a:ext uri="{FF2B5EF4-FFF2-40B4-BE49-F238E27FC236}">
+                <a16:creationId xmlns:a16="http://schemas.microsoft.com/office/drawing/2014/main" id="{D6CF29CD-38B8-4924-BA11-6D60517487EF}"/>
+              </a:ext>
+              <a:ext uri="{C183D7F6-B498-43B3-948B-1728B52AA6E4}">
+                <adec:decorative xmlns:adec="http://schemas.microsoft.com/office/drawing/2017/decorative" val="1"/>
+              </a:ext>
+            </a:extLst>
+          </p:cNvPr>
+          <p:cNvSpPr>
+            <a:spLocks noGrp="1" noRot="1" noChangeAspect="1" noMove="1" noResize="1" noEditPoints="1" noAdjustHandles="1" noChangeArrowheads="1" noChangeShapeType="1" noTextEdit="1"/>
+          </p:cNvSpPr>
+          <p:nvPr>
+            <p:extLst>
+              <p:ext uri="{386F3935-93C4-4BCD-93E2-E3B085C9AB24}">
+                <p16:designElem xmlns:p16="http://schemas.microsoft.com/office/powerpoint/2015/main" val="1"/>
+              </p:ext>
+            </p:extLst>
+          </p:nvPr>
+        </p:nvSpPr>
+        <p:spPr>
+          <a:xfrm>
+            <a:off x="0" y="0"/>
+            <a:ext cx="12192000" cy="2615184"/>
+          </a:xfrm>
+          <a:prstGeom prst="rect">
+            <a:avLst/>
+          </a:prstGeom>
+          <a:solidFill>
+            <a:srgbClr val="404040"/>
+          </a:solidFill>
+          <a:ln>
+            <a:noFill/>
+          </a:ln>
+        </p:spPr>
+        <p:style>
+          <a:lnRef idx="2">
+            <a:schemeClr val="accent1">
+              <a:shade val="50000"/>
+            </a:schemeClr>
+          </a:lnRef>
+          <a:fillRef idx="1">
+            <a:schemeClr val="accent1"/>
+          </a:fillRef>
+          <a:effectRef idx="0">
+            <a:schemeClr val="accent1"/>
+          </a:effectRef>
+          <a:fontRef idx="minor">
+            <a:schemeClr val="lt1"/>
+          </a:fontRef>
+        </p:style>
+        <p:txBody>
+          <a:bodyPr rtlCol="0" anchor="ctr"/>
+          <a:lstStyle/>
+          <a:p>
+            <a:pPr algn="ctr"/>
+            <a:endParaRPr lang="en-US"/>
+          </a:p>
+        </p:txBody>
+      </p:sp>
+      <p:sp>
+        <p:nvSpPr>
           <p:cNvPr id="2" name="Title 1">
             <a:extLst>
               <a:ext uri="{FF2B5EF4-FFF2-40B4-BE49-F238E27FC236}">
-                <a16:creationId xmlns:a16="http://schemas.microsoft.com/office/drawing/2014/main" id="{70F1A561-41F3-420F-AC5C-3C86256BCFB5}"/>
+                <a16:creationId xmlns:a16="http://schemas.microsoft.com/office/drawing/2014/main" id="{FAC7198A-9916-43EA-AC07-149C5F052B8E}"/>
               </a:ext>
             </a:extLst>
           </p:cNvPr>
@@ -10247,345 +15881,63 @@
             <p:ph type="title"/>
           </p:nvPr>
         </p:nvSpPr>
-        <p:spPr/>
+        <p:spPr>
+          <a:xfrm>
+            <a:off x="707011" y="365760"/>
+            <a:ext cx="10765410" cy="1207269"/>
+          </a:xfrm>
+        </p:spPr>
         <p:txBody>
-          <a:bodyPr/>
+          <a:bodyPr vert="horz" lIns="91440" tIns="45720" rIns="91440" bIns="45720" rtlCol="0" anchor="b">
+            <a:normAutofit/>
+          </a:bodyPr>
           <a:lstStyle/>
           <a:p>
-            <a:endParaRPr lang="en-US"/>
+            <a:pPr algn="ctr"/>
+            <a:r>
+              <a:rPr lang="en-US" sz="6000" kern="1200" dirty="0">
+                <a:solidFill>
+                  <a:srgbClr val="FFFFFF"/>
+                </a:solidFill>
+                <a:latin typeface="+mj-lt"/>
+                <a:ea typeface="+mj-ea"/>
+                <a:cs typeface="+mj-cs"/>
+              </a:rPr>
+              <a:t>Determinant</a:t>
+            </a:r>
           </a:p>
         </p:txBody>
       </p:sp>
-    </p:spTree>
-    <p:extLst>
-      <p:ext uri="{BB962C8B-B14F-4D97-AF65-F5344CB8AC3E}">
-        <p14:creationId xmlns:p14="http://schemas.microsoft.com/office/powerpoint/2010/main" val="3273601112"/>
-      </p:ext>
-    </p:extLst>
-  </p:cSld>
-  <p:clrMapOvr>
-    <a:masterClrMapping/>
-  </p:clrMapOvr>
-</p:sld>
-</file>
-
-<file path=ppt/slides/slide21.xml><?xml version="1.0" encoding="utf-8"?>
-<p:sld xmlns:a="http://schemas.openxmlformats.org/drawingml/2006/main" xmlns:r="http://schemas.openxmlformats.org/officeDocument/2006/relationships" xmlns:p="http://schemas.openxmlformats.org/presentationml/2006/main">
-  <p:cSld>
-    <p:spTree>
-      <p:nvGrpSpPr>
-        <p:cNvPr id="1" name=""/>
-        <p:cNvGrpSpPr/>
-        <p:nvPr/>
-      </p:nvGrpSpPr>
-      <p:grpSpPr>
-        <a:xfrm>
-          <a:off x="0" y="0"/>
-          <a:ext cx="0" cy="0"/>
-          <a:chOff x="0" y="0"/>
-          <a:chExt cx="0" cy="0"/>
-        </a:xfrm>
-      </p:grpSpPr>
-      <p:sp>
-        <p:nvSpPr>
-          <p:cNvPr id="2" name="Title 1">
-            <a:extLst>
-              <a:ext uri="{FF2B5EF4-FFF2-40B4-BE49-F238E27FC236}">
-                <a16:creationId xmlns:a16="http://schemas.microsoft.com/office/drawing/2014/main" id="{24CCED6F-D6FB-42FE-9BB2-C89B54083351}"/>
-              </a:ext>
-            </a:extLst>
-          </p:cNvPr>
-          <p:cNvSpPr>
-            <a:spLocks noGrp="1"/>
-          </p:cNvSpPr>
-          <p:nvPr>
-            <p:ph type="title"/>
-          </p:nvPr>
-        </p:nvSpPr>
-        <p:spPr/>
-        <p:txBody>
-          <a:bodyPr/>
-          <a:lstStyle/>
-          <a:p>
-            <a:endParaRPr lang="en-US"/>
-          </a:p>
-        </p:txBody>
-      </p:sp>
-    </p:spTree>
-    <p:extLst>
-      <p:ext uri="{BB962C8B-B14F-4D97-AF65-F5344CB8AC3E}">
-        <p14:creationId xmlns:p14="http://schemas.microsoft.com/office/powerpoint/2010/main" val="3788360458"/>
-      </p:ext>
-    </p:extLst>
-  </p:cSld>
-  <p:clrMapOvr>
-    <a:masterClrMapping/>
-  </p:clrMapOvr>
-</p:sld>
-</file>
-
-<file path=ppt/slides/slide22.xml><?xml version="1.0" encoding="utf-8"?>
-<p:sld xmlns:a="http://schemas.openxmlformats.org/drawingml/2006/main" xmlns:r="http://schemas.openxmlformats.org/officeDocument/2006/relationships" xmlns:p="http://schemas.openxmlformats.org/presentationml/2006/main">
-  <p:cSld>
-    <p:spTree>
-      <p:nvGrpSpPr>
-        <p:cNvPr id="1" name=""/>
-        <p:cNvGrpSpPr/>
-        <p:nvPr/>
-      </p:nvGrpSpPr>
-      <p:grpSpPr>
-        <a:xfrm>
-          <a:off x="0" y="0"/>
-          <a:ext cx="0" cy="0"/>
-          <a:chOff x="0" y="0"/>
-          <a:chExt cx="0" cy="0"/>
-        </a:xfrm>
-      </p:grpSpPr>
-      <p:sp>
-        <p:nvSpPr>
-          <p:cNvPr id="2" name="Title 1">
-            <a:extLst>
-              <a:ext uri="{FF2B5EF4-FFF2-40B4-BE49-F238E27FC236}">
-                <a16:creationId xmlns:a16="http://schemas.microsoft.com/office/drawing/2014/main" id="{6E571202-A7FD-4E52-A4AA-D73C06FA045E}"/>
-              </a:ext>
-            </a:extLst>
-          </p:cNvPr>
-          <p:cNvSpPr>
-            <a:spLocks noGrp="1"/>
-          </p:cNvSpPr>
-          <p:nvPr>
-            <p:ph type="title"/>
-          </p:nvPr>
-        </p:nvSpPr>
-        <p:spPr/>
-        <p:txBody>
-          <a:bodyPr/>
-          <a:lstStyle/>
-          <a:p>
-            <a:endParaRPr lang="en-US"/>
-          </a:p>
-        </p:txBody>
-      </p:sp>
-    </p:spTree>
-    <p:extLst>
-      <p:ext uri="{BB962C8B-B14F-4D97-AF65-F5344CB8AC3E}">
-        <p14:creationId xmlns:p14="http://schemas.microsoft.com/office/powerpoint/2010/main" val="4290828679"/>
-      </p:ext>
-    </p:extLst>
-  </p:cSld>
-  <p:clrMapOvr>
-    <a:masterClrMapping/>
-  </p:clrMapOvr>
-</p:sld>
-</file>
-
-<file path=ppt/slides/slide23.xml><?xml version="1.0" encoding="utf-8"?>
-<p:sld xmlns:a="http://schemas.openxmlformats.org/drawingml/2006/main" xmlns:r="http://schemas.openxmlformats.org/officeDocument/2006/relationships" xmlns:p="http://schemas.openxmlformats.org/presentationml/2006/main">
-  <p:cSld>
-    <p:spTree>
-      <p:nvGrpSpPr>
-        <p:cNvPr id="1" name=""/>
-        <p:cNvGrpSpPr/>
-        <p:nvPr/>
-      </p:nvGrpSpPr>
-      <p:grpSpPr>
-        <a:xfrm>
-          <a:off x="0" y="0"/>
-          <a:ext cx="0" cy="0"/>
-          <a:chOff x="0" y="0"/>
-          <a:chExt cx="0" cy="0"/>
-        </a:xfrm>
-      </p:grpSpPr>
-      <p:sp>
-        <p:nvSpPr>
-          <p:cNvPr id="2" name="Title 1">
-            <a:extLst>
-              <a:ext uri="{FF2B5EF4-FFF2-40B4-BE49-F238E27FC236}">
-                <a16:creationId xmlns:a16="http://schemas.microsoft.com/office/drawing/2014/main" id="{9101C680-EB2A-46F3-B74A-80AAFD90A537}"/>
-              </a:ext>
-            </a:extLst>
-          </p:cNvPr>
-          <p:cNvSpPr>
-            <a:spLocks noGrp="1"/>
-          </p:cNvSpPr>
-          <p:nvPr>
-            <p:ph type="title"/>
-          </p:nvPr>
-        </p:nvSpPr>
-        <p:spPr/>
-        <p:txBody>
-          <a:bodyPr/>
-          <a:lstStyle/>
-          <a:p>
-            <a:endParaRPr lang="en-US"/>
-          </a:p>
-        </p:txBody>
-      </p:sp>
-    </p:spTree>
-    <p:extLst>
-      <p:ext uri="{BB962C8B-B14F-4D97-AF65-F5344CB8AC3E}">
-        <p14:creationId xmlns:p14="http://schemas.microsoft.com/office/powerpoint/2010/main" val="3513092709"/>
-      </p:ext>
-    </p:extLst>
-  </p:cSld>
-  <p:clrMapOvr>
-    <a:masterClrMapping/>
-  </p:clrMapOvr>
-</p:sld>
-</file>
-
-<file path=ppt/slides/slide24.xml><?xml version="1.0" encoding="utf-8"?>
-<p:sld xmlns:a="http://schemas.openxmlformats.org/drawingml/2006/main" xmlns:r="http://schemas.openxmlformats.org/officeDocument/2006/relationships" xmlns:p="http://schemas.openxmlformats.org/presentationml/2006/main">
-  <p:cSld>
-    <p:spTree>
-      <p:nvGrpSpPr>
-        <p:cNvPr id="1" name=""/>
-        <p:cNvGrpSpPr/>
-        <p:nvPr/>
-      </p:nvGrpSpPr>
-      <p:grpSpPr>
-        <a:xfrm>
-          <a:off x="0" y="0"/>
-          <a:ext cx="0" cy="0"/>
-          <a:chOff x="0" y="0"/>
-          <a:chExt cx="0" cy="0"/>
-        </a:xfrm>
-      </p:grpSpPr>
-      <p:sp>
-        <p:nvSpPr>
-          <p:cNvPr id="2" name="Title 1">
-            <a:extLst>
-              <a:ext uri="{FF2B5EF4-FFF2-40B4-BE49-F238E27FC236}">
-                <a16:creationId xmlns:a16="http://schemas.microsoft.com/office/drawing/2014/main" id="{69E070EE-8A11-451C-A46B-006668F18B2A}"/>
-              </a:ext>
-            </a:extLst>
-          </p:cNvPr>
-          <p:cNvSpPr>
-            <a:spLocks noGrp="1"/>
-          </p:cNvSpPr>
-          <p:nvPr>
-            <p:ph type="title"/>
-          </p:nvPr>
-        </p:nvSpPr>
-        <p:spPr/>
-        <p:txBody>
-          <a:bodyPr/>
-          <a:lstStyle/>
-          <a:p>
-            <a:endParaRPr lang="en-US"/>
-          </a:p>
-        </p:txBody>
-      </p:sp>
-    </p:spTree>
-    <p:extLst>
-      <p:ext uri="{BB962C8B-B14F-4D97-AF65-F5344CB8AC3E}">
-        <p14:creationId xmlns:p14="http://schemas.microsoft.com/office/powerpoint/2010/main" val="2163507875"/>
-      </p:ext>
-    </p:extLst>
-  </p:cSld>
-  <p:clrMapOvr>
-    <a:masterClrMapping/>
-  </p:clrMapOvr>
-</p:sld>
-</file>
-
-<file path=ppt/slides/slide25.xml><?xml version="1.0" encoding="utf-8"?>
-<p:sld xmlns:a="http://schemas.openxmlformats.org/drawingml/2006/main" xmlns:r="http://schemas.openxmlformats.org/officeDocument/2006/relationships" xmlns:p="http://schemas.openxmlformats.org/presentationml/2006/main">
-  <p:cSld>
-    <p:spTree>
-      <p:nvGrpSpPr>
-        <p:cNvPr id="1" name=""/>
-        <p:cNvGrpSpPr/>
-        <p:nvPr/>
-      </p:nvGrpSpPr>
-      <p:grpSpPr>
-        <a:xfrm>
-          <a:off x="0" y="0"/>
-          <a:ext cx="0" cy="0"/>
-          <a:chOff x="0" y="0"/>
-          <a:chExt cx="0" cy="0"/>
-        </a:xfrm>
-      </p:grpSpPr>
-      <p:sp>
-        <p:nvSpPr>
-          <p:cNvPr id="2" name="Title 1">
-            <a:extLst>
-              <a:ext uri="{FF2B5EF4-FFF2-40B4-BE49-F238E27FC236}">
-                <a16:creationId xmlns:a16="http://schemas.microsoft.com/office/drawing/2014/main" id="{D6CC1811-68D8-45EB-809A-07E60D9F7B18}"/>
-              </a:ext>
-            </a:extLst>
-          </p:cNvPr>
-          <p:cNvSpPr>
-            <a:spLocks noGrp="1"/>
-          </p:cNvSpPr>
-          <p:nvPr>
-            <p:ph type="title"/>
-          </p:nvPr>
-        </p:nvSpPr>
-        <p:spPr/>
-        <p:txBody>
-          <a:bodyPr/>
-          <a:lstStyle/>
-          <a:p>
-            <a:endParaRPr lang="en-US"/>
-          </a:p>
-        </p:txBody>
-      </p:sp>
-    </p:spTree>
-    <p:extLst>
-      <p:ext uri="{BB962C8B-B14F-4D97-AF65-F5344CB8AC3E}">
-        <p14:creationId xmlns:p14="http://schemas.microsoft.com/office/powerpoint/2010/main" val="1326462314"/>
-      </p:ext>
-    </p:extLst>
-  </p:cSld>
-  <p:clrMapOvr>
-    <a:masterClrMapping/>
-  </p:clrMapOvr>
-</p:sld>
-</file>
-
-<file path=ppt/slides/slide26.xml><?xml version="1.0" encoding="utf-8"?>
-<p:sld xmlns:a="http://schemas.openxmlformats.org/drawingml/2006/main" xmlns:r="http://schemas.openxmlformats.org/officeDocument/2006/relationships" xmlns:p="http://schemas.openxmlformats.org/presentationml/2006/main">
-  <p:cSld>
-    <p:spTree>
-      <p:nvGrpSpPr>
-        <p:cNvPr id="1" name=""/>
-        <p:cNvGrpSpPr/>
-        <p:nvPr/>
-      </p:nvGrpSpPr>
-      <p:grpSpPr>
-        <a:xfrm>
-          <a:off x="0" y="0"/>
-          <a:ext cx="0" cy="0"/>
-          <a:chOff x="0" y="0"/>
-          <a:chExt cx="0" cy="0"/>
-        </a:xfrm>
-      </p:grpSpPr>
-      <p:sp>
-        <p:nvSpPr>
-          <p:cNvPr id="2" name="Title 1">
-            <a:extLst>
-              <a:ext uri="{FF2B5EF4-FFF2-40B4-BE49-F238E27FC236}">
-                <a16:creationId xmlns:a16="http://schemas.microsoft.com/office/drawing/2014/main" id="{FAC7198A-9916-43EA-AC07-149C5F052B8E}"/>
-              </a:ext>
-            </a:extLst>
-          </p:cNvPr>
-          <p:cNvSpPr>
-            <a:spLocks noGrp="1"/>
-          </p:cNvSpPr>
-          <p:nvPr>
-            <p:ph type="title"/>
-          </p:nvPr>
-        </p:nvSpPr>
-        <p:spPr/>
-        <p:txBody>
-          <a:bodyPr/>
-          <a:lstStyle/>
-          <a:p>
-            <a:endParaRPr lang="en-US"/>
-          </a:p>
-        </p:txBody>
-      </p:sp>
+      <p:pic>
+        <p:nvPicPr>
+          <p:cNvPr id="4" name="Picture 3">
+            <a:extLst>
+              <a:ext uri="{FF2B5EF4-FFF2-40B4-BE49-F238E27FC236}">
+                <a16:creationId xmlns:a16="http://schemas.microsoft.com/office/drawing/2014/main" id="{23385CA5-1984-450A-BA69-6B2CE687E97C}"/>
+              </a:ext>
+            </a:extLst>
+          </p:cNvPr>
+          <p:cNvPicPr>
+            <a:picLocks noChangeAspect="1"/>
+          </p:cNvPicPr>
+          <p:nvPr/>
+        </p:nvPicPr>
+        <p:blipFill>
+          <a:blip r:embed="rId2"/>
+          <a:stretch>
+            <a:fillRect/>
+          </a:stretch>
+        </p:blipFill>
+        <p:spPr>
+          <a:xfrm>
+            <a:off x="638980" y="4242817"/>
+            <a:ext cx="10901471" cy="1335429"/>
+          </a:xfrm>
+          <a:prstGeom prst="rect">
+            <a:avLst/>
+          </a:prstGeom>
+        </p:spPr>
+      </p:pic>
     </p:spTree>
     <p:extLst>
       <p:ext uri="{BB962C8B-B14F-4D97-AF65-F5344CB8AC3E}">
@@ -11113,6 +16465,314 @@
 </p:sld>
 </file>
 
+<file path=ppt/slides/slide30.xml><?xml version="1.0" encoding="utf-8"?>
+<p:sld xmlns:a="http://schemas.openxmlformats.org/drawingml/2006/main" xmlns:r="http://schemas.openxmlformats.org/officeDocument/2006/relationships" xmlns:p="http://schemas.openxmlformats.org/presentationml/2006/main">
+  <p:cSld>
+    <p:bg>
+      <p:bgPr>
+        <a:solidFill>
+          <a:schemeClr val="bg1"/>
+        </a:solidFill>
+        <a:effectLst/>
+      </p:bgPr>
+    </p:bg>
+    <p:spTree>
+      <p:nvGrpSpPr>
+        <p:cNvPr id="1" name=""/>
+        <p:cNvGrpSpPr/>
+        <p:nvPr/>
+      </p:nvGrpSpPr>
+      <p:grpSpPr>
+        <a:xfrm>
+          <a:off x="0" y="0"/>
+          <a:ext cx="0" cy="0"/>
+          <a:chOff x="0" y="0"/>
+          <a:chExt cx="0" cy="0"/>
+        </a:xfrm>
+      </p:grpSpPr>
+      <p:cxnSp>
+        <p:nvCxnSpPr>
+          <p:cNvPr id="14" name="Straight Connector 8">
+            <a:extLst>
+              <a:ext uri="{FF2B5EF4-FFF2-40B4-BE49-F238E27FC236}">
+                <a16:creationId xmlns:a16="http://schemas.microsoft.com/office/drawing/2014/main" id="{D2E961F1-4A28-4A5F-BBD4-6E400E5E6C75}"/>
+              </a:ext>
+              <a:ext uri="{C183D7F6-B498-43B3-948B-1728B52AA6E4}">
+                <adec:decorative xmlns:adec="http://schemas.microsoft.com/office/drawing/2017/decorative" val="1"/>
+              </a:ext>
+            </a:extLst>
+          </p:cNvPr>
+          <p:cNvCxnSpPr>
+            <a:cxnSpLocks noGrp="1" noRot="1" noChangeAspect="1" noMove="1" noResize="1" noEditPoints="1" noAdjustHandles="1" noChangeArrowheads="1" noChangeShapeType="1"/>
+          </p:cNvCxnSpPr>
+          <p:nvPr>
+            <p:extLst>
+              <p:ext uri="{386F3935-93C4-4BCD-93E2-E3B085C9AB24}">
+                <p16:designElem xmlns:p16="http://schemas.microsoft.com/office/powerpoint/2015/main" val="1"/>
+              </p:ext>
+            </p:extLst>
+          </p:nvPr>
+        </p:nvCxnSpPr>
+        <p:spPr bwMode="white">
+          <a:xfrm>
+            <a:off x="0" y="272357"/>
+            <a:ext cx="12188824" cy="0"/>
+          </a:xfrm>
+          <a:prstGeom prst="line">
+            <a:avLst/>
+          </a:prstGeom>
+          <a:ln w="50800">
+            <a:solidFill>
+              <a:schemeClr val="tx1">
+                <a:lumMod val="75000"/>
+                <a:lumOff val="25000"/>
+              </a:schemeClr>
+            </a:solidFill>
+          </a:ln>
+        </p:spPr>
+        <p:style>
+          <a:lnRef idx="1">
+            <a:schemeClr val="accent1"/>
+          </a:lnRef>
+          <a:fillRef idx="0">
+            <a:schemeClr val="accent1"/>
+          </a:fillRef>
+          <a:effectRef idx="0">
+            <a:schemeClr val="accent1"/>
+          </a:effectRef>
+          <a:fontRef idx="minor">
+            <a:schemeClr val="tx1"/>
+          </a:fontRef>
+        </p:style>
+      </p:cxnSp>
+      <p:sp>
+        <p:nvSpPr>
+          <p:cNvPr id="16" name="Rectangle 10">
+            <a:extLst>
+              <a:ext uri="{FF2B5EF4-FFF2-40B4-BE49-F238E27FC236}">
+                <a16:creationId xmlns:a16="http://schemas.microsoft.com/office/drawing/2014/main" id="{7F57BEA8-497D-4AA8-8A18-BDCD696B25FE}"/>
+              </a:ext>
+              <a:ext uri="{C183D7F6-B498-43B3-948B-1728B52AA6E4}">
+                <adec:decorative xmlns:adec="http://schemas.microsoft.com/office/drawing/2017/decorative" val="1"/>
+              </a:ext>
+            </a:extLst>
+          </p:cNvPr>
+          <p:cNvSpPr>
+            <a:spLocks noGrp="1" noRot="1" noChangeAspect="1" noMove="1" noResize="1" noEditPoints="1" noAdjustHandles="1" noChangeArrowheads="1" noChangeShapeType="1" noTextEdit="1"/>
+          </p:cNvSpPr>
+          <p:nvPr>
+            <p:extLst>
+              <p:ext uri="{386F3935-93C4-4BCD-93E2-E3B085C9AB24}">
+                <p16:designElem xmlns:p16="http://schemas.microsoft.com/office/powerpoint/2015/main" val="1"/>
+              </p:ext>
+            </p:extLst>
+          </p:nvPr>
+        </p:nvSpPr>
+        <p:spPr>
+          <a:xfrm>
+            <a:off x="0" y="368596"/>
+            <a:ext cx="12192000" cy="1735555"/>
+          </a:xfrm>
+          <a:prstGeom prst="rect">
+            <a:avLst/>
+          </a:prstGeom>
+          <a:solidFill>
+            <a:schemeClr val="tx1">
+              <a:lumMod val="75000"/>
+              <a:lumOff val="25000"/>
+            </a:schemeClr>
+          </a:solidFill>
+          <a:ln>
+            <a:noFill/>
+          </a:ln>
+        </p:spPr>
+        <p:style>
+          <a:lnRef idx="2">
+            <a:schemeClr val="accent1">
+              <a:shade val="50000"/>
+            </a:schemeClr>
+          </a:lnRef>
+          <a:fillRef idx="1">
+            <a:schemeClr val="accent1"/>
+          </a:fillRef>
+          <a:effectRef idx="0">
+            <a:schemeClr val="accent1"/>
+          </a:effectRef>
+          <a:fontRef idx="minor">
+            <a:schemeClr val="lt1"/>
+          </a:fontRef>
+        </p:style>
+        <p:txBody>
+          <a:bodyPr rtlCol="0" anchor="ctr"/>
+          <a:lstStyle/>
+          <a:p>
+            <a:pPr algn="ctr"/>
+            <a:endParaRPr lang="en-US"/>
+          </a:p>
+        </p:txBody>
+      </p:sp>
+      <p:sp>
+        <p:nvSpPr>
+          <p:cNvPr id="2" name="Title 1">
+            <a:extLst>
+              <a:ext uri="{FF2B5EF4-FFF2-40B4-BE49-F238E27FC236}">
+                <a16:creationId xmlns:a16="http://schemas.microsoft.com/office/drawing/2014/main" id="{7B1A4F75-5C31-4B64-8DB0-EB84145DC97A}"/>
+              </a:ext>
+            </a:extLst>
+          </p:cNvPr>
+          <p:cNvSpPr>
+            <a:spLocks noGrp="1"/>
+          </p:cNvSpPr>
+          <p:nvPr>
+            <p:ph type="title"/>
+          </p:nvPr>
+        </p:nvSpPr>
+        <p:spPr>
+          <a:xfrm>
+            <a:off x="526073" y="489439"/>
+            <a:ext cx="11139854" cy="930447"/>
+          </a:xfrm>
+        </p:spPr>
+        <p:txBody>
+          <a:bodyPr vert="horz" lIns="91440" tIns="45720" rIns="91440" bIns="45720" rtlCol="0" anchor="b">
+            <a:normAutofit/>
+          </a:bodyPr>
+          <a:lstStyle/>
+          <a:p>
+            <a:pPr algn="ctr"/>
+            <a:endParaRPr lang="en-US" sz="5400" kern="1200" dirty="0">
+              <a:solidFill>
+                <a:schemeClr val="bg1"/>
+              </a:solidFill>
+              <a:latin typeface="+mj-lt"/>
+              <a:ea typeface="+mj-ea"/>
+              <a:cs typeface="+mj-cs"/>
+            </a:endParaRPr>
+          </a:p>
+        </p:txBody>
+      </p:sp>
+      <p:cxnSp>
+        <p:nvCxnSpPr>
+          <p:cNvPr id="13" name="Straight Connector 12">
+            <a:extLst>
+              <a:ext uri="{FF2B5EF4-FFF2-40B4-BE49-F238E27FC236}">
+                <a16:creationId xmlns:a16="http://schemas.microsoft.com/office/drawing/2014/main" id="{A82415D3-DDE5-4D63-8CB3-23A5EC581B27}"/>
+              </a:ext>
+              <a:ext uri="{C183D7F6-B498-43B3-948B-1728B52AA6E4}">
+                <adec:decorative xmlns:adec="http://schemas.microsoft.com/office/drawing/2017/decorative" val="1"/>
+              </a:ext>
+            </a:extLst>
+          </p:cNvPr>
+          <p:cNvCxnSpPr>
+            <a:cxnSpLocks noGrp="1" noRot="1" noChangeAspect="1" noMove="1" noResize="1" noEditPoints="1" noAdjustHandles="1" noChangeArrowheads="1" noChangeShapeType="1"/>
+          </p:cNvCxnSpPr>
+          <p:nvPr>
+            <p:extLst>
+              <p:ext uri="{386F3935-93C4-4BCD-93E2-E3B085C9AB24}">
+                <p16:designElem xmlns:p16="http://schemas.microsoft.com/office/powerpoint/2015/main" val="1"/>
+              </p:ext>
+            </p:extLst>
+          </p:nvPr>
+        </p:nvCxnSpPr>
+        <p:spPr>
+          <a:xfrm>
+            <a:off x="4724400" y="1479733"/>
+            <a:ext cx="2743200" cy="0"/>
+          </a:xfrm>
+          <a:prstGeom prst="line">
+            <a:avLst/>
+          </a:prstGeom>
+          <a:ln w="19050">
+            <a:solidFill>
+              <a:schemeClr val="bg1">
+                <a:alpha val="75000"/>
+              </a:schemeClr>
+            </a:solidFill>
+          </a:ln>
+        </p:spPr>
+        <p:style>
+          <a:lnRef idx="1">
+            <a:schemeClr val="accent1"/>
+          </a:lnRef>
+          <a:fillRef idx="0">
+            <a:schemeClr val="accent1"/>
+          </a:fillRef>
+          <a:effectRef idx="0">
+            <a:schemeClr val="accent1"/>
+          </a:effectRef>
+          <a:fontRef idx="minor">
+            <a:schemeClr val="tx1"/>
+          </a:fontRef>
+        </p:style>
+      </p:cxnSp>
+      <p:cxnSp>
+        <p:nvCxnSpPr>
+          <p:cNvPr id="15" name="Straight Connector 14">
+            <a:extLst>
+              <a:ext uri="{FF2B5EF4-FFF2-40B4-BE49-F238E27FC236}">
+                <a16:creationId xmlns:a16="http://schemas.microsoft.com/office/drawing/2014/main" id="{AD7193FB-6AE6-4B3B-8F89-56B55DD63B4D}"/>
+              </a:ext>
+              <a:ext uri="{C183D7F6-B498-43B3-948B-1728B52AA6E4}">
+                <adec:decorative xmlns:adec="http://schemas.microsoft.com/office/drawing/2017/decorative" val="1"/>
+              </a:ext>
+            </a:extLst>
+          </p:cNvPr>
+          <p:cNvCxnSpPr>
+            <a:cxnSpLocks noGrp="1" noRot="1" noChangeAspect="1" noMove="1" noResize="1" noEditPoints="1" noAdjustHandles="1" noChangeArrowheads="1" noChangeShapeType="1"/>
+          </p:cNvCxnSpPr>
+          <p:nvPr>
+            <p:extLst>
+              <p:ext uri="{386F3935-93C4-4BCD-93E2-E3B085C9AB24}">
+                <p16:designElem xmlns:p16="http://schemas.microsoft.com/office/powerpoint/2015/main" val="1"/>
+              </p:ext>
+            </p:extLst>
+          </p:nvPr>
+        </p:nvCxnSpPr>
+        <p:spPr bwMode="white">
+          <a:xfrm>
+            <a:off x="0" y="2201402"/>
+            <a:ext cx="12188824" cy="0"/>
+          </a:xfrm>
+          <a:prstGeom prst="line">
+            <a:avLst/>
+          </a:prstGeom>
+          <a:ln w="50800">
+            <a:solidFill>
+              <a:schemeClr val="tx1">
+                <a:lumMod val="75000"/>
+                <a:lumOff val="25000"/>
+              </a:schemeClr>
+            </a:solidFill>
+          </a:ln>
+        </p:spPr>
+        <p:style>
+          <a:lnRef idx="1">
+            <a:schemeClr val="accent1"/>
+          </a:lnRef>
+          <a:fillRef idx="0">
+            <a:schemeClr val="accent1"/>
+          </a:fillRef>
+          <a:effectRef idx="0">
+            <a:schemeClr val="accent1"/>
+          </a:effectRef>
+          <a:fontRef idx="minor">
+            <a:schemeClr val="tx1"/>
+          </a:fontRef>
+        </p:style>
+      </p:cxnSp>
+    </p:spTree>
+    <p:extLst>
+      <p:ext uri="{BB962C8B-B14F-4D97-AF65-F5344CB8AC3E}">
+        <p14:creationId xmlns:p14="http://schemas.microsoft.com/office/powerpoint/2010/main" val="1873168933"/>
+      </p:ext>
+    </p:extLst>
+  </p:cSld>
+  <p:clrMapOvr>
+    <a:masterClrMapping/>
+  </p:clrMapOvr>
+</p:sld>
+</file>
+
 <file path=ppt/slides/slide4.xml><?xml version="1.0" encoding="utf-8"?>
 <p:sld xmlns:a="http://schemas.openxmlformats.org/drawingml/2006/main" xmlns:r="http://schemas.openxmlformats.org/officeDocument/2006/relationships" xmlns:p="http://schemas.openxmlformats.org/presentationml/2006/main">
   <p:cSld>
@@ -11228,7 +16888,7 @@
           <a:p>
             <a:pPr algn="ctr"/>
             <a:r>
-              <a:rPr lang="en-US" sz="6600" kern="1200">
+              <a:rPr lang="en-US" sz="6600" kern="1200" dirty="0">
                 <a:solidFill>
                   <a:schemeClr val="tx1"/>
                 </a:solidFill>
@@ -11236,7 +16896,7 @@
                 <a:ea typeface="+mj-ea"/>
                 <a:cs typeface="+mj-cs"/>
               </a:rPr>
-              <a:t>Subspace and Span</a:t>
+              <a:t>Subspace</a:t>
             </a:r>
           </a:p>
         </p:txBody>
@@ -13971,6 +19631,301 @@
 </file>
 
 <file path=ppt/theme/theme1.xml><?xml version="1.0" encoding="utf-8"?>
+<a:theme xmlns:a="http://schemas.openxmlformats.org/drawingml/2006/main" name="Office Theme">
+  <a:themeElements>
+    <a:clrScheme name="Office">
+      <a:dk1>
+        <a:sysClr val="windowText" lastClr="000000"/>
+      </a:dk1>
+      <a:lt1>
+        <a:sysClr val="window" lastClr="FFFFFF"/>
+      </a:lt1>
+      <a:dk2>
+        <a:srgbClr val="44546A"/>
+      </a:dk2>
+      <a:lt2>
+        <a:srgbClr val="E7E6E6"/>
+      </a:lt2>
+      <a:accent1>
+        <a:srgbClr val="4472C4"/>
+      </a:accent1>
+      <a:accent2>
+        <a:srgbClr val="ED7D31"/>
+      </a:accent2>
+      <a:accent3>
+        <a:srgbClr val="A5A5A5"/>
+      </a:accent3>
+      <a:accent4>
+        <a:srgbClr val="FFC000"/>
+      </a:accent4>
+      <a:accent5>
+        <a:srgbClr val="5B9BD5"/>
+      </a:accent5>
+      <a:accent6>
+        <a:srgbClr val="70AD47"/>
+      </a:accent6>
+      <a:hlink>
+        <a:srgbClr val="0563C1"/>
+      </a:hlink>
+      <a:folHlink>
+        <a:srgbClr val="954F72"/>
+      </a:folHlink>
+    </a:clrScheme>
+    <a:fontScheme name="Office">
+      <a:majorFont>
+        <a:latin typeface="Calibri Light" panose="020F0302020204030204"/>
+        <a:ea typeface=""/>
+        <a:cs typeface=""/>
+        <a:font script="Jpan" typeface="游ゴシック Light"/>
+        <a:font script="Hang" typeface="맑은 고딕"/>
+        <a:font script="Hans" typeface="等线 Light"/>
+        <a:font script="Hant" typeface="新細明體"/>
+        <a:font script="Arab" typeface="Times New Roman"/>
+        <a:font script="Hebr" typeface="Times New Roman"/>
+        <a:font script="Thai" typeface="Angsana New"/>
+        <a:font script="Ethi" typeface="Nyala"/>
+        <a:font script="Beng" typeface="Vrinda"/>
+        <a:font script="Gujr" typeface="Shruti"/>
+        <a:font script="Khmr" typeface="MoolBoran"/>
+        <a:font script="Knda" typeface="Tunga"/>
+        <a:font script="Guru" typeface="Raavi"/>
+        <a:font script="Cans" typeface="Euphemia"/>
+        <a:font script="Cher" typeface="Plantagenet Cherokee"/>
+        <a:font script="Yiii" typeface="Microsoft Yi Baiti"/>
+        <a:font script="Tibt" typeface="Microsoft Himalaya"/>
+        <a:font script="Thaa" typeface="MV Boli"/>
+        <a:font script="Deva" typeface="Mangal"/>
+        <a:font script="Telu" typeface="Gautami"/>
+        <a:font script="Taml" typeface="Latha"/>
+        <a:font script="Syrc" typeface="Estrangelo Edessa"/>
+        <a:font script="Orya" typeface="Kalinga"/>
+        <a:font script="Mlym" typeface="Kartika"/>
+        <a:font script="Laoo" typeface="DokChampa"/>
+        <a:font script="Sinh" typeface="Iskoola Pota"/>
+        <a:font script="Mong" typeface="Mongolian Baiti"/>
+        <a:font script="Viet" typeface="Times New Roman"/>
+        <a:font script="Uigh" typeface="Microsoft Uighur"/>
+        <a:font script="Geor" typeface="Sylfaen"/>
+        <a:font script="Armn" typeface="Arial"/>
+        <a:font script="Bugi" typeface="Leelawadee UI"/>
+        <a:font script="Bopo" typeface="Microsoft JhengHei"/>
+        <a:font script="Java" typeface="Javanese Text"/>
+        <a:font script="Lisu" typeface="Segoe UI"/>
+        <a:font script="Mymr" typeface="Myanmar Text"/>
+        <a:font script="Nkoo" typeface="Ebrima"/>
+        <a:font script="Olck" typeface="Nirmala UI"/>
+        <a:font script="Osma" typeface="Ebrima"/>
+        <a:font script="Phag" typeface="Phagspa"/>
+        <a:font script="Syrn" typeface="Estrangelo Edessa"/>
+        <a:font script="Syrj" typeface="Estrangelo Edessa"/>
+        <a:font script="Syre" typeface="Estrangelo Edessa"/>
+        <a:font script="Sora" typeface="Nirmala UI"/>
+        <a:font script="Tale" typeface="Microsoft Tai Le"/>
+        <a:font script="Talu" typeface="Microsoft New Tai Lue"/>
+        <a:font script="Tfng" typeface="Ebrima"/>
+      </a:majorFont>
+      <a:minorFont>
+        <a:latin typeface="Calibri" panose="020F0502020204030204"/>
+        <a:ea typeface=""/>
+        <a:cs typeface=""/>
+        <a:font script="Jpan" typeface="游ゴシック"/>
+        <a:font script="Hang" typeface="맑은 고딕"/>
+        <a:font script="Hans" typeface="等线"/>
+        <a:font script="Hant" typeface="新細明體"/>
+        <a:font script="Arab" typeface="Arial"/>
+        <a:font script="Hebr" typeface="Arial"/>
+        <a:font script="Thai" typeface="Cordia New"/>
+        <a:font script="Ethi" typeface="Nyala"/>
+        <a:font script="Beng" typeface="Vrinda"/>
+        <a:font script="Gujr" typeface="Shruti"/>
+        <a:font script="Khmr" typeface="DaunPenh"/>
+        <a:font script="Knda" typeface="Tunga"/>
+        <a:font script="Guru" typeface="Raavi"/>
+        <a:font script="Cans" typeface="Euphemia"/>
+        <a:font script="Cher" typeface="Plantagenet Cherokee"/>
+        <a:font script="Yiii" typeface="Microsoft Yi Baiti"/>
+        <a:font script="Tibt" typeface="Microsoft Himalaya"/>
+        <a:font script="Thaa" typeface="MV Boli"/>
+        <a:font script="Deva" typeface="Mangal"/>
+        <a:font script="Telu" typeface="Gautami"/>
+        <a:font script="Taml" typeface="Latha"/>
+        <a:font script="Syrc" typeface="Estrangelo Edessa"/>
+        <a:font script="Orya" typeface="Kalinga"/>
+        <a:font script="Mlym" typeface="Kartika"/>
+        <a:font script="Laoo" typeface="DokChampa"/>
+        <a:font script="Sinh" typeface="Iskoola Pota"/>
+        <a:font script="Mong" typeface="Mongolian Baiti"/>
+        <a:font script="Viet" typeface="Arial"/>
+        <a:font script="Uigh" typeface="Microsoft Uighur"/>
+        <a:font script="Geor" typeface="Sylfaen"/>
+        <a:font script="Armn" typeface="Arial"/>
+        <a:font script="Bugi" typeface="Leelawadee UI"/>
+        <a:font script="Bopo" typeface="Microsoft JhengHei"/>
+        <a:font script="Java" typeface="Javanese Text"/>
+        <a:font script="Lisu" typeface="Segoe UI"/>
+        <a:font script="Mymr" typeface="Myanmar Text"/>
+        <a:font script="Nkoo" typeface="Ebrima"/>
+        <a:font script="Olck" typeface="Nirmala UI"/>
+        <a:font script="Osma" typeface="Ebrima"/>
+        <a:font script="Phag" typeface="Phagspa"/>
+        <a:font script="Syrn" typeface="Estrangelo Edessa"/>
+        <a:font script="Syrj" typeface="Estrangelo Edessa"/>
+        <a:font script="Syre" typeface="Estrangelo Edessa"/>
+        <a:font script="Sora" typeface="Nirmala UI"/>
+        <a:font script="Tale" typeface="Microsoft Tai Le"/>
+        <a:font script="Talu" typeface="Microsoft New Tai Lue"/>
+        <a:font script="Tfng" typeface="Ebrima"/>
+      </a:minorFont>
+    </a:fontScheme>
+    <a:fmtScheme name="Office">
+      <a:fillStyleLst>
+        <a:solidFill>
+          <a:schemeClr val="phClr"/>
+        </a:solidFill>
+        <a:gradFill rotWithShape="1">
+          <a:gsLst>
+            <a:gs pos="0">
+              <a:schemeClr val="phClr">
+                <a:lumMod val="110000"/>
+                <a:satMod val="105000"/>
+                <a:tint val="67000"/>
+              </a:schemeClr>
+            </a:gs>
+            <a:gs pos="50000">
+              <a:schemeClr val="phClr">
+                <a:lumMod val="105000"/>
+                <a:satMod val="103000"/>
+                <a:tint val="73000"/>
+              </a:schemeClr>
+            </a:gs>
+            <a:gs pos="100000">
+              <a:schemeClr val="phClr">
+                <a:lumMod val="105000"/>
+                <a:satMod val="109000"/>
+                <a:tint val="81000"/>
+              </a:schemeClr>
+            </a:gs>
+          </a:gsLst>
+          <a:lin ang="5400000" scaled="0"/>
+        </a:gradFill>
+        <a:gradFill rotWithShape="1">
+          <a:gsLst>
+            <a:gs pos="0">
+              <a:schemeClr val="phClr">
+                <a:satMod val="103000"/>
+                <a:lumMod val="102000"/>
+                <a:tint val="94000"/>
+              </a:schemeClr>
+            </a:gs>
+            <a:gs pos="50000">
+              <a:schemeClr val="phClr">
+                <a:satMod val="110000"/>
+                <a:lumMod val="100000"/>
+                <a:shade val="100000"/>
+              </a:schemeClr>
+            </a:gs>
+            <a:gs pos="100000">
+              <a:schemeClr val="phClr">
+                <a:lumMod val="99000"/>
+                <a:satMod val="120000"/>
+                <a:shade val="78000"/>
+              </a:schemeClr>
+            </a:gs>
+          </a:gsLst>
+          <a:lin ang="5400000" scaled="0"/>
+        </a:gradFill>
+      </a:fillStyleLst>
+      <a:lnStyleLst>
+        <a:ln w="6350" cap="flat" cmpd="sng" algn="ctr">
+          <a:solidFill>
+            <a:schemeClr val="phClr"/>
+          </a:solidFill>
+          <a:prstDash val="solid"/>
+          <a:miter lim="800000"/>
+        </a:ln>
+        <a:ln w="12700" cap="flat" cmpd="sng" algn="ctr">
+          <a:solidFill>
+            <a:schemeClr val="phClr"/>
+          </a:solidFill>
+          <a:prstDash val="solid"/>
+          <a:miter lim="800000"/>
+        </a:ln>
+        <a:ln w="19050" cap="flat" cmpd="sng" algn="ctr">
+          <a:solidFill>
+            <a:schemeClr val="phClr"/>
+          </a:solidFill>
+          <a:prstDash val="solid"/>
+          <a:miter lim="800000"/>
+        </a:ln>
+      </a:lnStyleLst>
+      <a:effectStyleLst>
+        <a:effectStyle>
+          <a:effectLst/>
+        </a:effectStyle>
+        <a:effectStyle>
+          <a:effectLst/>
+        </a:effectStyle>
+        <a:effectStyle>
+          <a:effectLst>
+            <a:outerShdw blurRad="57150" dist="19050" dir="5400000" algn="ctr" rotWithShape="0">
+              <a:srgbClr val="000000">
+                <a:alpha val="63000"/>
+              </a:srgbClr>
+            </a:outerShdw>
+          </a:effectLst>
+        </a:effectStyle>
+      </a:effectStyleLst>
+      <a:bgFillStyleLst>
+        <a:solidFill>
+          <a:schemeClr val="phClr"/>
+        </a:solidFill>
+        <a:solidFill>
+          <a:schemeClr val="phClr">
+            <a:tint val="95000"/>
+            <a:satMod val="170000"/>
+          </a:schemeClr>
+        </a:solidFill>
+        <a:gradFill rotWithShape="1">
+          <a:gsLst>
+            <a:gs pos="0">
+              <a:schemeClr val="phClr">
+                <a:tint val="93000"/>
+                <a:satMod val="150000"/>
+                <a:shade val="98000"/>
+                <a:lumMod val="102000"/>
+              </a:schemeClr>
+            </a:gs>
+            <a:gs pos="50000">
+              <a:schemeClr val="phClr">
+                <a:tint val="98000"/>
+                <a:satMod val="130000"/>
+                <a:shade val="90000"/>
+                <a:lumMod val="103000"/>
+              </a:schemeClr>
+            </a:gs>
+            <a:gs pos="100000">
+              <a:schemeClr val="phClr">
+                <a:shade val="63000"/>
+                <a:satMod val="120000"/>
+              </a:schemeClr>
+            </a:gs>
+          </a:gsLst>
+          <a:lin ang="5400000" scaled="0"/>
+        </a:gradFill>
+      </a:bgFillStyleLst>
+    </a:fmtScheme>
+  </a:themeElements>
+  <a:objectDefaults/>
+  <a:extraClrSchemeLst/>
+  <a:extLst>
+    <a:ext uri="{05A4C25C-085E-4340-85A3-A5531E510DB2}">
+      <thm15:themeFamily xmlns:thm15="http://schemas.microsoft.com/office/thememl/2012/main" name="Office Theme" id="{62F939B6-93AF-4DB8-9C6B-D6C7DFDC589F}" vid="{4A3C46E8-61CC-4603-A589-7422A47A8E4A}"/>
+    </a:ext>
+  </a:extLst>
+</a:theme>
+</file>
+
+<file path=ppt/theme/theme2.xml><?xml version="1.0" encoding="utf-8"?>
 <a:theme xmlns:a="http://schemas.openxmlformats.org/drawingml/2006/main" name="Office Theme">
   <a:themeElements>
     <a:clrScheme name="Office">

--- a/Unit 3-4 Definitions.pptx
+++ b/Unit 3-4 Definitions.pptx
@@ -36,7 +36,7 @@
     <p:sldId id="289" r:id="rId30"/>
     <p:sldId id="290" r:id="rId31"/>
     <p:sldId id="280" r:id="rId32"/>
-    <p:sldId id="281" r:id="rId33"/>
+    <p:sldId id="294" r:id="rId33"/>
     <p:sldId id="291" r:id="rId34"/>
   </p:sldIdLst>
   <p:sldSz cx="12192000" cy="6858000"/>
@@ -159,7 +159,7 @@
 <file path=ppt/revisionInfo.xml><?xml version="1.0" encoding="utf-8"?>
 <p1510:revInfo xmlns:a="http://schemas.openxmlformats.org/drawingml/2006/main" xmlns:r="http://schemas.openxmlformats.org/officeDocument/2006/relationships" xmlns:p1510="http://schemas.microsoft.com/office/powerpoint/2015/10/main">
   <p1510:revLst>
-    <p1510:client id="{36668F78-20BC-4003-801C-8ACC5A4B6E0B}" v="53" dt="2021-03-20T19:46:25.548"/>
+    <p1510:client id="{36668F78-20BC-4003-801C-8ACC5A4B6E0B}" v="55" dt="2021-03-21T23:37:49.914"/>
   </p1510:revLst>
 </p1510:revInfo>
 </file>
@@ -169,7 +169,7 @@
   <pc:docChgLst>
     <pc:chgData name="Chen, Jeff" userId="9a3224f5-9893-4468-acd0-6d03119f890b" providerId="ADAL" clId="{36668F78-20BC-4003-801C-8ACC5A4B6E0B}"/>
     <pc:docChg chg="undo custSel addSld delSld modSld">
-      <pc:chgData name="Chen, Jeff" userId="9a3224f5-9893-4468-acd0-6d03119f890b" providerId="ADAL" clId="{36668F78-20BC-4003-801C-8ACC5A4B6E0B}" dt="2021-03-20T19:59:52.374" v="1623" actId="478"/>
+      <pc:chgData name="Chen, Jeff" userId="9a3224f5-9893-4468-acd0-6d03119f890b" providerId="ADAL" clId="{36668F78-20BC-4003-801C-8ACC5A4B6E0B}" dt="2021-03-21T23:38:02.781" v="1663" actId="2696"/>
       <pc:docMkLst>
         <pc:docMk/>
       </pc:docMkLst>
@@ -1201,8 +1201,8 @@
           </ac:cxnSpMkLst>
         </pc:cxnChg>
       </pc:sldChg>
-      <pc:sldChg chg="addSp modSp new mod setBg">
-        <pc:chgData name="Chen, Jeff" userId="9a3224f5-9893-4468-acd0-6d03119f890b" providerId="ADAL" clId="{36668F78-20BC-4003-801C-8ACC5A4B6E0B}" dt="2021-03-20T19:59:13.837" v="1617" actId="1076"/>
+      <pc:sldChg chg="addSp modSp new del mod setBg">
+        <pc:chgData name="Chen, Jeff" userId="9a3224f5-9893-4468-acd0-6d03119f890b" providerId="ADAL" clId="{36668F78-20BC-4003-801C-8ACC5A4B6E0B}" dt="2021-03-21T23:37:38.278" v="1643" actId="2696"/>
         <pc:sldMkLst>
           <pc:docMk/>
           <pc:sldMk cId="1278481759" sldId="281"/>
@@ -1728,13 +1728,13 @@
         </pc:picChg>
       </pc:sldChg>
       <pc:sldChg chg="addSp delSp modSp new mod setBg">
-        <pc:chgData name="Chen, Jeff" userId="9a3224f5-9893-4468-acd0-6d03119f890b" providerId="ADAL" clId="{36668F78-20BC-4003-801C-8ACC5A4B6E0B}" dt="2021-03-20T19:59:52.374" v="1623" actId="478"/>
+        <pc:chgData name="Chen, Jeff" userId="9a3224f5-9893-4468-acd0-6d03119f890b" providerId="ADAL" clId="{36668F78-20BC-4003-801C-8ACC5A4B6E0B}" dt="2021-03-21T23:37:02.903" v="1641" actId="1076"/>
         <pc:sldMkLst>
           <pc:docMk/>
           <pc:sldMk cId="1873168933" sldId="291"/>
         </pc:sldMkLst>
         <pc:spChg chg="mod">
-          <ac:chgData name="Chen, Jeff" userId="9a3224f5-9893-4468-acd0-6d03119f890b" providerId="ADAL" clId="{36668F78-20BC-4003-801C-8ACC5A4B6E0B}" dt="2021-03-20T19:59:40.148" v="1622" actId="26606"/>
+          <ac:chgData name="Chen, Jeff" userId="9a3224f5-9893-4468-acd0-6d03119f890b" providerId="ADAL" clId="{36668F78-20BC-4003-801C-8ACC5A4B6E0B}" dt="2021-03-21T23:36:59.939" v="1639" actId="20577"/>
           <ac:spMkLst>
             <pc:docMk/>
             <pc:sldMk cId="1873168933" sldId="291"/>
@@ -1765,6 +1765,14 @@
             <ac:spMk id="16" creationId="{7F57BEA8-497D-4AA8-8A18-BDCD696B25FE}"/>
           </ac:spMkLst>
         </pc:spChg>
+        <pc:picChg chg="add mod">
+          <ac:chgData name="Chen, Jeff" userId="9a3224f5-9893-4468-acd0-6d03119f890b" providerId="ADAL" clId="{36668F78-20BC-4003-801C-8ACC5A4B6E0B}" dt="2021-03-21T23:37:02.903" v="1641" actId="1076"/>
+          <ac:picMkLst>
+            <pc:docMk/>
+            <pc:sldMk cId="1873168933" sldId="291"/>
+            <ac:picMk id="4" creationId="{58535C4F-9E18-47DC-A559-1AF53A981F4B}"/>
+          </ac:picMkLst>
+        </pc:picChg>
         <pc:picChg chg="add del mod">
           <ac:chgData name="Chen, Jeff" userId="9a3224f5-9893-4468-acd0-6d03119f890b" providerId="ADAL" clId="{36668F78-20BC-4003-801C-8ACC5A4B6E0B}" dt="2021-03-20T19:59:52.374" v="1623" actId="478"/>
           <ac:picMkLst>
@@ -1805,12 +1813,65 @@
           <pc:sldMk cId="2513259099" sldId="291"/>
         </pc:sldMkLst>
       </pc:sldChg>
+      <pc:sldChg chg="new del">
+        <pc:chgData name="Chen, Jeff" userId="9a3224f5-9893-4468-acd0-6d03119f890b" providerId="ADAL" clId="{36668F78-20BC-4003-801C-8ACC5A4B6E0B}" dt="2021-03-21T23:38:02.781" v="1663" actId="2696"/>
+        <pc:sldMkLst>
+          <pc:docMk/>
+          <pc:sldMk cId="2135091753" sldId="292"/>
+        </pc:sldMkLst>
+      </pc:sldChg>
       <pc:sldChg chg="add del">
         <pc:chgData name="Chen, Jeff" userId="9a3224f5-9893-4468-acd0-6d03119f890b" providerId="ADAL" clId="{36668F78-20BC-4003-801C-8ACC5A4B6E0B}" dt="2021-03-20T19:46:51.458" v="1530" actId="47"/>
         <pc:sldMkLst>
           <pc:docMk/>
           <pc:sldMk cId="2799505585" sldId="292"/>
         </pc:sldMkLst>
+      </pc:sldChg>
+      <pc:sldChg chg="addSp delSp modSp new del mod">
+        <pc:chgData name="Chen, Jeff" userId="9a3224f5-9893-4468-acd0-6d03119f890b" providerId="ADAL" clId="{36668F78-20BC-4003-801C-8ACC5A4B6E0B}" dt="2021-03-21T23:38:00.791" v="1662" actId="2696"/>
+        <pc:sldMkLst>
+          <pc:docMk/>
+          <pc:sldMk cId="1080013906" sldId="293"/>
+        </pc:sldMkLst>
+        <pc:picChg chg="add del mod">
+          <ac:chgData name="Chen, Jeff" userId="9a3224f5-9893-4468-acd0-6d03119f890b" providerId="ADAL" clId="{36668F78-20BC-4003-801C-8ACC5A4B6E0B}" dt="2021-03-21T23:37:45.107" v="1646" actId="478"/>
+          <ac:picMkLst>
+            <pc:docMk/>
+            <pc:sldMk cId="1080013906" sldId="293"/>
+            <ac:picMk id="3" creationId="{7F828039-FCF8-443D-817D-38AE3F40CC78}"/>
+          </ac:picMkLst>
+        </pc:picChg>
+      </pc:sldChg>
+      <pc:sldChg chg="addSp delSp modSp add mod">
+        <pc:chgData name="Chen, Jeff" userId="9a3224f5-9893-4468-acd0-6d03119f890b" providerId="ADAL" clId="{36668F78-20BC-4003-801C-8ACC5A4B6E0B}" dt="2021-03-21T23:37:56.620" v="1661" actId="20577"/>
+        <pc:sldMkLst>
+          <pc:docMk/>
+          <pc:sldMk cId="1543148251" sldId="294"/>
+        </pc:sldMkLst>
+        <pc:spChg chg="mod">
+          <ac:chgData name="Chen, Jeff" userId="9a3224f5-9893-4468-acd0-6d03119f890b" providerId="ADAL" clId="{36668F78-20BC-4003-801C-8ACC5A4B6E0B}" dt="2021-03-21T23:37:56.620" v="1661" actId="20577"/>
+          <ac:spMkLst>
+            <pc:docMk/>
+            <pc:sldMk cId="1543148251" sldId="294"/>
+            <ac:spMk id="2" creationId="{D6CC1811-68D8-45EB-809A-07E60D9F7B18}"/>
+          </ac:spMkLst>
+        </pc:spChg>
+        <pc:picChg chg="del">
+          <ac:chgData name="Chen, Jeff" userId="9a3224f5-9893-4468-acd0-6d03119f890b" providerId="ADAL" clId="{36668F78-20BC-4003-801C-8ACC5A4B6E0B}" dt="2021-03-21T23:37:49.631" v="1648" actId="478"/>
+          <ac:picMkLst>
+            <pc:docMk/>
+            <pc:sldMk cId="1543148251" sldId="294"/>
+            <ac:picMk id="4" creationId="{0025ECA8-7F88-454B-9422-DACF137FB241}"/>
+          </ac:picMkLst>
+        </pc:picChg>
+        <pc:picChg chg="add mod">
+          <ac:chgData name="Chen, Jeff" userId="9a3224f5-9893-4468-acd0-6d03119f890b" providerId="ADAL" clId="{36668F78-20BC-4003-801C-8ACC5A4B6E0B}" dt="2021-03-21T23:37:52.682" v="1650" actId="1076"/>
+          <ac:picMkLst>
+            <pc:docMk/>
+            <pc:sldMk cId="1543148251" sldId="294"/>
+            <ac:picMk id="8" creationId="{9E07FB79-C622-460B-A0CF-86A584CEE794}"/>
+          </ac:picMkLst>
+        </pc:picChg>
       </pc:sldChg>
     </pc:docChg>
   </pc:docChgLst>
@@ -1899,7 +1960,7 @@
           <a:p>
             <a:fld id="{64FCA671-C320-437E-A846-70FE3A79CD3C}" type="datetimeFigureOut">
               <a:rPr lang="en-US" smtClean="0"/>
-              <a:t>3/20/2021</a:t>
+              <a:t>3/21/2021</a:t>
             </a:fld>
             <a:endParaRPr lang="en-US"/>
           </a:p>
@@ -2313,7 +2374,7 @@
           <a:p>
             <a:fld id="{30D69E17-F306-4E08-9522-67EEF85B89F0}" type="datetimeFigureOut">
               <a:rPr lang="en-US" smtClean="0"/>
-              <a:t>3/20/2021</a:t>
+              <a:t>3/21/2021</a:t>
             </a:fld>
             <a:endParaRPr lang="en-US"/>
           </a:p>
@@ -2511,7 +2572,7 @@
           <a:p>
             <a:fld id="{30D69E17-F306-4E08-9522-67EEF85B89F0}" type="datetimeFigureOut">
               <a:rPr lang="en-US" smtClean="0"/>
-              <a:t>3/20/2021</a:t>
+              <a:t>3/21/2021</a:t>
             </a:fld>
             <a:endParaRPr lang="en-US"/>
           </a:p>
@@ -2719,7 +2780,7 @@
           <a:p>
             <a:fld id="{30D69E17-F306-4E08-9522-67EEF85B89F0}" type="datetimeFigureOut">
               <a:rPr lang="en-US" smtClean="0"/>
-              <a:t>3/20/2021</a:t>
+              <a:t>3/21/2021</a:t>
             </a:fld>
             <a:endParaRPr lang="en-US"/>
           </a:p>
@@ -2917,7 +2978,7 @@
           <a:p>
             <a:fld id="{30D69E17-F306-4E08-9522-67EEF85B89F0}" type="datetimeFigureOut">
               <a:rPr lang="en-US" smtClean="0"/>
-              <a:t>3/20/2021</a:t>
+              <a:t>3/21/2021</a:t>
             </a:fld>
             <a:endParaRPr lang="en-US"/>
           </a:p>
@@ -3192,7 +3253,7 @@
           <a:p>
             <a:fld id="{30D69E17-F306-4E08-9522-67EEF85B89F0}" type="datetimeFigureOut">
               <a:rPr lang="en-US" smtClean="0"/>
-              <a:t>3/20/2021</a:t>
+              <a:t>3/21/2021</a:t>
             </a:fld>
             <a:endParaRPr lang="en-US"/>
           </a:p>
@@ -3457,7 +3518,7 @@
           <a:p>
             <a:fld id="{30D69E17-F306-4E08-9522-67EEF85B89F0}" type="datetimeFigureOut">
               <a:rPr lang="en-US" smtClean="0"/>
-              <a:t>3/20/2021</a:t>
+              <a:t>3/21/2021</a:t>
             </a:fld>
             <a:endParaRPr lang="en-US"/>
           </a:p>
@@ -3869,7 +3930,7 @@
           <a:p>
             <a:fld id="{30D69E17-F306-4E08-9522-67EEF85B89F0}" type="datetimeFigureOut">
               <a:rPr lang="en-US" smtClean="0"/>
-              <a:t>3/20/2021</a:t>
+              <a:t>3/21/2021</a:t>
             </a:fld>
             <a:endParaRPr lang="en-US"/>
           </a:p>
@@ -4010,7 +4071,7 @@
           <a:p>
             <a:fld id="{30D69E17-F306-4E08-9522-67EEF85B89F0}" type="datetimeFigureOut">
               <a:rPr lang="en-US" smtClean="0"/>
-              <a:t>3/20/2021</a:t>
+              <a:t>3/21/2021</a:t>
             </a:fld>
             <a:endParaRPr lang="en-US"/>
           </a:p>
@@ -4123,7 +4184,7 @@
           <a:p>
             <a:fld id="{30D69E17-F306-4E08-9522-67EEF85B89F0}" type="datetimeFigureOut">
               <a:rPr lang="en-US" smtClean="0"/>
-              <a:t>3/20/2021</a:t>
+              <a:t>3/21/2021</a:t>
             </a:fld>
             <a:endParaRPr lang="en-US"/>
           </a:p>
@@ -4434,7 +4495,7 @@
           <a:p>
             <a:fld id="{30D69E17-F306-4E08-9522-67EEF85B89F0}" type="datetimeFigureOut">
               <a:rPr lang="en-US" smtClean="0"/>
-              <a:t>3/20/2021</a:t>
+              <a:t>3/21/2021</a:t>
             </a:fld>
             <a:endParaRPr lang="en-US"/>
           </a:p>
@@ -4722,7 +4783,7 @@
           <a:p>
             <a:fld id="{30D69E17-F306-4E08-9522-67EEF85B89F0}" type="datetimeFigureOut">
               <a:rPr lang="en-US" smtClean="0"/>
-              <a:t>3/20/2021</a:t>
+              <a:t>3/21/2021</a:t>
             </a:fld>
             <a:endParaRPr lang="en-US"/>
           </a:p>
@@ -4963,7 +5024,7 @@
           <a:p>
             <a:fld id="{30D69E17-F306-4E08-9522-67EEF85B89F0}" type="datetimeFigureOut">
               <a:rPr lang="en-US" smtClean="0"/>
-              <a:t>3/20/2021</a:t>
+              <a:t>3/21/2021</a:t>
             </a:fld>
             <a:endParaRPr lang="en-US"/>
           </a:p>
@@ -15739,12 +15800,67 @@
           <a:chExt cx="0" cy="0"/>
         </a:xfrm>
       </p:grpSpPr>
+      <p:cxnSp>
+        <p:nvCxnSpPr>
+          <p:cNvPr id="12" name="Straight Connector 8">
+            <a:extLst>
+              <a:ext uri="{FF2B5EF4-FFF2-40B4-BE49-F238E27FC236}">
+                <a16:creationId xmlns:a16="http://schemas.microsoft.com/office/drawing/2014/main" id="{D2E961F1-4A28-4A5F-BBD4-6E400E5E6C75}"/>
+              </a:ext>
+              <a:ext uri="{C183D7F6-B498-43B3-948B-1728B52AA6E4}">
+                <adec:decorative xmlns:adec="http://schemas.microsoft.com/office/drawing/2017/decorative" val="1"/>
+              </a:ext>
+            </a:extLst>
+          </p:cNvPr>
+          <p:cNvCxnSpPr>
+            <a:cxnSpLocks noGrp="1" noRot="1" noChangeAspect="1" noMove="1" noResize="1" noEditPoints="1" noAdjustHandles="1" noChangeArrowheads="1" noChangeShapeType="1"/>
+          </p:cNvCxnSpPr>
+          <p:nvPr>
+            <p:extLst>
+              <p:ext uri="{386F3935-93C4-4BCD-93E2-E3B085C9AB24}">
+                <p16:designElem xmlns:p16="http://schemas.microsoft.com/office/powerpoint/2015/main" val="1"/>
+              </p:ext>
+            </p:extLst>
+          </p:nvPr>
+        </p:nvCxnSpPr>
+        <p:spPr bwMode="white">
+          <a:xfrm>
+            <a:off x="0" y="272357"/>
+            <a:ext cx="12188824" cy="0"/>
+          </a:xfrm>
+          <a:prstGeom prst="line">
+            <a:avLst/>
+          </a:prstGeom>
+          <a:ln w="50800">
+            <a:solidFill>
+              <a:schemeClr val="tx1">
+                <a:lumMod val="75000"/>
+                <a:lumOff val="25000"/>
+              </a:schemeClr>
+            </a:solidFill>
+          </a:ln>
+        </p:spPr>
+        <p:style>
+          <a:lnRef idx="1">
+            <a:schemeClr val="accent1"/>
+          </a:lnRef>
+          <a:fillRef idx="0">
+            <a:schemeClr val="accent1"/>
+          </a:fillRef>
+          <a:effectRef idx="0">
+            <a:schemeClr val="accent1"/>
+          </a:effectRef>
+          <a:fontRef idx="minor">
+            <a:schemeClr val="tx1"/>
+          </a:fontRef>
+        </p:style>
+      </p:cxnSp>
       <p:sp>
         <p:nvSpPr>
-          <p:cNvPr id="9" name="Rectangle 8">
-            <a:extLst>
-              <a:ext uri="{FF2B5EF4-FFF2-40B4-BE49-F238E27FC236}">
-                <a16:creationId xmlns:a16="http://schemas.microsoft.com/office/drawing/2014/main" id="{1045B59B-615E-4718-A150-42DE5D03E1C8}"/>
+          <p:cNvPr id="11" name="Rectangle 10">
+            <a:extLst>
+              <a:ext uri="{FF2B5EF4-FFF2-40B4-BE49-F238E27FC236}">
+                <a16:creationId xmlns:a16="http://schemas.microsoft.com/office/drawing/2014/main" id="{7F57BEA8-497D-4AA8-8A18-BDCD696B25FE}"/>
               </a:ext>
               <a:ext uri="{C183D7F6-B498-43B3-948B-1728B52AA6E4}">
                 <adec:decorative xmlns:adec="http://schemas.microsoft.com/office/drawing/2017/decorative" val="1"/>
@@ -15764,14 +15880,17 @@
         </p:nvSpPr>
         <p:spPr>
           <a:xfrm>
-            <a:off x="0" y="0"/>
-            <a:ext cx="12192000" cy="6858000"/>
+            <a:off x="0" y="368596"/>
+            <a:ext cx="12192000" cy="1735555"/>
           </a:xfrm>
           <a:prstGeom prst="rect">
             <a:avLst/>
           </a:prstGeom>
           <a:solidFill>
-            <a:srgbClr val="FFFFFF"/>
+            <a:schemeClr val="tx1">
+              <a:lumMod val="75000"/>
+              <a:lumOff val="25000"/>
+            </a:schemeClr>
           </a:solidFill>
           <a:ln>
             <a:noFill/>
@@ -15804,73 +15923,10 @@
       </p:sp>
       <p:sp>
         <p:nvSpPr>
-          <p:cNvPr id="11" name="Rectangle 10">
-            <a:extLst>
-              <a:ext uri="{FF2B5EF4-FFF2-40B4-BE49-F238E27FC236}">
-                <a16:creationId xmlns:a16="http://schemas.microsoft.com/office/drawing/2014/main" id="{D6CF29CD-38B8-4924-BA11-6D60517487EF}"/>
-              </a:ext>
-              <a:ext uri="{C183D7F6-B498-43B3-948B-1728B52AA6E4}">
-                <adec:decorative xmlns:adec="http://schemas.microsoft.com/office/drawing/2017/decorative" val="1"/>
-              </a:ext>
-            </a:extLst>
-          </p:cNvPr>
-          <p:cNvSpPr>
-            <a:spLocks noGrp="1" noRot="1" noChangeAspect="1" noMove="1" noResize="1" noEditPoints="1" noAdjustHandles="1" noChangeArrowheads="1" noChangeShapeType="1" noTextEdit="1"/>
-          </p:cNvSpPr>
-          <p:nvPr>
-            <p:extLst>
-              <p:ext uri="{386F3935-93C4-4BCD-93E2-E3B085C9AB24}">
-                <p16:designElem xmlns:p16="http://schemas.microsoft.com/office/powerpoint/2015/main" val="1"/>
-              </p:ext>
-            </p:extLst>
-          </p:nvPr>
-        </p:nvSpPr>
-        <p:spPr>
-          <a:xfrm>
-            <a:off x="0" y="0"/>
-            <a:ext cx="12192000" cy="2615184"/>
-          </a:xfrm>
-          <a:prstGeom prst="rect">
-            <a:avLst/>
-          </a:prstGeom>
-          <a:solidFill>
-            <a:srgbClr val="404040"/>
-          </a:solidFill>
-          <a:ln>
-            <a:noFill/>
-          </a:ln>
-        </p:spPr>
-        <p:style>
-          <a:lnRef idx="2">
-            <a:schemeClr val="accent1">
-              <a:shade val="50000"/>
-            </a:schemeClr>
-          </a:lnRef>
-          <a:fillRef idx="1">
-            <a:schemeClr val="accent1"/>
-          </a:fillRef>
-          <a:effectRef idx="0">
-            <a:schemeClr val="accent1"/>
-          </a:effectRef>
-          <a:fontRef idx="minor">
-            <a:schemeClr val="lt1"/>
-          </a:fontRef>
-        </p:style>
-        <p:txBody>
-          <a:bodyPr rtlCol="0" anchor="ctr"/>
-          <a:lstStyle/>
-          <a:p>
-            <a:pPr algn="ctr"/>
-            <a:endParaRPr lang="en-US"/>
-          </a:p>
-        </p:txBody>
-      </p:sp>
-      <p:sp>
-        <p:nvSpPr>
           <p:cNvPr id="2" name="Title 1">
             <a:extLst>
               <a:ext uri="{FF2B5EF4-FFF2-40B4-BE49-F238E27FC236}">
-                <a16:creationId xmlns:a16="http://schemas.microsoft.com/office/drawing/2014/main" id="{FAC7198A-9916-43EA-AC07-149C5F052B8E}"/>
+                <a16:creationId xmlns:a16="http://schemas.microsoft.com/office/drawing/2014/main" id="{D6CC1811-68D8-45EB-809A-07E60D9F7B18}"/>
               </a:ext>
             </a:extLst>
           </p:cNvPr>
@@ -15883,8 +15939,8 @@
         </p:nvSpPr>
         <p:spPr>
           <a:xfrm>
-            <a:off x="707011" y="365760"/>
-            <a:ext cx="10765410" cy="1207269"/>
+            <a:off x="526073" y="489439"/>
+            <a:ext cx="11139854" cy="930447"/>
           </a:xfrm>
         </p:spPr>
         <p:txBody>
@@ -15895,9 +15951,9 @@
           <a:p>
             <a:pPr algn="ctr"/>
             <a:r>
-              <a:rPr lang="en-US" sz="6000" kern="1200" dirty="0">
+              <a:rPr lang="en-US" sz="5400" kern="1200" dirty="0">
                 <a:solidFill>
-                  <a:srgbClr val="FFFFFF"/>
+                  <a:schemeClr val="bg1"/>
                 </a:solidFill>
                 <a:latin typeface="+mj-lt"/>
                 <a:ea typeface="+mj-ea"/>
@@ -15908,12 +15964,121 @@
           </a:p>
         </p:txBody>
       </p:sp>
+      <p:cxnSp>
+        <p:nvCxnSpPr>
+          <p:cNvPr id="13" name="Straight Connector 12">
+            <a:extLst>
+              <a:ext uri="{FF2B5EF4-FFF2-40B4-BE49-F238E27FC236}">
+                <a16:creationId xmlns:a16="http://schemas.microsoft.com/office/drawing/2014/main" id="{A82415D3-DDE5-4D63-8CB3-23A5EC581B27}"/>
+              </a:ext>
+              <a:ext uri="{C183D7F6-B498-43B3-948B-1728B52AA6E4}">
+                <adec:decorative xmlns:adec="http://schemas.microsoft.com/office/drawing/2017/decorative" val="1"/>
+              </a:ext>
+            </a:extLst>
+          </p:cNvPr>
+          <p:cNvCxnSpPr>
+            <a:cxnSpLocks noGrp="1" noRot="1" noChangeAspect="1" noMove="1" noResize="1" noEditPoints="1" noAdjustHandles="1" noChangeArrowheads="1" noChangeShapeType="1"/>
+          </p:cNvCxnSpPr>
+          <p:nvPr>
+            <p:extLst>
+              <p:ext uri="{386F3935-93C4-4BCD-93E2-E3B085C9AB24}">
+                <p16:designElem xmlns:p16="http://schemas.microsoft.com/office/powerpoint/2015/main" val="1"/>
+              </p:ext>
+            </p:extLst>
+          </p:nvPr>
+        </p:nvCxnSpPr>
+        <p:spPr>
+          <a:xfrm>
+            <a:off x="4724400" y="1479733"/>
+            <a:ext cx="2743200" cy="0"/>
+          </a:xfrm>
+          <a:prstGeom prst="line">
+            <a:avLst/>
+          </a:prstGeom>
+          <a:ln w="19050">
+            <a:solidFill>
+              <a:schemeClr val="bg1">
+                <a:alpha val="75000"/>
+              </a:schemeClr>
+            </a:solidFill>
+          </a:ln>
+        </p:spPr>
+        <p:style>
+          <a:lnRef idx="1">
+            <a:schemeClr val="accent1"/>
+          </a:lnRef>
+          <a:fillRef idx="0">
+            <a:schemeClr val="accent1"/>
+          </a:fillRef>
+          <a:effectRef idx="0">
+            <a:schemeClr val="accent1"/>
+          </a:effectRef>
+          <a:fontRef idx="minor">
+            <a:schemeClr val="tx1"/>
+          </a:fontRef>
+        </p:style>
+      </p:cxnSp>
+      <p:cxnSp>
+        <p:nvCxnSpPr>
+          <p:cNvPr id="15" name="Straight Connector 14">
+            <a:extLst>
+              <a:ext uri="{FF2B5EF4-FFF2-40B4-BE49-F238E27FC236}">
+                <a16:creationId xmlns:a16="http://schemas.microsoft.com/office/drawing/2014/main" id="{AD7193FB-6AE6-4B3B-8F89-56B55DD63B4D}"/>
+              </a:ext>
+              <a:ext uri="{C183D7F6-B498-43B3-948B-1728B52AA6E4}">
+                <adec:decorative xmlns:adec="http://schemas.microsoft.com/office/drawing/2017/decorative" val="1"/>
+              </a:ext>
+            </a:extLst>
+          </p:cNvPr>
+          <p:cNvCxnSpPr>
+            <a:cxnSpLocks noGrp="1" noRot="1" noChangeAspect="1" noMove="1" noResize="1" noEditPoints="1" noAdjustHandles="1" noChangeArrowheads="1" noChangeShapeType="1"/>
+          </p:cNvCxnSpPr>
+          <p:nvPr>
+            <p:extLst>
+              <p:ext uri="{386F3935-93C4-4BCD-93E2-E3B085C9AB24}">
+                <p16:designElem xmlns:p16="http://schemas.microsoft.com/office/powerpoint/2015/main" val="1"/>
+              </p:ext>
+            </p:extLst>
+          </p:nvPr>
+        </p:nvCxnSpPr>
+        <p:spPr bwMode="white">
+          <a:xfrm>
+            <a:off x="0" y="2201402"/>
+            <a:ext cx="12188824" cy="0"/>
+          </a:xfrm>
+          <a:prstGeom prst="line">
+            <a:avLst/>
+          </a:prstGeom>
+          <a:ln w="50800">
+            <a:solidFill>
+              <a:schemeClr val="tx1">
+                <a:lumMod val="75000"/>
+                <a:lumOff val="25000"/>
+              </a:schemeClr>
+            </a:solidFill>
+          </a:ln>
+        </p:spPr>
+        <p:style>
+          <a:lnRef idx="1">
+            <a:schemeClr val="accent1"/>
+          </a:lnRef>
+          <a:fillRef idx="0">
+            <a:schemeClr val="accent1"/>
+          </a:fillRef>
+          <a:effectRef idx="0">
+            <a:schemeClr val="accent1"/>
+          </a:effectRef>
+          <a:fontRef idx="minor">
+            <a:schemeClr val="tx1"/>
+          </a:fontRef>
+        </p:style>
+      </p:cxnSp>
       <p:pic>
         <p:nvPicPr>
-          <p:cNvPr id="4" name="Picture 3">
-            <a:extLst>
-              <a:ext uri="{FF2B5EF4-FFF2-40B4-BE49-F238E27FC236}">
-                <a16:creationId xmlns:a16="http://schemas.microsoft.com/office/drawing/2014/main" id="{23385CA5-1984-450A-BA69-6B2CE687E97C}"/>
+          <p:cNvPr id="8" name="Picture 7">
+            <a:extLst>
+              <a:ext uri="{FF2B5EF4-FFF2-40B4-BE49-F238E27FC236}">
+                <a16:creationId xmlns:a16="http://schemas.microsoft.com/office/drawing/2014/main" id="{9E07FB79-C622-460B-A0CF-86A584CEE794}"/>
               </a:ext>
             </a:extLst>
           </p:cNvPr>
@@ -15930,7 +16095,7 @@
         </p:blipFill>
         <p:spPr>
           <a:xfrm>
-            <a:off x="638980" y="4242817"/>
+            <a:off x="643676" y="3755137"/>
             <a:ext cx="10901471" cy="1335429"/>
           </a:xfrm>
           <a:prstGeom prst="rect">
@@ -15941,7 +16106,7 @@
     </p:spTree>
     <p:extLst>
       <p:ext uri="{BB962C8B-B14F-4D97-AF65-F5344CB8AC3E}">
-        <p14:creationId xmlns:p14="http://schemas.microsoft.com/office/powerpoint/2010/main" val="1278481759"/>
+        <p14:creationId xmlns:p14="http://schemas.microsoft.com/office/powerpoint/2010/main" val="1543148251"/>
       </p:ext>
     </p:extLst>
   </p:cSld>
@@ -16640,14 +16805,17 @@
           <a:lstStyle/>
           <a:p>
             <a:pPr algn="ctr"/>
-            <a:endParaRPr lang="en-US" sz="5400" kern="1200" dirty="0">
-              <a:solidFill>
-                <a:schemeClr val="bg1"/>
-              </a:solidFill>
-              <a:latin typeface="+mj-lt"/>
-              <a:ea typeface="+mj-ea"/>
-              <a:cs typeface="+mj-cs"/>
-            </a:endParaRPr>
+            <a:r>
+              <a:rPr lang="en-US" sz="5400" kern="1200" dirty="0">
+                <a:solidFill>
+                  <a:schemeClr val="bg1"/>
+                </a:solidFill>
+                <a:latin typeface="+mj-lt"/>
+                <a:ea typeface="+mj-ea"/>
+                <a:cs typeface="+mj-cs"/>
+              </a:rPr>
+              <a:t>Eigenspace</a:t>
+            </a:r>
           </a:p>
         </p:txBody>
       </p:sp>
@@ -16760,6 +16928,36 @@
           </a:fontRef>
         </p:style>
       </p:cxnSp>
+      <p:pic>
+        <p:nvPicPr>
+          <p:cNvPr id="4" name="Picture 3">
+            <a:extLst>
+              <a:ext uri="{FF2B5EF4-FFF2-40B4-BE49-F238E27FC236}">
+                <a16:creationId xmlns:a16="http://schemas.microsoft.com/office/drawing/2014/main" id="{58535C4F-9E18-47DC-A559-1AF53A981F4B}"/>
+              </a:ext>
+            </a:extLst>
+          </p:cNvPr>
+          <p:cNvPicPr>
+            <a:picLocks noChangeAspect="1"/>
+          </p:cNvPicPr>
+          <p:nvPr/>
+        </p:nvPicPr>
+        <p:blipFill>
+          <a:blip r:embed="rId2"/>
+          <a:stretch>
+            <a:fillRect/>
+          </a:stretch>
+        </p:blipFill>
+        <p:spPr>
+          <a:xfrm>
+            <a:off x="1331912" y="2564789"/>
+            <a:ext cx="9525000" cy="2924175"/>
+          </a:xfrm>
+          <a:prstGeom prst="rect">
+            <a:avLst/>
+          </a:prstGeom>
+        </p:spPr>
+      </p:pic>
     </p:spTree>
     <p:extLst>
       <p:ext uri="{BB962C8B-B14F-4D97-AF65-F5344CB8AC3E}">
@@ -20230,6 +20428,12 @@
 </file>
 
 <file path=customXml/item2.xml><?xml version="1.0" encoding="utf-8"?>
+<p:properties xmlns:p="http://schemas.microsoft.com/office/2006/metadata/properties" xmlns:xsi="http://www.w3.org/2001/XMLSchema-instance" xmlns:pc="http://schemas.microsoft.com/office/infopath/2007/PartnerControls">
+  <documentManagement/>
+</p:properties>
+</file>
+
+<file path=customXml/item3.xml><?xml version="1.0" encoding="utf-8"?>
 <ct:contentTypeSchema xmlns:ct="http://schemas.microsoft.com/office/2006/metadata/contentType" xmlns:ma="http://schemas.microsoft.com/office/2006/metadata/properties/metaAttributes" ct:_="" ma:_="" ma:contentTypeName="Document" ma:contentTypeID="0x010100C7DE497FA346CD49B765B54AB6A367B5" ma:contentTypeVersion="4" ma:contentTypeDescription="Create a new document." ma:contentTypeScope="" ma:versionID="a3a5beb513839eaa00abdd1d143a0caa">
   <xsd:schema xmlns:xsd="http://www.w3.org/2001/XMLSchema" xmlns:xs="http://www.w3.org/2001/XMLSchema" xmlns:p="http://schemas.microsoft.com/office/2006/metadata/properties" xmlns:ns3="d9c5c803-e33e-4c61-8351-da4c9b99ae39" targetNamespace="http://schemas.microsoft.com/office/2006/metadata/properties" ma:root="true" ma:fieldsID="d1dcafc5a49a936c7c338c09e0f70733" ns3:_="">
     <xsd:import namespace="d9c5c803-e33e-4c61-8351-da4c9b99ae39"/>
@@ -20375,12 +20579,6 @@
 </ct:contentTypeSchema>
 </file>
 
-<file path=customXml/item3.xml><?xml version="1.0" encoding="utf-8"?>
-<p:properties xmlns:p="http://schemas.microsoft.com/office/2006/metadata/properties" xmlns:xsi="http://www.w3.org/2001/XMLSchema-instance" xmlns:pc="http://schemas.microsoft.com/office/infopath/2007/PartnerControls">
-  <documentManagement/>
-</p:properties>
-</file>
-
 <file path=customXml/itemProps1.xml><?xml version="1.0" encoding="utf-8"?>
 <ds:datastoreItem xmlns:ds="http://schemas.openxmlformats.org/officeDocument/2006/customXml" ds:itemID="{788A8AF5-6005-42B8-9390-76AF2D70382B}">
   <ds:schemaRefs>
@@ -20390,6 +20588,22 @@
 </file>
 
 <file path=customXml/itemProps2.xml><?xml version="1.0" encoding="utf-8"?>
+<ds:datastoreItem xmlns:ds="http://schemas.openxmlformats.org/officeDocument/2006/customXml" ds:itemID="{C9AD7C4E-BA28-4BF5-9FA0-ADBD3510DAA2}">
+  <ds:schemaRefs>
+    <ds:schemaRef ds:uri="http://schemas.openxmlformats.org/package/2006/metadata/core-properties"/>
+    <ds:schemaRef ds:uri="http://purl.org/dc/terms/"/>
+    <ds:schemaRef ds:uri="http://purl.org/dc/dcmitype/"/>
+    <ds:schemaRef ds:uri="http://schemas.microsoft.com/office/2006/metadata/properties"/>
+    <ds:schemaRef ds:uri="d9c5c803-e33e-4c61-8351-da4c9b99ae39"/>
+    <ds:schemaRef ds:uri="http://schemas.microsoft.com/office/infopath/2007/PartnerControls"/>
+    <ds:schemaRef ds:uri="http://schemas.microsoft.com/office/2006/documentManagement/types"/>
+    <ds:schemaRef ds:uri="http://www.w3.org/XML/1998/namespace"/>
+    <ds:schemaRef ds:uri="http://purl.org/dc/elements/1.1/"/>
+  </ds:schemaRefs>
+</ds:datastoreItem>
+</file>
+
+<file path=customXml/itemProps3.xml><?xml version="1.0" encoding="utf-8"?>
 <ds:datastoreItem xmlns:ds="http://schemas.openxmlformats.org/officeDocument/2006/customXml" ds:itemID="{860A12EA-1FBB-4771-8A81-B60441D360B1}">
   <ds:schemaRefs>
     <ds:schemaRef ds:uri="http://schemas.microsoft.com/office/2006/metadata/contentType"/>
@@ -20405,20 +20619,4 @@
     <ds:schemaRef ds:uri="http://schemas.microsoft.com/internal/obd"/>
   </ds:schemaRefs>
 </ds:datastoreItem>
-</file>
-
-<file path=customXml/itemProps3.xml><?xml version="1.0" encoding="utf-8"?>
-<ds:datastoreItem xmlns:ds="http://schemas.openxmlformats.org/officeDocument/2006/customXml" ds:itemID="{C9AD7C4E-BA28-4BF5-9FA0-ADBD3510DAA2}">
-  <ds:schemaRefs>
-    <ds:schemaRef ds:uri="http://schemas.openxmlformats.org/package/2006/metadata/core-properties"/>
-    <ds:schemaRef ds:uri="http://purl.org/dc/terms/"/>
-    <ds:schemaRef ds:uri="http://purl.org/dc/dcmitype/"/>
-    <ds:schemaRef ds:uri="http://schemas.microsoft.com/office/2006/metadata/properties"/>
-    <ds:schemaRef ds:uri="d9c5c803-e33e-4c61-8351-da4c9b99ae39"/>
-    <ds:schemaRef ds:uri="http://schemas.microsoft.com/office/infopath/2007/PartnerControls"/>
-    <ds:schemaRef ds:uri="http://schemas.microsoft.com/office/2006/documentManagement/types"/>
-    <ds:schemaRef ds:uri="http://www.w3.org/XML/1998/namespace"/>
-    <ds:schemaRef ds:uri="http://purl.org/dc/elements/1.1/"/>
-  </ds:schemaRefs>
-</ds:datastoreItem>
 </file>
--- a/Unit 3-4 Definitions.pptx
+++ b/Unit 3-4 Definitions.pptx
@@ -5,7 +5,7 @@
     <p:sldMasterId id="2147483648" r:id="rId4"/>
   </p:sldMasterIdLst>
   <p:notesMasterIdLst>
-    <p:notesMasterId r:id="rId35"/>
+    <p:notesMasterId r:id="rId38"/>
   </p:notesMasterIdLst>
   <p:sldIdLst>
     <p:sldId id="256" r:id="rId5"/>
@@ -38,6 +38,9 @@
     <p:sldId id="280" r:id="rId32"/>
     <p:sldId id="294" r:id="rId33"/>
     <p:sldId id="291" r:id="rId34"/>
+    <p:sldId id="296" r:id="rId35"/>
+    <p:sldId id="298" r:id="rId36"/>
+    <p:sldId id="299" r:id="rId37"/>
   </p:sldIdLst>
   <p:sldSz cx="12192000" cy="6858000"/>
   <p:notesSz cx="6858000" cy="9144000"/>
@@ -159,7 +162,7 @@
 <file path=ppt/revisionInfo.xml><?xml version="1.0" encoding="utf-8"?>
 <p1510:revInfo xmlns:a="http://schemas.openxmlformats.org/drawingml/2006/main" xmlns:r="http://schemas.openxmlformats.org/officeDocument/2006/relationships" xmlns:p1510="http://schemas.microsoft.com/office/powerpoint/2015/10/main">
   <p1510:revLst>
-    <p1510:client id="{36668F78-20BC-4003-801C-8ACC5A4B6E0B}" v="55" dt="2021-03-21T23:37:49.914"/>
+    <p1510:client id="{36668F78-20BC-4003-801C-8ACC5A4B6E0B}" v="56" dt="2021-03-29T00:20:14.058"/>
   </p1510:revLst>
 </p1510:revInfo>
 </file>
@@ -169,7 +172,7 @@
   <pc:docChgLst>
     <pc:chgData name="Chen, Jeff" userId="9a3224f5-9893-4468-acd0-6d03119f890b" providerId="ADAL" clId="{36668F78-20BC-4003-801C-8ACC5A4B6E0B}"/>
     <pc:docChg chg="undo custSel addSld delSld modSld">
-      <pc:chgData name="Chen, Jeff" userId="9a3224f5-9893-4468-acd0-6d03119f890b" providerId="ADAL" clId="{36668F78-20BC-4003-801C-8ACC5A4B6E0B}" dt="2021-03-21T23:38:02.781" v="1663" actId="2696"/>
+      <pc:chgData name="Chen, Jeff" userId="9a3224f5-9893-4468-acd0-6d03119f890b" providerId="ADAL" clId="{36668F78-20BC-4003-801C-8ACC5A4B6E0B}" dt="2021-03-29T00:24:44.795" v="1775" actId="2696"/>
       <pc:docMkLst>
         <pc:docMk/>
       </pc:docMkLst>
@@ -1873,6 +1876,144 @@
           </ac:picMkLst>
         </pc:picChg>
       </pc:sldChg>
+      <pc:sldChg chg="addSp modSp new del mod">
+        <pc:chgData name="Chen, Jeff" userId="9a3224f5-9893-4468-acd0-6d03119f890b" providerId="ADAL" clId="{36668F78-20BC-4003-801C-8ACC5A4B6E0B}" dt="2021-03-29T00:24:44.795" v="1775" actId="2696"/>
+        <pc:sldMkLst>
+          <pc:docMk/>
+          <pc:sldMk cId="3693404105" sldId="295"/>
+        </pc:sldMkLst>
+        <pc:spChg chg="mod">
+          <ac:chgData name="Chen, Jeff" userId="9a3224f5-9893-4468-acd0-6d03119f890b" providerId="ADAL" clId="{36668F78-20BC-4003-801C-8ACC5A4B6E0B}" dt="2021-03-29T00:19:49.754" v="1696" actId="20577"/>
+          <ac:spMkLst>
+            <pc:docMk/>
+            <pc:sldMk cId="3693404105" sldId="295"/>
+            <ac:spMk id="2" creationId="{6DBA35D1-0317-4AC4-B267-6634D2ACD124}"/>
+          </ac:spMkLst>
+        </pc:spChg>
+        <pc:picChg chg="add">
+          <ac:chgData name="Chen, Jeff" userId="9a3224f5-9893-4468-acd0-6d03119f890b" providerId="ADAL" clId="{36668F78-20BC-4003-801C-8ACC5A4B6E0B}" dt="2021-03-29T00:19:36.372" v="1665" actId="22"/>
+          <ac:picMkLst>
+            <pc:docMk/>
+            <pc:sldMk cId="3693404105" sldId="295"/>
+            <ac:picMk id="4" creationId="{7BC1B73C-CC81-414C-94B6-6E3E2FCEFD7D}"/>
+          </ac:picMkLst>
+        </pc:picChg>
+      </pc:sldChg>
+      <pc:sldChg chg="addSp delSp modSp add mod">
+        <pc:chgData name="Chen, Jeff" userId="9a3224f5-9893-4468-acd0-6d03119f890b" providerId="ADAL" clId="{36668F78-20BC-4003-801C-8ACC5A4B6E0B}" dt="2021-03-29T00:20:16.945" v="1731" actId="1076"/>
+        <pc:sldMkLst>
+          <pc:docMk/>
+          <pc:sldMk cId="4080796444" sldId="296"/>
+        </pc:sldMkLst>
+        <pc:spChg chg="mod">
+          <ac:chgData name="Chen, Jeff" userId="9a3224f5-9893-4468-acd0-6d03119f890b" providerId="ADAL" clId="{36668F78-20BC-4003-801C-8ACC5A4B6E0B}" dt="2021-03-29T00:20:09.326" v="1728" actId="20577"/>
+          <ac:spMkLst>
+            <pc:docMk/>
+            <pc:sldMk cId="4080796444" sldId="296"/>
+            <ac:spMk id="2" creationId="{7B1A4F75-5C31-4B64-8DB0-EB84145DC97A}"/>
+          </ac:spMkLst>
+        </pc:spChg>
+        <pc:picChg chg="del">
+          <ac:chgData name="Chen, Jeff" userId="9a3224f5-9893-4468-acd0-6d03119f890b" providerId="ADAL" clId="{36668F78-20BC-4003-801C-8ACC5A4B6E0B}" dt="2021-03-29T00:20:11.223" v="1729" actId="478"/>
+          <ac:picMkLst>
+            <pc:docMk/>
+            <pc:sldMk cId="4080796444" sldId="296"/>
+            <ac:picMk id="4" creationId="{58535C4F-9E18-47DC-A559-1AF53A981F4B}"/>
+          </ac:picMkLst>
+        </pc:picChg>
+        <pc:picChg chg="add mod">
+          <ac:chgData name="Chen, Jeff" userId="9a3224f5-9893-4468-acd0-6d03119f890b" providerId="ADAL" clId="{36668F78-20BC-4003-801C-8ACC5A4B6E0B}" dt="2021-03-29T00:20:16.945" v="1731" actId="1076"/>
+          <ac:picMkLst>
+            <pc:docMk/>
+            <pc:sldMk cId="4080796444" sldId="296"/>
+            <ac:picMk id="8" creationId="{589B4206-59A5-4CB9-A1E5-DE56607BBAD2}"/>
+          </ac:picMkLst>
+        </pc:picChg>
+      </pc:sldChg>
+      <pc:sldChg chg="modSp new del mod">
+        <pc:chgData name="Chen, Jeff" userId="9a3224f5-9893-4468-acd0-6d03119f890b" providerId="ADAL" clId="{36668F78-20BC-4003-801C-8ACC5A4B6E0B}" dt="2021-03-29T00:24:42.523" v="1774" actId="2696"/>
+        <pc:sldMkLst>
+          <pc:docMk/>
+          <pc:sldMk cId="3145158326" sldId="297"/>
+        </pc:sldMkLst>
+        <pc:spChg chg="mod">
+          <ac:chgData name="Chen, Jeff" userId="9a3224f5-9893-4468-acd0-6d03119f890b" providerId="ADAL" clId="{36668F78-20BC-4003-801C-8ACC5A4B6E0B}" dt="2021-03-29T00:21:14.826" v="1750" actId="20577"/>
+          <ac:spMkLst>
+            <pc:docMk/>
+            <pc:sldMk cId="3145158326" sldId="297"/>
+            <ac:spMk id="2" creationId="{F17003AB-2102-4D4F-8CF6-5777AD395CCD}"/>
+          </ac:spMkLst>
+        </pc:spChg>
+      </pc:sldChg>
+      <pc:sldChg chg="addSp delSp modSp add mod">
+        <pc:chgData name="Chen, Jeff" userId="9a3224f5-9893-4468-acd0-6d03119f890b" providerId="ADAL" clId="{36668F78-20BC-4003-801C-8ACC5A4B6E0B}" dt="2021-03-29T00:20:50.941" v="1744" actId="20577"/>
+        <pc:sldMkLst>
+          <pc:docMk/>
+          <pc:sldMk cId="1377409982" sldId="298"/>
+        </pc:sldMkLst>
+        <pc:spChg chg="mod">
+          <ac:chgData name="Chen, Jeff" userId="9a3224f5-9893-4468-acd0-6d03119f890b" providerId="ADAL" clId="{36668F78-20BC-4003-801C-8ACC5A4B6E0B}" dt="2021-03-29T00:20:50.941" v="1744" actId="20577"/>
+          <ac:spMkLst>
+            <pc:docMk/>
+            <pc:sldMk cId="1377409982" sldId="298"/>
+            <ac:spMk id="2" creationId="{7B1A4F75-5C31-4B64-8DB0-EB84145DC97A}"/>
+          </ac:spMkLst>
+        </pc:spChg>
+        <pc:picChg chg="add">
+          <ac:chgData name="Chen, Jeff" userId="9a3224f5-9893-4468-acd0-6d03119f890b" providerId="ADAL" clId="{36668F78-20BC-4003-801C-8ACC5A4B6E0B}" dt="2021-03-29T00:20:45.477" v="1735" actId="22"/>
+          <ac:picMkLst>
+            <pc:docMk/>
+            <pc:sldMk cId="1377409982" sldId="298"/>
+            <ac:picMk id="4" creationId="{78EAB12B-FB05-49CA-807A-FC579BACD1CA}"/>
+          </ac:picMkLst>
+        </pc:picChg>
+        <pc:picChg chg="del">
+          <ac:chgData name="Chen, Jeff" userId="9a3224f5-9893-4468-acd0-6d03119f890b" providerId="ADAL" clId="{36668F78-20BC-4003-801C-8ACC5A4B6E0B}" dt="2021-03-29T00:20:45.304" v="1734" actId="478"/>
+          <ac:picMkLst>
+            <pc:docMk/>
+            <pc:sldMk cId="1377409982" sldId="298"/>
+            <ac:picMk id="8" creationId="{589B4206-59A5-4CB9-A1E5-DE56607BBAD2}"/>
+          </ac:picMkLst>
+        </pc:picChg>
+      </pc:sldChg>
+      <pc:sldChg chg="addSp modSp add mod">
+        <pc:chgData name="Chen, Jeff" userId="9a3224f5-9893-4468-acd0-6d03119f890b" providerId="ADAL" clId="{36668F78-20BC-4003-801C-8ACC5A4B6E0B}" dt="2021-03-29T00:22:30.927" v="1771" actId="1076"/>
+        <pc:sldMkLst>
+          <pc:docMk/>
+          <pc:sldMk cId="4042150361" sldId="299"/>
+        </pc:sldMkLst>
+        <pc:spChg chg="mod">
+          <ac:chgData name="Chen, Jeff" userId="9a3224f5-9893-4468-acd0-6d03119f890b" providerId="ADAL" clId="{36668F78-20BC-4003-801C-8ACC5A4B6E0B}" dt="2021-03-29T00:21:24.075" v="1769" actId="20577"/>
+          <ac:spMkLst>
+            <pc:docMk/>
+            <pc:sldMk cId="4042150361" sldId="299"/>
+            <ac:spMk id="2" creationId="{7B1A4F75-5C31-4B64-8DB0-EB84145DC97A}"/>
+          </ac:spMkLst>
+        </pc:spChg>
+        <pc:picChg chg="add">
+          <ac:chgData name="Chen, Jeff" userId="9a3224f5-9893-4468-acd0-6d03119f890b" providerId="ADAL" clId="{36668F78-20BC-4003-801C-8ACC5A4B6E0B}" dt="2021-03-29T00:21:18.548" v="1752" actId="22"/>
+          <ac:picMkLst>
+            <pc:docMk/>
+            <pc:sldMk cId="4042150361" sldId="299"/>
+            <ac:picMk id="5" creationId="{3F05D8F5-1E93-4B0B-9B9C-E32A8FA3E741}"/>
+          </ac:picMkLst>
+        </pc:picChg>
+        <pc:picChg chg="add mod">
+          <ac:chgData name="Chen, Jeff" userId="9a3224f5-9893-4468-acd0-6d03119f890b" providerId="ADAL" clId="{36668F78-20BC-4003-801C-8ACC5A4B6E0B}" dt="2021-03-29T00:22:30.927" v="1771" actId="1076"/>
+          <ac:picMkLst>
+            <pc:docMk/>
+            <pc:sldMk cId="4042150361" sldId="299"/>
+            <ac:picMk id="7" creationId="{4CC44700-9BCB-4BC6-96FA-415DAE95E341}"/>
+          </ac:picMkLst>
+        </pc:picChg>
+      </pc:sldChg>
+      <pc:sldChg chg="new del">
+        <pc:chgData name="Chen, Jeff" userId="9a3224f5-9893-4468-acd0-6d03119f890b" providerId="ADAL" clId="{36668F78-20BC-4003-801C-8ACC5A4B6E0B}" dt="2021-03-29T00:24:39.547" v="1773" actId="2696"/>
+        <pc:sldMkLst>
+          <pc:docMk/>
+          <pc:sldMk cId="353569507" sldId="300"/>
+        </pc:sldMkLst>
+      </pc:sldChg>
     </pc:docChg>
   </pc:docChgLst>
 </pc:chgInfo>
@@ -1960,7 +2101,7 @@
           <a:p>
             <a:fld id="{64FCA671-C320-437E-A846-70FE3A79CD3C}" type="datetimeFigureOut">
               <a:rPr lang="en-US" smtClean="0"/>
-              <a:t>3/21/2021</a:t>
+              <a:t>3/28/2021</a:t>
             </a:fld>
             <a:endParaRPr lang="en-US"/>
           </a:p>
@@ -2374,7 +2515,7 @@
           <a:p>
             <a:fld id="{30D69E17-F306-4E08-9522-67EEF85B89F0}" type="datetimeFigureOut">
               <a:rPr lang="en-US" smtClean="0"/>
-              <a:t>3/21/2021</a:t>
+              <a:t>3/28/2021</a:t>
             </a:fld>
             <a:endParaRPr lang="en-US"/>
           </a:p>
@@ -2572,7 +2713,7 @@
           <a:p>
             <a:fld id="{30D69E17-F306-4E08-9522-67EEF85B89F0}" type="datetimeFigureOut">
               <a:rPr lang="en-US" smtClean="0"/>
-              <a:t>3/21/2021</a:t>
+              <a:t>3/28/2021</a:t>
             </a:fld>
             <a:endParaRPr lang="en-US"/>
           </a:p>
@@ -2780,7 +2921,7 @@
           <a:p>
             <a:fld id="{30D69E17-F306-4E08-9522-67EEF85B89F0}" type="datetimeFigureOut">
               <a:rPr lang="en-US" smtClean="0"/>
-              <a:t>3/21/2021</a:t>
+              <a:t>3/28/2021</a:t>
             </a:fld>
             <a:endParaRPr lang="en-US"/>
           </a:p>
@@ -2978,7 +3119,7 @@
           <a:p>
             <a:fld id="{30D69E17-F306-4E08-9522-67EEF85B89F0}" type="datetimeFigureOut">
               <a:rPr lang="en-US" smtClean="0"/>
-              <a:t>3/21/2021</a:t>
+              <a:t>3/28/2021</a:t>
             </a:fld>
             <a:endParaRPr lang="en-US"/>
           </a:p>
@@ -3253,7 +3394,7 @@
           <a:p>
             <a:fld id="{30D69E17-F306-4E08-9522-67EEF85B89F0}" type="datetimeFigureOut">
               <a:rPr lang="en-US" smtClean="0"/>
-              <a:t>3/21/2021</a:t>
+              <a:t>3/28/2021</a:t>
             </a:fld>
             <a:endParaRPr lang="en-US"/>
           </a:p>
@@ -3518,7 +3659,7 @@
           <a:p>
             <a:fld id="{30D69E17-F306-4E08-9522-67EEF85B89F0}" type="datetimeFigureOut">
               <a:rPr lang="en-US" smtClean="0"/>
-              <a:t>3/21/2021</a:t>
+              <a:t>3/28/2021</a:t>
             </a:fld>
             <a:endParaRPr lang="en-US"/>
           </a:p>
@@ -3930,7 +4071,7 @@
           <a:p>
             <a:fld id="{30D69E17-F306-4E08-9522-67EEF85B89F0}" type="datetimeFigureOut">
               <a:rPr lang="en-US" smtClean="0"/>
-              <a:t>3/21/2021</a:t>
+              <a:t>3/28/2021</a:t>
             </a:fld>
             <a:endParaRPr lang="en-US"/>
           </a:p>
@@ -4071,7 +4212,7 @@
           <a:p>
             <a:fld id="{30D69E17-F306-4E08-9522-67EEF85B89F0}" type="datetimeFigureOut">
               <a:rPr lang="en-US" smtClean="0"/>
-              <a:t>3/21/2021</a:t>
+              <a:t>3/28/2021</a:t>
             </a:fld>
             <a:endParaRPr lang="en-US"/>
           </a:p>
@@ -4184,7 +4325,7 @@
           <a:p>
             <a:fld id="{30D69E17-F306-4E08-9522-67EEF85B89F0}" type="datetimeFigureOut">
               <a:rPr lang="en-US" smtClean="0"/>
-              <a:t>3/21/2021</a:t>
+              <a:t>3/28/2021</a:t>
             </a:fld>
             <a:endParaRPr lang="en-US"/>
           </a:p>
@@ -4495,7 +4636,7 @@
           <a:p>
             <a:fld id="{30D69E17-F306-4E08-9522-67EEF85B89F0}" type="datetimeFigureOut">
               <a:rPr lang="en-US" smtClean="0"/>
-              <a:t>3/21/2021</a:t>
+              <a:t>3/28/2021</a:t>
             </a:fld>
             <a:endParaRPr lang="en-US"/>
           </a:p>
@@ -4783,7 +4924,7 @@
           <a:p>
             <a:fld id="{30D69E17-F306-4E08-9522-67EEF85B89F0}" type="datetimeFigureOut">
               <a:rPr lang="en-US" smtClean="0"/>
-              <a:t>3/21/2021</a:t>
+              <a:t>3/28/2021</a:t>
             </a:fld>
             <a:endParaRPr lang="en-US"/>
           </a:p>
@@ -5024,7 +5165,7 @@
           <a:p>
             <a:fld id="{30D69E17-F306-4E08-9522-67EEF85B89F0}" type="datetimeFigureOut">
               <a:rPr lang="en-US" smtClean="0"/>
-              <a:t>3/21/2021</a:t>
+              <a:t>3/28/2021</a:t>
             </a:fld>
             <a:endParaRPr lang="en-US"/>
           </a:p>
@@ -16962,6 +17103,1089 @@
     <p:extLst>
       <p:ext uri="{BB962C8B-B14F-4D97-AF65-F5344CB8AC3E}">
         <p14:creationId xmlns:p14="http://schemas.microsoft.com/office/powerpoint/2010/main" val="1873168933"/>
+      </p:ext>
+    </p:extLst>
+  </p:cSld>
+  <p:clrMapOvr>
+    <a:masterClrMapping/>
+  </p:clrMapOvr>
+</p:sld>
+</file>
+
+<file path=ppt/slides/slide31.xml><?xml version="1.0" encoding="utf-8"?>
+<p:sld xmlns:a="http://schemas.openxmlformats.org/drawingml/2006/main" xmlns:r="http://schemas.openxmlformats.org/officeDocument/2006/relationships" xmlns:p="http://schemas.openxmlformats.org/presentationml/2006/main">
+  <p:cSld>
+    <p:bg>
+      <p:bgPr>
+        <a:solidFill>
+          <a:schemeClr val="bg1"/>
+        </a:solidFill>
+        <a:effectLst/>
+      </p:bgPr>
+    </p:bg>
+    <p:spTree>
+      <p:nvGrpSpPr>
+        <p:cNvPr id="1" name=""/>
+        <p:cNvGrpSpPr/>
+        <p:nvPr/>
+      </p:nvGrpSpPr>
+      <p:grpSpPr>
+        <a:xfrm>
+          <a:off x="0" y="0"/>
+          <a:ext cx="0" cy="0"/>
+          <a:chOff x="0" y="0"/>
+          <a:chExt cx="0" cy="0"/>
+        </a:xfrm>
+      </p:grpSpPr>
+      <p:cxnSp>
+        <p:nvCxnSpPr>
+          <p:cNvPr id="14" name="Straight Connector 8">
+            <a:extLst>
+              <a:ext uri="{FF2B5EF4-FFF2-40B4-BE49-F238E27FC236}">
+                <a16:creationId xmlns:a16="http://schemas.microsoft.com/office/drawing/2014/main" id="{D2E961F1-4A28-4A5F-BBD4-6E400E5E6C75}"/>
+              </a:ext>
+              <a:ext uri="{C183D7F6-B498-43B3-948B-1728B52AA6E4}">
+                <adec:decorative xmlns:adec="http://schemas.microsoft.com/office/drawing/2017/decorative" val="1"/>
+              </a:ext>
+            </a:extLst>
+          </p:cNvPr>
+          <p:cNvCxnSpPr>
+            <a:cxnSpLocks noGrp="1" noRot="1" noChangeAspect="1" noMove="1" noResize="1" noEditPoints="1" noAdjustHandles="1" noChangeArrowheads="1" noChangeShapeType="1"/>
+          </p:cNvCxnSpPr>
+          <p:nvPr>
+            <p:extLst>
+              <p:ext uri="{386F3935-93C4-4BCD-93E2-E3B085C9AB24}">
+                <p16:designElem xmlns:p16="http://schemas.microsoft.com/office/powerpoint/2015/main" val="1"/>
+              </p:ext>
+            </p:extLst>
+          </p:nvPr>
+        </p:nvCxnSpPr>
+        <p:spPr bwMode="white">
+          <a:xfrm>
+            <a:off x="0" y="272357"/>
+            <a:ext cx="12188824" cy="0"/>
+          </a:xfrm>
+          <a:prstGeom prst="line">
+            <a:avLst/>
+          </a:prstGeom>
+          <a:ln w="50800">
+            <a:solidFill>
+              <a:schemeClr val="tx1">
+                <a:lumMod val="75000"/>
+                <a:lumOff val="25000"/>
+              </a:schemeClr>
+            </a:solidFill>
+          </a:ln>
+        </p:spPr>
+        <p:style>
+          <a:lnRef idx="1">
+            <a:schemeClr val="accent1"/>
+          </a:lnRef>
+          <a:fillRef idx="0">
+            <a:schemeClr val="accent1"/>
+          </a:fillRef>
+          <a:effectRef idx="0">
+            <a:schemeClr val="accent1"/>
+          </a:effectRef>
+          <a:fontRef idx="minor">
+            <a:schemeClr val="tx1"/>
+          </a:fontRef>
+        </p:style>
+      </p:cxnSp>
+      <p:sp>
+        <p:nvSpPr>
+          <p:cNvPr id="16" name="Rectangle 10">
+            <a:extLst>
+              <a:ext uri="{FF2B5EF4-FFF2-40B4-BE49-F238E27FC236}">
+                <a16:creationId xmlns:a16="http://schemas.microsoft.com/office/drawing/2014/main" id="{7F57BEA8-497D-4AA8-8A18-BDCD696B25FE}"/>
+              </a:ext>
+              <a:ext uri="{C183D7F6-B498-43B3-948B-1728B52AA6E4}">
+                <adec:decorative xmlns:adec="http://schemas.microsoft.com/office/drawing/2017/decorative" val="1"/>
+              </a:ext>
+            </a:extLst>
+          </p:cNvPr>
+          <p:cNvSpPr>
+            <a:spLocks noGrp="1" noRot="1" noChangeAspect="1" noMove="1" noResize="1" noEditPoints="1" noAdjustHandles="1" noChangeArrowheads="1" noChangeShapeType="1" noTextEdit="1"/>
+          </p:cNvSpPr>
+          <p:nvPr>
+            <p:extLst>
+              <p:ext uri="{386F3935-93C4-4BCD-93E2-E3B085C9AB24}">
+                <p16:designElem xmlns:p16="http://schemas.microsoft.com/office/powerpoint/2015/main" val="1"/>
+              </p:ext>
+            </p:extLst>
+          </p:nvPr>
+        </p:nvSpPr>
+        <p:spPr>
+          <a:xfrm>
+            <a:off x="0" y="368596"/>
+            <a:ext cx="12192000" cy="1735555"/>
+          </a:xfrm>
+          <a:prstGeom prst="rect">
+            <a:avLst/>
+          </a:prstGeom>
+          <a:solidFill>
+            <a:schemeClr val="tx1">
+              <a:lumMod val="75000"/>
+              <a:lumOff val="25000"/>
+            </a:schemeClr>
+          </a:solidFill>
+          <a:ln>
+            <a:noFill/>
+          </a:ln>
+        </p:spPr>
+        <p:style>
+          <a:lnRef idx="2">
+            <a:schemeClr val="accent1">
+              <a:shade val="50000"/>
+            </a:schemeClr>
+          </a:lnRef>
+          <a:fillRef idx="1">
+            <a:schemeClr val="accent1"/>
+          </a:fillRef>
+          <a:effectRef idx="0">
+            <a:schemeClr val="accent1"/>
+          </a:effectRef>
+          <a:fontRef idx="minor">
+            <a:schemeClr val="lt1"/>
+          </a:fontRef>
+        </p:style>
+        <p:txBody>
+          <a:bodyPr rtlCol="0" anchor="ctr"/>
+          <a:lstStyle/>
+          <a:p>
+            <a:pPr algn="ctr"/>
+            <a:endParaRPr lang="en-US"/>
+          </a:p>
+        </p:txBody>
+      </p:sp>
+      <p:sp>
+        <p:nvSpPr>
+          <p:cNvPr id="2" name="Title 1">
+            <a:extLst>
+              <a:ext uri="{FF2B5EF4-FFF2-40B4-BE49-F238E27FC236}">
+                <a16:creationId xmlns:a16="http://schemas.microsoft.com/office/drawing/2014/main" id="{7B1A4F75-5C31-4B64-8DB0-EB84145DC97A}"/>
+              </a:ext>
+            </a:extLst>
+          </p:cNvPr>
+          <p:cNvSpPr>
+            <a:spLocks noGrp="1"/>
+          </p:cNvSpPr>
+          <p:nvPr>
+            <p:ph type="title"/>
+          </p:nvPr>
+        </p:nvSpPr>
+        <p:spPr>
+          <a:xfrm>
+            <a:off x="526073" y="489439"/>
+            <a:ext cx="11139854" cy="930447"/>
+          </a:xfrm>
+        </p:spPr>
+        <p:txBody>
+          <a:bodyPr vert="horz" lIns="91440" tIns="45720" rIns="91440" bIns="45720" rtlCol="0" anchor="b">
+            <a:normAutofit/>
+          </a:bodyPr>
+          <a:lstStyle/>
+          <a:p>
+            <a:pPr algn="ctr"/>
+            <a:r>
+              <a:rPr lang="en-US" sz="5400" kern="1200" dirty="0">
+                <a:solidFill>
+                  <a:schemeClr val="bg1"/>
+                </a:solidFill>
+                <a:latin typeface="+mj-lt"/>
+                <a:ea typeface="+mj-ea"/>
+                <a:cs typeface="+mj-cs"/>
+              </a:rPr>
+              <a:t>Complex and Imaginary Numbers</a:t>
+            </a:r>
+          </a:p>
+        </p:txBody>
+      </p:sp>
+      <p:cxnSp>
+        <p:nvCxnSpPr>
+          <p:cNvPr id="13" name="Straight Connector 12">
+            <a:extLst>
+              <a:ext uri="{FF2B5EF4-FFF2-40B4-BE49-F238E27FC236}">
+                <a16:creationId xmlns:a16="http://schemas.microsoft.com/office/drawing/2014/main" id="{A82415D3-DDE5-4D63-8CB3-23A5EC581B27}"/>
+              </a:ext>
+              <a:ext uri="{C183D7F6-B498-43B3-948B-1728B52AA6E4}">
+                <adec:decorative xmlns:adec="http://schemas.microsoft.com/office/drawing/2017/decorative" val="1"/>
+              </a:ext>
+            </a:extLst>
+          </p:cNvPr>
+          <p:cNvCxnSpPr>
+            <a:cxnSpLocks noGrp="1" noRot="1" noChangeAspect="1" noMove="1" noResize="1" noEditPoints="1" noAdjustHandles="1" noChangeArrowheads="1" noChangeShapeType="1"/>
+          </p:cNvCxnSpPr>
+          <p:nvPr>
+            <p:extLst>
+              <p:ext uri="{386F3935-93C4-4BCD-93E2-E3B085C9AB24}">
+                <p16:designElem xmlns:p16="http://schemas.microsoft.com/office/powerpoint/2015/main" val="1"/>
+              </p:ext>
+            </p:extLst>
+          </p:nvPr>
+        </p:nvCxnSpPr>
+        <p:spPr>
+          <a:xfrm>
+            <a:off x="4724400" y="1479733"/>
+            <a:ext cx="2743200" cy="0"/>
+          </a:xfrm>
+          <a:prstGeom prst="line">
+            <a:avLst/>
+          </a:prstGeom>
+          <a:ln w="19050">
+            <a:solidFill>
+              <a:schemeClr val="bg1">
+                <a:alpha val="75000"/>
+              </a:schemeClr>
+            </a:solidFill>
+          </a:ln>
+        </p:spPr>
+        <p:style>
+          <a:lnRef idx="1">
+            <a:schemeClr val="accent1"/>
+          </a:lnRef>
+          <a:fillRef idx="0">
+            <a:schemeClr val="accent1"/>
+          </a:fillRef>
+          <a:effectRef idx="0">
+            <a:schemeClr val="accent1"/>
+          </a:effectRef>
+          <a:fontRef idx="minor">
+            <a:schemeClr val="tx1"/>
+          </a:fontRef>
+        </p:style>
+      </p:cxnSp>
+      <p:cxnSp>
+        <p:nvCxnSpPr>
+          <p:cNvPr id="15" name="Straight Connector 14">
+            <a:extLst>
+              <a:ext uri="{FF2B5EF4-FFF2-40B4-BE49-F238E27FC236}">
+                <a16:creationId xmlns:a16="http://schemas.microsoft.com/office/drawing/2014/main" id="{AD7193FB-6AE6-4B3B-8F89-56B55DD63B4D}"/>
+              </a:ext>
+              <a:ext uri="{C183D7F6-B498-43B3-948B-1728B52AA6E4}">
+                <adec:decorative xmlns:adec="http://schemas.microsoft.com/office/drawing/2017/decorative" val="1"/>
+              </a:ext>
+            </a:extLst>
+          </p:cNvPr>
+          <p:cNvCxnSpPr>
+            <a:cxnSpLocks noGrp="1" noRot="1" noChangeAspect="1" noMove="1" noResize="1" noEditPoints="1" noAdjustHandles="1" noChangeArrowheads="1" noChangeShapeType="1"/>
+          </p:cNvCxnSpPr>
+          <p:nvPr>
+            <p:extLst>
+              <p:ext uri="{386F3935-93C4-4BCD-93E2-E3B085C9AB24}">
+                <p16:designElem xmlns:p16="http://schemas.microsoft.com/office/powerpoint/2015/main" val="1"/>
+              </p:ext>
+            </p:extLst>
+          </p:nvPr>
+        </p:nvCxnSpPr>
+        <p:spPr bwMode="white">
+          <a:xfrm>
+            <a:off x="0" y="2201402"/>
+            <a:ext cx="12188824" cy="0"/>
+          </a:xfrm>
+          <a:prstGeom prst="line">
+            <a:avLst/>
+          </a:prstGeom>
+          <a:ln w="50800">
+            <a:solidFill>
+              <a:schemeClr val="tx1">
+                <a:lumMod val="75000"/>
+                <a:lumOff val="25000"/>
+              </a:schemeClr>
+            </a:solidFill>
+          </a:ln>
+        </p:spPr>
+        <p:style>
+          <a:lnRef idx="1">
+            <a:schemeClr val="accent1"/>
+          </a:lnRef>
+          <a:fillRef idx="0">
+            <a:schemeClr val="accent1"/>
+          </a:fillRef>
+          <a:effectRef idx="0">
+            <a:schemeClr val="accent1"/>
+          </a:effectRef>
+          <a:fontRef idx="minor">
+            <a:schemeClr val="tx1"/>
+          </a:fontRef>
+        </p:style>
+      </p:cxnSp>
+      <p:pic>
+        <p:nvPicPr>
+          <p:cNvPr id="8" name="Picture 7">
+            <a:extLst>
+              <a:ext uri="{FF2B5EF4-FFF2-40B4-BE49-F238E27FC236}">
+                <a16:creationId xmlns:a16="http://schemas.microsoft.com/office/drawing/2014/main" id="{589B4206-59A5-4CB9-A1E5-DE56607BBAD2}"/>
+              </a:ext>
+            </a:extLst>
+          </p:cNvPr>
+          <p:cNvPicPr>
+            <a:picLocks noChangeAspect="1"/>
+          </p:cNvPicPr>
+          <p:nvPr/>
+        </p:nvPicPr>
+        <p:blipFill>
+          <a:blip r:embed="rId2"/>
+          <a:stretch>
+            <a:fillRect/>
+          </a:stretch>
+        </p:blipFill>
+        <p:spPr>
+          <a:xfrm>
+            <a:off x="1755774" y="2938780"/>
+            <a:ext cx="8677275" cy="1143000"/>
+          </a:xfrm>
+          <a:prstGeom prst="rect">
+            <a:avLst/>
+          </a:prstGeom>
+        </p:spPr>
+      </p:pic>
+    </p:spTree>
+    <p:extLst>
+      <p:ext uri="{BB962C8B-B14F-4D97-AF65-F5344CB8AC3E}">
+        <p14:creationId xmlns:p14="http://schemas.microsoft.com/office/powerpoint/2010/main" val="4080796444"/>
+      </p:ext>
+    </p:extLst>
+  </p:cSld>
+  <p:clrMapOvr>
+    <a:masterClrMapping/>
+  </p:clrMapOvr>
+</p:sld>
+</file>
+
+<file path=ppt/slides/slide32.xml><?xml version="1.0" encoding="utf-8"?>
+<p:sld xmlns:a="http://schemas.openxmlformats.org/drawingml/2006/main" xmlns:r="http://schemas.openxmlformats.org/officeDocument/2006/relationships" xmlns:p="http://schemas.openxmlformats.org/presentationml/2006/main">
+  <p:cSld>
+    <p:bg>
+      <p:bgPr>
+        <a:solidFill>
+          <a:schemeClr val="bg1"/>
+        </a:solidFill>
+        <a:effectLst/>
+      </p:bgPr>
+    </p:bg>
+    <p:spTree>
+      <p:nvGrpSpPr>
+        <p:cNvPr id="1" name=""/>
+        <p:cNvGrpSpPr/>
+        <p:nvPr/>
+      </p:nvGrpSpPr>
+      <p:grpSpPr>
+        <a:xfrm>
+          <a:off x="0" y="0"/>
+          <a:ext cx="0" cy="0"/>
+          <a:chOff x="0" y="0"/>
+          <a:chExt cx="0" cy="0"/>
+        </a:xfrm>
+      </p:grpSpPr>
+      <p:cxnSp>
+        <p:nvCxnSpPr>
+          <p:cNvPr id="14" name="Straight Connector 8">
+            <a:extLst>
+              <a:ext uri="{FF2B5EF4-FFF2-40B4-BE49-F238E27FC236}">
+                <a16:creationId xmlns:a16="http://schemas.microsoft.com/office/drawing/2014/main" id="{D2E961F1-4A28-4A5F-BBD4-6E400E5E6C75}"/>
+              </a:ext>
+              <a:ext uri="{C183D7F6-B498-43B3-948B-1728B52AA6E4}">
+                <adec:decorative xmlns:adec="http://schemas.microsoft.com/office/drawing/2017/decorative" val="1"/>
+              </a:ext>
+            </a:extLst>
+          </p:cNvPr>
+          <p:cNvCxnSpPr>
+            <a:cxnSpLocks noGrp="1" noRot="1" noChangeAspect="1" noMove="1" noResize="1" noEditPoints="1" noAdjustHandles="1" noChangeArrowheads="1" noChangeShapeType="1"/>
+          </p:cNvCxnSpPr>
+          <p:nvPr>
+            <p:extLst>
+              <p:ext uri="{386F3935-93C4-4BCD-93E2-E3B085C9AB24}">
+                <p16:designElem xmlns:p16="http://schemas.microsoft.com/office/powerpoint/2015/main" val="1"/>
+              </p:ext>
+            </p:extLst>
+          </p:nvPr>
+        </p:nvCxnSpPr>
+        <p:spPr bwMode="white">
+          <a:xfrm>
+            <a:off x="0" y="272357"/>
+            <a:ext cx="12188824" cy="0"/>
+          </a:xfrm>
+          <a:prstGeom prst="line">
+            <a:avLst/>
+          </a:prstGeom>
+          <a:ln w="50800">
+            <a:solidFill>
+              <a:schemeClr val="tx1">
+                <a:lumMod val="75000"/>
+                <a:lumOff val="25000"/>
+              </a:schemeClr>
+            </a:solidFill>
+          </a:ln>
+        </p:spPr>
+        <p:style>
+          <a:lnRef idx="1">
+            <a:schemeClr val="accent1"/>
+          </a:lnRef>
+          <a:fillRef idx="0">
+            <a:schemeClr val="accent1"/>
+          </a:fillRef>
+          <a:effectRef idx="0">
+            <a:schemeClr val="accent1"/>
+          </a:effectRef>
+          <a:fontRef idx="minor">
+            <a:schemeClr val="tx1"/>
+          </a:fontRef>
+        </p:style>
+      </p:cxnSp>
+      <p:sp>
+        <p:nvSpPr>
+          <p:cNvPr id="16" name="Rectangle 10">
+            <a:extLst>
+              <a:ext uri="{FF2B5EF4-FFF2-40B4-BE49-F238E27FC236}">
+                <a16:creationId xmlns:a16="http://schemas.microsoft.com/office/drawing/2014/main" id="{7F57BEA8-497D-4AA8-8A18-BDCD696B25FE}"/>
+              </a:ext>
+              <a:ext uri="{C183D7F6-B498-43B3-948B-1728B52AA6E4}">
+                <adec:decorative xmlns:adec="http://schemas.microsoft.com/office/drawing/2017/decorative" val="1"/>
+              </a:ext>
+            </a:extLst>
+          </p:cNvPr>
+          <p:cNvSpPr>
+            <a:spLocks noGrp="1" noRot="1" noChangeAspect="1" noMove="1" noResize="1" noEditPoints="1" noAdjustHandles="1" noChangeArrowheads="1" noChangeShapeType="1" noTextEdit="1"/>
+          </p:cNvSpPr>
+          <p:nvPr>
+            <p:extLst>
+              <p:ext uri="{386F3935-93C4-4BCD-93E2-E3B085C9AB24}">
+                <p16:designElem xmlns:p16="http://schemas.microsoft.com/office/powerpoint/2015/main" val="1"/>
+              </p:ext>
+            </p:extLst>
+          </p:nvPr>
+        </p:nvSpPr>
+        <p:spPr>
+          <a:xfrm>
+            <a:off x="0" y="368596"/>
+            <a:ext cx="12192000" cy="1735555"/>
+          </a:xfrm>
+          <a:prstGeom prst="rect">
+            <a:avLst/>
+          </a:prstGeom>
+          <a:solidFill>
+            <a:schemeClr val="tx1">
+              <a:lumMod val="75000"/>
+              <a:lumOff val="25000"/>
+            </a:schemeClr>
+          </a:solidFill>
+          <a:ln>
+            <a:noFill/>
+          </a:ln>
+        </p:spPr>
+        <p:style>
+          <a:lnRef idx="2">
+            <a:schemeClr val="accent1">
+              <a:shade val="50000"/>
+            </a:schemeClr>
+          </a:lnRef>
+          <a:fillRef idx="1">
+            <a:schemeClr val="accent1"/>
+          </a:fillRef>
+          <a:effectRef idx="0">
+            <a:schemeClr val="accent1"/>
+          </a:effectRef>
+          <a:fontRef idx="minor">
+            <a:schemeClr val="lt1"/>
+          </a:fontRef>
+        </p:style>
+        <p:txBody>
+          <a:bodyPr rtlCol="0" anchor="ctr"/>
+          <a:lstStyle/>
+          <a:p>
+            <a:pPr algn="ctr"/>
+            <a:endParaRPr lang="en-US"/>
+          </a:p>
+        </p:txBody>
+      </p:sp>
+      <p:sp>
+        <p:nvSpPr>
+          <p:cNvPr id="2" name="Title 1">
+            <a:extLst>
+              <a:ext uri="{FF2B5EF4-FFF2-40B4-BE49-F238E27FC236}">
+                <a16:creationId xmlns:a16="http://schemas.microsoft.com/office/drawing/2014/main" id="{7B1A4F75-5C31-4B64-8DB0-EB84145DC97A}"/>
+              </a:ext>
+            </a:extLst>
+          </p:cNvPr>
+          <p:cNvSpPr>
+            <a:spLocks noGrp="1"/>
+          </p:cNvSpPr>
+          <p:nvPr>
+            <p:ph type="title"/>
+          </p:nvPr>
+        </p:nvSpPr>
+        <p:spPr>
+          <a:xfrm>
+            <a:off x="526073" y="489439"/>
+            <a:ext cx="11139854" cy="930447"/>
+          </a:xfrm>
+        </p:spPr>
+        <p:txBody>
+          <a:bodyPr vert="horz" lIns="91440" tIns="45720" rIns="91440" bIns="45720" rtlCol="0" anchor="b">
+            <a:normAutofit/>
+          </a:bodyPr>
+          <a:lstStyle/>
+          <a:p>
+            <a:pPr algn="ctr"/>
+            <a:r>
+              <a:rPr lang="en-US" sz="5400" kern="1200" dirty="0">
+                <a:solidFill>
+                  <a:schemeClr val="bg1"/>
+                </a:solidFill>
+                <a:latin typeface="+mj-lt"/>
+                <a:ea typeface="+mj-ea"/>
+                <a:cs typeface="+mj-cs"/>
+              </a:rPr>
+              <a:t>Complex Conjugate</a:t>
+            </a:r>
+          </a:p>
+        </p:txBody>
+      </p:sp>
+      <p:cxnSp>
+        <p:nvCxnSpPr>
+          <p:cNvPr id="13" name="Straight Connector 12">
+            <a:extLst>
+              <a:ext uri="{FF2B5EF4-FFF2-40B4-BE49-F238E27FC236}">
+                <a16:creationId xmlns:a16="http://schemas.microsoft.com/office/drawing/2014/main" id="{A82415D3-DDE5-4D63-8CB3-23A5EC581B27}"/>
+              </a:ext>
+              <a:ext uri="{C183D7F6-B498-43B3-948B-1728B52AA6E4}">
+                <adec:decorative xmlns:adec="http://schemas.microsoft.com/office/drawing/2017/decorative" val="1"/>
+              </a:ext>
+            </a:extLst>
+          </p:cNvPr>
+          <p:cNvCxnSpPr>
+            <a:cxnSpLocks noGrp="1" noRot="1" noChangeAspect="1" noMove="1" noResize="1" noEditPoints="1" noAdjustHandles="1" noChangeArrowheads="1" noChangeShapeType="1"/>
+          </p:cNvCxnSpPr>
+          <p:nvPr>
+            <p:extLst>
+              <p:ext uri="{386F3935-93C4-4BCD-93E2-E3B085C9AB24}">
+                <p16:designElem xmlns:p16="http://schemas.microsoft.com/office/powerpoint/2015/main" val="1"/>
+              </p:ext>
+            </p:extLst>
+          </p:nvPr>
+        </p:nvCxnSpPr>
+        <p:spPr>
+          <a:xfrm>
+            <a:off x="4724400" y="1479733"/>
+            <a:ext cx="2743200" cy="0"/>
+          </a:xfrm>
+          <a:prstGeom prst="line">
+            <a:avLst/>
+          </a:prstGeom>
+          <a:ln w="19050">
+            <a:solidFill>
+              <a:schemeClr val="bg1">
+                <a:alpha val="75000"/>
+              </a:schemeClr>
+            </a:solidFill>
+          </a:ln>
+        </p:spPr>
+        <p:style>
+          <a:lnRef idx="1">
+            <a:schemeClr val="accent1"/>
+          </a:lnRef>
+          <a:fillRef idx="0">
+            <a:schemeClr val="accent1"/>
+          </a:fillRef>
+          <a:effectRef idx="0">
+            <a:schemeClr val="accent1"/>
+          </a:effectRef>
+          <a:fontRef idx="minor">
+            <a:schemeClr val="tx1"/>
+          </a:fontRef>
+        </p:style>
+      </p:cxnSp>
+      <p:cxnSp>
+        <p:nvCxnSpPr>
+          <p:cNvPr id="15" name="Straight Connector 14">
+            <a:extLst>
+              <a:ext uri="{FF2B5EF4-FFF2-40B4-BE49-F238E27FC236}">
+                <a16:creationId xmlns:a16="http://schemas.microsoft.com/office/drawing/2014/main" id="{AD7193FB-6AE6-4B3B-8F89-56B55DD63B4D}"/>
+              </a:ext>
+              <a:ext uri="{C183D7F6-B498-43B3-948B-1728B52AA6E4}">
+                <adec:decorative xmlns:adec="http://schemas.microsoft.com/office/drawing/2017/decorative" val="1"/>
+              </a:ext>
+            </a:extLst>
+          </p:cNvPr>
+          <p:cNvCxnSpPr>
+            <a:cxnSpLocks noGrp="1" noRot="1" noChangeAspect="1" noMove="1" noResize="1" noEditPoints="1" noAdjustHandles="1" noChangeArrowheads="1" noChangeShapeType="1"/>
+          </p:cNvCxnSpPr>
+          <p:nvPr>
+            <p:extLst>
+              <p:ext uri="{386F3935-93C4-4BCD-93E2-E3B085C9AB24}">
+                <p16:designElem xmlns:p16="http://schemas.microsoft.com/office/powerpoint/2015/main" val="1"/>
+              </p:ext>
+            </p:extLst>
+          </p:nvPr>
+        </p:nvCxnSpPr>
+        <p:spPr bwMode="white">
+          <a:xfrm>
+            <a:off x="0" y="2201402"/>
+            <a:ext cx="12188824" cy="0"/>
+          </a:xfrm>
+          <a:prstGeom prst="line">
+            <a:avLst/>
+          </a:prstGeom>
+          <a:ln w="50800">
+            <a:solidFill>
+              <a:schemeClr val="tx1">
+                <a:lumMod val="75000"/>
+                <a:lumOff val="25000"/>
+              </a:schemeClr>
+            </a:solidFill>
+          </a:ln>
+        </p:spPr>
+        <p:style>
+          <a:lnRef idx="1">
+            <a:schemeClr val="accent1"/>
+          </a:lnRef>
+          <a:fillRef idx="0">
+            <a:schemeClr val="accent1"/>
+          </a:fillRef>
+          <a:effectRef idx="0">
+            <a:schemeClr val="accent1"/>
+          </a:effectRef>
+          <a:fontRef idx="minor">
+            <a:schemeClr val="tx1"/>
+          </a:fontRef>
+        </p:style>
+      </p:cxnSp>
+      <p:pic>
+        <p:nvPicPr>
+          <p:cNvPr id="4" name="Picture 3">
+            <a:extLst>
+              <a:ext uri="{FF2B5EF4-FFF2-40B4-BE49-F238E27FC236}">
+                <a16:creationId xmlns:a16="http://schemas.microsoft.com/office/drawing/2014/main" id="{78EAB12B-FB05-49CA-807A-FC579BACD1CA}"/>
+              </a:ext>
+            </a:extLst>
+          </p:cNvPr>
+          <p:cNvPicPr>
+            <a:picLocks noChangeAspect="1"/>
+          </p:cNvPicPr>
+          <p:nvPr/>
+        </p:nvPicPr>
+        <p:blipFill>
+          <a:blip r:embed="rId2"/>
+          <a:stretch>
+            <a:fillRect/>
+          </a:stretch>
+        </p:blipFill>
+        <p:spPr>
+          <a:xfrm>
+            <a:off x="1671637" y="3086100"/>
+            <a:ext cx="8848725" cy="685800"/>
+          </a:xfrm>
+          <a:prstGeom prst="rect">
+            <a:avLst/>
+          </a:prstGeom>
+        </p:spPr>
+      </p:pic>
+    </p:spTree>
+    <p:extLst>
+      <p:ext uri="{BB962C8B-B14F-4D97-AF65-F5344CB8AC3E}">
+        <p14:creationId xmlns:p14="http://schemas.microsoft.com/office/powerpoint/2010/main" val="1377409982"/>
+      </p:ext>
+    </p:extLst>
+  </p:cSld>
+  <p:clrMapOvr>
+    <a:masterClrMapping/>
+  </p:clrMapOvr>
+</p:sld>
+</file>
+
+<file path=ppt/slides/slide33.xml><?xml version="1.0" encoding="utf-8"?>
+<p:sld xmlns:a="http://schemas.openxmlformats.org/drawingml/2006/main" xmlns:r="http://schemas.openxmlformats.org/officeDocument/2006/relationships" xmlns:p="http://schemas.openxmlformats.org/presentationml/2006/main">
+  <p:cSld>
+    <p:bg>
+      <p:bgPr>
+        <a:solidFill>
+          <a:schemeClr val="bg1"/>
+        </a:solidFill>
+        <a:effectLst/>
+      </p:bgPr>
+    </p:bg>
+    <p:spTree>
+      <p:nvGrpSpPr>
+        <p:cNvPr id="1" name=""/>
+        <p:cNvGrpSpPr/>
+        <p:nvPr/>
+      </p:nvGrpSpPr>
+      <p:grpSpPr>
+        <a:xfrm>
+          <a:off x="0" y="0"/>
+          <a:ext cx="0" cy="0"/>
+          <a:chOff x="0" y="0"/>
+          <a:chExt cx="0" cy="0"/>
+        </a:xfrm>
+      </p:grpSpPr>
+      <p:cxnSp>
+        <p:nvCxnSpPr>
+          <p:cNvPr id="14" name="Straight Connector 8">
+            <a:extLst>
+              <a:ext uri="{FF2B5EF4-FFF2-40B4-BE49-F238E27FC236}">
+                <a16:creationId xmlns:a16="http://schemas.microsoft.com/office/drawing/2014/main" id="{D2E961F1-4A28-4A5F-BBD4-6E400E5E6C75}"/>
+              </a:ext>
+              <a:ext uri="{C183D7F6-B498-43B3-948B-1728B52AA6E4}">
+                <adec:decorative xmlns:adec="http://schemas.microsoft.com/office/drawing/2017/decorative" val="1"/>
+              </a:ext>
+            </a:extLst>
+          </p:cNvPr>
+          <p:cNvCxnSpPr>
+            <a:cxnSpLocks noGrp="1" noRot="1" noChangeAspect="1" noMove="1" noResize="1" noEditPoints="1" noAdjustHandles="1" noChangeArrowheads="1" noChangeShapeType="1"/>
+          </p:cNvCxnSpPr>
+          <p:nvPr>
+            <p:extLst>
+              <p:ext uri="{386F3935-93C4-4BCD-93E2-E3B085C9AB24}">
+                <p16:designElem xmlns:p16="http://schemas.microsoft.com/office/powerpoint/2015/main" val="1"/>
+              </p:ext>
+            </p:extLst>
+          </p:nvPr>
+        </p:nvCxnSpPr>
+        <p:spPr bwMode="white">
+          <a:xfrm>
+            <a:off x="0" y="272357"/>
+            <a:ext cx="12188824" cy="0"/>
+          </a:xfrm>
+          <a:prstGeom prst="line">
+            <a:avLst/>
+          </a:prstGeom>
+          <a:ln w="50800">
+            <a:solidFill>
+              <a:schemeClr val="tx1">
+                <a:lumMod val="75000"/>
+                <a:lumOff val="25000"/>
+              </a:schemeClr>
+            </a:solidFill>
+          </a:ln>
+        </p:spPr>
+        <p:style>
+          <a:lnRef idx="1">
+            <a:schemeClr val="accent1"/>
+          </a:lnRef>
+          <a:fillRef idx="0">
+            <a:schemeClr val="accent1"/>
+          </a:fillRef>
+          <a:effectRef idx="0">
+            <a:schemeClr val="accent1"/>
+          </a:effectRef>
+          <a:fontRef idx="minor">
+            <a:schemeClr val="tx1"/>
+          </a:fontRef>
+        </p:style>
+      </p:cxnSp>
+      <p:sp>
+        <p:nvSpPr>
+          <p:cNvPr id="16" name="Rectangle 10">
+            <a:extLst>
+              <a:ext uri="{FF2B5EF4-FFF2-40B4-BE49-F238E27FC236}">
+                <a16:creationId xmlns:a16="http://schemas.microsoft.com/office/drawing/2014/main" id="{7F57BEA8-497D-4AA8-8A18-BDCD696B25FE}"/>
+              </a:ext>
+              <a:ext uri="{C183D7F6-B498-43B3-948B-1728B52AA6E4}">
+                <adec:decorative xmlns:adec="http://schemas.microsoft.com/office/drawing/2017/decorative" val="1"/>
+              </a:ext>
+            </a:extLst>
+          </p:cNvPr>
+          <p:cNvSpPr>
+            <a:spLocks noGrp="1" noRot="1" noChangeAspect="1" noMove="1" noResize="1" noEditPoints="1" noAdjustHandles="1" noChangeArrowheads="1" noChangeShapeType="1" noTextEdit="1"/>
+          </p:cNvSpPr>
+          <p:nvPr>
+            <p:extLst>
+              <p:ext uri="{386F3935-93C4-4BCD-93E2-E3B085C9AB24}">
+                <p16:designElem xmlns:p16="http://schemas.microsoft.com/office/powerpoint/2015/main" val="1"/>
+              </p:ext>
+            </p:extLst>
+          </p:nvPr>
+        </p:nvSpPr>
+        <p:spPr>
+          <a:xfrm>
+            <a:off x="0" y="368596"/>
+            <a:ext cx="12192000" cy="1735555"/>
+          </a:xfrm>
+          <a:prstGeom prst="rect">
+            <a:avLst/>
+          </a:prstGeom>
+          <a:solidFill>
+            <a:schemeClr val="tx1">
+              <a:lumMod val="75000"/>
+              <a:lumOff val="25000"/>
+            </a:schemeClr>
+          </a:solidFill>
+          <a:ln>
+            <a:noFill/>
+          </a:ln>
+        </p:spPr>
+        <p:style>
+          <a:lnRef idx="2">
+            <a:schemeClr val="accent1">
+              <a:shade val="50000"/>
+            </a:schemeClr>
+          </a:lnRef>
+          <a:fillRef idx="1">
+            <a:schemeClr val="accent1"/>
+          </a:fillRef>
+          <a:effectRef idx="0">
+            <a:schemeClr val="accent1"/>
+          </a:effectRef>
+          <a:fontRef idx="minor">
+            <a:schemeClr val="lt1"/>
+          </a:fontRef>
+        </p:style>
+        <p:txBody>
+          <a:bodyPr rtlCol="0" anchor="ctr"/>
+          <a:lstStyle/>
+          <a:p>
+            <a:pPr algn="ctr"/>
+            <a:endParaRPr lang="en-US"/>
+          </a:p>
+        </p:txBody>
+      </p:sp>
+      <p:sp>
+        <p:nvSpPr>
+          <p:cNvPr id="2" name="Title 1">
+            <a:extLst>
+              <a:ext uri="{FF2B5EF4-FFF2-40B4-BE49-F238E27FC236}">
+                <a16:creationId xmlns:a16="http://schemas.microsoft.com/office/drawing/2014/main" id="{7B1A4F75-5C31-4B64-8DB0-EB84145DC97A}"/>
+              </a:ext>
+            </a:extLst>
+          </p:cNvPr>
+          <p:cNvSpPr>
+            <a:spLocks noGrp="1"/>
+          </p:cNvSpPr>
+          <p:nvPr>
+            <p:ph type="title"/>
+          </p:nvPr>
+        </p:nvSpPr>
+        <p:spPr>
+          <a:xfrm>
+            <a:off x="526073" y="489439"/>
+            <a:ext cx="11139854" cy="930447"/>
+          </a:xfrm>
+        </p:spPr>
+        <p:txBody>
+          <a:bodyPr vert="horz" lIns="91440" tIns="45720" rIns="91440" bIns="45720" rtlCol="0" anchor="b">
+            <a:normAutofit/>
+          </a:bodyPr>
+          <a:lstStyle/>
+          <a:p>
+            <a:pPr algn="ctr"/>
+            <a:r>
+              <a:rPr lang="en-US" sz="5400" kern="1200" dirty="0">
+                <a:solidFill>
+                  <a:schemeClr val="bg1"/>
+                </a:solidFill>
+                <a:latin typeface="+mj-lt"/>
+                <a:ea typeface="+mj-ea"/>
+                <a:cs typeface="+mj-cs"/>
+              </a:rPr>
+              <a:t>Magnitude</a:t>
+            </a:r>
+          </a:p>
+        </p:txBody>
+      </p:sp>
+      <p:cxnSp>
+        <p:nvCxnSpPr>
+          <p:cNvPr id="13" name="Straight Connector 12">
+            <a:extLst>
+              <a:ext uri="{FF2B5EF4-FFF2-40B4-BE49-F238E27FC236}">
+                <a16:creationId xmlns:a16="http://schemas.microsoft.com/office/drawing/2014/main" id="{A82415D3-DDE5-4D63-8CB3-23A5EC581B27}"/>
+              </a:ext>
+              <a:ext uri="{C183D7F6-B498-43B3-948B-1728B52AA6E4}">
+                <adec:decorative xmlns:adec="http://schemas.microsoft.com/office/drawing/2017/decorative" val="1"/>
+              </a:ext>
+            </a:extLst>
+          </p:cNvPr>
+          <p:cNvCxnSpPr>
+            <a:cxnSpLocks noGrp="1" noRot="1" noChangeAspect="1" noMove="1" noResize="1" noEditPoints="1" noAdjustHandles="1" noChangeArrowheads="1" noChangeShapeType="1"/>
+          </p:cNvCxnSpPr>
+          <p:nvPr>
+            <p:extLst>
+              <p:ext uri="{386F3935-93C4-4BCD-93E2-E3B085C9AB24}">
+                <p16:designElem xmlns:p16="http://schemas.microsoft.com/office/powerpoint/2015/main" val="1"/>
+              </p:ext>
+            </p:extLst>
+          </p:nvPr>
+        </p:nvCxnSpPr>
+        <p:spPr>
+          <a:xfrm>
+            <a:off x="4724400" y="1479733"/>
+            <a:ext cx="2743200" cy="0"/>
+          </a:xfrm>
+          <a:prstGeom prst="line">
+            <a:avLst/>
+          </a:prstGeom>
+          <a:ln w="19050">
+            <a:solidFill>
+              <a:schemeClr val="bg1">
+                <a:alpha val="75000"/>
+              </a:schemeClr>
+            </a:solidFill>
+          </a:ln>
+        </p:spPr>
+        <p:style>
+          <a:lnRef idx="1">
+            <a:schemeClr val="accent1"/>
+          </a:lnRef>
+          <a:fillRef idx="0">
+            <a:schemeClr val="accent1"/>
+          </a:fillRef>
+          <a:effectRef idx="0">
+            <a:schemeClr val="accent1"/>
+          </a:effectRef>
+          <a:fontRef idx="minor">
+            <a:schemeClr val="tx1"/>
+          </a:fontRef>
+        </p:style>
+      </p:cxnSp>
+      <p:cxnSp>
+        <p:nvCxnSpPr>
+          <p:cNvPr id="15" name="Straight Connector 14">
+            <a:extLst>
+              <a:ext uri="{FF2B5EF4-FFF2-40B4-BE49-F238E27FC236}">
+                <a16:creationId xmlns:a16="http://schemas.microsoft.com/office/drawing/2014/main" id="{AD7193FB-6AE6-4B3B-8F89-56B55DD63B4D}"/>
+              </a:ext>
+              <a:ext uri="{C183D7F6-B498-43B3-948B-1728B52AA6E4}">
+                <adec:decorative xmlns:adec="http://schemas.microsoft.com/office/drawing/2017/decorative" val="1"/>
+              </a:ext>
+            </a:extLst>
+          </p:cNvPr>
+          <p:cNvCxnSpPr>
+            <a:cxnSpLocks noGrp="1" noRot="1" noChangeAspect="1" noMove="1" noResize="1" noEditPoints="1" noAdjustHandles="1" noChangeArrowheads="1" noChangeShapeType="1"/>
+          </p:cNvCxnSpPr>
+          <p:nvPr>
+            <p:extLst>
+              <p:ext uri="{386F3935-93C4-4BCD-93E2-E3B085C9AB24}">
+                <p16:designElem xmlns:p16="http://schemas.microsoft.com/office/powerpoint/2015/main" val="1"/>
+              </p:ext>
+            </p:extLst>
+          </p:nvPr>
+        </p:nvCxnSpPr>
+        <p:spPr bwMode="white">
+          <a:xfrm>
+            <a:off x="0" y="2201402"/>
+            <a:ext cx="12188824" cy="0"/>
+          </a:xfrm>
+          <a:prstGeom prst="line">
+            <a:avLst/>
+          </a:prstGeom>
+          <a:ln w="50800">
+            <a:solidFill>
+              <a:schemeClr val="tx1">
+                <a:lumMod val="75000"/>
+                <a:lumOff val="25000"/>
+              </a:schemeClr>
+            </a:solidFill>
+          </a:ln>
+        </p:spPr>
+        <p:style>
+          <a:lnRef idx="1">
+            <a:schemeClr val="accent1"/>
+          </a:lnRef>
+          <a:fillRef idx="0">
+            <a:schemeClr val="accent1"/>
+          </a:fillRef>
+          <a:effectRef idx="0">
+            <a:schemeClr val="accent1"/>
+          </a:effectRef>
+          <a:fontRef idx="minor">
+            <a:schemeClr val="tx1"/>
+          </a:fontRef>
+        </p:style>
+      </p:cxnSp>
+      <p:pic>
+        <p:nvPicPr>
+          <p:cNvPr id="4" name="Picture 3">
+            <a:extLst>
+              <a:ext uri="{FF2B5EF4-FFF2-40B4-BE49-F238E27FC236}">
+                <a16:creationId xmlns:a16="http://schemas.microsoft.com/office/drawing/2014/main" id="{78EAB12B-FB05-49CA-807A-FC579BACD1CA}"/>
+              </a:ext>
+            </a:extLst>
+          </p:cNvPr>
+          <p:cNvPicPr>
+            <a:picLocks noChangeAspect="1"/>
+          </p:cNvPicPr>
+          <p:nvPr/>
+        </p:nvPicPr>
+        <p:blipFill>
+          <a:blip r:embed="rId2"/>
+          <a:stretch>
+            <a:fillRect/>
+          </a:stretch>
+        </p:blipFill>
+        <p:spPr>
+          <a:xfrm>
+            <a:off x="1671637" y="3086100"/>
+            <a:ext cx="8848725" cy="685800"/>
+          </a:xfrm>
+          <a:prstGeom prst="rect">
+            <a:avLst/>
+          </a:prstGeom>
+        </p:spPr>
+      </p:pic>
+      <p:pic>
+        <p:nvPicPr>
+          <p:cNvPr id="5" name="Picture 4">
+            <a:extLst>
+              <a:ext uri="{FF2B5EF4-FFF2-40B4-BE49-F238E27FC236}">
+                <a16:creationId xmlns:a16="http://schemas.microsoft.com/office/drawing/2014/main" id="{3F05D8F5-1E93-4B0B-9B9C-E32A8FA3E741}"/>
+              </a:ext>
+            </a:extLst>
+          </p:cNvPr>
+          <p:cNvPicPr>
+            <a:picLocks noChangeAspect="1"/>
+          </p:cNvPicPr>
+          <p:nvPr/>
+        </p:nvPicPr>
+        <p:blipFill>
+          <a:blip r:embed="rId3"/>
+          <a:stretch>
+            <a:fillRect/>
+          </a:stretch>
+        </p:blipFill>
+        <p:spPr>
+          <a:xfrm>
+            <a:off x="1733550" y="3028950"/>
+            <a:ext cx="8724900" cy="800100"/>
+          </a:xfrm>
+          <a:prstGeom prst="rect">
+            <a:avLst/>
+          </a:prstGeom>
+        </p:spPr>
+      </p:pic>
+      <p:pic>
+        <p:nvPicPr>
+          <p:cNvPr id="7" name="Picture 6">
+            <a:extLst>
+              <a:ext uri="{FF2B5EF4-FFF2-40B4-BE49-F238E27FC236}">
+                <a16:creationId xmlns:a16="http://schemas.microsoft.com/office/drawing/2014/main" id="{4CC44700-9BCB-4BC6-96FA-415DAE95E341}"/>
+              </a:ext>
+            </a:extLst>
+          </p:cNvPr>
+          <p:cNvPicPr>
+            <a:picLocks noChangeAspect="1"/>
+          </p:cNvPicPr>
+          <p:nvPr/>
+        </p:nvPicPr>
+        <p:blipFill>
+          <a:blip r:embed="rId4"/>
+          <a:stretch>
+            <a:fillRect/>
+          </a:stretch>
+        </p:blipFill>
+        <p:spPr>
+          <a:xfrm>
+            <a:off x="1781175" y="3771900"/>
+            <a:ext cx="8801100" cy="638175"/>
+          </a:xfrm>
+          <a:prstGeom prst="rect">
+            <a:avLst/>
+          </a:prstGeom>
+        </p:spPr>
+      </p:pic>
+    </p:spTree>
+    <p:extLst>
+      <p:ext uri="{BB962C8B-B14F-4D97-AF65-F5344CB8AC3E}">
+        <p14:creationId xmlns:p14="http://schemas.microsoft.com/office/powerpoint/2010/main" val="4042150361"/>
       </p:ext>
     </p:extLst>
   </p:cSld>
@@ -20419,18 +21643,18 @@
 </file>
 
 <file path=customXml/item1.xml><?xml version="1.0" encoding="utf-8"?>
+<p:properties xmlns:p="http://schemas.microsoft.com/office/2006/metadata/properties" xmlns:xsi="http://www.w3.org/2001/XMLSchema-instance" xmlns:pc="http://schemas.microsoft.com/office/infopath/2007/PartnerControls">
+  <documentManagement/>
+</p:properties>
+</file>
+
+<file path=customXml/item2.xml><?xml version="1.0" encoding="utf-8"?>
 <?mso-contentType ?>
 <FormTemplates xmlns="http://schemas.microsoft.com/sharepoint/v3/contenttype/forms">
   <Display>DocumentLibraryForm</Display>
   <Edit>DocumentLibraryForm</Edit>
   <New>DocumentLibraryForm</New>
 </FormTemplates>
-</file>
-
-<file path=customXml/item2.xml><?xml version="1.0" encoding="utf-8"?>
-<p:properties xmlns:p="http://schemas.microsoft.com/office/2006/metadata/properties" xmlns:xsi="http://www.w3.org/2001/XMLSchema-instance" xmlns:pc="http://schemas.microsoft.com/office/infopath/2007/PartnerControls">
-  <documentManagement/>
-</p:properties>
 </file>
 
 <file path=customXml/item3.xml><?xml version="1.0" encoding="utf-8"?>
@@ -20580,14 +21804,6 @@
 </file>
 
 <file path=customXml/itemProps1.xml><?xml version="1.0" encoding="utf-8"?>
-<ds:datastoreItem xmlns:ds="http://schemas.openxmlformats.org/officeDocument/2006/customXml" ds:itemID="{788A8AF5-6005-42B8-9390-76AF2D70382B}">
-  <ds:schemaRefs>
-    <ds:schemaRef ds:uri="http://schemas.microsoft.com/sharepoint/v3/contenttype/forms"/>
-  </ds:schemaRefs>
-</ds:datastoreItem>
-</file>
-
-<file path=customXml/itemProps2.xml><?xml version="1.0" encoding="utf-8"?>
 <ds:datastoreItem xmlns:ds="http://schemas.openxmlformats.org/officeDocument/2006/customXml" ds:itemID="{C9AD7C4E-BA28-4BF5-9FA0-ADBD3510DAA2}">
   <ds:schemaRefs>
     <ds:schemaRef ds:uri="http://schemas.openxmlformats.org/package/2006/metadata/core-properties"/>
@@ -20599,6 +21815,14 @@
     <ds:schemaRef ds:uri="http://schemas.microsoft.com/office/2006/documentManagement/types"/>
     <ds:schemaRef ds:uri="http://www.w3.org/XML/1998/namespace"/>
     <ds:schemaRef ds:uri="http://purl.org/dc/elements/1.1/"/>
+  </ds:schemaRefs>
+</ds:datastoreItem>
+</file>
+
+<file path=customXml/itemProps2.xml><?xml version="1.0" encoding="utf-8"?>
+<ds:datastoreItem xmlns:ds="http://schemas.openxmlformats.org/officeDocument/2006/customXml" ds:itemID="{788A8AF5-6005-42B8-9390-76AF2D70382B}">
+  <ds:schemaRefs>
+    <ds:schemaRef ds:uri="http://schemas.microsoft.com/sharepoint/v3/contenttype/forms"/>
   </ds:schemaRefs>
 </ds:datastoreItem>
 </file>
